--- a/JinilKim_TermProject.pptx
+++ b/JinilKim_TermProject.pptx
@@ -5,23 +5,42 @@
     <p:sldMasterId id="2147483648" r:id="rId1"/>
   </p:sldMasterIdLst>
   <p:notesMasterIdLst>
-    <p:notesMasterId r:id="rId16"/>
+    <p:notesMasterId r:id="rId35"/>
   </p:notesMasterIdLst>
   <p:sldIdLst>
     <p:sldId id="256" r:id="rId2"/>
-    <p:sldId id="257" r:id="rId3"/>
+    <p:sldId id="291" r:id="rId3"/>
     <p:sldId id="258" r:id="rId4"/>
     <p:sldId id="259" r:id="rId5"/>
-    <p:sldId id="260" r:id="rId6"/>
-    <p:sldId id="261" r:id="rId7"/>
-    <p:sldId id="262" r:id="rId8"/>
-    <p:sldId id="263" r:id="rId9"/>
-    <p:sldId id="264" r:id="rId10"/>
-    <p:sldId id="265" r:id="rId11"/>
-    <p:sldId id="266" r:id="rId12"/>
-    <p:sldId id="268" r:id="rId13"/>
-    <p:sldId id="267" r:id="rId14"/>
-    <p:sldId id="269" r:id="rId15"/>
+    <p:sldId id="270" r:id="rId6"/>
+    <p:sldId id="283" r:id="rId7"/>
+    <p:sldId id="260" r:id="rId8"/>
+    <p:sldId id="292" r:id="rId9"/>
+    <p:sldId id="273" r:id="rId10"/>
+    <p:sldId id="287" r:id="rId11"/>
+    <p:sldId id="262" r:id="rId12"/>
+    <p:sldId id="272" r:id="rId13"/>
+    <p:sldId id="271" r:id="rId14"/>
+    <p:sldId id="285" r:id="rId15"/>
+    <p:sldId id="284" r:id="rId16"/>
+    <p:sldId id="286" r:id="rId17"/>
+    <p:sldId id="293" r:id="rId18"/>
+    <p:sldId id="265" r:id="rId19"/>
+    <p:sldId id="289" r:id="rId20"/>
+    <p:sldId id="274" r:id="rId21"/>
+    <p:sldId id="275" r:id="rId22"/>
+    <p:sldId id="288" r:id="rId23"/>
+    <p:sldId id="276" r:id="rId24"/>
+    <p:sldId id="296" r:id="rId25"/>
+    <p:sldId id="297" r:id="rId26"/>
+    <p:sldId id="277" r:id="rId27"/>
+    <p:sldId id="278" r:id="rId28"/>
+    <p:sldId id="290" r:id="rId29"/>
+    <p:sldId id="267" r:id="rId30"/>
+    <p:sldId id="294" r:id="rId31"/>
+    <p:sldId id="280" r:id="rId32"/>
+    <p:sldId id="282" r:id="rId33"/>
+    <p:sldId id="295" r:id="rId34"/>
   </p:sldIdLst>
   <p:sldSz cx="12192000" cy="6858000"/>
   <p:notesSz cx="6858000" cy="9144000"/>
@@ -120,15 +139,840 @@
       </a:defRPr>
     </a:lvl9pPr>
   </p:defaultTextStyle>
+  <p:extLst>
+    <p:ext uri="{EFAFB233-063F-42B5-8137-9DF3F51BA10A}">
+      <p15:sldGuideLst xmlns:p15="http://schemas.microsoft.com/office/powerpoint/2012/main"/>
+    </p:ext>
+  </p:extLst>
 </p:presentation>
 </file>
 
 <file path=ppt/revisionInfo.xml><?xml version="1.0" encoding="utf-8"?>
 <p1510:revInfo xmlns:a="http://schemas.openxmlformats.org/drawingml/2006/main" xmlns:r="http://schemas.openxmlformats.org/officeDocument/2006/relationships" xmlns:p1510="http://schemas.microsoft.com/office/powerpoint/2015/10/main">
   <p1510:revLst>
-    <p1510:client id="{586DD546-AE82-2044-8F1D-1509EB874298}" v="87" dt="2025-09-20T05:52:27.932"/>
+    <p1510:client id="{378D2BDA-DA12-CE46-950E-9DB3C55AA01B}" v="156" dt="2025-12-09T01:24:56.595"/>
   </p1510:revLst>
 </p1510:revInfo>
+</file>
+
+<file path=ppt/changesInfos/changesInfo1.xml><?xml version="1.0" encoding="utf-8"?>
+<pc:chgInfo xmlns:a="http://schemas.openxmlformats.org/drawingml/2006/main" xmlns:r="http://schemas.openxmlformats.org/officeDocument/2006/relationships" xmlns:ac="http://schemas.microsoft.com/office/drawing/2013/main/command" xmlns:pc="http://schemas.microsoft.com/office/powerpoint/2013/main/command">
+  <pc:docChgLst>
+    <pc:chgData name="Jinil Kim" userId="29d0b3c36ca19528" providerId="LiveId" clId="{8CB044BD-BAB4-54D5-B8B5-5D80A84BE461}"/>
+    <pc:docChg chg="undo redo custSel addSld delSld modSld sldOrd">
+      <pc:chgData name="Jinil Kim" userId="29d0b3c36ca19528" providerId="LiveId" clId="{8CB044BD-BAB4-54D5-B8B5-5D80A84BE461}" dt="2025-12-09T01:25:11.689" v="8679" actId="2696"/>
+      <pc:docMkLst>
+        <pc:docMk/>
+      </pc:docMkLst>
+      <pc:sldChg chg="addSp delSp modSp mod">
+        <pc:chgData name="Jinil Kim" userId="29d0b3c36ca19528" providerId="LiveId" clId="{8CB044BD-BAB4-54D5-B8B5-5D80A84BE461}" dt="2025-12-08T09:49:49.979" v="8361" actId="20577"/>
+        <pc:sldMkLst>
+          <pc:docMk/>
+          <pc:sldMk cId="3885268668" sldId="256"/>
+        </pc:sldMkLst>
+        <pc:spChg chg="mod">
+          <ac:chgData name="Jinil Kim" userId="29d0b3c36ca19528" providerId="LiveId" clId="{8CB044BD-BAB4-54D5-B8B5-5D80A84BE461}" dt="2025-12-08T09:49:49.979" v="8361" actId="20577"/>
+          <ac:spMkLst>
+            <pc:docMk/>
+            <pc:sldMk cId="3885268668" sldId="256"/>
+            <ac:spMk id="2" creationId="{815D2AD7-C4CC-C62D-F4D5-7BF9B70D4E91}"/>
+          </ac:spMkLst>
+        </pc:spChg>
+        <pc:spChg chg="mod">
+          <ac:chgData name="Jinil Kim" userId="29d0b3c36ca19528" providerId="LiveId" clId="{8CB044BD-BAB4-54D5-B8B5-5D80A84BE461}" dt="2025-12-02T07:34:58.928" v="159" actId="20577"/>
+          <ac:spMkLst>
+            <pc:docMk/>
+            <pc:sldMk cId="3885268668" sldId="256"/>
+            <ac:spMk id="3" creationId="{51FF91F4-99CB-384E-E9CF-022942A40302}"/>
+          </ac:spMkLst>
+        </pc:spChg>
+      </pc:sldChg>
+      <pc:sldChg chg="addSp delSp modSp mod">
+        <pc:chgData name="Jinil Kim" userId="29d0b3c36ca19528" providerId="LiveId" clId="{8CB044BD-BAB4-54D5-B8B5-5D80A84BE461}" dt="2025-12-08T09:41:12.416" v="8175" actId="20577"/>
+        <pc:sldMkLst>
+          <pc:docMk/>
+          <pc:sldMk cId="4240093712" sldId="258"/>
+        </pc:sldMkLst>
+        <pc:spChg chg="mod">
+          <ac:chgData name="Jinil Kim" userId="29d0b3c36ca19528" providerId="LiveId" clId="{8CB044BD-BAB4-54D5-B8B5-5D80A84BE461}" dt="2025-12-04T00:49:30.205" v="1838" actId="20577"/>
+          <ac:spMkLst>
+            <pc:docMk/>
+            <pc:sldMk cId="4240093712" sldId="258"/>
+            <ac:spMk id="2" creationId="{3793C2AE-B986-A44B-4185-9EA69E9592DA}"/>
+          </ac:spMkLst>
+        </pc:spChg>
+        <pc:spChg chg="mod">
+          <ac:chgData name="Jinil Kim" userId="29d0b3c36ca19528" providerId="LiveId" clId="{8CB044BD-BAB4-54D5-B8B5-5D80A84BE461}" dt="2025-12-08T09:41:12.416" v="8175" actId="20577"/>
+          <ac:spMkLst>
+            <pc:docMk/>
+            <pc:sldMk cId="4240093712" sldId="258"/>
+            <ac:spMk id="6" creationId="{D34F70BB-B4D0-2100-5848-69CED6A3E194}"/>
+          </ac:spMkLst>
+        </pc:spChg>
+      </pc:sldChg>
+      <pc:sldChg chg="addSp delSp modSp mod">
+        <pc:chgData name="Jinil Kim" userId="29d0b3c36ca19528" providerId="LiveId" clId="{8CB044BD-BAB4-54D5-B8B5-5D80A84BE461}" dt="2025-12-04T01:05:06.296" v="2103" actId="1036"/>
+        <pc:sldMkLst>
+          <pc:docMk/>
+          <pc:sldMk cId="2229173460" sldId="259"/>
+        </pc:sldMkLst>
+        <pc:spChg chg="mod">
+          <ac:chgData name="Jinil Kim" userId="29d0b3c36ca19528" providerId="LiveId" clId="{8CB044BD-BAB4-54D5-B8B5-5D80A84BE461}" dt="2025-12-04T00:50:34.470" v="1957" actId="20577"/>
+          <ac:spMkLst>
+            <pc:docMk/>
+            <pc:sldMk cId="2229173460" sldId="259"/>
+            <ac:spMk id="2" creationId="{4A1C0666-F881-0A76-0537-F93369A3BF8F}"/>
+          </ac:spMkLst>
+        </pc:spChg>
+        <pc:spChg chg="add mod">
+          <ac:chgData name="Jinil Kim" userId="29d0b3c36ca19528" providerId="LiveId" clId="{8CB044BD-BAB4-54D5-B8B5-5D80A84BE461}" dt="2025-12-04T01:05:06.296" v="2103" actId="1036"/>
+          <ac:spMkLst>
+            <pc:docMk/>
+            <pc:sldMk cId="2229173460" sldId="259"/>
+            <ac:spMk id="9" creationId="{6D4DADFA-0D93-0B00-4F29-91E4D35ED496}"/>
+          </ac:spMkLst>
+        </pc:spChg>
+        <pc:picChg chg="add mod">
+          <ac:chgData name="Jinil Kim" userId="29d0b3c36ca19528" providerId="LiveId" clId="{8CB044BD-BAB4-54D5-B8B5-5D80A84BE461}" dt="2025-12-04T01:05:06.296" v="2103" actId="1036"/>
+          <ac:picMkLst>
+            <pc:docMk/>
+            <pc:sldMk cId="2229173460" sldId="259"/>
+            <ac:picMk id="8" creationId="{845743A4-858A-E55B-218A-7867F83AE360}"/>
+          </ac:picMkLst>
+        </pc:picChg>
+      </pc:sldChg>
+      <pc:sldChg chg="modSp mod">
+        <pc:chgData name="Jinil Kim" userId="29d0b3c36ca19528" providerId="LiveId" clId="{8CB044BD-BAB4-54D5-B8B5-5D80A84BE461}" dt="2025-12-05T11:50:45.736" v="7580" actId="20577"/>
+        <pc:sldMkLst>
+          <pc:docMk/>
+          <pc:sldMk cId="3412332002" sldId="260"/>
+        </pc:sldMkLst>
+        <pc:spChg chg="mod">
+          <ac:chgData name="Jinil Kim" userId="29d0b3c36ca19528" providerId="LiveId" clId="{8CB044BD-BAB4-54D5-B8B5-5D80A84BE461}" dt="2025-12-04T02:03:24.747" v="5101" actId="20577"/>
+          <ac:spMkLst>
+            <pc:docMk/>
+            <pc:sldMk cId="3412332002" sldId="260"/>
+            <ac:spMk id="2" creationId="{0AD28BF8-72C7-75ED-6BE0-7799428B9033}"/>
+          </ac:spMkLst>
+        </pc:spChg>
+        <pc:spChg chg="mod">
+          <ac:chgData name="Jinil Kim" userId="29d0b3c36ca19528" providerId="LiveId" clId="{8CB044BD-BAB4-54D5-B8B5-5D80A84BE461}" dt="2025-12-05T11:50:45.736" v="7580" actId="20577"/>
+          <ac:spMkLst>
+            <pc:docMk/>
+            <pc:sldMk cId="3412332002" sldId="260"/>
+            <ac:spMk id="3" creationId="{A9907E6E-D297-F869-052A-82C1B0E1BC2C}"/>
+          </ac:spMkLst>
+        </pc:spChg>
+      </pc:sldChg>
+      <pc:sldChg chg="addSp delSp modSp mod modNotesTx">
+        <pc:chgData name="Jinil Kim" userId="29d0b3c36ca19528" providerId="LiveId" clId="{8CB044BD-BAB4-54D5-B8B5-5D80A84BE461}" dt="2025-12-08T09:42:16.449" v="8179" actId="20577"/>
+        <pc:sldMkLst>
+          <pc:docMk/>
+          <pc:sldMk cId="3674602559" sldId="262"/>
+        </pc:sldMkLst>
+        <pc:spChg chg="mod">
+          <ac:chgData name="Jinil Kim" userId="29d0b3c36ca19528" providerId="LiveId" clId="{8CB044BD-BAB4-54D5-B8B5-5D80A84BE461}" dt="2025-12-02T07:40:54.021" v="369" actId="20577"/>
+          <ac:spMkLst>
+            <pc:docMk/>
+            <pc:sldMk cId="3674602559" sldId="262"/>
+            <ac:spMk id="2" creationId="{326B3016-14E1-3609-C367-18690D47CDE6}"/>
+          </ac:spMkLst>
+        </pc:spChg>
+        <pc:spChg chg="mod">
+          <ac:chgData name="Jinil Kim" userId="29d0b3c36ca19528" providerId="LiveId" clId="{8CB044BD-BAB4-54D5-B8B5-5D80A84BE461}" dt="2025-12-04T02:02:58.965" v="5095" actId="20577"/>
+          <ac:spMkLst>
+            <pc:docMk/>
+            <pc:sldMk cId="3674602559" sldId="262"/>
+            <ac:spMk id="3" creationId="{B304B712-DF7B-BCD0-0C4C-F33B44F31548}"/>
+          </ac:spMkLst>
+        </pc:spChg>
+        <pc:picChg chg="add mod">
+          <ac:chgData name="Jinil Kim" userId="29d0b3c36ca19528" providerId="LiveId" clId="{8CB044BD-BAB4-54D5-B8B5-5D80A84BE461}" dt="2025-12-04T02:03:08.570" v="5098" actId="1076"/>
+          <ac:picMkLst>
+            <pc:docMk/>
+            <pc:sldMk cId="3674602559" sldId="262"/>
+            <ac:picMk id="4" creationId="{9F47D62B-D094-40CF-EBCD-A276079C70C2}"/>
+          </ac:picMkLst>
+        </pc:picChg>
+      </pc:sldChg>
+      <pc:sldChg chg="modSp mod">
+        <pc:chgData name="Jinil Kim" userId="29d0b3c36ca19528" providerId="LiveId" clId="{8CB044BD-BAB4-54D5-B8B5-5D80A84BE461}" dt="2025-12-04T02:11:51.623" v="5230" actId="20577"/>
+        <pc:sldMkLst>
+          <pc:docMk/>
+          <pc:sldMk cId="742046706" sldId="265"/>
+        </pc:sldMkLst>
+        <pc:spChg chg="mod">
+          <ac:chgData name="Jinil Kim" userId="29d0b3c36ca19528" providerId="LiveId" clId="{8CB044BD-BAB4-54D5-B8B5-5D80A84BE461}" dt="2025-12-02T07:45:36.736" v="720" actId="20577"/>
+          <ac:spMkLst>
+            <pc:docMk/>
+            <pc:sldMk cId="742046706" sldId="265"/>
+            <ac:spMk id="2" creationId="{8954336E-FABA-5A9F-C7B5-4BCBD689F3C9}"/>
+          </ac:spMkLst>
+        </pc:spChg>
+        <pc:spChg chg="mod">
+          <ac:chgData name="Jinil Kim" userId="29d0b3c36ca19528" providerId="LiveId" clId="{8CB044BD-BAB4-54D5-B8B5-5D80A84BE461}" dt="2025-12-04T02:11:51.623" v="5230" actId="20577"/>
+          <ac:spMkLst>
+            <pc:docMk/>
+            <pc:sldMk cId="742046706" sldId="265"/>
+            <ac:spMk id="3" creationId="{D68FCE92-FD68-5B8D-D6AA-AB4F4AD1862E}"/>
+          </ac:spMkLst>
+        </pc:spChg>
+      </pc:sldChg>
+      <pc:sldChg chg="addSp delSp modSp mod">
+        <pc:chgData name="Jinil Kim" userId="29d0b3c36ca19528" providerId="LiveId" clId="{8CB044BD-BAB4-54D5-B8B5-5D80A84BE461}" dt="2025-12-05T11:45:34.197" v="7091" actId="115"/>
+        <pc:sldMkLst>
+          <pc:docMk/>
+          <pc:sldMk cId="672687170" sldId="267"/>
+        </pc:sldMkLst>
+        <pc:spChg chg="add mod">
+          <ac:chgData name="Jinil Kim" userId="29d0b3c36ca19528" providerId="LiveId" clId="{8CB044BD-BAB4-54D5-B8B5-5D80A84BE461}" dt="2025-12-05T11:45:34.197" v="7091" actId="115"/>
+          <ac:spMkLst>
+            <pc:docMk/>
+            <pc:sldMk cId="672687170" sldId="267"/>
+            <ac:spMk id="3" creationId="{207A7CE9-88EA-3B8A-0C1F-653E2D223011}"/>
+          </ac:spMkLst>
+        </pc:spChg>
+      </pc:sldChg>
+      <pc:sldChg chg="addSp delSp modSp add mod">
+        <pc:chgData name="Jinil Kim" userId="29d0b3c36ca19528" providerId="LiveId" clId="{8CB044BD-BAB4-54D5-B8B5-5D80A84BE461}" dt="2025-12-08T09:41:32.420" v="8176"/>
+        <pc:sldMkLst>
+          <pc:docMk/>
+          <pc:sldMk cId="3617064498" sldId="270"/>
+        </pc:sldMkLst>
+        <pc:spChg chg="mod">
+          <ac:chgData name="Jinil Kim" userId="29d0b3c36ca19528" providerId="LiveId" clId="{8CB044BD-BAB4-54D5-B8B5-5D80A84BE461}" dt="2025-12-08T09:41:32.420" v="8176"/>
+          <ac:spMkLst>
+            <pc:docMk/>
+            <pc:sldMk cId="3617064498" sldId="270"/>
+            <ac:spMk id="2" creationId="{03BDDF5D-E043-3D13-7FD1-0277A138FEE1}"/>
+          </ac:spMkLst>
+        </pc:spChg>
+        <pc:picChg chg="add mod modCrop">
+          <ac:chgData name="Jinil Kim" userId="29d0b3c36ca19528" providerId="LiveId" clId="{8CB044BD-BAB4-54D5-B8B5-5D80A84BE461}" dt="2025-12-04T01:02:57.828" v="2065" actId="1076"/>
+          <ac:picMkLst>
+            <pc:docMk/>
+            <pc:sldMk cId="3617064498" sldId="270"/>
+            <ac:picMk id="7" creationId="{93A6DE20-B859-48FD-A660-71E3004F4078}"/>
+          </ac:picMkLst>
+        </pc:picChg>
+        <pc:picChg chg="add mod">
+          <ac:chgData name="Jinil Kim" userId="29d0b3c36ca19528" providerId="LiveId" clId="{8CB044BD-BAB4-54D5-B8B5-5D80A84BE461}" dt="2025-12-04T01:03:01.440" v="2066" actId="1076"/>
+          <ac:picMkLst>
+            <pc:docMk/>
+            <pc:sldMk cId="3617064498" sldId="270"/>
+            <ac:picMk id="9" creationId="{34AF5CDD-BBCE-B48D-1C28-0A3C8F76FD89}"/>
+          </ac:picMkLst>
+        </pc:picChg>
+        <pc:picChg chg="add mod">
+          <ac:chgData name="Jinil Kim" userId="29d0b3c36ca19528" providerId="LiveId" clId="{8CB044BD-BAB4-54D5-B8B5-5D80A84BE461}" dt="2025-12-04T01:03:03.360" v="2067" actId="1076"/>
+          <ac:picMkLst>
+            <pc:docMk/>
+            <pc:sldMk cId="3617064498" sldId="270"/>
+            <ac:picMk id="11" creationId="{7643EA75-1F11-F25F-30A8-22828A763DFA}"/>
+          </ac:picMkLst>
+        </pc:picChg>
+      </pc:sldChg>
+      <pc:sldChg chg="modSp add mod ord">
+        <pc:chgData name="Jinil Kim" userId="29d0b3c36ca19528" providerId="LiveId" clId="{8CB044BD-BAB4-54D5-B8B5-5D80A84BE461}" dt="2025-12-08T09:44:53.316" v="8300" actId="20577"/>
+        <pc:sldMkLst>
+          <pc:docMk/>
+          <pc:sldMk cId="1637739400" sldId="271"/>
+        </pc:sldMkLst>
+        <pc:spChg chg="mod">
+          <ac:chgData name="Jinil Kim" userId="29d0b3c36ca19528" providerId="LiveId" clId="{8CB044BD-BAB4-54D5-B8B5-5D80A84BE461}" dt="2025-12-04T02:03:22.055" v="5100" actId="20577"/>
+          <ac:spMkLst>
+            <pc:docMk/>
+            <pc:sldMk cId="1637739400" sldId="271"/>
+            <ac:spMk id="2" creationId="{1243C49E-7C68-BBE2-A793-637E8F832990}"/>
+          </ac:spMkLst>
+        </pc:spChg>
+        <pc:spChg chg="mod">
+          <ac:chgData name="Jinil Kim" userId="29d0b3c36ca19528" providerId="LiveId" clId="{8CB044BD-BAB4-54D5-B8B5-5D80A84BE461}" dt="2025-12-08T09:44:53.316" v="8300" actId="20577"/>
+          <ac:spMkLst>
+            <pc:docMk/>
+            <pc:sldMk cId="1637739400" sldId="271"/>
+            <ac:spMk id="3" creationId="{F637BF84-689C-D21D-07E1-6601BAACF734}"/>
+          </ac:spMkLst>
+        </pc:spChg>
+      </pc:sldChg>
+      <pc:sldChg chg="modSp add mod modNotesTx">
+        <pc:chgData name="Jinil Kim" userId="29d0b3c36ca19528" providerId="LiveId" clId="{8CB044BD-BAB4-54D5-B8B5-5D80A84BE461}" dt="2025-12-08T09:50:18.384" v="8368" actId="20577"/>
+        <pc:sldMkLst>
+          <pc:docMk/>
+          <pc:sldMk cId="1231061179" sldId="272"/>
+        </pc:sldMkLst>
+        <pc:spChg chg="mod">
+          <ac:chgData name="Jinil Kim" userId="29d0b3c36ca19528" providerId="LiveId" clId="{8CB044BD-BAB4-54D5-B8B5-5D80A84BE461}" dt="2025-12-08T09:50:18.384" v="8368" actId="20577"/>
+          <ac:spMkLst>
+            <pc:docMk/>
+            <pc:sldMk cId="1231061179" sldId="272"/>
+            <ac:spMk id="3" creationId="{ED5F9EEB-D87E-4162-CB40-BE631EB306E4}"/>
+          </ac:spMkLst>
+        </pc:spChg>
+      </pc:sldChg>
+      <pc:sldChg chg="modSp add mod ord modNotesTx">
+        <pc:chgData name="Jinil Kim" userId="29d0b3c36ca19528" providerId="LiveId" clId="{8CB044BD-BAB4-54D5-B8B5-5D80A84BE461}" dt="2025-12-08T09:41:59.787" v="8177" actId="20577"/>
+        <pc:sldMkLst>
+          <pc:docMk/>
+          <pc:sldMk cId="4125229" sldId="273"/>
+        </pc:sldMkLst>
+        <pc:spChg chg="mod">
+          <ac:chgData name="Jinil Kim" userId="29d0b3c36ca19528" providerId="LiveId" clId="{8CB044BD-BAB4-54D5-B8B5-5D80A84BE461}" dt="2025-12-04T01:36:19.120" v="4144" actId="20577"/>
+          <ac:spMkLst>
+            <pc:docMk/>
+            <pc:sldMk cId="4125229" sldId="273"/>
+            <ac:spMk id="2" creationId="{707B68A1-BAC4-73DF-5B31-7D9CA563B9EB}"/>
+          </ac:spMkLst>
+        </pc:spChg>
+        <pc:spChg chg="mod">
+          <ac:chgData name="Jinil Kim" userId="29d0b3c36ca19528" providerId="LiveId" clId="{8CB044BD-BAB4-54D5-B8B5-5D80A84BE461}" dt="2025-12-05T11:14:28.034" v="5641" actId="404"/>
+          <ac:spMkLst>
+            <pc:docMk/>
+            <pc:sldMk cId="4125229" sldId="273"/>
+            <ac:spMk id="3" creationId="{4291F5C1-FA30-8163-C498-AD06484D67FA}"/>
+          </ac:spMkLst>
+        </pc:spChg>
+      </pc:sldChg>
+      <pc:sldChg chg="addSp delSp modSp add mod">
+        <pc:chgData name="Jinil Kim" userId="29d0b3c36ca19528" providerId="LiveId" clId="{8CB044BD-BAB4-54D5-B8B5-5D80A84BE461}" dt="2025-12-08T09:50:33.076" v="8370" actId="20577"/>
+        <pc:sldMkLst>
+          <pc:docMk/>
+          <pc:sldMk cId="11798781" sldId="274"/>
+        </pc:sldMkLst>
+        <pc:spChg chg="mod">
+          <ac:chgData name="Jinil Kim" userId="29d0b3c36ca19528" providerId="LiveId" clId="{8CB044BD-BAB4-54D5-B8B5-5D80A84BE461}" dt="2025-12-02T07:48:16.764" v="1019" actId="20577"/>
+          <ac:spMkLst>
+            <pc:docMk/>
+            <pc:sldMk cId="11798781" sldId="274"/>
+            <ac:spMk id="2" creationId="{C360B712-681A-43B3-4840-3A49EA82EB8E}"/>
+          </ac:spMkLst>
+        </pc:spChg>
+        <pc:spChg chg="add del mod">
+          <ac:chgData name="Jinil Kim" userId="29d0b3c36ca19528" providerId="LiveId" clId="{8CB044BD-BAB4-54D5-B8B5-5D80A84BE461}" dt="2025-12-08T09:50:33.076" v="8370" actId="20577"/>
+          <ac:spMkLst>
+            <pc:docMk/>
+            <pc:sldMk cId="11798781" sldId="274"/>
+            <ac:spMk id="3" creationId="{100915C2-1DD3-083F-5C75-927C948DB9AA}"/>
+          </ac:spMkLst>
+        </pc:spChg>
+        <pc:picChg chg="add mod">
+          <ac:chgData name="Jinil Kim" userId="29d0b3c36ca19528" providerId="LiveId" clId="{8CB044BD-BAB4-54D5-B8B5-5D80A84BE461}" dt="2025-12-04T02:16:41.500" v="5307" actId="1076"/>
+          <ac:picMkLst>
+            <pc:docMk/>
+            <pc:sldMk cId="11798781" sldId="274"/>
+            <ac:picMk id="5" creationId="{D025F3B8-DA36-58EE-DCD9-4C748D64DF5C}"/>
+          </ac:picMkLst>
+        </pc:picChg>
+      </pc:sldChg>
+      <pc:sldChg chg="addSp delSp modSp add mod">
+        <pc:chgData name="Jinil Kim" userId="29d0b3c36ca19528" providerId="LiveId" clId="{8CB044BD-BAB4-54D5-B8B5-5D80A84BE461}" dt="2025-12-08T09:45:37.119" v="8301" actId="114"/>
+        <pc:sldMkLst>
+          <pc:docMk/>
+          <pc:sldMk cId="474974608" sldId="275"/>
+        </pc:sldMkLst>
+        <pc:spChg chg="mod">
+          <ac:chgData name="Jinil Kim" userId="29d0b3c36ca19528" providerId="LiveId" clId="{8CB044BD-BAB4-54D5-B8B5-5D80A84BE461}" dt="2025-12-04T02:18:15.991" v="5318" actId="14100"/>
+          <ac:spMkLst>
+            <pc:docMk/>
+            <pc:sldMk cId="474974608" sldId="275"/>
+            <ac:spMk id="3" creationId="{333DBE1B-4A5A-6E04-4ECF-A0F1CEDCD645}"/>
+          </ac:spMkLst>
+        </pc:spChg>
+        <pc:spChg chg="add mod">
+          <ac:chgData name="Jinil Kim" userId="29d0b3c36ca19528" providerId="LiveId" clId="{8CB044BD-BAB4-54D5-B8B5-5D80A84BE461}" dt="2025-12-08T09:45:37.119" v="8301" actId="114"/>
+          <ac:spMkLst>
+            <pc:docMk/>
+            <pc:sldMk cId="474974608" sldId="275"/>
+            <ac:spMk id="5" creationId="{464AC3AC-ABEC-45BD-BAE0-A54669217207}"/>
+          </ac:spMkLst>
+        </pc:spChg>
+        <pc:picChg chg="add mod">
+          <ac:chgData name="Jinil Kim" userId="29d0b3c36ca19528" providerId="LiveId" clId="{8CB044BD-BAB4-54D5-B8B5-5D80A84BE461}" dt="2025-12-04T02:18:29.367" v="5321" actId="1076"/>
+          <ac:picMkLst>
+            <pc:docMk/>
+            <pc:sldMk cId="474974608" sldId="275"/>
+            <ac:picMk id="4" creationId="{DED81D2C-9472-50FE-C21C-B5A72C6DAB3C}"/>
+          </ac:picMkLst>
+        </pc:picChg>
+      </pc:sldChg>
+      <pc:sldChg chg="addSp delSp modSp add mod">
+        <pc:chgData name="Jinil Kim" userId="29d0b3c36ca19528" providerId="LiveId" clId="{8CB044BD-BAB4-54D5-B8B5-5D80A84BE461}" dt="2025-12-08T09:46:35.358" v="8307" actId="114"/>
+        <pc:sldMkLst>
+          <pc:docMk/>
+          <pc:sldMk cId="3666682741" sldId="276"/>
+        </pc:sldMkLst>
+        <pc:spChg chg="mod">
+          <ac:chgData name="Jinil Kim" userId="29d0b3c36ca19528" providerId="LiveId" clId="{8CB044BD-BAB4-54D5-B8B5-5D80A84BE461}" dt="2025-12-02T07:57:06.302" v="1522" actId="1076"/>
+          <ac:spMkLst>
+            <pc:docMk/>
+            <pc:sldMk cId="3666682741" sldId="276"/>
+            <ac:spMk id="2" creationId="{17684606-A2F1-D814-563D-E1D832C36182}"/>
+          </ac:spMkLst>
+        </pc:spChg>
+        <pc:spChg chg="add mod">
+          <ac:chgData name="Jinil Kim" userId="29d0b3c36ca19528" providerId="LiveId" clId="{8CB044BD-BAB4-54D5-B8B5-5D80A84BE461}" dt="2025-12-04T02:23:15.991" v="5483" actId="20577"/>
+          <ac:spMkLst>
+            <pc:docMk/>
+            <pc:sldMk cId="3666682741" sldId="276"/>
+            <ac:spMk id="4" creationId="{3390FA2E-15EB-21BA-B1CB-6713D34FFF52}"/>
+          </ac:spMkLst>
+        </pc:spChg>
+        <pc:spChg chg="add mod">
+          <ac:chgData name="Jinil Kim" userId="29d0b3c36ca19528" providerId="LiveId" clId="{8CB044BD-BAB4-54D5-B8B5-5D80A84BE461}" dt="2025-12-08T09:46:35.358" v="8307" actId="114"/>
+          <ac:spMkLst>
+            <pc:docMk/>
+            <pc:sldMk cId="3666682741" sldId="276"/>
+            <ac:spMk id="6" creationId="{DCAA32F9-CE13-CF8E-1F86-BF6F72773C80}"/>
+          </ac:spMkLst>
+        </pc:spChg>
+        <pc:picChg chg="add mod">
+          <ac:chgData name="Jinil Kim" userId="29d0b3c36ca19528" providerId="LiveId" clId="{8CB044BD-BAB4-54D5-B8B5-5D80A84BE461}" dt="2025-12-04T02:24:06.217" v="5491" actId="1076"/>
+          <ac:picMkLst>
+            <pc:docMk/>
+            <pc:sldMk cId="3666682741" sldId="276"/>
+            <ac:picMk id="5" creationId="{946BA1C6-8275-C741-3F34-FC07976FC960}"/>
+          </ac:picMkLst>
+        </pc:picChg>
+      </pc:sldChg>
+      <pc:sldChg chg="addSp delSp modSp add mod">
+        <pc:chgData name="Jinil Kim" userId="29d0b3c36ca19528" providerId="LiveId" clId="{8CB044BD-BAB4-54D5-B8B5-5D80A84BE461}" dt="2025-12-08T09:46:43.426" v="8310" actId="114"/>
+        <pc:sldMkLst>
+          <pc:docMk/>
+          <pc:sldMk cId="446374383" sldId="277"/>
+        </pc:sldMkLst>
+        <pc:spChg chg="mod">
+          <ac:chgData name="Jinil Kim" userId="29d0b3c36ca19528" providerId="LiveId" clId="{8CB044BD-BAB4-54D5-B8B5-5D80A84BE461}" dt="2025-12-05T11:26:54.967" v="5815" actId="20577"/>
+          <ac:spMkLst>
+            <pc:docMk/>
+            <pc:sldMk cId="446374383" sldId="277"/>
+            <ac:spMk id="3" creationId="{169969CE-BB12-87CE-3CC6-D35319A72CA2}"/>
+          </ac:spMkLst>
+        </pc:spChg>
+        <pc:spChg chg="add mod">
+          <ac:chgData name="Jinil Kim" userId="29d0b3c36ca19528" providerId="LiveId" clId="{8CB044BD-BAB4-54D5-B8B5-5D80A84BE461}" dt="2025-12-08T09:46:43.426" v="8310" actId="114"/>
+          <ac:spMkLst>
+            <pc:docMk/>
+            <pc:sldMk cId="446374383" sldId="277"/>
+            <ac:spMk id="6" creationId="{6AE1488A-98AD-6186-93DE-70C50B417FCF}"/>
+          </ac:spMkLst>
+        </pc:spChg>
+        <pc:picChg chg="add mod">
+          <ac:chgData name="Jinil Kim" userId="29d0b3c36ca19528" providerId="LiveId" clId="{8CB044BD-BAB4-54D5-B8B5-5D80A84BE461}" dt="2025-12-05T11:54:56.205" v="7648" actId="1076"/>
+          <ac:picMkLst>
+            <pc:docMk/>
+            <pc:sldMk cId="446374383" sldId="277"/>
+            <ac:picMk id="5" creationId="{068A9D36-36E6-537F-DD1F-270CAD27A0F6}"/>
+          </ac:picMkLst>
+        </pc:picChg>
+      </pc:sldChg>
+      <pc:sldChg chg="addSp modSp add mod">
+        <pc:chgData name="Jinil Kim" userId="29d0b3c36ca19528" providerId="LiveId" clId="{8CB044BD-BAB4-54D5-B8B5-5D80A84BE461}" dt="2025-12-05T11:32:30.592" v="6214" actId="1076"/>
+        <pc:sldMkLst>
+          <pc:docMk/>
+          <pc:sldMk cId="1935000825" sldId="278"/>
+        </pc:sldMkLst>
+        <pc:spChg chg="mod">
+          <ac:chgData name="Jinil Kim" userId="29d0b3c36ca19528" providerId="LiveId" clId="{8CB044BD-BAB4-54D5-B8B5-5D80A84BE461}" dt="2025-12-05T11:28:56.925" v="5840" actId="1076"/>
+          <ac:spMkLst>
+            <pc:docMk/>
+            <pc:sldMk cId="1935000825" sldId="278"/>
+            <ac:spMk id="3" creationId="{62F35BAF-FD12-2A3B-B51E-F24FA003FB35}"/>
+          </ac:spMkLst>
+        </pc:spChg>
+        <pc:spChg chg="add mod">
+          <ac:chgData name="Jinil Kim" userId="29d0b3c36ca19528" providerId="LiveId" clId="{8CB044BD-BAB4-54D5-B8B5-5D80A84BE461}" dt="2025-12-05T11:32:30.592" v="6214" actId="1076"/>
+          <ac:spMkLst>
+            <pc:docMk/>
+            <pc:sldMk cId="1935000825" sldId="278"/>
+            <ac:spMk id="6" creationId="{ABCF6C17-B039-B2D7-E890-8A1423B78CCF}"/>
+          </ac:spMkLst>
+        </pc:spChg>
+        <pc:picChg chg="add mod">
+          <ac:chgData name="Jinil Kim" userId="29d0b3c36ca19528" providerId="LiveId" clId="{8CB044BD-BAB4-54D5-B8B5-5D80A84BE461}" dt="2025-12-05T11:29:11.148" v="5844" actId="1076"/>
+          <ac:picMkLst>
+            <pc:docMk/>
+            <pc:sldMk cId="1935000825" sldId="278"/>
+            <ac:picMk id="5" creationId="{73BB46AB-A920-68D9-3E83-F1AF9CC0FAD1}"/>
+          </ac:picMkLst>
+        </pc:picChg>
+      </pc:sldChg>
+      <pc:sldChg chg="modSp add mod">
+        <pc:chgData name="Jinil Kim" userId="29d0b3c36ca19528" providerId="LiveId" clId="{8CB044BD-BAB4-54D5-B8B5-5D80A84BE461}" dt="2025-12-08T09:52:40.290" v="8471" actId="20577"/>
+        <pc:sldMkLst>
+          <pc:docMk/>
+          <pc:sldMk cId="912724044" sldId="280"/>
+        </pc:sldMkLst>
+        <pc:spChg chg="mod">
+          <ac:chgData name="Jinil Kim" userId="29d0b3c36ca19528" providerId="LiveId" clId="{8CB044BD-BAB4-54D5-B8B5-5D80A84BE461}" dt="2025-12-05T11:47:45.789" v="7216" actId="20577"/>
+          <ac:spMkLst>
+            <pc:docMk/>
+            <pc:sldMk cId="912724044" sldId="280"/>
+            <ac:spMk id="2" creationId="{E159903A-12A9-C5A8-89CD-AE28C5F72C23}"/>
+          </ac:spMkLst>
+        </pc:spChg>
+        <pc:spChg chg="mod">
+          <ac:chgData name="Jinil Kim" userId="29d0b3c36ca19528" providerId="LiveId" clId="{8CB044BD-BAB4-54D5-B8B5-5D80A84BE461}" dt="2025-12-08T09:52:40.290" v="8471" actId="20577"/>
+          <ac:spMkLst>
+            <pc:docMk/>
+            <pc:sldMk cId="912724044" sldId="280"/>
+            <ac:spMk id="3" creationId="{5F77C19E-B214-4659-A358-91ED542B3BC6}"/>
+          </ac:spMkLst>
+        </pc:spChg>
+      </pc:sldChg>
+      <pc:sldChg chg="addSp modSp add mod">
+        <pc:chgData name="Jinil Kim" userId="29d0b3c36ca19528" providerId="LiveId" clId="{8CB044BD-BAB4-54D5-B8B5-5D80A84BE461}" dt="2025-12-04T01:14:20.649" v="2588" actId="20577"/>
+        <pc:sldMkLst>
+          <pc:docMk/>
+          <pc:sldMk cId="4061808272" sldId="282"/>
+        </pc:sldMkLst>
+        <pc:spChg chg="mod">
+          <ac:chgData name="Jinil Kim" userId="29d0b3c36ca19528" providerId="LiveId" clId="{8CB044BD-BAB4-54D5-B8B5-5D80A84BE461}" dt="2025-12-04T00:54:16.482" v="1990" actId="20577"/>
+          <ac:spMkLst>
+            <pc:docMk/>
+            <pc:sldMk cId="4061808272" sldId="282"/>
+            <ac:spMk id="2" creationId="{ECA39549-27DB-FAD6-6064-D1C2EA4DD1C9}"/>
+          </ac:spMkLst>
+        </pc:spChg>
+        <pc:spChg chg="mod">
+          <ac:chgData name="Jinil Kim" userId="29d0b3c36ca19528" providerId="LiveId" clId="{8CB044BD-BAB4-54D5-B8B5-5D80A84BE461}" dt="2025-12-04T01:14:20.649" v="2588" actId="20577"/>
+          <ac:spMkLst>
+            <pc:docMk/>
+            <pc:sldMk cId="4061808272" sldId="282"/>
+            <ac:spMk id="3" creationId="{3C7A2AB0-069F-36E5-104C-21DCB0ECD4F1}"/>
+          </ac:spMkLst>
+        </pc:spChg>
+      </pc:sldChg>
+      <pc:sldChg chg="modSp add mod">
+        <pc:chgData name="Jinil Kim" userId="29d0b3c36ca19528" providerId="LiveId" clId="{8CB044BD-BAB4-54D5-B8B5-5D80A84BE461}" dt="2025-12-05T11:50:09.255" v="7530" actId="20577"/>
+        <pc:sldMkLst>
+          <pc:docMk/>
+          <pc:sldMk cId="759946734" sldId="283"/>
+        </pc:sldMkLst>
+        <pc:spChg chg="mod">
+          <ac:chgData name="Jinil Kim" userId="29d0b3c36ca19528" providerId="LiveId" clId="{8CB044BD-BAB4-54D5-B8B5-5D80A84BE461}" dt="2025-12-04T01:03:27.122" v="2094"/>
+          <ac:spMkLst>
+            <pc:docMk/>
+            <pc:sldMk cId="759946734" sldId="283"/>
+            <ac:spMk id="2" creationId="{A76BF1AE-9270-5D06-60D5-1FCC306125AE}"/>
+          </ac:spMkLst>
+        </pc:spChg>
+        <pc:spChg chg="mod">
+          <ac:chgData name="Jinil Kim" userId="29d0b3c36ca19528" providerId="LiveId" clId="{8CB044BD-BAB4-54D5-B8B5-5D80A84BE461}" dt="2025-12-05T11:50:09.255" v="7530" actId="20577"/>
+          <ac:spMkLst>
+            <pc:docMk/>
+            <pc:sldMk cId="759946734" sldId="283"/>
+            <ac:spMk id="6" creationId="{DAF060C3-EB13-030A-734B-9865B0054DF6}"/>
+          </ac:spMkLst>
+        </pc:spChg>
+      </pc:sldChg>
+      <pc:sldChg chg="addSp delSp new mod ord modShow">
+        <pc:chgData name="Jinil Kim" userId="29d0b3c36ca19528" providerId="LiveId" clId="{8CB044BD-BAB4-54D5-B8B5-5D80A84BE461}" dt="2025-12-04T01:47:03.970" v="4591" actId="729"/>
+        <pc:sldMkLst>
+          <pc:docMk/>
+          <pc:sldMk cId="3415681311" sldId="284"/>
+        </pc:sldMkLst>
+        <pc:picChg chg="add">
+          <ac:chgData name="Jinil Kim" userId="29d0b3c36ca19528" providerId="LiveId" clId="{8CB044BD-BAB4-54D5-B8B5-5D80A84BE461}" dt="2025-12-04T01:41:20.386" v="4470"/>
+          <ac:picMkLst>
+            <pc:docMk/>
+            <pc:sldMk cId="3415681311" sldId="284"/>
+            <ac:picMk id="4" creationId="{3AA878E8-E6CB-337A-D814-561DEA0410CA}"/>
+          </ac:picMkLst>
+        </pc:picChg>
+      </pc:sldChg>
+      <pc:sldChg chg="addSp delSp modSp new mod modShow">
+        <pc:chgData name="Jinil Kim" userId="29d0b3c36ca19528" providerId="LiveId" clId="{8CB044BD-BAB4-54D5-B8B5-5D80A84BE461}" dt="2025-12-04T01:47:03.970" v="4591" actId="729"/>
+        <pc:sldMkLst>
+          <pc:docMk/>
+          <pc:sldMk cId="714670135" sldId="285"/>
+        </pc:sldMkLst>
+        <pc:picChg chg="add mod">
+          <ac:chgData name="Jinil Kim" userId="29d0b3c36ca19528" providerId="LiveId" clId="{8CB044BD-BAB4-54D5-B8B5-5D80A84BE461}" dt="2025-12-04T01:41:56.427" v="4479" actId="1076"/>
+          <ac:picMkLst>
+            <pc:docMk/>
+            <pc:sldMk cId="714670135" sldId="285"/>
+            <ac:picMk id="4" creationId="{3C141657-90DF-51C1-83E8-27406981846A}"/>
+          </ac:picMkLst>
+        </pc:picChg>
+      </pc:sldChg>
+      <pc:sldChg chg="addSp delSp modSp new add del mod modShow">
+        <pc:chgData name="Jinil Kim" userId="29d0b3c36ca19528" providerId="LiveId" clId="{8CB044BD-BAB4-54D5-B8B5-5D80A84BE461}" dt="2025-12-04T01:47:03.970" v="4591" actId="729"/>
+        <pc:sldMkLst>
+          <pc:docMk/>
+          <pc:sldMk cId="888378996" sldId="286"/>
+        </pc:sldMkLst>
+        <pc:picChg chg="add mod">
+          <ac:chgData name="Jinil Kim" userId="29d0b3c36ca19528" providerId="LiveId" clId="{8CB044BD-BAB4-54D5-B8B5-5D80A84BE461}" dt="2025-12-04T01:43:47.165" v="4554" actId="1076"/>
+          <ac:picMkLst>
+            <pc:docMk/>
+            <pc:sldMk cId="888378996" sldId="286"/>
+            <ac:picMk id="5" creationId="{D7599127-77F2-12A6-0F8D-9843A0C4D5A8}"/>
+          </ac:picMkLst>
+        </pc:picChg>
+      </pc:sldChg>
+      <pc:sldChg chg="delSp modSp add mod ord modNotesTx">
+        <pc:chgData name="Jinil Kim" userId="29d0b3c36ca19528" providerId="LiveId" clId="{8CB044BD-BAB4-54D5-B8B5-5D80A84BE461}" dt="2025-12-08T09:42:08.175" v="8178" actId="20577"/>
+        <pc:sldMkLst>
+          <pc:docMk/>
+          <pc:sldMk cId="1743249547" sldId="287"/>
+        </pc:sldMkLst>
+        <pc:spChg chg="mod">
+          <ac:chgData name="Jinil Kim" userId="29d0b3c36ca19528" providerId="LiveId" clId="{8CB044BD-BAB4-54D5-B8B5-5D80A84BE461}" dt="2025-12-04T02:02:50.735" v="5090" actId="20577"/>
+          <ac:spMkLst>
+            <pc:docMk/>
+            <pc:sldMk cId="1743249547" sldId="287"/>
+            <ac:spMk id="3" creationId="{9D488020-A279-6E26-E7AD-75D44AEA0518}"/>
+          </ac:spMkLst>
+        </pc:spChg>
+      </pc:sldChg>
+      <pc:sldChg chg="addSp delSp modSp add mod">
+        <pc:chgData name="Jinil Kim" userId="29d0b3c36ca19528" providerId="LiveId" clId="{8CB044BD-BAB4-54D5-B8B5-5D80A84BE461}" dt="2025-12-04T02:29:18.142" v="5550" actId="478"/>
+        <pc:sldMkLst>
+          <pc:docMk/>
+          <pc:sldMk cId="3239176187" sldId="288"/>
+        </pc:sldMkLst>
+      </pc:sldChg>
+      <pc:sldChg chg="addSp delSp modSp new mod">
+        <pc:chgData name="Jinil Kim" userId="29d0b3c36ca19528" providerId="LiveId" clId="{8CB044BD-BAB4-54D5-B8B5-5D80A84BE461}" dt="2025-12-04T02:31:15.202" v="5557" actId="1076"/>
+        <pc:sldMkLst>
+          <pc:docMk/>
+          <pc:sldMk cId="4244619035" sldId="289"/>
+        </pc:sldMkLst>
+        <pc:picChg chg="add mod">
+          <ac:chgData name="Jinil Kim" userId="29d0b3c36ca19528" providerId="LiveId" clId="{8CB044BD-BAB4-54D5-B8B5-5D80A84BE461}" dt="2025-12-04T02:31:15.202" v="5557" actId="1076"/>
+          <ac:picMkLst>
+            <pc:docMk/>
+            <pc:sldMk cId="4244619035" sldId="289"/>
+            <ac:picMk id="5" creationId="{39F78201-9A01-8300-A111-1AD988316E1A}"/>
+          </ac:picMkLst>
+        </pc:picChg>
+      </pc:sldChg>
+      <pc:sldChg chg="addSp delSp modSp add mod">
+        <pc:chgData name="Jinil Kim" userId="29d0b3c36ca19528" providerId="LiveId" clId="{8CB044BD-BAB4-54D5-B8B5-5D80A84BE461}" dt="2025-12-08T09:52:07.370" v="8438" actId="1036"/>
+        <pc:sldMkLst>
+          <pc:docMk/>
+          <pc:sldMk cId="2146731958" sldId="290"/>
+        </pc:sldMkLst>
+        <pc:spChg chg="mod">
+          <ac:chgData name="Jinil Kim" userId="29d0b3c36ca19528" providerId="LiveId" clId="{8CB044BD-BAB4-54D5-B8B5-5D80A84BE461}" dt="2025-12-08T09:51:42.212" v="8391" actId="20577"/>
+          <ac:spMkLst>
+            <pc:docMk/>
+            <pc:sldMk cId="2146731958" sldId="290"/>
+            <ac:spMk id="3" creationId="{8DD05622-C9C8-E134-6B62-9882903C7BF3}"/>
+          </ac:spMkLst>
+        </pc:spChg>
+        <pc:spChg chg="add mod">
+          <ac:chgData name="Jinil Kim" userId="29d0b3c36ca19528" providerId="LiveId" clId="{8CB044BD-BAB4-54D5-B8B5-5D80A84BE461}" dt="2025-12-08T09:52:01.750" v="8427" actId="1076"/>
+          <ac:spMkLst>
+            <pc:docMk/>
+            <pc:sldMk cId="2146731958" sldId="290"/>
+            <ac:spMk id="4" creationId="{0DB5B1CE-DCB1-DBE0-2737-CA6FB17EA7E8}"/>
+          </ac:spMkLst>
+        </pc:spChg>
+        <pc:spChg chg="mod">
+          <ac:chgData name="Jinil Kim" userId="29d0b3c36ca19528" providerId="LiveId" clId="{8CB044BD-BAB4-54D5-B8B5-5D80A84BE461}" dt="2025-12-08T09:52:07.370" v="8438" actId="1036"/>
+          <ac:spMkLst>
+            <pc:docMk/>
+            <pc:sldMk cId="2146731958" sldId="290"/>
+            <ac:spMk id="6" creationId="{40FFA6B9-CF82-781E-F290-ED67A43467CA}"/>
+          </ac:spMkLst>
+        </pc:spChg>
+        <pc:picChg chg="add mod modCrop">
+          <ac:chgData name="Jinil Kim" userId="29d0b3c36ca19528" providerId="LiveId" clId="{8CB044BD-BAB4-54D5-B8B5-5D80A84BE461}" dt="2025-12-08T09:52:07.370" v="8438" actId="1036"/>
+          <ac:picMkLst>
+            <pc:docMk/>
+            <pc:sldMk cId="2146731958" sldId="290"/>
+            <ac:picMk id="7" creationId="{AB2CE8B6-013A-AC9D-FB0A-F6DCE5E1F43A}"/>
+          </ac:picMkLst>
+        </pc:picChg>
+      </pc:sldChg>
+      <pc:sldChg chg="addSp delSp modSp add mod">
+        <pc:chgData name="Jinil Kim" userId="29d0b3c36ca19528" providerId="LiveId" clId="{8CB044BD-BAB4-54D5-B8B5-5D80A84BE461}" dt="2025-12-05T11:46:36.494" v="7127" actId="1076"/>
+        <pc:sldMkLst>
+          <pc:docMk/>
+          <pc:sldMk cId="2215146428" sldId="291"/>
+        </pc:sldMkLst>
+        <pc:spChg chg="mod">
+          <ac:chgData name="Jinil Kim" userId="29d0b3c36ca19528" providerId="LiveId" clId="{8CB044BD-BAB4-54D5-B8B5-5D80A84BE461}" dt="2025-12-05T11:46:36.494" v="7127" actId="1076"/>
+          <ac:spMkLst>
+            <pc:docMk/>
+            <pc:sldMk cId="2215146428" sldId="291"/>
+            <ac:spMk id="2" creationId="{69FAA110-ED6F-F62F-C9B2-5F673905341F}"/>
+          </ac:spMkLst>
+        </pc:spChg>
+      </pc:sldChg>
+      <pc:sldChg chg="modSp add mod">
+        <pc:chgData name="Jinil Kim" userId="29d0b3c36ca19528" providerId="LiveId" clId="{8CB044BD-BAB4-54D5-B8B5-5D80A84BE461}" dt="2025-12-05T11:46:57.634" v="7161" actId="20577"/>
+        <pc:sldMkLst>
+          <pc:docMk/>
+          <pc:sldMk cId="97390045" sldId="292"/>
+        </pc:sldMkLst>
+        <pc:spChg chg="mod">
+          <ac:chgData name="Jinil Kim" userId="29d0b3c36ca19528" providerId="LiveId" clId="{8CB044BD-BAB4-54D5-B8B5-5D80A84BE461}" dt="2025-12-05T11:46:57.634" v="7161" actId="20577"/>
+          <ac:spMkLst>
+            <pc:docMk/>
+            <pc:sldMk cId="97390045" sldId="292"/>
+            <ac:spMk id="2" creationId="{26CD0F31-F837-3532-A004-B50D340AD3A8}"/>
+          </ac:spMkLst>
+        </pc:spChg>
+      </pc:sldChg>
+      <pc:sldChg chg="modSp add mod">
+        <pc:chgData name="Jinil Kim" userId="29d0b3c36ca19528" providerId="LiveId" clId="{8CB044BD-BAB4-54D5-B8B5-5D80A84BE461}" dt="2025-12-05T11:47:09.790" v="7184" actId="20577"/>
+        <pc:sldMkLst>
+          <pc:docMk/>
+          <pc:sldMk cId="123716635" sldId="293"/>
+        </pc:sldMkLst>
+        <pc:spChg chg="mod">
+          <ac:chgData name="Jinil Kim" userId="29d0b3c36ca19528" providerId="LiveId" clId="{8CB044BD-BAB4-54D5-B8B5-5D80A84BE461}" dt="2025-12-05T11:47:09.790" v="7184" actId="20577"/>
+          <ac:spMkLst>
+            <pc:docMk/>
+            <pc:sldMk cId="123716635" sldId="293"/>
+            <ac:spMk id="2" creationId="{D03A199A-42E4-302D-A633-75CBF5236DED}"/>
+          </ac:spMkLst>
+        </pc:spChg>
+      </pc:sldChg>
+      <pc:sldChg chg="modSp add mod">
+        <pc:chgData name="Jinil Kim" userId="29d0b3c36ca19528" providerId="LiveId" clId="{8CB044BD-BAB4-54D5-B8B5-5D80A84BE461}" dt="2025-12-05T11:47:29.670" v="7199" actId="20577"/>
+        <pc:sldMkLst>
+          <pc:docMk/>
+          <pc:sldMk cId="2542592683" sldId="294"/>
+        </pc:sldMkLst>
+        <pc:spChg chg="mod">
+          <ac:chgData name="Jinil Kim" userId="29d0b3c36ca19528" providerId="LiveId" clId="{8CB044BD-BAB4-54D5-B8B5-5D80A84BE461}" dt="2025-12-05T11:47:29.670" v="7199" actId="20577"/>
+          <ac:spMkLst>
+            <pc:docMk/>
+            <pc:sldMk cId="2542592683" sldId="294"/>
+            <ac:spMk id="2" creationId="{B70ED1EE-6B1F-5729-3490-E2E727D03DE0}"/>
+          </ac:spMkLst>
+        </pc:spChg>
+      </pc:sldChg>
+      <pc:sldChg chg="modSp add mod">
+        <pc:chgData name="Jinil Kim" userId="29d0b3c36ca19528" providerId="LiveId" clId="{8CB044BD-BAB4-54D5-B8B5-5D80A84BE461}" dt="2025-12-05T12:00:26.478" v="8152" actId="20577"/>
+        <pc:sldMkLst>
+          <pc:docMk/>
+          <pc:sldMk cId="3662857441" sldId="295"/>
+        </pc:sldMkLst>
+        <pc:spChg chg="mod">
+          <ac:chgData name="Jinil Kim" userId="29d0b3c36ca19528" providerId="LiveId" clId="{8CB044BD-BAB4-54D5-B8B5-5D80A84BE461}" dt="2025-12-05T12:00:26.478" v="8152" actId="20577"/>
+          <ac:spMkLst>
+            <pc:docMk/>
+            <pc:sldMk cId="3662857441" sldId="295"/>
+            <ac:spMk id="2" creationId="{92257A6B-A111-86BE-C016-25E237DFA76D}"/>
+          </ac:spMkLst>
+        </pc:spChg>
+      </pc:sldChg>
+      <pc:sldChg chg="addSp delSp modSp new mod ord">
+        <pc:chgData name="Jinil Kim" userId="29d0b3c36ca19528" providerId="LiveId" clId="{8CB044BD-BAB4-54D5-B8B5-5D80A84BE461}" dt="2025-12-09T01:24:05.603" v="8569" actId="1076"/>
+        <pc:sldMkLst>
+          <pc:docMk/>
+          <pc:sldMk cId="645609443" sldId="296"/>
+        </pc:sldMkLst>
+        <pc:spChg chg="del">
+          <ac:chgData name="Jinil Kim" userId="29d0b3c36ca19528" providerId="LiveId" clId="{8CB044BD-BAB4-54D5-B8B5-5D80A84BE461}" dt="2025-12-09T01:21:42.786" v="8473" actId="478"/>
+          <ac:spMkLst>
+            <pc:docMk/>
+            <pc:sldMk cId="645609443" sldId="296"/>
+            <ac:spMk id="2" creationId="{747EC17D-A885-1B45-468A-AA26ECF3CCA7}"/>
+          </ac:spMkLst>
+        </pc:spChg>
+        <pc:spChg chg="del">
+          <ac:chgData name="Jinil Kim" userId="29d0b3c36ca19528" providerId="LiveId" clId="{8CB044BD-BAB4-54D5-B8B5-5D80A84BE461}" dt="2025-12-09T01:21:42.786" v="8473" actId="478"/>
+          <ac:spMkLst>
+            <pc:docMk/>
+            <pc:sldMk cId="645609443" sldId="296"/>
+            <ac:spMk id="3" creationId="{8EE46ED5-2AE8-BFA2-AB30-728E86D0DC51}"/>
+          </ac:spMkLst>
+        </pc:spChg>
+        <pc:spChg chg="add mod">
+          <ac:chgData name="Jinil Kim" userId="29d0b3c36ca19528" providerId="LiveId" clId="{8CB044BD-BAB4-54D5-B8B5-5D80A84BE461}" dt="2025-12-09T01:24:05.603" v="8569" actId="1076"/>
+          <ac:spMkLst>
+            <pc:docMk/>
+            <pc:sldMk cId="645609443" sldId="296"/>
+            <ac:spMk id="6" creationId="{5B1AFFCD-5078-004A-C604-B937F254D47D}"/>
+          </ac:spMkLst>
+        </pc:spChg>
+        <pc:picChg chg="add mod">
+          <ac:chgData name="Jinil Kim" userId="29d0b3c36ca19528" providerId="LiveId" clId="{8CB044BD-BAB4-54D5-B8B5-5D80A84BE461}" dt="2025-12-09T01:23:32.641" v="8494" actId="1076"/>
+          <ac:picMkLst>
+            <pc:docMk/>
+            <pc:sldMk cId="645609443" sldId="296"/>
+            <ac:picMk id="5" creationId="{75F9E3BF-EC92-39AE-018C-C7BC88938E4D}"/>
+          </ac:picMkLst>
+        </pc:picChg>
+      </pc:sldChg>
+      <pc:sldChg chg="addSp delSp modSp new mod">
+        <pc:chgData name="Jinil Kim" userId="29d0b3c36ca19528" providerId="LiveId" clId="{8CB044BD-BAB4-54D5-B8B5-5D80A84BE461}" dt="2025-12-09T01:24:49.366" v="8676" actId="1076"/>
+        <pc:sldMkLst>
+          <pc:docMk/>
+          <pc:sldMk cId="2850132927" sldId="297"/>
+        </pc:sldMkLst>
+        <pc:spChg chg="del">
+          <ac:chgData name="Jinil Kim" userId="29d0b3c36ca19528" providerId="LiveId" clId="{8CB044BD-BAB4-54D5-B8B5-5D80A84BE461}" dt="2025-12-09T01:22:38.118" v="8481" actId="478"/>
+          <ac:spMkLst>
+            <pc:docMk/>
+            <pc:sldMk cId="2850132927" sldId="297"/>
+            <ac:spMk id="2" creationId="{5861A832-1614-ED7A-9875-FFC74BCF0B23}"/>
+          </ac:spMkLst>
+        </pc:spChg>
+        <pc:spChg chg="del">
+          <ac:chgData name="Jinil Kim" userId="29d0b3c36ca19528" providerId="LiveId" clId="{8CB044BD-BAB4-54D5-B8B5-5D80A84BE461}" dt="2025-12-09T01:22:38.118" v="8481" actId="478"/>
+          <ac:spMkLst>
+            <pc:docMk/>
+            <pc:sldMk cId="2850132927" sldId="297"/>
+            <ac:spMk id="3" creationId="{92D00F3C-2096-646F-42F8-69BC42241BDC}"/>
+          </ac:spMkLst>
+        </pc:spChg>
+        <pc:spChg chg="add mod">
+          <ac:chgData name="Jinil Kim" userId="29d0b3c36ca19528" providerId="LiveId" clId="{8CB044BD-BAB4-54D5-B8B5-5D80A84BE461}" dt="2025-12-09T01:24:49.366" v="8676" actId="1076"/>
+          <ac:spMkLst>
+            <pc:docMk/>
+            <pc:sldMk cId="2850132927" sldId="297"/>
+            <ac:spMk id="8" creationId="{1E848F45-A45C-6045-49FF-655AFD428826}"/>
+          </ac:spMkLst>
+        </pc:spChg>
+        <pc:picChg chg="add del mod">
+          <ac:chgData name="Jinil Kim" userId="29d0b3c36ca19528" providerId="LiveId" clId="{8CB044BD-BAB4-54D5-B8B5-5D80A84BE461}" dt="2025-12-09T01:23:01.616" v="8485" actId="478"/>
+          <ac:picMkLst>
+            <pc:docMk/>
+            <pc:sldMk cId="2850132927" sldId="297"/>
+            <ac:picMk id="5" creationId="{5B78E010-7E2E-560F-FFF5-E1836BF4EC63}"/>
+          </ac:picMkLst>
+        </pc:picChg>
+        <pc:picChg chg="add mod">
+          <ac:chgData name="Jinil Kim" userId="29d0b3c36ca19528" providerId="LiveId" clId="{8CB044BD-BAB4-54D5-B8B5-5D80A84BE461}" dt="2025-12-09T01:24:11.362" v="8571" actId="1076"/>
+          <ac:picMkLst>
+            <pc:docMk/>
+            <pc:sldMk cId="2850132927" sldId="297"/>
+            <ac:picMk id="7" creationId="{F5F8D3A8-0F50-BCAC-ECA1-8078841B7A92}"/>
+          </ac:picMkLst>
+        </pc:picChg>
+      </pc:sldChg>
+      <pc:sldChg chg="delSp add del mod">
+        <pc:chgData name="Jinil Kim" userId="29d0b3c36ca19528" providerId="LiveId" clId="{8CB044BD-BAB4-54D5-B8B5-5D80A84BE461}" dt="2025-12-09T01:25:11.689" v="8679" actId="2696"/>
+        <pc:sldMkLst>
+          <pc:docMk/>
+          <pc:sldMk cId="819088535" sldId="298"/>
+        </pc:sldMkLst>
+        <pc:spChg chg="del">
+          <ac:chgData name="Jinil Kim" userId="29d0b3c36ca19528" providerId="LiveId" clId="{8CB044BD-BAB4-54D5-B8B5-5D80A84BE461}" dt="2025-12-09T01:24:58.734" v="8678" actId="478"/>
+          <ac:spMkLst>
+            <pc:docMk/>
+            <pc:sldMk cId="819088535" sldId="298"/>
+            <ac:spMk id="8" creationId="{B16BCE78-6A36-02E7-CDE2-8A65402B7E4B}"/>
+          </ac:spMkLst>
+        </pc:spChg>
+        <pc:picChg chg="del">
+          <ac:chgData name="Jinil Kim" userId="29d0b3c36ca19528" providerId="LiveId" clId="{8CB044BD-BAB4-54D5-B8B5-5D80A84BE461}" dt="2025-12-09T01:24:58.734" v="8678" actId="478"/>
+          <ac:picMkLst>
+            <pc:docMk/>
+            <pc:sldMk cId="819088535" sldId="298"/>
+            <ac:picMk id="7" creationId="{C9A4409E-8CD5-3E42-3CE8-218271ACF663}"/>
+          </ac:picMkLst>
+        </pc:picChg>
+      </pc:sldChg>
+    </pc:docChg>
+  </pc:docChgLst>
+</pc:chgInfo>
 </file>
 
 <file path=ppt/notesMasters/notesMaster1.xml><?xml version="1.0" encoding="utf-8"?>
@@ -213,7 +1057,7 @@
           <a:p>
             <a:fld id="{CD512E2E-C8B7-3149-A328-F226D0A8E0F2}" type="datetimeFigureOut">
               <a:rPr lang="en-KR" smtClean="0"/>
-              <a:t>9/20/25</a:t>
+              <a:t>12/9/25</a:t>
             </a:fld>
             <a:endParaRPr lang="en-KR"/>
           </a:p>
@@ -527,16 +1371,15 @@
           <a:p>
             <a:r>
               <a:rPr lang="en-KR" dirty="0"/>
-              <a:t>Checking the research team is beneficial</a:t>
-            </a:r>
-          </a:p>
-          <a:p>
-            <a:endParaRPr lang="en-KR" dirty="0"/>
-          </a:p>
-          <a:p>
+              <a:t>Related to the question, the</a:t>
+            </a:r>
+            <a:r>
+              <a:rPr lang="en-US" dirty="0"/>
+              <a:t>re</a:t>
+            </a:r>
             <a:r>
               <a:rPr lang="en-KR" dirty="0"/>
-              <a:t>Does couple of biological studies, but also eminent psycholinguist in semantics</a:t>
+              <a:t> is no consistent point of view</a:t>
             </a:r>
           </a:p>
         </p:txBody>
@@ -558,7 +1401,7 @@
           <a:p>
             <a:fld id="{EB098B12-B970-C241-BF0F-6C2024C4B176}" type="slidenum">
               <a:rPr lang="en-KR" smtClean="0"/>
-              <a:t>2</a:t>
+              <a:t>7</a:t>
             </a:fld>
             <a:endParaRPr lang="en-KR"/>
           </a:p>
@@ -567,7 +1410,7 @@
     </p:spTree>
     <p:extLst>
       <p:ext uri="{BB962C8B-B14F-4D97-AF65-F5344CB8AC3E}">
-        <p14:creationId xmlns:p14="http://schemas.microsoft.com/office/powerpoint/2010/main" val="3669419662"/>
+        <p14:creationId xmlns:p14="http://schemas.microsoft.com/office/powerpoint/2010/main" val="1689749217"/>
       </p:ext>
     </p:extLst>
   </p:cSld>
@@ -582,7 +1425,13 @@
   <p:cSld>
     <p:spTree>
       <p:nvGrpSpPr>
-        <p:cNvPr id="1" name=""/>
+        <p:cNvPr id="1" name="">
+          <a:extLst>
+            <a:ext uri="{FF2B5EF4-FFF2-40B4-BE49-F238E27FC236}">
+              <a16:creationId xmlns:a16="http://schemas.microsoft.com/office/drawing/2014/main" id="{E8AF8578-9C64-DFAD-3717-22F436E4D324}"/>
+            </a:ext>
+          </a:extLst>
+        </p:cNvPr>
         <p:cNvGrpSpPr/>
         <p:nvPr/>
       </p:nvGrpSpPr>
@@ -596,7 +1445,13 @@
       </p:grpSpPr>
       <p:sp>
         <p:nvSpPr>
-          <p:cNvPr id="2" name="Slide Image Placeholder 1"/>
+          <p:cNvPr id="2" name="Slide Image Placeholder 1">
+            <a:extLst>
+              <a:ext uri="{FF2B5EF4-FFF2-40B4-BE49-F238E27FC236}">
+                <a16:creationId xmlns:a16="http://schemas.microsoft.com/office/drawing/2014/main" id="{930B2C4D-F4EA-206B-38AA-109586BB748B}"/>
+              </a:ext>
+            </a:extLst>
+          </p:cNvPr>
           <p:cNvSpPr>
             <a:spLocks noGrp="1" noRot="1" noChangeAspect="1"/>
           </p:cNvSpPr>
@@ -608,7 +1463,13 @@
       </p:sp>
       <p:sp>
         <p:nvSpPr>
-          <p:cNvPr id="3" name="Notes Placeholder 2"/>
+          <p:cNvPr id="3" name="Notes Placeholder 2">
+            <a:extLst>
+              <a:ext uri="{FF2B5EF4-FFF2-40B4-BE49-F238E27FC236}">
+                <a16:creationId xmlns:a16="http://schemas.microsoft.com/office/drawing/2014/main" id="{BD60D616-A835-FC24-1E51-DA1FCC15280C}"/>
+              </a:ext>
+            </a:extLst>
+          </p:cNvPr>
           <p:cNvSpPr>
             <a:spLocks noGrp="1"/>
           </p:cNvSpPr>
@@ -621,24 +1482,19 @@
           <a:bodyPr/>
           <a:lstStyle/>
           <a:p>
-            <a:r>
-              <a:rPr lang="en-KR" dirty="0"/>
-              <a:t>Related to the question, the</a:t>
-            </a:r>
-            <a:r>
-              <a:rPr lang="en-US" dirty="0"/>
-              <a:t>re</a:t>
-            </a:r>
-            <a:r>
-              <a:rPr lang="en-KR" dirty="0"/>
-              <a:t> is no consistent point of view</a:t>
-            </a:r>
-          </a:p>
-        </p:txBody>
-      </p:sp>
-      <p:sp>
-        <p:nvSpPr>
-          <p:cNvPr id="4" name="Slide Number Placeholder 3"/>
+            <a:endParaRPr lang="en-KR" dirty="0"/>
+          </a:p>
+        </p:txBody>
+      </p:sp>
+      <p:sp>
+        <p:nvSpPr>
+          <p:cNvPr id="4" name="Slide Number Placeholder 3">
+            <a:extLst>
+              <a:ext uri="{FF2B5EF4-FFF2-40B4-BE49-F238E27FC236}">
+                <a16:creationId xmlns:a16="http://schemas.microsoft.com/office/drawing/2014/main" id="{50B6493F-DD54-3007-D3F8-70B175EEEAAB}"/>
+              </a:ext>
+            </a:extLst>
+          </p:cNvPr>
           <p:cNvSpPr>
             <a:spLocks noGrp="1"/>
           </p:cNvSpPr>
@@ -653,7 +1509,7 @@
           <a:p>
             <a:fld id="{EB098B12-B970-C241-BF0F-6C2024C4B176}" type="slidenum">
               <a:rPr lang="en-KR" smtClean="0"/>
-              <a:t>5</a:t>
+              <a:t>9</a:t>
             </a:fld>
             <a:endParaRPr lang="en-KR"/>
           </a:p>
@@ -662,7 +1518,7 @@
     </p:spTree>
     <p:extLst>
       <p:ext uri="{BB962C8B-B14F-4D97-AF65-F5344CB8AC3E}">
-        <p14:creationId xmlns:p14="http://schemas.microsoft.com/office/powerpoint/2010/main" val="1689749217"/>
+        <p14:creationId xmlns:p14="http://schemas.microsoft.com/office/powerpoint/2010/main" val="1274537910"/>
       </p:ext>
     </p:extLst>
   </p:cSld>
@@ -680,7 +1536,7 @@
         <p:cNvPr id="1" name="">
           <a:extLst>
             <a:ext uri="{FF2B5EF4-FFF2-40B4-BE49-F238E27FC236}">
-              <a16:creationId xmlns:a16="http://schemas.microsoft.com/office/drawing/2014/main" id="{B084B96B-DCAA-CC0E-C800-20445E043446}"/>
+              <a16:creationId xmlns:a16="http://schemas.microsoft.com/office/drawing/2014/main" id="{9168AF6C-CA32-E753-A18D-7BDC1419D061}"/>
             </a:ext>
           </a:extLst>
         </p:cNvPr>
@@ -700,7 +1556,7 @@
           <p:cNvPr id="2" name="Slide Image Placeholder 1">
             <a:extLst>
               <a:ext uri="{FF2B5EF4-FFF2-40B4-BE49-F238E27FC236}">
-                <a16:creationId xmlns:a16="http://schemas.microsoft.com/office/drawing/2014/main" id="{CEEE96B5-2B8B-6D7B-0D6D-72748E212C1A}"/>
+                <a16:creationId xmlns:a16="http://schemas.microsoft.com/office/drawing/2014/main" id="{DC353AC9-FBFF-6343-20DB-F2DDCE908848}"/>
               </a:ext>
             </a:extLst>
           </p:cNvPr>
@@ -718,7 +1574,7 @@
           <p:cNvPr id="3" name="Notes Placeholder 2">
             <a:extLst>
               <a:ext uri="{FF2B5EF4-FFF2-40B4-BE49-F238E27FC236}">
-                <a16:creationId xmlns:a16="http://schemas.microsoft.com/office/drawing/2014/main" id="{C3DEA07E-9585-032A-9180-C37C9B381713}"/>
+                <a16:creationId xmlns:a16="http://schemas.microsoft.com/office/drawing/2014/main" id="{6C7E8A09-23A0-25EE-6FCF-9EEDF8FEB62B}"/>
               </a:ext>
             </a:extLst>
           </p:cNvPr>
@@ -734,10 +1590,6 @@
           <a:bodyPr/>
           <a:lstStyle/>
           <a:p>
-            <a:r>
-              <a:rPr lang="en-US" sz="1200" dirty="0"/>
-              <a:t>N400 (integration difficulty) and P600 (reanalysis).</a:t>
-            </a:r>
             <a:endParaRPr lang="en-KR" dirty="0"/>
           </a:p>
         </p:txBody>
@@ -747,7 +1599,7 @@
           <p:cNvPr id="4" name="Slide Number Placeholder 3">
             <a:extLst>
               <a:ext uri="{FF2B5EF4-FFF2-40B4-BE49-F238E27FC236}">
-                <a16:creationId xmlns:a16="http://schemas.microsoft.com/office/drawing/2014/main" id="{B66D84FC-7C1E-3C61-FFBB-7338D4EA36C3}"/>
+                <a16:creationId xmlns:a16="http://schemas.microsoft.com/office/drawing/2014/main" id="{C0F53832-9465-E242-CB22-BD88ECE44CC7}"/>
               </a:ext>
             </a:extLst>
           </p:cNvPr>
@@ -765,7 +1617,7 @@
           <a:p>
             <a:fld id="{EB098B12-B970-C241-BF0F-6C2024C4B176}" type="slidenum">
               <a:rPr lang="en-KR" smtClean="0"/>
-              <a:t>6</a:t>
+              <a:t>10</a:t>
             </a:fld>
             <a:endParaRPr lang="en-KR"/>
           </a:p>
@@ -774,7 +1626,7 @@
     </p:spTree>
     <p:extLst>
       <p:ext uri="{BB962C8B-B14F-4D97-AF65-F5344CB8AC3E}">
-        <p14:creationId xmlns:p14="http://schemas.microsoft.com/office/powerpoint/2010/main" val="2549799041"/>
+        <p14:creationId xmlns:p14="http://schemas.microsoft.com/office/powerpoint/2010/main" val="3724630820"/>
       </p:ext>
     </p:extLst>
   </p:cSld>
@@ -828,30 +1680,6 @@
           <a:bodyPr/>
           <a:lstStyle/>
           <a:p>
-            <a:r>
-              <a:rPr lang="en-US" dirty="0"/>
-              <a:t>Negative–congruent: steal steel</a:t>
-            </a:r>
-          </a:p>
-          <a:p>
-            <a:r>
-              <a:rPr lang="en-US" dirty="0"/>
-              <a:t>Negative–incongruent: steal tomatoes</a:t>
-            </a:r>
-          </a:p>
-          <a:p>
-            <a:r>
-              <a:rPr lang="en-US" dirty="0"/>
-              <a:t>Neutral–congruent: unload steel</a:t>
-            </a:r>
-          </a:p>
-          <a:p>
-            <a:r>
-              <a:rPr lang="en-US" dirty="0"/>
-              <a:t>Neutral–incongruent: unload tomatoes</a:t>
-            </a:r>
-          </a:p>
-          <a:p>
             <a:endParaRPr lang="en-KR" dirty="0"/>
           </a:p>
         </p:txBody>
@@ -873,7 +1701,7 @@
           <a:p>
             <a:fld id="{EB098B12-B970-C241-BF0F-6C2024C4B176}" type="slidenum">
               <a:rPr lang="en-KR" smtClean="0"/>
-              <a:t>7</a:t>
+              <a:t>11</a:t>
             </a:fld>
             <a:endParaRPr lang="en-KR"/>
           </a:p>
@@ -897,7 +1725,13 @@
   <p:cSld>
     <p:spTree>
       <p:nvGrpSpPr>
-        <p:cNvPr id="1" name=""/>
+        <p:cNvPr id="1" name="">
+          <a:extLst>
+            <a:ext uri="{FF2B5EF4-FFF2-40B4-BE49-F238E27FC236}">
+              <a16:creationId xmlns:a16="http://schemas.microsoft.com/office/drawing/2014/main" id="{9D1D0765-F1A2-3A4F-F9B8-041E75C93C71}"/>
+            </a:ext>
+          </a:extLst>
+        </p:cNvPr>
         <p:cNvGrpSpPr/>
         <p:nvPr/>
       </p:nvGrpSpPr>
@@ -911,7 +1745,13 @@
       </p:grpSpPr>
       <p:sp>
         <p:nvSpPr>
-          <p:cNvPr id="2" name="Slide Image Placeholder 1"/>
+          <p:cNvPr id="2" name="Slide Image Placeholder 1">
+            <a:extLst>
+              <a:ext uri="{FF2B5EF4-FFF2-40B4-BE49-F238E27FC236}">
+                <a16:creationId xmlns:a16="http://schemas.microsoft.com/office/drawing/2014/main" id="{F1E6109C-C73F-1AAB-05E9-977A3057D19E}"/>
+              </a:ext>
+            </a:extLst>
+          </p:cNvPr>
           <p:cNvSpPr>
             <a:spLocks noGrp="1" noRot="1" noChangeAspect="1"/>
           </p:cNvSpPr>
@@ -923,7 +1763,13 @@
       </p:sp>
       <p:sp>
         <p:nvSpPr>
-          <p:cNvPr id="3" name="Notes Placeholder 2"/>
+          <p:cNvPr id="3" name="Notes Placeholder 2">
+            <a:extLst>
+              <a:ext uri="{FF2B5EF4-FFF2-40B4-BE49-F238E27FC236}">
+                <a16:creationId xmlns:a16="http://schemas.microsoft.com/office/drawing/2014/main" id="{3ED6E188-719E-29BC-AC58-43E39970B55A}"/>
+              </a:ext>
+            </a:extLst>
+          </p:cNvPr>
           <p:cNvSpPr>
             <a:spLocks noGrp="1"/>
           </p:cNvSpPr>
@@ -936,38 +1782,19 @@
           <a:bodyPr/>
           <a:lstStyle/>
           <a:p>
-            <a:pPr>
-              <a:lnSpc>
-                <a:spcPct val="150000"/>
-              </a:lnSpc>
-            </a:pPr>
-            <a:r>
-              <a:rPr lang="en-US" sz="1200" b="0" dirty="0"/>
-              <a:t>Prediction 2a (Attention-narrowing): Negative verbs reduce resources for subsequent nouns → smaller or absent N400/P600. </a:t>
-            </a:r>
-          </a:p>
-          <a:p>
-            <a:pPr>
-              <a:lnSpc>
-                <a:spcPct val="150000"/>
-              </a:lnSpc>
-            </a:pPr>
-            <a:r>
-              <a:rPr lang="en-US" sz="1200" b="0" dirty="0"/>
-              <a:t>Prediction 2b (Priority-binding): Emotional verbs enhance processing of subsequent nouns → larger N400/P600. </a:t>
-            </a:r>
-          </a:p>
-          <a:p>
-            <a:endParaRPr lang="en-KR" b="0" dirty="0"/>
-          </a:p>
-          <a:p>
-            <a:endParaRPr lang="en-KR" b="0" dirty="0"/>
-          </a:p>
-        </p:txBody>
-      </p:sp>
-      <p:sp>
-        <p:nvSpPr>
-          <p:cNvPr id="4" name="Slide Number Placeholder 3"/>
+            <a:endParaRPr lang="en-KR" dirty="0"/>
+          </a:p>
+        </p:txBody>
+      </p:sp>
+      <p:sp>
+        <p:nvSpPr>
+          <p:cNvPr id="4" name="Slide Number Placeholder 3">
+            <a:extLst>
+              <a:ext uri="{FF2B5EF4-FFF2-40B4-BE49-F238E27FC236}">
+                <a16:creationId xmlns:a16="http://schemas.microsoft.com/office/drawing/2014/main" id="{F47738D8-27B5-2DD0-29F3-C0DF8533110E}"/>
+              </a:ext>
+            </a:extLst>
+          </p:cNvPr>
           <p:cNvSpPr>
             <a:spLocks noGrp="1"/>
           </p:cNvSpPr>
@@ -982,7 +1809,7 @@
           <a:p>
             <a:fld id="{EB098B12-B970-C241-BF0F-6C2024C4B176}" type="slidenum">
               <a:rPr lang="en-KR" smtClean="0"/>
-              <a:t>13</a:t>
+              <a:t>12</a:t>
             </a:fld>
             <a:endParaRPr lang="en-KR"/>
           </a:p>
@@ -991,7 +1818,7 @@
     </p:spTree>
     <p:extLst>
       <p:ext uri="{BB962C8B-B14F-4D97-AF65-F5344CB8AC3E}">
-        <p14:creationId xmlns:p14="http://schemas.microsoft.com/office/powerpoint/2010/main" val="2368792088"/>
+        <p14:creationId xmlns:p14="http://schemas.microsoft.com/office/powerpoint/2010/main" val="470585249"/>
       </p:ext>
     </p:extLst>
   </p:cSld>
@@ -1002,6 +1829,208 @@
 </file>
 
 <file path=ppt/notesSlides/notesSlide6.xml><?xml version="1.0" encoding="utf-8"?>
+<p:notes xmlns:a="http://schemas.openxmlformats.org/drawingml/2006/main" xmlns:r="http://schemas.openxmlformats.org/officeDocument/2006/relationships" xmlns:p="http://schemas.openxmlformats.org/presentationml/2006/main">
+  <p:cSld>
+    <p:spTree>
+      <p:nvGrpSpPr>
+        <p:cNvPr id="1" name="">
+          <a:extLst>
+            <a:ext uri="{FF2B5EF4-FFF2-40B4-BE49-F238E27FC236}">
+              <a16:creationId xmlns:a16="http://schemas.microsoft.com/office/drawing/2014/main" id="{68C87600-EC5F-59EA-A9C9-389956B6A559}"/>
+            </a:ext>
+          </a:extLst>
+        </p:cNvPr>
+        <p:cNvGrpSpPr/>
+        <p:nvPr/>
+      </p:nvGrpSpPr>
+      <p:grpSpPr>
+        <a:xfrm>
+          <a:off x="0" y="0"/>
+          <a:ext cx="0" cy="0"/>
+          <a:chOff x="0" y="0"/>
+          <a:chExt cx="0" cy="0"/>
+        </a:xfrm>
+      </p:grpSpPr>
+      <p:sp>
+        <p:nvSpPr>
+          <p:cNvPr id="2" name="Slide Image Placeholder 1">
+            <a:extLst>
+              <a:ext uri="{FF2B5EF4-FFF2-40B4-BE49-F238E27FC236}">
+                <a16:creationId xmlns:a16="http://schemas.microsoft.com/office/drawing/2014/main" id="{5DCF9528-74F1-61A3-9BD7-D1782ABE00D5}"/>
+              </a:ext>
+            </a:extLst>
+          </p:cNvPr>
+          <p:cNvSpPr>
+            <a:spLocks noGrp="1" noRot="1" noChangeAspect="1"/>
+          </p:cNvSpPr>
+          <p:nvPr>
+            <p:ph type="sldImg"/>
+          </p:nvPr>
+        </p:nvSpPr>
+        <p:spPr/>
+      </p:sp>
+      <p:sp>
+        <p:nvSpPr>
+          <p:cNvPr id="3" name="Notes Placeholder 2">
+            <a:extLst>
+              <a:ext uri="{FF2B5EF4-FFF2-40B4-BE49-F238E27FC236}">
+                <a16:creationId xmlns:a16="http://schemas.microsoft.com/office/drawing/2014/main" id="{F13EB8B0-14E7-970A-3D28-BADB13806441}"/>
+              </a:ext>
+            </a:extLst>
+          </p:cNvPr>
+          <p:cNvSpPr>
+            <a:spLocks noGrp="1"/>
+          </p:cNvSpPr>
+          <p:nvPr>
+            <p:ph type="body" idx="1"/>
+          </p:nvPr>
+        </p:nvSpPr>
+        <p:spPr/>
+        <p:txBody>
+          <a:bodyPr/>
+          <a:lstStyle/>
+          <a:p>
+            <a:pPr>
+              <a:lnSpc>
+                <a:spcPct val="150000"/>
+              </a:lnSpc>
+            </a:pPr>
+            <a:r>
+              <a:rPr lang="en-US" dirty="0"/>
+              <a:t>How does hate speech influence processing &amp; reproduction?</a:t>
+            </a:r>
+          </a:p>
+          <a:p>
+            <a:pPr lvl="1">
+              <a:lnSpc>
+                <a:spcPct val="150000"/>
+              </a:lnSpc>
+            </a:pPr>
+            <a:r>
+              <a:rPr lang="en-US" dirty="0"/>
+              <a:t>RQ1: Does hate speech captures attention resources?</a:t>
+            </a:r>
+          </a:p>
+          <a:p>
+            <a:pPr lvl="1">
+              <a:lnSpc>
+                <a:spcPct val="150000"/>
+              </a:lnSpc>
+            </a:pPr>
+            <a:r>
+              <a:rPr lang="en-US" dirty="0"/>
+              <a:t>RQ</a:t>
+            </a:r>
+            <a:r>
+              <a:rPr lang="en-US" altLang="ko-KR" dirty="0"/>
+              <a:t>2</a:t>
+            </a:r>
+            <a:r>
+              <a:rPr lang="en-US" dirty="0"/>
+              <a:t>: Does hate speech impair semantic processing?</a:t>
+            </a:r>
+          </a:p>
+          <a:p>
+            <a:pPr lvl="1">
+              <a:lnSpc>
+                <a:spcPct val="150000"/>
+              </a:lnSpc>
+            </a:pPr>
+            <a:r>
+              <a:rPr lang="en-KR" dirty="0"/>
+              <a:t>RQ</a:t>
+            </a:r>
+            <a:r>
+              <a:rPr lang="en-US" altLang="ko-KR" dirty="0"/>
+              <a:t>3</a:t>
+            </a:r>
+            <a:r>
+              <a:rPr lang="en-KR" dirty="0"/>
+              <a:t>: </a:t>
+            </a:r>
+            <a:r>
+              <a:rPr lang="en-US" dirty="0"/>
+              <a:t>Does hate speech impair retention of relevant memory?</a:t>
+            </a:r>
+            <a:endParaRPr lang="en-KR" dirty="0"/>
+          </a:p>
+          <a:p>
+            <a:pPr lvl="1">
+              <a:lnSpc>
+                <a:spcPct val="150000"/>
+              </a:lnSpc>
+            </a:pPr>
+            <a:r>
+              <a:rPr lang="en-KR" dirty="0"/>
+              <a:t>RQ</a:t>
+            </a:r>
+            <a:r>
+              <a:rPr lang="en-US" altLang="ko-KR" dirty="0"/>
+              <a:t>4</a:t>
+            </a:r>
+            <a:r>
+              <a:rPr lang="en-KR" dirty="0"/>
+              <a:t>: </a:t>
+            </a:r>
+            <a:r>
+              <a:rPr lang="en-US" dirty="0"/>
+              <a:t>Does hate speech bias content reproduction?</a:t>
+            </a:r>
+            <a:endParaRPr lang="en-KR" dirty="0"/>
+          </a:p>
+          <a:p>
+            <a:pPr lvl="1">
+              <a:lnSpc>
+                <a:spcPct val="150000"/>
+              </a:lnSpc>
+            </a:pPr>
+            <a:endParaRPr lang="en-KR" dirty="0"/>
+          </a:p>
+        </p:txBody>
+      </p:sp>
+      <p:sp>
+        <p:nvSpPr>
+          <p:cNvPr id="4" name="Slide Number Placeholder 3">
+            <a:extLst>
+              <a:ext uri="{FF2B5EF4-FFF2-40B4-BE49-F238E27FC236}">
+                <a16:creationId xmlns:a16="http://schemas.microsoft.com/office/drawing/2014/main" id="{7CEAF39E-9C1B-912A-2DC1-00C9062AB49F}"/>
+              </a:ext>
+            </a:extLst>
+          </p:cNvPr>
+          <p:cNvSpPr>
+            <a:spLocks noGrp="1"/>
+          </p:cNvSpPr>
+          <p:nvPr>
+            <p:ph type="sldNum" sz="quarter" idx="5"/>
+          </p:nvPr>
+        </p:nvSpPr>
+        <p:spPr/>
+        <p:txBody>
+          <a:bodyPr/>
+          <a:lstStyle/>
+          <a:p>
+            <a:fld id="{EB098B12-B970-C241-BF0F-6C2024C4B176}" type="slidenum">
+              <a:rPr lang="en-KR" smtClean="0"/>
+              <a:t>13</a:t>
+            </a:fld>
+            <a:endParaRPr lang="en-KR"/>
+          </a:p>
+        </p:txBody>
+      </p:sp>
+    </p:spTree>
+    <p:extLst>
+      <p:ext uri="{BB962C8B-B14F-4D97-AF65-F5344CB8AC3E}">
+        <p14:creationId xmlns:p14="http://schemas.microsoft.com/office/powerpoint/2010/main" val="3492116124"/>
+      </p:ext>
+    </p:extLst>
+  </p:cSld>
+  <p:clrMapOvr>
+    <a:masterClrMapping/>
+  </p:clrMapOvr>
+</p:notes>
+</file>
+
+<file path=ppt/notesSlides/notesSlide7.xml><?xml version="1.0" encoding="utf-8"?>
 <p:notes xmlns:a="http://schemas.openxmlformats.org/drawingml/2006/main" xmlns:r="http://schemas.openxmlformats.org/officeDocument/2006/relationships" xmlns:p="http://schemas.openxmlformats.org/presentationml/2006/main">
   <p:cSld>
     <p:spTree>
@@ -1045,7 +2074,32 @@
           <a:bodyPr/>
           <a:lstStyle/>
           <a:p>
-            <a:endParaRPr lang="en-KR" dirty="0"/>
+            <a:pPr>
+              <a:lnSpc>
+                <a:spcPct val="150000"/>
+              </a:lnSpc>
+            </a:pPr>
+            <a:r>
+              <a:rPr lang="en-US" sz="1200" b="0" dirty="0"/>
+              <a:t>Prediction 2a (Attention-narrowing): Negative verbs reduce resources for subsequent nouns → smaller or absent N400/P600. </a:t>
+            </a:r>
+          </a:p>
+          <a:p>
+            <a:pPr>
+              <a:lnSpc>
+                <a:spcPct val="150000"/>
+              </a:lnSpc>
+            </a:pPr>
+            <a:r>
+              <a:rPr lang="en-US" sz="1200" b="0" dirty="0"/>
+              <a:t>Prediction 2b (Priority-binding): Emotional verbs enhance processing of subsequent nouns → larger N400/P600. </a:t>
+            </a:r>
+          </a:p>
+          <a:p>
+            <a:endParaRPr lang="en-KR" b="0" dirty="0"/>
+          </a:p>
+          <a:p>
+            <a:endParaRPr lang="en-KR" b="0" dirty="0"/>
           </a:p>
         </p:txBody>
       </p:sp>
@@ -1066,7 +2120,7 @@
           <a:p>
             <a:fld id="{EB098B12-B970-C241-BF0F-6C2024C4B176}" type="slidenum">
               <a:rPr lang="en-KR" smtClean="0"/>
-              <a:t>14</a:t>
+              <a:t>29</a:t>
             </a:fld>
             <a:endParaRPr lang="en-KR"/>
           </a:p>
@@ -1075,7 +2129,223 @@
     </p:spTree>
     <p:extLst>
       <p:ext uri="{BB962C8B-B14F-4D97-AF65-F5344CB8AC3E}">
-        <p14:creationId xmlns:p14="http://schemas.microsoft.com/office/powerpoint/2010/main" val="1599762088"/>
+        <p14:creationId xmlns:p14="http://schemas.microsoft.com/office/powerpoint/2010/main" val="2368792088"/>
+      </p:ext>
+    </p:extLst>
+  </p:cSld>
+  <p:clrMapOvr>
+    <a:masterClrMapping/>
+  </p:clrMapOvr>
+</p:notes>
+</file>
+
+<file path=ppt/notesSlides/notesSlide8.xml><?xml version="1.0" encoding="utf-8"?>
+<p:notes xmlns:a="http://schemas.openxmlformats.org/drawingml/2006/main" xmlns:r="http://schemas.openxmlformats.org/officeDocument/2006/relationships" xmlns:p="http://schemas.openxmlformats.org/presentationml/2006/main">
+  <p:cSld>
+    <p:spTree>
+      <p:nvGrpSpPr>
+        <p:cNvPr id="1" name="">
+          <a:extLst>
+            <a:ext uri="{FF2B5EF4-FFF2-40B4-BE49-F238E27FC236}">
+              <a16:creationId xmlns:a16="http://schemas.microsoft.com/office/drawing/2014/main" id="{C3789287-DCA2-EFF1-7BAE-CF6163236F0D}"/>
+            </a:ext>
+          </a:extLst>
+        </p:cNvPr>
+        <p:cNvGrpSpPr/>
+        <p:nvPr/>
+      </p:nvGrpSpPr>
+      <p:grpSpPr>
+        <a:xfrm>
+          <a:off x="0" y="0"/>
+          <a:ext cx="0" cy="0"/>
+          <a:chOff x="0" y="0"/>
+          <a:chExt cx="0" cy="0"/>
+        </a:xfrm>
+      </p:grpSpPr>
+      <p:sp>
+        <p:nvSpPr>
+          <p:cNvPr id="2" name="Slide Image Placeholder 1">
+            <a:extLst>
+              <a:ext uri="{FF2B5EF4-FFF2-40B4-BE49-F238E27FC236}">
+                <a16:creationId xmlns:a16="http://schemas.microsoft.com/office/drawing/2014/main" id="{E2BB5D12-A78D-D781-24EC-413081E07F25}"/>
+              </a:ext>
+            </a:extLst>
+          </p:cNvPr>
+          <p:cNvSpPr>
+            <a:spLocks noGrp="1" noRot="1" noChangeAspect="1"/>
+          </p:cNvSpPr>
+          <p:nvPr>
+            <p:ph type="sldImg"/>
+          </p:nvPr>
+        </p:nvSpPr>
+        <p:spPr/>
+      </p:sp>
+      <p:sp>
+        <p:nvSpPr>
+          <p:cNvPr id="3" name="Notes Placeholder 2">
+            <a:extLst>
+              <a:ext uri="{FF2B5EF4-FFF2-40B4-BE49-F238E27FC236}">
+                <a16:creationId xmlns:a16="http://schemas.microsoft.com/office/drawing/2014/main" id="{087D52CE-52E1-A290-6A89-4CD3E83E7FCC}"/>
+              </a:ext>
+            </a:extLst>
+          </p:cNvPr>
+          <p:cNvSpPr>
+            <a:spLocks noGrp="1"/>
+          </p:cNvSpPr>
+          <p:nvPr>
+            <p:ph type="body" idx="1"/>
+          </p:nvPr>
+        </p:nvSpPr>
+        <p:spPr/>
+        <p:txBody>
+          <a:bodyPr/>
+          <a:lstStyle/>
+          <a:p>
+            <a:endParaRPr lang="en-KR" dirty="0"/>
+          </a:p>
+        </p:txBody>
+      </p:sp>
+      <p:sp>
+        <p:nvSpPr>
+          <p:cNvPr id="4" name="Slide Number Placeholder 3">
+            <a:extLst>
+              <a:ext uri="{FF2B5EF4-FFF2-40B4-BE49-F238E27FC236}">
+                <a16:creationId xmlns:a16="http://schemas.microsoft.com/office/drawing/2014/main" id="{B87E63DE-C876-B415-9D37-8C848276FF59}"/>
+              </a:ext>
+            </a:extLst>
+          </p:cNvPr>
+          <p:cNvSpPr>
+            <a:spLocks noGrp="1"/>
+          </p:cNvSpPr>
+          <p:nvPr>
+            <p:ph type="sldNum" sz="quarter" idx="5"/>
+          </p:nvPr>
+        </p:nvSpPr>
+        <p:spPr/>
+        <p:txBody>
+          <a:bodyPr/>
+          <a:lstStyle/>
+          <a:p>
+            <a:fld id="{EB098B12-B970-C241-BF0F-6C2024C4B176}" type="slidenum">
+              <a:rPr lang="en-KR" smtClean="0"/>
+              <a:t>31</a:t>
+            </a:fld>
+            <a:endParaRPr lang="en-KR"/>
+          </a:p>
+        </p:txBody>
+      </p:sp>
+    </p:spTree>
+    <p:extLst>
+      <p:ext uri="{BB962C8B-B14F-4D97-AF65-F5344CB8AC3E}">
+        <p14:creationId xmlns:p14="http://schemas.microsoft.com/office/powerpoint/2010/main" val="1489991915"/>
+      </p:ext>
+    </p:extLst>
+  </p:cSld>
+  <p:clrMapOvr>
+    <a:masterClrMapping/>
+  </p:clrMapOvr>
+</p:notes>
+</file>
+
+<file path=ppt/notesSlides/notesSlide9.xml><?xml version="1.0" encoding="utf-8"?>
+<p:notes xmlns:a="http://schemas.openxmlformats.org/drawingml/2006/main" xmlns:r="http://schemas.openxmlformats.org/officeDocument/2006/relationships" xmlns:p="http://schemas.openxmlformats.org/presentationml/2006/main">
+  <p:cSld>
+    <p:spTree>
+      <p:nvGrpSpPr>
+        <p:cNvPr id="1" name="">
+          <a:extLst>
+            <a:ext uri="{FF2B5EF4-FFF2-40B4-BE49-F238E27FC236}">
+              <a16:creationId xmlns:a16="http://schemas.microsoft.com/office/drawing/2014/main" id="{7786576F-668F-D2C2-61D7-BD47657EA8FB}"/>
+            </a:ext>
+          </a:extLst>
+        </p:cNvPr>
+        <p:cNvGrpSpPr/>
+        <p:nvPr/>
+      </p:nvGrpSpPr>
+      <p:grpSpPr>
+        <a:xfrm>
+          <a:off x="0" y="0"/>
+          <a:ext cx="0" cy="0"/>
+          <a:chOff x="0" y="0"/>
+          <a:chExt cx="0" cy="0"/>
+        </a:xfrm>
+      </p:grpSpPr>
+      <p:sp>
+        <p:nvSpPr>
+          <p:cNvPr id="2" name="Slide Image Placeholder 1">
+            <a:extLst>
+              <a:ext uri="{FF2B5EF4-FFF2-40B4-BE49-F238E27FC236}">
+                <a16:creationId xmlns:a16="http://schemas.microsoft.com/office/drawing/2014/main" id="{DDE87273-5F59-B555-BB99-88055D3A9EBA}"/>
+              </a:ext>
+            </a:extLst>
+          </p:cNvPr>
+          <p:cNvSpPr>
+            <a:spLocks noGrp="1" noRot="1" noChangeAspect="1"/>
+          </p:cNvSpPr>
+          <p:nvPr>
+            <p:ph type="sldImg"/>
+          </p:nvPr>
+        </p:nvSpPr>
+        <p:spPr/>
+      </p:sp>
+      <p:sp>
+        <p:nvSpPr>
+          <p:cNvPr id="3" name="Notes Placeholder 2">
+            <a:extLst>
+              <a:ext uri="{FF2B5EF4-FFF2-40B4-BE49-F238E27FC236}">
+                <a16:creationId xmlns:a16="http://schemas.microsoft.com/office/drawing/2014/main" id="{97BDD9C5-86C4-5B51-99D9-75C10BB8EB1D}"/>
+              </a:ext>
+            </a:extLst>
+          </p:cNvPr>
+          <p:cNvSpPr>
+            <a:spLocks noGrp="1"/>
+          </p:cNvSpPr>
+          <p:nvPr>
+            <p:ph type="body" idx="1"/>
+          </p:nvPr>
+        </p:nvSpPr>
+        <p:spPr/>
+        <p:txBody>
+          <a:bodyPr/>
+          <a:lstStyle/>
+          <a:p>
+            <a:endParaRPr lang="en-KR" dirty="0"/>
+          </a:p>
+        </p:txBody>
+      </p:sp>
+      <p:sp>
+        <p:nvSpPr>
+          <p:cNvPr id="4" name="Slide Number Placeholder 3">
+            <a:extLst>
+              <a:ext uri="{FF2B5EF4-FFF2-40B4-BE49-F238E27FC236}">
+                <a16:creationId xmlns:a16="http://schemas.microsoft.com/office/drawing/2014/main" id="{EE906635-062A-7A29-1F34-4166DF13BA5D}"/>
+              </a:ext>
+            </a:extLst>
+          </p:cNvPr>
+          <p:cNvSpPr>
+            <a:spLocks noGrp="1"/>
+          </p:cNvSpPr>
+          <p:nvPr>
+            <p:ph type="sldNum" sz="quarter" idx="5"/>
+          </p:nvPr>
+        </p:nvSpPr>
+        <p:spPr/>
+        <p:txBody>
+          <a:bodyPr/>
+          <a:lstStyle/>
+          <a:p>
+            <a:fld id="{EB098B12-B970-C241-BF0F-6C2024C4B176}" type="slidenum">
+              <a:rPr lang="en-KR" smtClean="0"/>
+              <a:t>32</a:t>
+            </a:fld>
+            <a:endParaRPr lang="en-KR"/>
+          </a:p>
+        </p:txBody>
+      </p:sp>
+    </p:spTree>
+    <p:extLst>
+      <p:ext uri="{BB962C8B-B14F-4D97-AF65-F5344CB8AC3E}">
+        <p14:creationId xmlns:p14="http://schemas.microsoft.com/office/powerpoint/2010/main" val="2071285654"/>
       </p:ext>
     </p:extLst>
   </p:cSld>
@@ -1234,7 +2504,7 @@
           <a:p>
             <a:fld id="{1756F86C-FE6A-AB49-9F40-9CD471A2FC04}" type="datetimeFigureOut">
               <a:rPr lang="en-KR" smtClean="0"/>
-              <a:t>9/20/25</a:t>
+              <a:t>12/9/25</a:t>
             </a:fld>
             <a:endParaRPr lang="en-KR"/>
           </a:p>
@@ -1434,7 +2704,7 @@
           <a:p>
             <a:fld id="{1756F86C-FE6A-AB49-9F40-9CD471A2FC04}" type="datetimeFigureOut">
               <a:rPr lang="en-KR" smtClean="0"/>
-              <a:t>9/20/25</a:t>
+              <a:t>12/9/25</a:t>
             </a:fld>
             <a:endParaRPr lang="en-KR"/>
           </a:p>
@@ -1644,7 +2914,7 @@
           <a:p>
             <a:fld id="{1756F86C-FE6A-AB49-9F40-9CD471A2FC04}" type="datetimeFigureOut">
               <a:rPr lang="en-KR" smtClean="0"/>
-              <a:t>9/20/25</a:t>
+              <a:t>12/9/25</a:t>
             </a:fld>
             <a:endParaRPr lang="en-KR"/>
           </a:p>
@@ -1844,7 +3114,7 @@
           <a:p>
             <a:fld id="{1756F86C-FE6A-AB49-9F40-9CD471A2FC04}" type="datetimeFigureOut">
               <a:rPr lang="en-KR" smtClean="0"/>
-              <a:t>9/20/25</a:t>
+              <a:t>12/9/25</a:t>
             </a:fld>
             <a:endParaRPr lang="en-KR"/>
           </a:p>
@@ -2120,7 +3390,7 @@
           <a:p>
             <a:fld id="{1756F86C-FE6A-AB49-9F40-9CD471A2FC04}" type="datetimeFigureOut">
               <a:rPr lang="en-KR" smtClean="0"/>
-              <a:t>9/20/25</a:t>
+              <a:t>12/9/25</a:t>
             </a:fld>
             <a:endParaRPr lang="en-KR"/>
           </a:p>
@@ -2388,7 +3658,7 @@
           <a:p>
             <a:fld id="{1756F86C-FE6A-AB49-9F40-9CD471A2FC04}" type="datetimeFigureOut">
               <a:rPr lang="en-KR" smtClean="0"/>
-              <a:t>9/20/25</a:t>
+              <a:t>12/9/25</a:t>
             </a:fld>
             <a:endParaRPr lang="en-KR"/>
           </a:p>
@@ -2803,7 +4073,7 @@
           <a:p>
             <a:fld id="{1756F86C-FE6A-AB49-9F40-9CD471A2FC04}" type="datetimeFigureOut">
               <a:rPr lang="en-KR" smtClean="0"/>
-              <a:t>9/20/25</a:t>
+              <a:t>12/9/25</a:t>
             </a:fld>
             <a:endParaRPr lang="en-KR"/>
           </a:p>
@@ -2945,7 +4215,7 @@
           <a:p>
             <a:fld id="{1756F86C-FE6A-AB49-9F40-9CD471A2FC04}" type="datetimeFigureOut">
               <a:rPr lang="en-KR" smtClean="0"/>
-              <a:t>9/20/25</a:t>
+              <a:t>12/9/25</a:t>
             </a:fld>
             <a:endParaRPr lang="en-KR"/>
           </a:p>
@@ -3058,7 +4328,7 @@
           <a:p>
             <a:fld id="{1756F86C-FE6A-AB49-9F40-9CD471A2FC04}" type="datetimeFigureOut">
               <a:rPr lang="en-KR" smtClean="0"/>
-              <a:t>9/20/25</a:t>
+              <a:t>12/9/25</a:t>
             </a:fld>
             <a:endParaRPr lang="en-KR"/>
           </a:p>
@@ -3371,7 +4641,7 @@
           <a:p>
             <a:fld id="{1756F86C-FE6A-AB49-9F40-9CD471A2FC04}" type="datetimeFigureOut">
               <a:rPr lang="en-KR" smtClean="0"/>
-              <a:t>9/20/25</a:t>
+              <a:t>12/9/25</a:t>
             </a:fld>
             <a:endParaRPr lang="en-KR"/>
           </a:p>
@@ -3660,7 +4930,7 @@
           <a:p>
             <a:fld id="{1756F86C-FE6A-AB49-9F40-9CD471A2FC04}" type="datetimeFigureOut">
               <a:rPr lang="en-KR" smtClean="0"/>
-              <a:t>9/20/25</a:t>
+              <a:t>12/9/25</a:t>
             </a:fld>
             <a:endParaRPr lang="en-KR"/>
           </a:p>
@@ -3903,7 +5173,7 @@
           <a:p>
             <a:fld id="{1756F86C-FE6A-AB49-9F40-9CD471A2FC04}" type="datetimeFigureOut">
               <a:rPr lang="en-KR" smtClean="0"/>
-              <a:t>9/20/25</a:t>
+              <a:t>12/9/25</a:t>
             </a:fld>
             <a:endParaRPr lang="en-KR"/>
           </a:p>
@@ -4345,7 +5615,7 @@
           <a:p>
             <a:r>
               <a:rPr lang="en-US" sz="4000" dirty="0"/>
-              <a:t>“The dynamic influence of emotional words on sentence comprehension: An ERP study” by Ding et al.(2016)</a:t>
+              <a:t>The Effect of Hate Speech on Sentence Processing and Reproduction</a:t>
             </a:r>
             <a:endParaRPr lang="en-KR" sz="4000" dirty="0"/>
           </a:p>
@@ -4374,7 +5644,7 @@
           <a:p>
             <a:r>
               <a:rPr lang="en-US" dirty="0"/>
-              <a:t>Presentation on the experiment in this paper </a:t>
+              <a:t>Experimental Linguistics Term Project </a:t>
             </a:r>
           </a:p>
           <a:p>
@@ -4386,7 +5656,7 @@
           <a:p>
             <a:r>
               <a:rPr lang="en-US" dirty="0"/>
-              <a:t>Experimental Linguistics, 25/09/23</a:t>
+              <a:t>December 9, 2025</a:t>
             </a:r>
           </a:p>
         </p:txBody>
@@ -4409,7 +5679,13 @@
   <p:cSld>
     <p:spTree>
       <p:nvGrpSpPr>
-        <p:cNvPr id="1" name=""/>
+        <p:cNvPr id="1" name="">
+          <a:extLst>
+            <a:ext uri="{FF2B5EF4-FFF2-40B4-BE49-F238E27FC236}">
+              <a16:creationId xmlns:a16="http://schemas.microsoft.com/office/drawing/2014/main" id="{B3C4E56F-4EE8-ADA4-74E3-2FA718DC9480}"/>
+            </a:ext>
+          </a:extLst>
+        </p:cNvPr>
         <p:cNvGrpSpPr/>
         <p:nvPr/>
       </p:nvGrpSpPr>
@@ -4426,7 +5702,7 @@
           <p:cNvPr id="2" name="Title 1">
             <a:extLst>
               <a:ext uri="{FF2B5EF4-FFF2-40B4-BE49-F238E27FC236}">
-                <a16:creationId xmlns:a16="http://schemas.microsoft.com/office/drawing/2014/main" id="{8954336E-FABA-5A9F-C7B5-4BCBD689F3C9}"/>
+                <a16:creationId xmlns:a16="http://schemas.microsoft.com/office/drawing/2014/main" id="{7FACE70D-1AC0-DC0C-7557-AD1F8FB6EE03}"/>
               </a:ext>
             </a:extLst>
           </p:cNvPr>
@@ -4444,7 +5720,7 @@
           <a:p>
             <a:r>
               <a:rPr lang="en-US" dirty="0"/>
-              <a:t>Results (I)</a:t>
+              <a:t>Experimental Design</a:t>
             </a:r>
             <a:endParaRPr lang="en-KR" dirty="0"/>
           </a:p>
@@ -4455,7 +5731,7 @@
           <p:cNvPr id="3" name="Content Placeholder 2">
             <a:extLst>
               <a:ext uri="{FF2B5EF4-FFF2-40B4-BE49-F238E27FC236}">
-                <a16:creationId xmlns:a16="http://schemas.microsoft.com/office/drawing/2014/main" id="{D68FCE92-FD68-5B8D-D6AA-AB4F4AD1862E}"/>
+                <a16:creationId xmlns:a16="http://schemas.microsoft.com/office/drawing/2014/main" id="{9D488020-A279-6E26-E7AD-75D44AEA0518}"/>
               </a:ext>
             </a:extLst>
           </p:cNvPr>
@@ -4468,8 +5744,8 @@
         </p:nvSpPr>
         <p:spPr>
           <a:xfrm>
-            <a:off x="838200" y="1825625"/>
-            <a:ext cx="11197856" cy="4351338"/>
+            <a:off x="838199" y="1825624"/>
+            <a:ext cx="11027735" cy="5032375"/>
           </a:xfrm>
         </p:spPr>
         <p:txBody>
@@ -4478,14 +5754,19 @@
           </a:bodyPr>
           <a:lstStyle/>
           <a:p>
-            <a:pPr>
+            <a:pPr marL="0" indent="0">
               <a:lnSpc>
                 <a:spcPct val="150000"/>
               </a:lnSpc>
+              <a:buNone/>
             </a:pPr>
             <a:r>
-              <a:rPr lang="en-KR" sz="2400" dirty="0"/>
-              <a:t>Verb-level effects (Negative vs. Neutral)</a:t>
+              <a:rPr lang="en-US" sz="2400" b="1" dirty="0"/>
+              <a:t>Design:</a:t>
+            </a:r>
+            <a:r>
+              <a:rPr lang="en-US" sz="2400" dirty="0"/>
+              <a:t> 2 × 2 within-subjects factorial design </a:t>
             </a:r>
           </a:p>
           <a:p>
@@ -4496,118 +5777,35 @@
             </a:pPr>
             <a:r>
               <a:rPr lang="en-US" sz="2000" dirty="0"/>
-              <a:t>P2 (170–240ms): Negative verbs elicited a </a:t>
-            </a:r>
-            <a:r>
-              <a:rPr lang="en-US" sz="2000" b="1" dirty="0"/>
-              <a:t>significantly larger P2 </a:t>
-            </a:r>
+              <a:t>Emotion:</a:t>
+            </a:r>
+            <a:r>
+              <a:rPr lang="ko-KR" altLang="en-US" sz="2000" dirty="0"/>
+              <a:t> </a:t>
+            </a:r>
+            <a:r>
+              <a:rPr lang="en-US" altLang="ko-KR" sz="2000" dirty="0"/>
+              <a:t>Hate (H) vs. Neutral (N)</a:t>
+            </a:r>
+            <a:endParaRPr lang="en-US" sz="2000" dirty="0"/>
+          </a:p>
+          <a:p>
+            <a:pPr lvl="1">
+              <a:lnSpc>
+                <a:spcPct val="150000"/>
+              </a:lnSpc>
+            </a:pPr>
             <a:r>
               <a:rPr lang="en-US" sz="2000" dirty="0"/>
-              <a:t>than neutral verbs.</a:t>
-            </a:r>
-          </a:p>
-          <a:p>
-            <a:pPr lvl="2">
-              <a:lnSpc>
-                <a:spcPct val="150000"/>
-              </a:lnSpc>
-            </a:pPr>
-            <a:r>
-              <a:rPr lang="en-US" i="1" dirty="0"/>
-              <a:t>F</a:t>
-            </a:r>
-            <a:r>
-              <a:rPr lang="en-US" dirty="0"/>
-              <a:t>(1,25) = 4.67, </a:t>
-            </a:r>
-            <a:r>
-              <a:rPr lang="en-US" i="1" dirty="0"/>
-              <a:t>p</a:t>
-            </a:r>
-            <a:r>
-              <a:rPr lang="en-US" dirty="0"/>
-              <a:t> &lt; .05.</a:t>
-            </a:r>
-          </a:p>
-          <a:p>
-            <a:pPr lvl="2">
-              <a:lnSpc>
-                <a:spcPct val="150000"/>
-              </a:lnSpc>
-            </a:pPr>
-            <a:r>
-              <a:rPr lang="en-US" dirty="0"/>
-              <a:t>Captured more attention in early processing</a:t>
-            </a:r>
-          </a:p>
-          <a:p>
-            <a:pPr lvl="1">
-              <a:lnSpc>
-                <a:spcPct val="150000"/>
-              </a:lnSpc>
-            </a:pPr>
-            <a:r>
-              <a:rPr lang="en-US" sz="2000" dirty="0"/>
-              <a:t>N400 (300–470ms): Negative verbs elicited a </a:t>
-            </a:r>
-            <a:r>
-              <a:rPr lang="en-US" sz="2000" b="1" dirty="0"/>
-              <a:t>significantly larger N400 </a:t>
-            </a:r>
-            <a:r>
-              <a:rPr lang="en-US" sz="2000" dirty="0"/>
-              <a:t>than neutral verbs.</a:t>
-            </a:r>
-          </a:p>
-          <a:p>
-            <a:pPr lvl="2">
-              <a:lnSpc>
-                <a:spcPct val="150000"/>
-              </a:lnSpc>
-            </a:pPr>
-            <a:r>
-              <a:rPr lang="en-US" i="1" dirty="0"/>
-              <a:t>F</a:t>
-            </a:r>
-            <a:r>
-              <a:rPr lang="en-US" dirty="0"/>
-              <a:t>(1,25) = 8.21, </a:t>
-            </a:r>
-            <a:r>
-              <a:rPr lang="en-US" i="1" dirty="0"/>
-              <a:t>p</a:t>
-            </a:r>
-            <a:r>
-              <a:rPr lang="en-US" dirty="0"/>
-              <a:t> &lt; .01.</a:t>
-            </a:r>
-          </a:p>
-          <a:p>
-            <a:pPr lvl="2">
-              <a:lnSpc>
-                <a:spcPct val="150000"/>
-              </a:lnSpc>
-            </a:pPr>
-            <a:r>
-              <a:rPr lang="en-US" dirty="0"/>
-              <a:t>Harder to integrate semantically than neutral verbs</a:t>
-            </a:r>
-          </a:p>
-          <a:p>
-            <a:pPr>
-              <a:lnSpc>
-                <a:spcPct val="150000"/>
-              </a:lnSpc>
-            </a:pPr>
-            <a:endParaRPr lang="en-KR" sz="2400" dirty="0"/>
+              <a:t>Plausibility: Plausible (P) vs. Implausible (I)</a:t>
+            </a:r>
           </a:p>
         </p:txBody>
       </p:sp>
     </p:spTree>
     <p:extLst>
       <p:ext uri="{BB962C8B-B14F-4D97-AF65-F5344CB8AC3E}">
-        <p14:creationId xmlns:p14="http://schemas.microsoft.com/office/powerpoint/2010/main" val="742046706"/>
+        <p14:creationId xmlns:p14="http://schemas.microsoft.com/office/powerpoint/2010/main" val="1743249547"/>
       </p:ext>
     </p:extLst>
   </p:cSld>
@@ -4639,7 +5837,7 @@
           <p:cNvPr id="2" name="Title 1">
             <a:extLst>
               <a:ext uri="{FF2B5EF4-FFF2-40B4-BE49-F238E27FC236}">
-                <a16:creationId xmlns:a16="http://schemas.microsoft.com/office/drawing/2014/main" id="{BA5C1EDE-FD4D-41F1-5BEB-B1AD3ED7BC98}"/>
+                <a16:creationId xmlns:a16="http://schemas.microsoft.com/office/drawing/2014/main" id="{326B3016-14E1-3609-C367-18690D47CDE6}"/>
               </a:ext>
             </a:extLst>
           </p:cNvPr>
@@ -4657,7 +5855,7 @@
           <a:p>
             <a:r>
               <a:rPr lang="en-US" dirty="0"/>
-              <a:t>Results (II)</a:t>
+              <a:t>Experimental Design</a:t>
             </a:r>
             <a:endParaRPr lang="en-KR" dirty="0"/>
           </a:p>
@@ -4668,7 +5866,7 @@
           <p:cNvPr id="3" name="Content Placeholder 2">
             <a:extLst>
               <a:ext uri="{FF2B5EF4-FFF2-40B4-BE49-F238E27FC236}">
-                <a16:creationId xmlns:a16="http://schemas.microsoft.com/office/drawing/2014/main" id="{11B49788-E074-81F2-5A6E-146124C342DF}"/>
+                <a16:creationId xmlns:a16="http://schemas.microsoft.com/office/drawing/2014/main" id="{B304B712-DF7B-BCD0-0C4C-F33B44F31548}"/>
               </a:ext>
             </a:extLst>
           </p:cNvPr>
@@ -4681,8 +5879,8 @@
         </p:nvSpPr>
         <p:spPr>
           <a:xfrm>
-            <a:off x="838200" y="1825624"/>
-            <a:ext cx="10708758" cy="5032375"/>
+            <a:off x="838199" y="1825624"/>
+            <a:ext cx="11027735" cy="5032375"/>
           </a:xfrm>
         </p:spPr>
         <p:txBody>
@@ -4691,179 +5889,53 @@
           </a:bodyPr>
           <a:lstStyle/>
           <a:p>
-            <a:pPr marL="228600" marR="0" lvl="0" indent="-228600" algn="l" defTabSz="914400" rtl="0" eaLnBrk="1" fontAlgn="auto" latinLnBrk="0" hangingPunct="1">
+            <a:pPr>
               <a:lnSpc>
                 <a:spcPct val="150000"/>
               </a:lnSpc>
-              <a:spcBef>
-                <a:spcPts val="1000"/>
-              </a:spcBef>
-              <a:spcAft>
-                <a:spcPts val="0"/>
-              </a:spcAft>
-              <a:buClrTx/>
-              <a:buSzTx/>
-              <a:buFont typeface="Arial" panose="020B0604020202020204" pitchFamily="34" charset="0"/>
-              <a:buChar char="•"/>
-              <a:tabLst/>
-              <a:defRPr/>
             </a:pPr>
             <a:r>
-              <a:rPr kumimoji="0" lang="en-KR" sz="2400" b="0" i="0" u="none" strike="noStrike" kern="1200" cap="none" spc="0" normalizeH="0" baseline="0" noProof="0" dirty="0">
-                <a:ln>
-                  <a:noFill/>
-                </a:ln>
-                <a:solidFill>
-                  <a:prstClr val="black"/>
-                </a:solidFill>
-                <a:effectLst/>
-                <a:uLnTx/>
-                <a:uFillTx/>
-                <a:latin typeface="Aptos" panose="02110004020202020204"/>
-                <a:ea typeface="+mn-ea"/>
-                <a:cs typeface="+mn-cs"/>
-              </a:rPr>
-              <a:t>Noun-level effects (Semantic congruity &amp; Verb type)</a:t>
-            </a:r>
-          </a:p>
-          <a:p>
-            <a:pPr>
-              <a:lnSpc>
-                <a:spcPct val="150000"/>
-              </a:lnSpc>
-            </a:pPr>
-            <a:r>
-              <a:rPr lang="en-US" sz="2400" dirty="0"/>
-              <a:t>N400 (300–470 </a:t>
-            </a:r>
-            <a:r>
-              <a:rPr lang="en-US" sz="2400" dirty="0" err="1"/>
-              <a:t>ms</a:t>
-            </a:r>
-            <a:r>
-              <a:rPr lang="en-US" sz="2400" dirty="0"/>
-              <a:t>):</a:t>
-            </a:r>
-          </a:p>
-          <a:p>
-            <a:pPr lvl="1">
-              <a:lnSpc>
-                <a:spcPct val="150000"/>
-              </a:lnSpc>
-            </a:pPr>
-            <a:r>
-              <a:rPr lang="en-US" sz="2000" dirty="0"/>
-              <a:t>Neutral verb context: </a:t>
-            </a:r>
-            <a:r>
-              <a:rPr lang="en-US" sz="2000" b="1" dirty="0"/>
-              <a:t>incongruent nouns </a:t>
-            </a:r>
-            <a:r>
-              <a:rPr lang="en-US" sz="2000" dirty="0"/>
-              <a:t>elicited a </a:t>
-            </a:r>
-            <a:r>
-              <a:rPr lang="en-US" sz="2000" b="1" dirty="0"/>
-              <a:t>larger N400 </a:t>
-            </a:r>
-            <a:r>
-              <a:rPr lang="en-US" sz="2000" dirty="0"/>
-              <a:t>than congruent ones.</a:t>
-            </a:r>
-          </a:p>
-          <a:p>
-            <a:pPr lvl="2">
-              <a:lnSpc>
-                <a:spcPct val="150000"/>
-              </a:lnSpc>
-            </a:pPr>
-            <a:r>
-              <a:rPr lang="en-US" sz="1600" i="1" dirty="0"/>
-              <a:t>F</a:t>
-            </a:r>
-            <a:r>
-              <a:rPr lang="en-US" sz="1600" dirty="0"/>
-              <a:t>(1,25) = 24.96, </a:t>
-            </a:r>
-            <a:r>
-              <a:rPr lang="en-US" sz="1600" i="1" dirty="0"/>
-              <a:t>p</a:t>
-            </a:r>
-            <a:r>
-              <a:rPr lang="en-US" sz="1600" dirty="0"/>
-              <a:t> &lt; .001</a:t>
-            </a:r>
-          </a:p>
-          <a:p>
-            <a:pPr lvl="1">
-              <a:lnSpc>
-                <a:spcPct val="150000"/>
-              </a:lnSpc>
-            </a:pPr>
-            <a:r>
-              <a:rPr lang="en-US" sz="2000" dirty="0"/>
-              <a:t>Negative verb context: N400 congruity effect </a:t>
-            </a:r>
-            <a:r>
-              <a:rPr lang="en-US" sz="2000" b="1" dirty="0"/>
-              <a:t>still significant </a:t>
-            </a:r>
-            <a:r>
-              <a:rPr lang="en-US" sz="2000" dirty="0"/>
-              <a:t>but </a:t>
-            </a:r>
-            <a:r>
-              <a:rPr lang="en-US" sz="2000" b="1" dirty="0"/>
-              <a:t>weaker</a:t>
-            </a:r>
-            <a:r>
-              <a:rPr lang="en-US" sz="2000" dirty="0"/>
-              <a:t>.</a:t>
-            </a:r>
-            <a:r>
-              <a:rPr lang="en-US" sz="2000" b="1" dirty="0"/>
-              <a:t> </a:t>
-            </a:r>
-          </a:p>
-          <a:p>
-            <a:pPr lvl="2">
-              <a:lnSpc>
-                <a:spcPct val="150000"/>
-              </a:lnSpc>
-            </a:pPr>
-            <a:r>
-              <a:rPr lang="en-US" sz="1600" i="1" dirty="0"/>
-              <a:t>F</a:t>
-            </a:r>
-            <a:r>
-              <a:rPr lang="en-US" sz="1600" dirty="0"/>
-              <a:t>(1,25) = 6.04, </a:t>
-            </a:r>
-            <a:r>
-              <a:rPr lang="en-US" sz="1600" i="1" dirty="0"/>
-              <a:t>p</a:t>
-            </a:r>
-            <a:r>
-              <a:rPr lang="en-US" sz="1600" dirty="0"/>
-              <a:t> &lt; .05</a:t>
-            </a:r>
-          </a:p>
-          <a:p>
-            <a:pPr marL="457200" lvl="1" indent="0">
-              <a:lnSpc>
-                <a:spcPct val="150000"/>
-              </a:lnSpc>
-              <a:buNone/>
-            </a:pPr>
-            <a:endParaRPr lang="en-KR" dirty="0"/>
-          </a:p>
-        </p:txBody>
-      </p:sp>
+              <a:rPr lang="en-US" sz="2400" b="1" dirty="0"/>
+              <a:t>Stimuli Structure:</a:t>
+            </a:r>
+            <a:endParaRPr lang="en-US" sz="2400" dirty="0"/>
+          </a:p>
+        </p:txBody>
+      </p:sp>
+      <p:pic>
+        <p:nvPicPr>
+          <p:cNvPr id="4" name="Picture 3">
+            <a:extLst>
+              <a:ext uri="{FF2B5EF4-FFF2-40B4-BE49-F238E27FC236}">
+                <a16:creationId xmlns:a16="http://schemas.microsoft.com/office/drawing/2014/main" id="{9F47D62B-D094-40CF-EBCD-A276079C70C2}"/>
+              </a:ext>
+            </a:extLst>
+          </p:cNvPr>
+          <p:cNvPicPr>
+            <a:picLocks noChangeAspect="1"/>
+          </p:cNvPicPr>
+          <p:nvPr/>
+        </p:nvPicPr>
+        <p:blipFill>
+          <a:blip r:embed="rId3"/>
+          <a:stretch>
+            <a:fillRect/>
+          </a:stretch>
+        </p:blipFill>
+        <p:spPr>
+          <a:xfrm>
+            <a:off x="556888" y="2944710"/>
+            <a:ext cx="11078223" cy="2973489"/>
+          </a:xfrm>
+          <a:prstGeom prst="rect">
+            <a:avLst/>
+          </a:prstGeom>
+        </p:spPr>
+      </p:pic>
     </p:spTree>
     <p:extLst>
       <p:ext uri="{BB962C8B-B14F-4D97-AF65-F5344CB8AC3E}">
-        <p14:creationId xmlns:p14="http://schemas.microsoft.com/office/powerpoint/2010/main" val="3554197466"/>
+        <p14:creationId xmlns:p14="http://schemas.microsoft.com/office/powerpoint/2010/main" val="3674602559"/>
       </p:ext>
     </p:extLst>
   </p:cSld>
@@ -4881,7 +5953,7 @@
         <p:cNvPr id="1" name="">
           <a:extLst>
             <a:ext uri="{FF2B5EF4-FFF2-40B4-BE49-F238E27FC236}">
-              <a16:creationId xmlns:a16="http://schemas.microsoft.com/office/drawing/2014/main" id="{BCDCD596-1E42-416C-3F89-5F4FCF6BF2C2}"/>
+              <a16:creationId xmlns:a16="http://schemas.microsoft.com/office/drawing/2014/main" id="{0ED3BAC0-B4DB-7211-4504-6688CFFDAB5F}"/>
             </a:ext>
           </a:extLst>
         </p:cNvPr>
@@ -4901,7 +5973,7 @@
           <p:cNvPr id="2" name="Title 1">
             <a:extLst>
               <a:ext uri="{FF2B5EF4-FFF2-40B4-BE49-F238E27FC236}">
-                <a16:creationId xmlns:a16="http://schemas.microsoft.com/office/drawing/2014/main" id="{F01E51E4-7D5A-ECA3-DB3E-56167E188263}"/>
+                <a16:creationId xmlns:a16="http://schemas.microsoft.com/office/drawing/2014/main" id="{25B1AEF5-15E6-9FCA-BA4A-627C04C43158}"/>
               </a:ext>
             </a:extLst>
           </p:cNvPr>
@@ -4919,7 +5991,7 @@
           <a:p>
             <a:r>
               <a:rPr lang="en-US" dirty="0"/>
-              <a:t>Results (III)</a:t>
+              <a:t>Experimental Design</a:t>
             </a:r>
             <a:endParaRPr lang="en-KR" dirty="0"/>
           </a:p>
@@ -4930,7 +6002,7 @@
           <p:cNvPr id="3" name="Content Placeholder 2">
             <a:extLst>
               <a:ext uri="{FF2B5EF4-FFF2-40B4-BE49-F238E27FC236}">
-                <a16:creationId xmlns:a16="http://schemas.microsoft.com/office/drawing/2014/main" id="{CA239562-A4A6-5DC4-1BFC-777AF6565EDD}"/>
+                <a16:creationId xmlns:a16="http://schemas.microsoft.com/office/drawing/2014/main" id="{ED5F9EEB-D87E-4162-CB40-BE631EB306E4}"/>
               </a:ext>
             </a:extLst>
           </p:cNvPr>
@@ -4943,8 +6015,8 @@
         </p:nvSpPr>
         <p:spPr>
           <a:xfrm>
-            <a:off x="838200" y="1825624"/>
-            <a:ext cx="10515600" cy="5032375"/>
+            <a:off x="582132" y="1690688"/>
+            <a:ext cx="11027735" cy="5032375"/>
           </a:xfrm>
         </p:spPr>
         <p:txBody>
@@ -4953,39 +6025,34 @@
           </a:bodyPr>
           <a:lstStyle/>
           <a:p>
-            <a:pPr marL="228600" marR="0" lvl="0" indent="-228600" algn="l" defTabSz="914400" rtl="0" eaLnBrk="1" fontAlgn="auto" latinLnBrk="0" hangingPunct="1">
+            <a:pPr>
               <a:lnSpc>
                 <a:spcPct val="150000"/>
               </a:lnSpc>
-              <a:spcBef>
-                <a:spcPts val="1000"/>
-              </a:spcBef>
-              <a:spcAft>
-                <a:spcPts val="0"/>
-              </a:spcAft>
-              <a:buClrTx/>
-              <a:buSzTx/>
-              <a:buFont typeface="Arial" panose="020B0604020202020204" pitchFamily="34" charset="0"/>
-              <a:buChar char="•"/>
-              <a:tabLst/>
-              <a:defRPr/>
             </a:pPr>
             <a:r>
-              <a:rPr kumimoji="0" lang="en-KR" sz="2400" b="0" i="0" u="none" strike="noStrike" kern="1200" cap="none" spc="0" normalizeH="0" baseline="0" noProof="0" dirty="0">
-                <a:ln>
-                  <a:noFill/>
-                </a:ln>
-                <a:solidFill>
-                  <a:prstClr val="black"/>
-                </a:solidFill>
-                <a:effectLst/>
-                <a:uLnTx/>
-                <a:uFillTx/>
-                <a:latin typeface="Aptos" panose="02110004020202020204"/>
-                <a:ea typeface="+mn-ea"/>
-                <a:cs typeface="+mn-cs"/>
-              </a:rPr>
-              <a:t>Noun-level effects (Semantic congruity &amp; Verb type)</a:t>
+              <a:rPr lang="en-US" sz="2000" b="1" dirty="0"/>
+              <a:t>Participants: </a:t>
+            </a:r>
+            <a:r>
+              <a:rPr lang="en-US" sz="2000" dirty="0"/>
+              <a:t>N = 7 Korean native speakers (University students</a:t>
+            </a:r>
+            <a:r>
+              <a:rPr lang="en-US" altLang="ko-KR" sz="2000" dirty="0"/>
+              <a:t>,</a:t>
+            </a:r>
+            <a:r>
+              <a:rPr lang="ko-KR" altLang="en-US" sz="2000" dirty="0"/>
+              <a:t> </a:t>
+            </a:r>
+            <a:r>
+              <a:rPr lang="en-US" altLang="ko-KR" sz="2000" dirty="0"/>
+              <a:t>age: mean(SD) = 23.57(0.53)</a:t>
+            </a:r>
+            <a:r>
+              <a:rPr lang="en-US" sz="2000" dirty="0"/>
+              <a:t>)</a:t>
             </a:r>
           </a:p>
           <a:p>
@@ -4995,16 +6062,27 @@
               </a:lnSpc>
             </a:pPr>
             <a:r>
-              <a:rPr lang="en-US" sz="2400" dirty="0"/>
-              <a:t>P600 (500–700 </a:t>
-            </a:r>
-            <a:r>
-              <a:rPr lang="en-US" sz="2400" dirty="0" err="1"/>
-              <a:t>ms</a:t>
-            </a:r>
-            <a:r>
-              <a:rPr lang="en-US" sz="2400" dirty="0"/>
-              <a:t>):</a:t>
+              <a:rPr lang="en-US" sz="2000" b="1" dirty="0"/>
+              <a:t>Stimuli list:</a:t>
+            </a:r>
+            <a:r>
+              <a:rPr lang="en-US" sz="2000" dirty="0"/>
+              <a:t> 8 Topics x 2 Items x 4 conditions =</a:t>
+            </a:r>
+            <a:r>
+              <a:rPr lang="en-US" sz="2000" b="1" dirty="0"/>
+              <a:t> 64 Experimental trials + 12 fillers</a:t>
+            </a:r>
+          </a:p>
+          <a:p>
+            <a:pPr>
+              <a:lnSpc>
+                <a:spcPct val="150000"/>
+              </a:lnSpc>
+            </a:pPr>
+            <a:r>
+              <a:rPr lang="en-US" sz="2000" b="1" dirty="0"/>
+              <a:t>Latin Square Counterbalancing:</a:t>
             </a:r>
           </a:p>
           <a:p>
@@ -5015,23 +6093,18 @@
             </a:pPr>
             <a:r>
               <a:rPr lang="en-US" sz="2000" dirty="0"/>
-              <a:t>Neutral verb context: </a:t>
-            </a:r>
-            <a:r>
-              <a:rPr lang="en-US" sz="2000" b="1" dirty="0"/>
-              <a:t>incongruent nouns </a:t>
-            </a:r>
+              <a:t>Key Features: 4 lists, all conditions counter-balanced.</a:t>
+            </a:r>
+          </a:p>
+          <a:p>
+            <a:pPr lvl="1">
+              <a:lnSpc>
+                <a:spcPct val="150000"/>
+              </a:lnSpc>
+            </a:pPr>
             <a:r>
               <a:rPr lang="en-US" sz="2000" dirty="0"/>
-              <a:t>elicited a </a:t>
-            </a:r>
-            <a:r>
-              <a:rPr lang="en-US" sz="2000" b="1" dirty="0"/>
-              <a:t>robust P600 effect</a:t>
-            </a:r>
-            <a:r>
-              <a:rPr lang="en-US" sz="2000" dirty="0"/>
-              <a:t>. </a:t>
+              <a:t>Randomization: </a:t>
             </a:r>
           </a:p>
           <a:p>
@@ -5041,78 +6114,28 @@
               </a:lnSpc>
             </a:pPr>
             <a:r>
-              <a:rPr lang="en-US" sz="1600" i="1" dirty="0"/>
-              <a:t>F</a:t>
-            </a:r>
-            <a:r>
-              <a:rPr lang="en-US" sz="1600" dirty="0"/>
-              <a:t>(1,25) = 13.42, </a:t>
-            </a:r>
-            <a:r>
-              <a:rPr lang="en-US" sz="1600" i="1" dirty="0"/>
-              <a:t>p</a:t>
-            </a:r>
-            <a:r>
-              <a:rPr lang="en-US" sz="1600" dirty="0"/>
-              <a:t> &lt; .01</a:t>
-            </a:r>
-          </a:p>
-          <a:p>
-            <a:pPr lvl="1">
+              <a:rPr lang="en-US" dirty="0"/>
+              <a:t>Trial order randomized per participants</a:t>
+            </a:r>
+          </a:p>
+          <a:p>
+            <a:pPr lvl="2">
               <a:lnSpc>
                 <a:spcPct val="150000"/>
               </a:lnSpc>
             </a:pPr>
             <a:r>
-              <a:rPr lang="en-US" sz="2000" dirty="0"/>
-              <a:t>Negative verb context: </a:t>
-            </a:r>
-            <a:r>
-              <a:rPr lang="en-US" sz="2000" b="1" dirty="0"/>
-              <a:t>no significant </a:t>
-            </a:r>
-            <a:r>
-              <a:rPr lang="en-US" sz="2000" dirty="0"/>
-              <a:t>P600 congruity effect.</a:t>
-            </a:r>
-          </a:p>
-          <a:p>
-            <a:pPr lvl="2">
-              <a:lnSpc>
-                <a:spcPct val="150000"/>
-              </a:lnSpc>
-            </a:pPr>
-            <a:r>
-              <a:rPr lang="en-US" sz="1600" i="1" dirty="0"/>
-              <a:t>F</a:t>
-            </a:r>
-            <a:r>
-              <a:rPr lang="en-US" sz="1600" dirty="0"/>
-              <a:t> &lt; 1, </a:t>
-            </a:r>
-            <a:r>
-              <a:rPr lang="en-US" sz="1600" dirty="0" err="1"/>
-              <a:t>n.s</a:t>
-            </a:r>
-            <a:r>
-              <a:rPr lang="en-US" sz="1600" dirty="0"/>
-              <a:t>.</a:t>
-            </a:r>
-          </a:p>
-          <a:p>
-            <a:pPr lvl="1">
-              <a:lnSpc>
-                <a:spcPct val="150000"/>
-              </a:lnSpc>
-            </a:pPr>
-            <a:endParaRPr lang="en-KR" dirty="0"/>
+              <a:rPr lang="en-US" dirty="0"/>
+              <a:t>Fillers randomly intermixed</a:t>
+            </a:r>
+            <a:endParaRPr lang="en-US" sz="2400" dirty="0"/>
           </a:p>
         </p:txBody>
       </p:sp>
     </p:spTree>
     <p:extLst>
       <p:ext uri="{BB962C8B-B14F-4D97-AF65-F5344CB8AC3E}">
-        <p14:creationId xmlns:p14="http://schemas.microsoft.com/office/powerpoint/2010/main" val="980637044"/>
+        <p14:creationId xmlns:p14="http://schemas.microsoft.com/office/powerpoint/2010/main" val="1231061179"/>
       </p:ext>
     </p:extLst>
   </p:cSld>
@@ -5123,6 +6146,482 @@
 </file>
 
 <file path=ppt/slides/slide13.xml><?xml version="1.0" encoding="utf-8"?>
+<p:sld xmlns:a="http://schemas.openxmlformats.org/drawingml/2006/main" xmlns:r="http://schemas.openxmlformats.org/officeDocument/2006/relationships" xmlns:p="http://schemas.openxmlformats.org/presentationml/2006/main">
+  <p:cSld>
+    <p:spTree>
+      <p:nvGrpSpPr>
+        <p:cNvPr id="1" name="">
+          <a:extLst>
+            <a:ext uri="{FF2B5EF4-FFF2-40B4-BE49-F238E27FC236}">
+              <a16:creationId xmlns:a16="http://schemas.microsoft.com/office/drawing/2014/main" id="{AEA0047C-73D3-569F-35FF-A212EEA40A74}"/>
+            </a:ext>
+          </a:extLst>
+        </p:cNvPr>
+        <p:cNvGrpSpPr/>
+        <p:nvPr/>
+      </p:nvGrpSpPr>
+      <p:grpSpPr>
+        <a:xfrm>
+          <a:off x="0" y="0"/>
+          <a:ext cx="0" cy="0"/>
+          <a:chOff x="0" y="0"/>
+          <a:chExt cx="0" cy="0"/>
+        </a:xfrm>
+      </p:grpSpPr>
+      <p:sp>
+        <p:nvSpPr>
+          <p:cNvPr id="2" name="Title 1">
+            <a:extLst>
+              <a:ext uri="{FF2B5EF4-FFF2-40B4-BE49-F238E27FC236}">
+                <a16:creationId xmlns:a16="http://schemas.microsoft.com/office/drawing/2014/main" id="{1243C49E-7C68-BBE2-A793-637E8F832990}"/>
+              </a:ext>
+            </a:extLst>
+          </p:cNvPr>
+          <p:cNvSpPr>
+            <a:spLocks noGrp="1"/>
+          </p:cNvSpPr>
+          <p:nvPr>
+            <p:ph type="title"/>
+          </p:nvPr>
+        </p:nvSpPr>
+        <p:spPr/>
+        <p:txBody>
+          <a:bodyPr/>
+          <a:lstStyle/>
+          <a:p>
+            <a:r>
+              <a:rPr lang="en-KR" dirty="0"/>
+              <a:t>Hypotheses</a:t>
+            </a:r>
+          </a:p>
+        </p:txBody>
+      </p:sp>
+      <p:sp>
+        <p:nvSpPr>
+          <p:cNvPr id="3" name="Content Placeholder 2">
+            <a:extLst>
+              <a:ext uri="{FF2B5EF4-FFF2-40B4-BE49-F238E27FC236}">
+                <a16:creationId xmlns:a16="http://schemas.microsoft.com/office/drawing/2014/main" id="{F637BF84-689C-D21D-07E1-6601BAACF734}"/>
+              </a:ext>
+            </a:extLst>
+          </p:cNvPr>
+          <p:cNvSpPr>
+            <a:spLocks noGrp="1"/>
+          </p:cNvSpPr>
+          <p:nvPr>
+            <p:ph idx="1"/>
+          </p:nvPr>
+        </p:nvSpPr>
+        <p:spPr>
+          <a:xfrm>
+            <a:off x="838200" y="1825625"/>
+            <a:ext cx="10515600" cy="4667250"/>
+          </a:xfrm>
+        </p:spPr>
+        <p:txBody>
+          <a:bodyPr>
+            <a:normAutofit/>
+          </a:bodyPr>
+          <a:lstStyle/>
+          <a:p>
+            <a:pPr>
+              <a:lnSpc>
+                <a:spcPct val="150000"/>
+              </a:lnSpc>
+            </a:pPr>
+            <a:r>
+              <a:rPr lang="en-US" sz="2000" dirty="0"/>
+              <a:t>H1: Hate modifiers will elicit </a:t>
+            </a:r>
+            <a:r>
+              <a:rPr lang="en-US" sz="2000" b="1" dirty="0"/>
+              <a:t>longer reading times (↑) </a:t>
+            </a:r>
+            <a:r>
+              <a:rPr lang="en-US" sz="2000" dirty="0"/>
+              <a:t>than neutral modifiers. </a:t>
+            </a:r>
+          </a:p>
+          <a:p>
+            <a:pPr>
+              <a:lnSpc>
+                <a:spcPct val="150000"/>
+              </a:lnSpc>
+            </a:pPr>
+            <a:r>
+              <a:rPr lang="en-KR" sz="2000" dirty="0"/>
+              <a:t>H2: </a:t>
+            </a:r>
+            <a:r>
+              <a:rPr lang="en-US" sz="2000" dirty="0"/>
+              <a:t> Neutral-modifier sentences: Implausible &gt; Plausible RT in SPR </a:t>
+            </a:r>
+          </a:p>
+          <a:p>
+            <a:pPr marL="0" indent="0">
+              <a:lnSpc>
+                <a:spcPct val="150000"/>
+              </a:lnSpc>
+              <a:buNone/>
+              <a:tabLst>
+                <a:tab pos="703263" algn="l"/>
+              </a:tabLst>
+            </a:pPr>
+            <a:r>
+              <a:rPr lang="en-US" sz="2000" dirty="0"/>
+              <a:t>	Hate-modifier sentences: Reduced plausibility effect in SPR</a:t>
+            </a:r>
+            <a:endParaRPr lang="en-KR" sz="2000" dirty="0"/>
+          </a:p>
+          <a:p>
+            <a:pPr indent="-214313">
+              <a:lnSpc>
+                <a:spcPct val="150000"/>
+              </a:lnSpc>
+              <a:tabLst>
+                <a:tab pos="657225" algn="l"/>
+              </a:tabLst>
+            </a:pPr>
+            <a:r>
+              <a:rPr lang="en-KR" sz="2000" dirty="0"/>
+              <a:t>H3:</a:t>
+            </a:r>
+            <a:r>
+              <a:rPr lang="ko-KR" altLang="en-US" sz="2000" dirty="0"/>
+              <a:t> </a:t>
+            </a:r>
+            <a:r>
+              <a:rPr lang="en-US" altLang="ko-KR" sz="2000" dirty="0"/>
+              <a:t>Hate-modifier sentence </a:t>
+            </a:r>
+            <a:r>
+              <a:rPr lang="en-US" sz="2000" dirty="0"/>
+              <a:t>will </a:t>
+            </a:r>
+            <a:r>
+              <a:rPr lang="en-US" sz="2000" b="1" dirty="0"/>
+              <a:t>impair</a:t>
+            </a:r>
+            <a:r>
+              <a:rPr lang="en-US" sz="2000" dirty="0"/>
+              <a:t> </a:t>
+            </a:r>
+            <a:r>
+              <a:rPr lang="en-US" sz="2000" b="1" dirty="0"/>
+              <a:t>plausibility discriminability(↓) </a:t>
+            </a:r>
+            <a:r>
+              <a:rPr lang="en-US" sz="2000" dirty="0"/>
+              <a:t>in Plausibility 	Judgement Test.</a:t>
+            </a:r>
+            <a:endParaRPr lang="en-KR" sz="2000" dirty="0"/>
+          </a:p>
+          <a:p>
+            <a:pPr>
+              <a:lnSpc>
+                <a:spcPct val="150000"/>
+              </a:lnSpc>
+              <a:tabLst>
+                <a:tab pos="657225" algn="l"/>
+              </a:tabLst>
+            </a:pPr>
+            <a:r>
+              <a:rPr lang="en-KR" sz="2000" dirty="0"/>
+              <a:t>H4: </a:t>
+            </a:r>
+            <a:r>
+              <a:rPr lang="en-KR" sz="2000" b="1" dirty="0"/>
+              <a:t>Negative expression users </a:t>
+            </a:r>
+            <a:r>
+              <a:rPr lang="en-KR" sz="2000" dirty="0"/>
+              <a:t>would recall </a:t>
+            </a:r>
+            <a:r>
+              <a:rPr lang="en-KR" sz="2000" b="1" dirty="0"/>
+              <a:t>fewer facts </a:t>
+            </a:r>
+            <a:r>
+              <a:rPr lang="en-KR" sz="2000" dirty="0"/>
+              <a:t>and </a:t>
+            </a:r>
+            <a:r>
+              <a:rPr lang="en-KR" sz="2000" b="1" dirty="0"/>
+              <a:t>more implausible 	information </a:t>
+            </a:r>
+            <a:r>
+              <a:rPr lang="en-KR" sz="2000" dirty="0"/>
+              <a:t>in Free Description Task.</a:t>
+            </a:r>
+          </a:p>
+        </p:txBody>
+      </p:sp>
+    </p:spTree>
+    <p:extLst>
+      <p:ext uri="{BB962C8B-B14F-4D97-AF65-F5344CB8AC3E}">
+        <p14:creationId xmlns:p14="http://schemas.microsoft.com/office/powerpoint/2010/main" val="1637739400"/>
+      </p:ext>
+    </p:extLst>
+  </p:cSld>
+  <p:clrMapOvr>
+    <a:masterClrMapping/>
+  </p:clrMapOvr>
+</p:sld>
+</file>
+
+<file path=ppt/slides/slide14.xml><?xml version="1.0" encoding="utf-8"?>
+<p:sld xmlns:a="http://schemas.openxmlformats.org/drawingml/2006/main" xmlns:r="http://schemas.openxmlformats.org/officeDocument/2006/relationships" xmlns:p="http://schemas.openxmlformats.org/presentationml/2006/main" show="0">
+  <p:cSld>
+    <p:spTree>
+      <p:nvGrpSpPr>
+        <p:cNvPr id="1" name=""/>
+        <p:cNvGrpSpPr/>
+        <p:nvPr/>
+      </p:nvGrpSpPr>
+      <p:grpSpPr>
+        <a:xfrm>
+          <a:off x="0" y="0"/>
+          <a:ext cx="0" cy="0"/>
+          <a:chOff x="0" y="0"/>
+          <a:chExt cx="0" cy="0"/>
+        </a:xfrm>
+      </p:grpSpPr>
+      <p:pic>
+        <p:nvPicPr>
+          <p:cNvPr id="4" name="Picture 3">
+            <a:extLst>
+              <a:ext uri="{FF2B5EF4-FFF2-40B4-BE49-F238E27FC236}">
+                <a16:creationId xmlns:a16="http://schemas.microsoft.com/office/drawing/2014/main" id="{3C141657-90DF-51C1-83E8-27406981846A}"/>
+              </a:ext>
+            </a:extLst>
+          </p:cNvPr>
+          <p:cNvPicPr>
+            <a:picLocks noChangeAspect="1"/>
+          </p:cNvPicPr>
+          <p:nvPr/>
+        </p:nvPicPr>
+        <p:blipFill>
+          <a:blip r:embed="rId2"/>
+          <a:stretch>
+            <a:fillRect/>
+          </a:stretch>
+        </p:blipFill>
+        <p:spPr>
+          <a:xfrm>
+            <a:off x="1807284" y="990600"/>
+            <a:ext cx="8577431" cy="4876800"/>
+          </a:xfrm>
+          <a:prstGeom prst="rect">
+            <a:avLst/>
+          </a:prstGeom>
+        </p:spPr>
+      </p:pic>
+    </p:spTree>
+    <p:extLst>
+      <p:ext uri="{BB962C8B-B14F-4D97-AF65-F5344CB8AC3E}">
+        <p14:creationId xmlns:p14="http://schemas.microsoft.com/office/powerpoint/2010/main" val="714670135"/>
+      </p:ext>
+    </p:extLst>
+  </p:cSld>
+  <p:clrMapOvr>
+    <a:masterClrMapping/>
+  </p:clrMapOvr>
+</p:sld>
+</file>
+
+<file path=ppt/slides/slide15.xml><?xml version="1.0" encoding="utf-8"?>
+<p:sld xmlns:a="http://schemas.openxmlformats.org/drawingml/2006/main" xmlns:r="http://schemas.openxmlformats.org/officeDocument/2006/relationships" xmlns:p="http://schemas.openxmlformats.org/presentationml/2006/main" show="0">
+  <p:cSld>
+    <p:spTree>
+      <p:nvGrpSpPr>
+        <p:cNvPr id="1" name=""/>
+        <p:cNvGrpSpPr/>
+        <p:nvPr/>
+      </p:nvGrpSpPr>
+      <p:grpSpPr>
+        <a:xfrm>
+          <a:off x="0" y="0"/>
+          <a:ext cx="0" cy="0"/>
+          <a:chOff x="0" y="0"/>
+          <a:chExt cx="0" cy="0"/>
+        </a:xfrm>
+      </p:grpSpPr>
+      <p:pic>
+        <p:nvPicPr>
+          <p:cNvPr id="4" name="Picture 3">
+            <a:extLst>
+              <a:ext uri="{FF2B5EF4-FFF2-40B4-BE49-F238E27FC236}">
+                <a16:creationId xmlns:a16="http://schemas.microsoft.com/office/drawing/2014/main" id="{3AA878E8-E6CB-337A-D814-561DEA0410CA}"/>
+              </a:ext>
+            </a:extLst>
+          </p:cNvPr>
+          <p:cNvPicPr>
+            <a:picLocks noChangeAspect="1"/>
+          </p:cNvPicPr>
+          <p:nvPr/>
+        </p:nvPicPr>
+        <p:blipFill>
+          <a:blip r:embed="rId2"/>
+          <a:stretch>
+            <a:fillRect/>
+          </a:stretch>
+        </p:blipFill>
+        <p:spPr>
+          <a:xfrm>
+            <a:off x="2293484" y="0"/>
+            <a:ext cx="7605032" cy="6858000"/>
+          </a:xfrm>
+          <a:prstGeom prst="rect">
+            <a:avLst/>
+          </a:prstGeom>
+        </p:spPr>
+      </p:pic>
+    </p:spTree>
+    <p:extLst>
+      <p:ext uri="{BB962C8B-B14F-4D97-AF65-F5344CB8AC3E}">
+        <p14:creationId xmlns:p14="http://schemas.microsoft.com/office/powerpoint/2010/main" val="3415681311"/>
+      </p:ext>
+    </p:extLst>
+  </p:cSld>
+  <p:clrMapOvr>
+    <a:masterClrMapping/>
+  </p:clrMapOvr>
+</p:sld>
+</file>
+
+<file path=ppt/slides/slide16.xml><?xml version="1.0" encoding="utf-8"?>
+<p:sld xmlns:a="http://schemas.openxmlformats.org/drawingml/2006/main" xmlns:r="http://schemas.openxmlformats.org/officeDocument/2006/relationships" xmlns:p="http://schemas.openxmlformats.org/presentationml/2006/main" show="0">
+  <p:cSld>
+    <p:spTree>
+      <p:nvGrpSpPr>
+        <p:cNvPr id="1" name=""/>
+        <p:cNvGrpSpPr/>
+        <p:nvPr/>
+      </p:nvGrpSpPr>
+      <p:grpSpPr>
+        <a:xfrm>
+          <a:off x="0" y="0"/>
+          <a:ext cx="0" cy="0"/>
+          <a:chOff x="0" y="0"/>
+          <a:chExt cx="0" cy="0"/>
+        </a:xfrm>
+      </p:grpSpPr>
+      <p:pic>
+        <p:nvPicPr>
+          <p:cNvPr id="5" name="Picture 4">
+            <a:extLst>
+              <a:ext uri="{FF2B5EF4-FFF2-40B4-BE49-F238E27FC236}">
+                <a16:creationId xmlns:a16="http://schemas.microsoft.com/office/drawing/2014/main" id="{D7599127-77F2-12A6-0F8D-9843A0C4D5A8}"/>
+              </a:ext>
+            </a:extLst>
+          </p:cNvPr>
+          <p:cNvPicPr>
+            <a:picLocks noChangeAspect="1"/>
+          </p:cNvPicPr>
+          <p:nvPr/>
+        </p:nvPicPr>
+        <p:blipFill>
+          <a:blip r:embed="rId2"/>
+          <a:stretch>
+            <a:fillRect/>
+          </a:stretch>
+        </p:blipFill>
+        <p:spPr>
+          <a:xfrm>
+            <a:off x="1142974" y="384175"/>
+            <a:ext cx="9906052" cy="6089650"/>
+          </a:xfrm>
+          <a:prstGeom prst="rect">
+            <a:avLst/>
+          </a:prstGeom>
+        </p:spPr>
+      </p:pic>
+    </p:spTree>
+    <p:extLst>
+      <p:ext uri="{BB962C8B-B14F-4D97-AF65-F5344CB8AC3E}">
+        <p14:creationId xmlns:p14="http://schemas.microsoft.com/office/powerpoint/2010/main" val="888378996"/>
+      </p:ext>
+    </p:extLst>
+  </p:cSld>
+  <p:clrMapOvr>
+    <a:masterClrMapping/>
+  </p:clrMapOvr>
+</p:sld>
+</file>
+
+<file path=ppt/slides/slide17.xml><?xml version="1.0" encoding="utf-8"?>
+<p:sld xmlns:a="http://schemas.openxmlformats.org/drawingml/2006/main" xmlns:r="http://schemas.openxmlformats.org/officeDocument/2006/relationships" xmlns:p="http://schemas.openxmlformats.org/presentationml/2006/main">
+  <p:cSld>
+    <p:spTree>
+      <p:nvGrpSpPr>
+        <p:cNvPr id="1" name="">
+          <a:extLst>
+            <a:ext uri="{FF2B5EF4-FFF2-40B4-BE49-F238E27FC236}">
+              <a16:creationId xmlns:a16="http://schemas.microsoft.com/office/drawing/2014/main" id="{E0F0FB44-FE0B-4153-AD46-47F9DCA451C7}"/>
+            </a:ext>
+          </a:extLst>
+        </p:cNvPr>
+        <p:cNvGrpSpPr/>
+        <p:nvPr/>
+      </p:nvGrpSpPr>
+      <p:grpSpPr>
+        <a:xfrm>
+          <a:off x="0" y="0"/>
+          <a:ext cx="0" cy="0"/>
+          <a:chOff x="0" y="0"/>
+          <a:chExt cx="0" cy="0"/>
+        </a:xfrm>
+      </p:grpSpPr>
+      <p:sp>
+        <p:nvSpPr>
+          <p:cNvPr id="2" name="Title 1">
+            <a:extLst>
+              <a:ext uri="{FF2B5EF4-FFF2-40B4-BE49-F238E27FC236}">
+                <a16:creationId xmlns:a16="http://schemas.microsoft.com/office/drawing/2014/main" id="{D03A199A-42E4-302D-A633-75CBF5236DED}"/>
+              </a:ext>
+            </a:extLst>
+          </p:cNvPr>
+          <p:cNvSpPr>
+            <a:spLocks noGrp="1"/>
+          </p:cNvSpPr>
+          <p:nvPr>
+            <p:ph type="ctrTitle"/>
+          </p:nvPr>
+        </p:nvSpPr>
+        <p:spPr>
+          <a:xfrm>
+            <a:off x="1524000" y="3045618"/>
+            <a:ext cx="9144000" cy="766763"/>
+          </a:xfrm>
+        </p:spPr>
+        <p:txBody>
+          <a:bodyPr>
+            <a:noAutofit/>
+          </a:bodyPr>
+          <a:lstStyle/>
+          <a:p>
+            <a:r>
+              <a:rPr lang="en-US" sz="5400" dirty="0"/>
+              <a:t>Analysis &amp; Results</a:t>
+            </a:r>
+            <a:endParaRPr lang="en-KR" sz="5400" dirty="0"/>
+          </a:p>
+        </p:txBody>
+      </p:sp>
+    </p:spTree>
+    <p:extLst>
+      <p:ext uri="{BB962C8B-B14F-4D97-AF65-F5344CB8AC3E}">
+        <p14:creationId xmlns:p14="http://schemas.microsoft.com/office/powerpoint/2010/main" val="123716635"/>
+      </p:ext>
+    </p:extLst>
+  </p:cSld>
+  <p:clrMapOvr>
+    <a:masterClrMapping/>
+  </p:clrMapOvr>
+</p:sld>
+</file>
+
+<file path=ppt/slides/slide18.xml><?xml version="1.0" encoding="utf-8"?>
 <p:sld xmlns:a="http://schemas.openxmlformats.org/drawingml/2006/main" xmlns:r="http://schemas.openxmlformats.org/officeDocument/2006/relationships" xmlns:p="http://schemas.openxmlformats.org/presentationml/2006/main">
   <p:cSld>
     <p:spTree>
@@ -5144,7 +6643,7 @@
           <p:cNvPr id="2" name="Title 1">
             <a:extLst>
               <a:ext uri="{FF2B5EF4-FFF2-40B4-BE49-F238E27FC236}">
-                <a16:creationId xmlns:a16="http://schemas.microsoft.com/office/drawing/2014/main" id="{76696AF1-084A-234E-93F0-C23DD889B621}"/>
+                <a16:creationId xmlns:a16="http://schemas.microsoft.com/office/drawing/2014/main" id="{8954336E-FABA-5A9F-C7B5-4BCBD689F3C9}"/>
               </a:ext>
             </a:extLst>
           </p:cNvPr>
@@ -5161,10 +6660,9 @@
           <a:lstStyle/>
           <a:p>
             <a:r>
-              <a:rPr lang="en-US" dirty="0"/>
-              <a:t>Conclusions</a:t>
-            </a:r>
-            <a:endParaRPr lang="en-KR" dirty="0"/>
+              <a:rPr lang="en-KR" dirty="0"/>
+              <a:t>Data Preprocessing</a:t>
+            </a:r>
           </a:p>
         </p:txBody>
       </p:sp>
@@ -5173,7 +6671,7 @@
           <p:cNvPr id="3" name="Content Placeholder 2">
             <a:extLst>
               <a:ext uri="{FF2B5EF4-FFF2-40B4-BE49-F238E27FC236}">
-                <a16:creationId xmlns:a16="http://schemas.microsoft.com/office/drawing/2014/main" id="{1A0E4487-E89A-397D-1078-D197D06309E2}"/>
+                <a16:creationId xmlns:a16="http://schemas.microsoft.com/office/drawing/2014/main" id="{D68FCE92-FD68-5B8D-D6AA-AB4F4AD1862E}"/>
               </a:ext>
             </a:extLst>
           </p:cNvPr>
@@ -5184,7 +6682,12 @@
             <p:ph idx="1"/>
           </p:nvPr>
         </p:nvSpPr>
-        <p:spPr/>
+        <p:spPr>
+          <a:xfrm>
+            <a:off x="838200" y="1825625"/>
+            <a:ext cx="11197856" cy="4351338"/>
+          </a:xfrm>
+        </p:spPr>
         <p:txBody>
           <a:bodyPr>
             <a:normAutofit/>
@@ -5197,12 +6700,8 @@
               </a:lnSpc>
             </a:pPr>
             <a:r>
-              <a:rPr lang="en-US" sz="2400" b="1" dirty="0"/>
-              <a:t>P1 (Neutral context):</a:t>
-            </a:r>
-            <a:r>
               <a:rPr lang="en-US" sz="2400" dirty="0"/>
-              <a:t> Incongruent nouns elicit both N400 and P600. </a:t>
+              <a:t>Outlier Exclusion Strategy </a:t>
             </a:r>
           </a:p>
           <a:p>
@@ -5212,28 +6711,8 @@
               </a:lnSpc>
             </a:pPr>
             <a:r>
-              <a:rPr lang="en-US" sz="2000" b="1" dirty="0">
-                <a:solidFill>
-                  <a:srgbClr val="0070C0"/>
-                </a:solidFill>
-              </a:rPr>
-              <a:t>Supported</a:t>
-            </a:r>
-            <a:r>
-              <a:rPr lang="en-US" altLang="ko-KR" sz="2000" dirty="0"/>
-              <a:t>:</a:t>
-            </a:r>
-            <a:r>
-              <a:rPr lang="ko-KR" altLang="en-US" sz="2000" dirty="0"/>
-              <a:t> </a:t>
-            </a:r>
-            <a:r>
-              <a:rPr lang="en-US" altLang="ko-KR" sz="2000" dirty="0"/>
-              <a:t>R</a:t>
-            </a:r>
-            <a:r>
-              <a:rPr lang="en-US" sz="2000" dirty="0"/>
-              <a:t>obust N400 &amp; P600 observed.</a:t>
+              <a:rPr lang="en-KR" dirty="0"/>
+              <a:t>Word-level: 200ms &lt; RT &lt; 1600ms in SPR Task</a:t>
             </a:r>
           </a:p>
           <a:p>
@@ -5243,12 +6722,8 @@
               </a:lnSpc>
             </a:pPr>
             <a:r>
-              <a:rPr lang="en-US" sz="2400" b="1" dirty="0"/>
-              <a:t>P2a (Attention-narrowing):</a:t>
-            </a:r>
-            <a:r>
-              <a:rPr lang="en-US" sz="2400" dirty="0"/>
-              <a:t> Negative verbs → smaller N400/P600. </a:t>
+              <a:rPr lang="en-KR" sz="2400" dirty="0"/>
+              <a:t>Final Dataset: </a:t>
             </a:r>
           </a:p>
           <a:p>
@@ -5258,27 +6733,27 @@
               </a:lnSpc>
             </a:pPr>
             <a:r>
-              <a:rPr lang="en-US" sz="2000" b="1" dirty="0"/>
-              <a:t>Partially supported</a:t>
-            </a:r>
-            <a:r>
-              <a:rPr lang="en-US" sz="2000" dirty="0"/>
-              <a:t>: Congruity effect on N400 remained but weaker, P600 was absent.</a:t>
-            </a:r>
-          </a:p>
-          <a:p>
-            <a:pPr>
+              <a:rPr lang="en-KR" dirty="0"/>
+              <a:t>7 Participants</a:t>
+            </a:r>
+          </a:p>
+          <a:p>
+            <a:pPr lvl="1">
               <a:lnSpc>
                 <a:spcPct val="150000"/>
               </a:lnSpc>
             </a:pPr>
             <a:r>
-              <a:rPr lang="en-US" sz="2400" b="1" dirty="0"/>
-              <a:t>P2b (Priority-binding):</a:t>
-            </a:r>
-            <a:r>
-              <a:rPr lang="en-US" sz="2400" dirty="0"/>
-              <a:t> Negative verbs → larger N400/P600. </a:t>
+              <a:rPr lang="en-KR" dirty="0"/>
+              <a:t>308 trials</a:t>
+            </a:r>
+            <a:r>
+              <a:rPr lang="en-US" altLang="ko-KR" dirty="0"/>
+              <a:t>(stimuli)</a:t>
+            </a:r>
+            <a:r>
+              <a:rPr lang="en-KR" dirty="0"/>
+              <a:t> analyzed</a:t>
             </a:r>
           </a:p>
           <a:p>
@@ -5288,27 +6763,17 @@
               </a:lnSpc>
             </a:pPr>
             <a:r>
-              <a:rPr lang="en-US" sz="2000" b="1" dirty="0">
-                <a:solidFill>
-                  <a:srgbClr val="C00000"/>
-                </a:solidFill>
-              </a:rPr>
-              <a:t>Not supported</a:t>
-            </a:r>
-            <a:r>
-              <a:rPr lang="en-US" sz="2000" dirty="0"/>
-              <a:t>: did not find enhanced N400 &amp; reanalysis (P600) was impaired.</a:t>
-            </a:r>
-          </a:p>
-          <a:p>
-            <a:endParaRPr lang="en-KR" dirty="0"/>
+              <a:rPr lang="en-KR" dirty="0"/>
+              <a:t>885 word-level observations (3 Excluded out of 888 observations)</a:t>
+            </a:r>
+            <a:endParaRPr lang="en-US" dirty="0"/>
           </a:p>
         </p:txBody>
       </p:sp>
     </p:spTree>
     <p:extLst>
       <p:ext uri="{BB962C8B-B14F-4D97-AF65-F5344CB8AC3E}">
-        <p14:creationId xmlns:p14="http://schemas.microsoft.com/office/powerpoint/2010/main" val="672687170"/>
+        <p14:creationId xmlns:p14="http://schemas.microsoft.com/office/powerpoint/2010/main" val="742046706"/>
       </p:ext>
     </p:extLst>
   </p:cSld>
@@ -5318,226 +6783,7 @@
 </p:sld>
 </file>
 
-<file path=ppt/slides/slide14.xml><?xml version="1.0" encoding="utf-8"?>
-<p:sld xmlns:a="http://schemas.openxmlformats.org/drawingml/2006/main" xmlns:r="http://schemas.openxmlformats.org/officeDocument/2006/relationships" xmlns:p="http://schemas.openxmlformats.org/presentationml/2006/main">
-  <p:cSld>
-    <p:spTree>
-      <p:nvGrpSpPr>
-        <p:cNvPr id="1" name="">
-          <a:extLst>
-            <a:ext uri="{FF2B5EF4-FFF2-40B4-BE49-F238E27FC236}">
-              <a16:creationId xmlns:a16="http://schemas.microsoft.com/office/drawing/2014/main" id="{3FAD0F40-0384-D83D-FD48-1676595E1503}"/>
-            </a:ext>
-          </a:extLst>
-        </p:cNvPr>
-        <p:cNvGrpSpPr/>
-        <p:nvPr/>
-      </p:nvGrpSpPr>
-      <p:grpSpPr>
-        <a:xfrm>
-          <a:off x="0" y="0"/>
-          <a:ext cx="0" cy="0"/>
-          <a:chOff x="0" y="0"/>
-          <a:chExt cx="0" cy="0"/>
-        </a:xfrm>
-      </p:grpSpPr>
-      <p:sp>
-        <p:nvSpPr>
-          <p:cNvPr id="2" name="Title 1">
-            <a:extLst>
-              <a:ext uri="{FF2B5EF4-FFF2-40B4-BE49-F238E27FC236}">
-                <a16:creationId xmlns:a16="http://schemas.microsoft.com/office/drawing/2014/main" id="{B6ADA3E8-6C2F-F4DE-E64E-AAB67E5E361B}"/>
-              </a:ext>
-            </a:extLst>
-          </p:cNvPr>
-          <p:cNvSpPr>
-            <a:spLocks noGrp="1"/>
-          </p:cNvSpPr>
-          <p:nvPr>
-            <p:ph type="title"/>
-          </p:nvPr>
-        </p:nvSpPr>
-        <p:spPr/>
-        <p:txBody>
-          <a:bodyPr/>
-          <a:lstStyle/>
-          <a:p>
-            <a:r>
-              <a:rPr lang="en-US" dirty="0"/>
-              <a:t>Significance &amp; Limitations</a:t>
-            </a:r>
-            <a:endParaRPr lang="en-KR" dirty="0"/>
-          </a:p>
-        </p:txBody>
-      </p:sp>
-      <p:sp>
-        <p:nvSpPr>
-          <p:cNvPr id="3" name="Content Placeholder 2">
-            <a:extLst>
-              <a:ext uri="{FF2B5EF4-FFF2-40B4-BE49-F238E27FC236}">
-                <a16:creationId xmlns:a16="http://schemas.microsoft.com/office/drawing/2014/main" id="{6C337C21-998F-4008-8AC9-3DD7D6756518}"/>
-              </a:ext>
-            </a:extLst>
-          </p:cNvPr>
-          <p:cNvSpPr>
-            <a:spLocks noGrp="1"/>
-          </p:cNvSpPr>
-          <p:nvPr>
-            <p:ph idx="1"/>
-          </p:nvPr>
-        </p:nvSpPr>
-        <p:spPr>
-          <a:xfrm>
-            <a:off x="838200" y="1825625"/>
-            <a:ext cx="10219660" cy="5032376"/>
-          </a:xfrm>
-        </p:spPr>
-        <p:txBody>
-          <a:bodyPr>
-            <a:normAutofit lnSpcReduction="10000"/>
-          </a:bodyPr>
-          <a:lstStyle/>
-          <a:p>
-            <a:pPr>
-              <a:lnSpc>
-                <a:spcPct val="150000"/>
-              </a:lnSpc>
-            </a:pPr>
-            <a:r>
-              <a:rPr lang="en-US" sz="2400" dirty="0"/>
-              <a:t>Significance</a:t>
-            </a:r>
-          </a:p>
-          <a:p>
-            <a:pPr lvl="1">
-              <a:lnSpc>
-                <a:spcPct val="150000"/>
-              </a:lnSpc>
-            </a:pPr>
-            <a:r>
-              <a:rPr lang="en-US" sz="2000" b="1" dirty="0"/>
-              <a:t>Negative verbs </a:t>
-            </a:r>
-            <a:r>
-              <a:rPr lang="en-US" sz="2000" dirty="0"/>
-              <a:t>disrupted </a:t>
-            </a:r>
-            <a:r>
-              <a:rPr lang="en-US" sz="2000" b="1" dirty="0"/>
-              <a:t>congruity effect </a:t>
-            </a:r>
-            <a:r>
-              <a:rPr lang="en-US" sz="2000" dirty="0"/>
-              <a:t>on semantic integration</a:t>
-            </a:r>
-          </a:p>
-          <a:p>
-            <a:pPr lvl="1">
-              <a:lnSpc>
-                <a:spcPct val="150000"/>
-              </a:lnSpc>
-            </a:pPr>
-            <a:r>
-              <a:rPr lang="en-US" sz="2000" dirty="0"/>
-              <a:t>Results </a:t>
-            </a:r>
-            <a:r>
-              <a:rPr lang="en-US" sz="2000" b="1" dirty="0"/>
-              <a:t>supported the attention-narrowing hypothesis </a:t>
-            </a:r>
-            <a:r>
-              <a:rPr lang="en-US" sz="2000" dirty="0"/>
-              <a:t>over priority-binding.</a:t>
-            </a:r>
-          </a:p>
-          <a:p>
-            <a:pPr lvl="1">
-              <a:lnSpc>
-                <a:spcPct val="150000"/>
-              </a:lnSpc>
-            </a:pPr>
-            <a:r>
-              <a:rPr lang="en-US" sz="2000" b="1" dirty="0"/>
-              <a:t>Emotional words </a:t>
-            </a:r>
-            <a:r>
-              <a:rPr lang="en-US" sz="2000" dirty="0"/>
-              <a:t>affect the processing of subsequent semantic information, leading to shallower reanalysis.</a:t>
-            </a:r>
-          </a:p>
-          <a:p>
-            <a:pPr>
-              <a:lnSpc>
-                <a:spcPct val="150000"/>
-              </a:lnSpc>
-            </a:pPr>
-            <a:r>
-              <a:rPr lang="en-US" sz="2400" dirty="0"/>
-              <a:t>Limitation &amp; Further Research</a:t>
-            </a:r>
-          </a:p>
-          <a:p>
-            <a:pPr lvl="1">
-              <a:lnSpc>
-                <a:spcPct val="150000"/>
-              </a:lnSpc>
-            </a:pPr>
-            <a:r>
-              <a:rPr lang="en-US" sz="2000" dirty="0"/>
-              <a:t>Generalizability: The experiment was conducted only in Chinese.</a:t>
-            </a:r>
-          </a:p>
-          <a:p>
-            <a:pPr lvl="1">
-              <a:lnSpc>
-                <a:spcPct val="150000"/>
-              </a:lnSpc>
-            </a:pPr>
-            <a:r>
-              <a:rPr lang="en-US" sz="2000" dirty="0"/>
-              <a:t>Task Demands: Participants were asked only to read for comprehension.</a:t>
-            </a:r>
-          </a:p>
-          <a:p>
-            <a:pPr lvl="2">
-              <a:lnSpc>
-                <a:spcPct val="150000"/>
-              </a:lnSpc>
-            </a:pPr>
-            <a:r>
-              <a:rPr lang="en-US" sz="1600" dirty="0"/>
-              <a:t>More explicit tasks (e.g., plausibility judgment task) in realistic design (e.g., Minecraft) might reveal </a:t>
-            </a:r>
-            <a:r>
-              <a:rPr lang="en-US" sz="1600"/>
-              <a:t>other effects</a:t>
-            </a:r>
-            <a:endParaRPr lang="en-US" sz="1600" dirty="0"/>
-          </a:p>
-          <a:p>
-            <a:pPr>
-              <a:lnSpc>
-                <a:spcPct val="150000"/>
-              </a:lnSpc>
-            </a:pPr>
-            <a:endParaRPr lang="en-US" sz="2400" dirty="0"/>
-          </a:p>
-        </p:txBody>
-      </p:sp>
-    </p:spTree>
-    <p:extLst>
-      <p:ext uri="{BB962C8B-B14F-4D97-AF65-F5344CB8AC3E}">
-        <p14:creationId xmlns:p14="http://schemas.microsoft.com/office/powerpoint/2010/main" val="3290180492"/>
-      </p:ext>
-    </p:extLst>
-  </p:cSld>
-  <p:clrMapOvr>
-    <a:masterClrMapping/>
-  </p:clrMapOvr>
-</p:sld>
-</file>
-
-<file path=ppt/slides/slide2.xml><?xml version="1.0" encoding="utf-8"?>
+<file path=ppt/slides/slide19.xml><?xml version="1.0" encoding="utf-8"?>
 <p:sld xmlns:a="http://schemas.openxmlformats.org/drawingml/2006/main" xmlns:r="http://schemas.openxmlformats.org/officeDocument/2006/relationships" xmlns:p="http://schemas.openxmlformats.org/presentationml/2006/main">
   <p:cSld>
     <p:spTree>
@@ -5554,182 +6800,12 @@
           <a:chExt cx="0" cy="0"/>
         </a:xfrm>
       </p:grpSpPr>
-      <p:sp>
-        <p:nvSpPr>
-          <p:cNvPr id="2" name="Title 1">
-            <a:extLst>
-              <a:ext uri="{FF2B5EF4-FFF2-40B4-BE49-F238E27FC236}">
-                <a16:creationId xmlns:a16="http://schemas.microsoft.com/office/drawing/2014/main" id="{6E93F97D-5A0F-CA64-3BEE-4E2D2A303F03}"/>
-              </a:ext>
-            </a:extLst>
-          </p:cNvPr>
-          <p:cNvSpPr>
-            <a:spLocks noGrp="1"/>
-          </p:cNvSpPr>
-          <p:nvPr>
-            <p:ph type="title"/>
-          </p:nvPr>
-        </p:nvSpPr>
-        <p:spPr/>
-        <p:txBody>
-          <a:bodyPr/>
-          <a:lstStyle/>
-          <a:p>
-            <a:r>
-              <a:rPr lang="en-KR" dirty="0"/>
-              <a:t>Research Team</a:t>
-            </a:r>
-          </a:p>
-        </p:txBody>
-      </p:sp>
       <p:pic>
         <p:nvPicPr>
-          <p:cNvPr id="1026" name="Picture 2" descr="Yang, Yufang">
-            <a:extLst>
-              <a:ext uri="{FF2B5EF4-FFF2-40B4-BE49-F238E27FC236}">
-                <a16:creationId xmlns:a16="http://schemas.microsoft.com/office/drawing/2014/main" id="{CD005F29-6261-601D-F183-D06800BB0AA2}"/>
-              </a:ext>
-            </a:extLst>
-          </p:cNvPr>
-          <p:cNvPicPr>
-            <a:picLocks noChangeAspect="1" noChangeArrowheads="1"/>
-          </p:cNvPicPr>
-          <p:nvPr/>
-        </p:nvPicPr>
-        <p:blipFill>
-          <a:blip r:embed="rId3">
-            <a:extLst>
-              <a:ext uri="{28A0092B-C50C-407E-A947-70E740481C1C}">
-                <a14:useLocalDpi xmlns:a14="http://schemas.microsoft.com/office/drawing/2010/main" val="0"/>
-              </a:ext>
-            </a:extLst>
-          </a:blip>
-          <a:srcRect/>
-          <a:stretch>
-            <a:fillRect/>
-          </a:stretch>
-        </p:blipFill>
-        <p:spPr bwMode="auto">
-          <a:xfrm>
-            <a:off x="838200" y="1690688"/>
-            <a:ext cx="3040572" cy="4327747"/>
-          </a:xfrm>
-          <a:prstGeom prst="rect">
-            <a:avLst/>
-          </a:prstGeom>
-          <a:noFill/>
-          <a:extLst>
-            <a:ext uri="{909E8E84-426E-40DD-AFC4-6F175D3DCCD1}">
-              <a14:hiddenFill xmlns:a14="http://schemas.microsoft.com/office/drawing/2010/main">
-                <a:solidFill>
-                  <a:srgbClr val="FFFFFF"/>
-                </a:solidFill>
-              </a14:hiddenFill>
-            </a:ext>
-          </a:extLst>
-        </p:spPr>
-      </p:pic>
-      <p:sp>
-        <p:nvSpPr>
-          <p:cNvPr id="5" name="TextBox 4">
-            <a:extLst>
-              <a:ext uri="{FF2B5EF4-FFF2-40B4-BE49-F238E27FC236}">
-                <a16:creationId xmlns:a16="http://schemas.microsoft.com/office/drawing/2014/main" id="{2E7C81BC-784D-87FA-CEFD-3DD0F89A18E2}"/>
-              </a:ext>
-            </a:extLst>
-          </p:cNvPr>
-          <p:cNvSpPr txBox="1"/>
-          <p:nvPr/>
-        </p:nvSpPr>
-        <p:spPr>
-          <a:xfrm>
-            <a:off x="4174587" y="1711470"/>
-            <a:ext cx="6730882" cy="1754326"/>
-          </a:xfrm>
-          <a:prstGeom prst="rect">
-            <a:avLst/>
-          </a:prstGeom>
-          <a:noFill/>
-        </p:spPr>
-        <p:txBody>
-          <a:bodyPr wrap="none" rtlCol="0">
-            <a:spAutoFit/>
-          </a:bodyPr>
-          <a:lstStyle/>
-          <a:p>
-            <a:pPr marL="342900" indent="-342900">
-              <a:buFont typeface="Arial" panose="020B0604020202020204" pitchFamily="34" charset="0"/>
-              <a:buChar char="•"/>
-            </a:pPr>
-            <a:r>
-              <a:rPr lang="en-US" sz="2400" dirty="0"/>
-              <a:t>Authors: Jinfeng Ding &amp; Lin Wang &amp; Yufang Yang</a:t>
-            </a:r>
-          </a:p>
-          <a:p>
-            <a:pPr marL="342900" indent="-342900">
-              <a:buFont typeface="Arial" panose="020B0604020202020204" pitchFamily="34" charset="0"/>
-              <a:buChar char="•"/>
-            </a:pPr>
-            <a:endParaRPr lang="en-US" sz="2400" dirty="0"/>
-          </a:p>
-          <a:p>
-            <a:pPr marL="342900" indent="-342900">
-              <a:buFont typeface="Arial" panose="020B0604020202020204" pitchFamily="34" charset="0"/>
-              <a:buChar char="•"/>
-            </a:pPr>
-            <a:r>
-              <a:rPr lang="en-US" sz="2400" dirty="0"/>
-              <a:t>Yufang Yang’s Research Team</a:t>
-            </a:r>
-          </a:p>
-          <a:p>
-            <a:pPr marL="800100" lvl="1" indent="-342900">
-              <a:buFont typeface="Arial" panose="020B0604020202020204" pitchFamily="34" charset="0"/>
-              <a:buChar char="•"/>
-            </a:pPr>
-            <a:r>
-              <a:rPr lang="en-US" dirty="0"/>
-              <a:t>Institute of </a:t>
-            </a:r>
-            <a:r>
-              <a:rPr lang="en-US" dirty="0">
-                <a:solidFill>
-                  <a:schemeClr val="accent2">
-                    <a:lumMod val="50000"/>
-                  </a:schemeClr>
-                </a:solidFill>
-              </a:rPr>
-              <a:t>Psychology</a:t>
-            </a:r>
-            <a:r>
-              <a:rPr lang="en-US" dirty="0"/>
-              <a:t>, Chinese Academy of Sciences</a:t>
-            </a:r>
-          </a:p>
-          <a:p>
-            <a:pPr marL="800100" lvl="1" indent="-342900">
-              <a:buFont typeface="Arial" panose="020B0604020202020204" pitchFamily="34" charset="0"/>
-              <a:buChar char="•"/>
-            </a:pPr>
-            <a:r>
-              <a:rPr lang="en-US" b="1" dirty="0"/>
-              <a:t>Linguistic</a:t>
-            </a:r>
-            <a:r>
-              <a:rPr lang="en-US" dirty="0"/>
-              <a:t> sciences and cognitive neurosciences</a:t>
-            </a:r>
-            <a:endParaRPr lang="en-KR" sz="2400" dirty="0"/>
-          </a:p>
-        </p:txBody>
-      </p:sp>
-      <p:pic>
-        <p:nvPicPr>
-          <p:cNvPr id="6" name="Picture 5">
-            <a:extLst>
-              <a:ext uri="{FF2B5EF4-FFF2-40B4-BE49-F238E27FC236}">
-                <a16:creationId xmlns:a16="http://schemas.microsoft.com/office/drawing/2014/main" id="{EA87D5B4-FF2E-16F3-AF82-77998014C31D}"/>
+          <p:cNvPr id="5" name="Picture 4" descr="A graph with a red line&#10;&#10;AI-generated content may be incorrect.">
+            <a:extLst>
+              <a:ext uri="{FF2B5EF4-FFF2-40B4-BE49-F238E27FC236}">
+                <a16:creationId xmlns:a16="http://schemas.microsoft.com/office/drawing/2014/main" id="{39F78201-9A01-8300-A111-1AD988316E1A}"/>
               </a:ext>
             </a:extLst>
           </p:cNvPr>
@@ -5739,15 +6815,675 @@
           <p:nvPr/>
         </p:nvPicPr>
         <p:blipFill>
-          <a:blip r:embed="rId4"/>
+          <a:blip r:embed="rId2"/>
           <a:stretch>
             <a:fillRect/>
           </a:stretch>
         </p:blipFill>
         <p:spPr>
           <a:xfrm>
-            <a:off x="4170218" y="3778191"/>
-            <a:ext cx="7353300" cy="876300"/>
+            <a:off x="92242" y="434370"/>
+            <a:ext cx="12099758" cy="5989259"/>
+          </a:xfrm>
+          <a:prstGeom prst="rect">
+            <a:avLst/>
+          </a:prstGeom>
+        </p:spPr>
+      </p:pic>
+    </p:spTree>
+    <p:extLst>
+      <p:ext uri="{BB962C8B-B14F-4D97-AF65-F5344CB8AC3E}">
+        <p14:creationId xmlns:p14="http://schemas.microsoft.com/office/powerpoint/2010/main" val="4244619035"/>
+      </p:ext>
+    </p:extLst>
+  </p:cSld>
+  <p:clrMapOvr>
+    <a:masterClrMapping/>
+  </p:clrMapOvr>
+</p:sld>
+</file>
+
+<file path=ppt/slides/slide2.xml><?xml version="1.0" encoding="utf-8"?>
+<p:sld xmlns:a="http://schemas.openxmlformats.org/drawingml/2006/main" xmlns:r="http://schemas.openxmlformats.org/officeDocument/2006/relationships" xmlns:p="http://schemas.openxmlformats.org/presentationml/2006/main">
+  <p:cSld>
+    <p:spTree>
+      <p:nvGrpSpPr>
+        <p:cNvPr id="1" name="">
+          <a:extLst>
+            <a:ext uri="{FF2B5EF4-FFF2-40B4-BE49-F238E27FC236}">
+              <a16:creationId xmlns:a16="http://schemas.microsoft.com/office/drawing/2014/main" id="{016DFB68-C2BD-63C9-F3DE-0B868CFB9AB9}"/>
+            </a:ext>
+          </a:extLst>
+        </p:cNvPr>
+        <p:cNvGrpSpPr/>
+        <p:nvPr/>
+      </p:nvGrpSpPr>
+      <p:grpSpPr>
+        <a:xfrm>
+          <a:off x="0" y="0"/>
+          <a:ext cx="0" cy="0"/>
+          <a:chOff x="0" y="0"/>
+          <a:chExt cx="0" cy="0"/>
+        </a:xfrm>
+      </p:grpSpPr>
+      <p:sp>
+        <p:nvSpPr>
+          <p:cNvPr id="2" name="Title 1">
+            <a:extLst>
+              <a:ext uri="{FF2B5EF4-FFF2-40B4-BE49-F238E27FC236}">
+                <a16:creationId xmlns:a16="http://schemas.microsoft.com/office/drawing/2014/main" id="{69FAA110-ED6F-F62F-C9B2-5F673905341F}"/>
+              </a:ext>
+            </a:extLst>
+          </p:cNvPr>
+          <p:cNvSpPr>
+            <a:spLocks noGrp="1"/>
+          </p:cNvSpPr>
+          <p:nvPr>
+            <p:ph type="ctrTitle"/>
+          </p:nvPr>
+        </p:nvSpPr>
+        <p:spPr>
+          <a:xfrm>
+            <a:off x="1524000" y="3045618"/>
+            <a:ext cx="9144000" cy="766763"/>
+          </a:xfrm>
+        </p:spPr>
+        <p:txBody>
+          <a:bodyPr>
+            <a:noAutofit/>
+          </a:bodyPr>
+          <a:lstStyle/>
+          <a:p>
+            <a:r>
+              <a:rPr lang="en-US" sz="5400" dirty="0"/>
+              <a:t>Background</a:t>
+            </a:r>
+            <a:endParaRPr lang="en-KR" sz="5400" dirty="0"/>
+          </a:p>
+        </p:txBody>
+      </p:sp>
+    </p:spTree>
+    <p:extLst>
+      <p:ext uri="{BB962C8B-B14F-4D97-AF65-F5344CB8AC3E}">
+        <p14:creationId xmlns:p14="http://schemas.microsoft.com/office/powerpoint/2010/main" val="2215146428"/>
+      </p:ext>
+    </p:extLst>
+  </p:cSld>
+  <p:clrMapOvr>
+    <a:masterClrMapping/>
+  </p:clrMapOvr>
+</p:sld>
+</file>
+
+<file path=ppt/slides/slide20.xml><?xml version="1.0" encoding="utf-8"?>
+<p:sld xmlns:a="http://schemas.openxmlformats.org/drawingml/2006/main" xmlns:r="http://schemas.openxmlformats.org/officeDocument/2006/relationships" xmlns:p="http://schemas.openxmlformats.org/presentationml/2006/main">
+  <p:cSld>
+    <p:spTree>
+      <p:nvGrpSpPr>
+        <p:cNvPr id="1" name="">
+          <a:extLst>
+            <a:ext uri="{FF2B5EF4-FFF2-40B4-BE49-F238E27FC236}">
+              <a16:creationId xmlns:a16="http://schemas.microsoft.com/office/drawing/2014/main" id="{20A02DBF-D024-06A5-17B1-FE7E7E38C5BF}"/>
+            </a:ext>
+          </a:extLst>
+        </p:cNvPr>
+        <p:cNvGrpSpPr/>
+        <p:nvPr/>
+      </p:nvGrpSpPr>
+      <p:grpSpPr>
+        <a:xfrm>
+          <a:off x="0" y="0"/>
+          <a:ext cx="0" cy="0"/>
+          <a:chOff x="0" y="0"/>
+          <a:chExt cx="0" cy="0"/>
+        </a:xfrm>
+      </p:grpSpPr>
+      <p:sp>
+        <p:nvSpPr>
+          <p:cNvPr id="2" name="Title 1">
+            <a:extLst>
+              <a:ext uri="{FF2B5EF4-FFF2-40B4-BE49-F238E27FC236}">
+                <a16:creationId xmlns:a16="http://schemas.microsoft.com/office/drawing/2014/main" id="{C360B712-681A-43B3-4840-3A49EA82EB8E}"/>
+              </a:ext>
+            </a:extLst>
+          </p:cNvPr>
+          <p:cNvSpPr>
+            <a:spLocks noGrp="1"/>
+          </p:cNvSpPr>
+          <p:nvPr>
+            <p:ph type="title"/>
+          </p:nvPr>
+        </p:nvSpPr>
+        <p:spPr/>
+        <p:txBody>
+          <a:bodyPr/>
+          <a:lstStyle/>
+          <a:p>
+            <a:r>
+              <a:rPr lang="en-US" dirty="0"/>
+              <a:t>Results</a:t>
+            </a:r>
+            <a:endParaRPr lang="en-KR" dirty="0"/>
+          </a:p>
+        </p:txBody>
+      </p:sp>
+      <p:sp>
+        <p:nvSpPr>
+          <p:cNvPr id="3" name="Content Placeholder 2">
+            <a:extLst>
+              <a:ext uri="{FF2B5EF4-FFF2-40B4-BE49-F238E27FC236}">
+                <a16:creationId xmlns:a16="http://schemas.microsoft.com/office/drawing/2014/main" id="{100915C2-1DD3-083F-5C75-927C948DB9AA}"/>
+              </a:ext>
+            </a:extLst>
+          </p:cNvPr>
+          <p:cNvSpPr>
+            <a:spLocks noGrp="1"/>
+          </p:cNvSpPr>
+          <p:nvPr>
+            <p:ph idx="1"/>
+          </p:nvPr>
+        </p:nvSpPr>
+        <p:spPr>
+          <a:xfrm>
+            <a:off x="497072" y="1512888"/>
+            <a:ext cx="11197856" cy="4351338"/>
+          </a:xfrm>
+        </p:spPr>
+        <p:txBody>
+          <a:bodyPr>
+            <a:normAutofit/>
+          </a:bodyPr>
+          <a:lstStyle/>
+          <a:p>
+            <a:pPr marL="0" indent="0">
+              <a:lnSpc>
+                <a:spcPct val="150000"/>
+              </a:lnSpc>
+              <a:buNone/>
+            </a:pPr>
+            <a:r>
+              <a:rPr lang="en-KR" sz="2400" dirty="0"/>
+              <a:t>Manipulation Check: Successful Manipulation (t(6) = 18.11, p &lt; .0001)</a:t>
+            </a:r>
+          </a:p>
+          <a:p>
+            <a:pPr marL="0" indent="0">
+              <a:lnSpc>
+                <a:spcPct val="150000"/>
+              </a:lnSpc>
+              <a:buNone/>
+            </a:pPr>
+            <a:endParaRPr lang="en-KR" sz="2400" dirty="0"/>
+          </a:p>
+        </p:txBody>
+      </p:sp>
+      <p:pic>
+        <p:nvPicPr>
+          <p:cNvPr id="5" name="Picture 4" descr="A graph of different types of data&#10;&#10;AI-generated content may be incorrect.">
+            <a:extLst>
+              <a:ext uri="{FF2B5EF4-FFF2-40B4-BE49-F238E27FC236}">
+                <a16:creationId xmlns:a16="http://schemas.microsoft.com/office/drawing/2014/main" id="{D025F3B8-DA36-58EE-DCD9-4C748D64DF5C}"/>
+              </a:ext>
+            </a:extLst>
+          </p:cNvPr>
+          <p:cNvPicPr>
+            <a:picLocks noChangeAspect="1"/>
+          </p:cNvPicPr>
+          <p:nvPr/>
+        </p:nvPicPr>
+        <p:blipFill>
+          <a:blip r:embed="rId2"/>
+          <a:stretch>
+            <a:fillRect/>
+          </a:stretch>
+        </p:blipFill>
+        <p:spPr>
+          <a:xfrm>
+            <a:off x="838200" y="2219580"/>
+            <a:ext cx="10515600" cy="4458613"/>
+          </a:xfrm>
+          <a:prstGeom prst="rect">
+            <a:avLst/>
+          </a:prstGeom>
+        </p:spPr>
+      </p:pic>
+    </p:spTree>
+    <p:extLst>
+      <p:ext uri="{BB962C8B-B14F-4D97-AF65-F5344CB8AC3E}">
+        <p14:creationId xmlns:p14="http://schemas.microsoft.com/office/powerpoint/2010/main" val="11798781"/>
+      </p:ext>
+    </p:extLst>
+  </p:cSld>
+  <p:clrMapOvr>
+    <a:masterClrMapping/>
+  </p:clrMapOvr>
+</p:sld>
+</file>
+
+<file path=ppt/slides/slide21.xml><?xml version="1.0" encoding="utf-8"?>
+<p:sld xmlns:a="http://schemas.openxmlformats.org/drawingml/2006/main" xmlns:r="http://schemas.openxmlformats.org/officeDocument/2006/relationships" xmlns:p="http://schemas.openxmlformats.org/presentationml/2006/main">
+  <p:cSld>
+    <p:spTree>
+      <p:nvGrpSpPr>
+        <p:cNvPr id="1" name="">
+          <a:extLst>
+            <a:ext uri="{FF2B5EF4-FFF2-40B4-BE49-F238E27FC236}">
+              <a16:creationId xmlns:a16="http://schemas.microsoft.com/office/drawing/2014/main" id="{96B5118D-B8D5-A523-ACE2-25AD2E5F7430}"/>
+            </a:ext>
+          </a:extLst>
+        </p:cNvPr>
+        <p:cNvGrpSpPr/>
+        <p:nvPr/>
+      </p:nvGrpSpPr>
+      <p:grpSpPr>
+        <a:xfrm>
+          <a:off x="0" y="0"/>
+          <a:ext cx="0" cy="0"/>
+          <a:chOff x="0" y="0"/>
+          <a:chExt cx="0" cy="0"/>
+        </a:xfrm>
+      </p:grpSpPr>
+      <p:sp>
+        <p:nvSpPr>
+          <p:cNvPr id="2" name="Title 1">
+            <a:extLst>
+              <a:ext uri="{FF2B5EF4-FFF2-40B4-BE49-F238E27FC236}">
+                <a16:creationId xmlns:a16="http://schemas.microsoft.com/office/drawing/2014/main" id="{D969BC01-229D-1711-22BE-839EFB7E9B49}"/>
+              </a:ext>
+            </a:extLst>
+          </p:cNvPr>
+          <p:cNvSpPr>
+            <a:spLocks noGrp="1"/>
+          </p:cNvSpPr>
+          <p:nvPr>
+            <p:ph type="title"/>
+          </p:nvPr>
+        </p:nvSpPr>
+        <p:spPr/>
+        <p:txBody>
+          <a:bodyPr/>
+          <a:lstStyle/>
+          <a:p>
+            <a:r>
+              <a:rPr lang="en-US" dirty="0"/>
+              <a:t>Results</a:t>
+            </a:r>
+            <a:endParaRPr lang="en-KR" dirty="0"/>
+          </a:p>
+        </p:txBody>
+      </p:sp>
+      <p:sp>
+        <p:nvSpPr>
+          <p:cNvPr id="3" name="Content Placeholder 2">
+            <a:extLst>
+              <a:ext uri="{FF2B5EF4-FFF2-40B4-BE49-F238E27FC236}">
+                <a16:creationId xmlns:a16="http://schemas.microsoft.com/office/drawing/2014/main" id="{333DBE1B-4A5A-6E04-4ECF-A0F1CEDCD645}"/>
+              </a:ext>
+            </a:extLst>
+          </p:cNvPr>
+          <p:cNvSpPr>
+            <a:spLocks noGrp="1"/>
+          </p:cNvSpPr>
+          <p:nvPr>
+            <p:ph idx="1"/>
+          </p:nvPr>
+        </p:nvSpPr>
+        <p:spPr>
+          <a:xfrm>
+            <a:off x="497072" y="1690688"/>
+            <a:ext cx="11197856" cy="1103312"/>
+          </a:xfrm>
+        </p:spPr>
+        <p:txBody>
+          <a:bodyPr>
+            <a:normAutofit/>
+          </a:bodyPr>
+          <a:lstStyle/>
+          <a:p>
+            <a:pPr marL="0" indent="0">
+              <a:lnSpc>
+                <a:spcPct val="150000"/>
+              </a:lnSpc>
+              <a:buNone/>
+            </a:pPr>
+            <a:r>
+              <a:rPr lang="en-KR" sz="2400" dirty="0"/>
+              <a:t>1. Attention Capture: Hate modifiers </a:t>
+            </a:r>
+            <a:r>
+              <a:rPr lang="en-US" sz="2400" dirty="0"/>
+              <a:t>→ longer RT at modifier region</a:t>
+            </a:r>
+            <a:endParaRPr lang="en-KR" sz="2400" dirty="0"/>
+          </a:p>
+        </p:txBody>
+      </p:sp>
+      <p:pic>
+        <p:nvPicPr>
+          <p:cNvPr id="4" name="Picture 3">
+            <a:extLst>
+              <a:ext uri="{FF2B5EF4-FFF2-40B4-BE49-F238E27FC236}">
+                <a16:creationId xmlns:a16="http://schemas.microsoft.com/office/drawing/2014/main" id="{DED81D2C-9472-50FE-C21C-B5A72C6DAB3C}"/>
+              </a:ext>
+            </a:extLst>
+          </p:cNvPr>
+          <p:cNvPicPr>
+            <a:picLocks noChangeAspect="1"/>
+          </p:cNvPicPr>
+          <p:nvPr/>
+        </p:nvPicPr>
+        <p:blipFill>
+          <a:blip r:embed="rId2"/>
+          <a:stretch>
+            <a:fillRect/>
+          </a:stretch>
+        </p:blipFill>
+        <p:spPr>
+          <a:xfrm>
+            <a:off x="3030062" y="2567781"/>
+            <a:ext cx="6131876" cy="1722437"/>
+          </a:xfrm>
+          <a:prstGeom prst="rect">
+            <a:avLst/>
+          </a:prstGeom>
+        </p:spPr>
+      </p:pic>
+      <p:sp>
+        <p:nvSpPr>
+          <p:cNvPr id="5" name="Content Placeholder 2">
+            <a:extLst>
+              <a:ext uri="{FF2B5EF4-FFF2-40B4-BE49-F238E27FC236}">
+                <a16:creationId xmlns:a16="http://schemas.microsoft.com/office/drawing/2014/main" id="{464AC3AC-ABEC-45BD-BAE0-A54669217207}"/>
+              </a:ext>
+            </a:extLst>
+          </p:cNvPr>
+          <p:cNvSpPr txBox="1">
+            <a:spLocks/>
+          </p:cNvSpPr>
+          <p:nvPr/>
+        </p:nvSpPr>
+        <p:spPr>
+          <a:xfrm>
+            <a:off x="497072" y="4637088"/>
+            <a:ext cx="11197856" cy="1855787"/>
+          </a:xfrm>
+          <a:prstGeom prst="rect">
+            <a:avLst/>
+          </a:prstGeom>
+        </p:spPr>
+        <p:txBody>
+          <a:bodyPr vert="horz" lIns="91440" tIns="45720" rIns="91440" bIns="45720" rtlCol="0">
+            <a:normAutofit/>
+          </a:bodyPr>
+          <a:lstStyle>
+            <a:lvl1pPr marL="228600" indent="-228600" algn="l" defTabSz="914400" rtl="0" eaLnBrk="1" latinLnBrk="0" hangingPunct="1">
+              <a:lnSpc>
+                <a:spcPct val="90000"/>
+              </a:lnSpc>
+              <a:spcBef>
+                <a:spcPts val="1000"/>
+              </a:spcBef>
+              <a:buFont typeface="Arial" panose="020B0604020202020204" pitchFamily="34" charset="0"/>
+              <a:buChar char="•"/>
+              <a:defRPr sz="2800" kern="1200">
+                <a:solidFill>
+                  <a:schemeClr val="tx1"/>
+                </a:solidFill>
+                <a:latin typeface="+mn-lt"/>
+                <a:ea typeface="+mn-ea"/>
+                <a:cs typeface="+mn-cs"/>
+              </a:defRPr>
+            </a:lvl1pPr>
+            <a:lvl2pPr marL="685800" indent="-228600" algn="l" defTabSz="914400" rtl="0" eaLnBrk="1" latinLnBrk="0" hangingPunct="1">
+              <a:lnSpc>
+                <a:spcPct val="90000"/>
+              </a:lnSpc>
+              <a:spcBef>
+                <a:spcPts val="500"/>
+              </a:spcBef>
+              <a:buFont typeface="Arial" panose="020B0604020202020204" pitchFamily="34" charset="0"/>
+              <a:buChar char="•"/>
+              <a:defRPr sz="2400" kern="1200">
+                <a:solidFill>
+                  <a:schemeClr val="tx1"/>
+                </a:solidFill>
+                <a:latin typeface="+mn-lt"/>
+                <a:ea typeface="+mn-ea"/>
+                <a:cs typeface="+mn-cs"/>
+              </a:defRPr>
+            </a:lvl2pPr>
+            <a:lvl3pPr marL="1143000" indent="-228600" algn="l" defTabSz="914400" rtl="0" eaLnBrk="1" latinLnBrk="0" hangingPunct="1">
+              <a:lnSpc>
+                <a:spcPct val="90000"/>
+              </a:lnSpc>
+              <a:spcBef>
+                <a:spcPts val="500"/>
+              </a:spcBef>
+              <a:buFont typeface="Arial" panose="020B0604020202020204" pitchFamily="34" charset="0"/>
+              <a:buChar char="•"/>
+              <a:defRPr sz="2000" kern="1200">
+                <a:solidFill>
+                  <a:schemeClr val="tx1"/>
+                </a:solidFill>
+                <a:latin typeface="+mn-lt"/>
+                <a:ea typeface="+mn-ea"/>
+                <a:cs typeface="+mn-cs"/>
+              </a:defRPr>
+            </a:lvl3pPr>
+            <a:lvl4pPr marL="1600200" indent="-228600" algn="l" defTabSz="914400" rtl="0" eaLnBrk="1" latinLnBrk="0" hangingPunct="1">
+              <a:lnSpc>
+                <a:spcPct val="90000"/>
+              </a:lnSpc>
+              <a:spcBef>
+                <a:spcPts val="500"/>
+              </a:spcBef>
+              <a:buFont typeface="Arial" panose="020B0604020202020204" pitchFamily="34" charset="0"/>
+              <a:buChar char="•"/>
+              <a:defRPr sz="1800" kern="1200">
+                <a:solidFill>
+                  <a:schemeClr val="tx1"/>
+                </a:solidFill>
+                <a:latin typeface="+mn-lt"/>
+                <a:ea typeface="+mn-ea"/>
+                <a:cs typeface="+mn-cs"/>
+              </a:defRPr>
+            </a:lvl4pPr>
+            <a:lvl5pPr marL="2057400" indent="-228600" algn="l" defTabSz="914400" rtl="0" eaLnBrk="1" latinLnBrk="0" hangingPunct="1">
+              <a:lnSpc>
+                <a:spcPct val="90000"/>
+              </a:lnSpc>
+              <a:spcBef>
+                <a:spcPts val="500"/>
+              </a:spcBef>
+              <a:buFont typeface="Arial" panose="020B0604020202020204" pitchFamily="34" charset="0"/>
+              <a:buChar char="•"/>
+              <a:defRPr sz="1800" kern="1200">
+                <a:solidFill>
+                  <a:schemeClr val="tx1"/>
+                </a:solidFill>
+                <a:latin typeface="+mn-lt"/>
+                <a:ea typeface="+mn-ea"/>
+                <a:cs typeface="+mn-cs"/>
+              </a:defRPr>
+            </a:lvl5pPr>
+            <a:lvl6pPr marL="2514600" indent="-228600" algn="l" defTabSz="914400" rtl="0" eaLnBrk="1" latinLnBrk="0" hangingPunct="1">
+              <a:lnSpc>
+                <a:spcPct val="90000"/>
+              </a:lnSpc>
+              <a:spcBef>
+                <a:spcPts val="500"/>
+              </a:spcBef>
+              <a:buFont typeface="Arial" panose="020B0604020202020204" pitchFamily="34" charset="0"/>
+              <a:buChar char="•"/>
+              <a:defRPr sz="1800" kern="1200">
+                <a:solidFill>
+                  <a:schemeClr val="tx1"/>
+                </a:solidFill>
+                <a:latin typeface="+mn-lt"/>
+                <a:ea typeface="+mn-ea"/>
+                <a:cs typeface="+mn-cs"/>
+              </a:defRPr>
+            </a:lvl6pPr>
+            <a:lvl7pPr marL="2971800" indent="-228600" algn="l" defTabSz="914400" rtl="0" eaLnBrk="1" latinLnBrk="0" hangingPunct="1">
+              <a:lnSpc>
+                <a:spcPct val="90000"/>
+              </a:lnSpc>
+              <a:spcBef>
+                <a:spcPts val="500"/>
+              </a:spcBef>
+              <a:buFont typeface="Arial" panose="020B0604020202020204" pitchFamily="34" charset="0"/>
+              <a:buChar char="•"/>
+              <a:defRPr sz="1800" kern="1200">
+                <a:solidFill>
+                  <a:schemeClr val="tx1"/>
+                </a:solidFill>
+                <a:latin typeface="+mn-lt"/>
+                <a:ea typeface="+mn-ea"/>
+                <a:cs typeface="+mn-cs"/>
+              </a:defRPr>
+            </a:lvl7pPr>
+            <a:lvl8pPr marL="3429000" indent="-228600" algn="l" defTabSz="914400" rtl="0" eaLnBrk="1" latinLnBrk="0" hangingPunct="1">
+              <a:lnSpc>
+                <a:spcPct val="90000"/>
+              </a:lnSpc>
+              <a:spcBef>
+                <a:spcPts val="500"/>
+              </a:spcBef>
+              <a:buFont typeface="Arial" panose="020B0604020202020204" pitchFamily="34" charset="0"/>
+              <a:buChar char="•"/>
+              <a:defRPr sz="1800" kern="1200">
+                <a:solidFill>
+                  <a:schemeClr val="tx1"/>
+                </a:solidFill>
+                <a:latin typeface="+mn-lt"/>
+                <a:ea typeface="+mn-ea"/>
+                <a:cs typeface="+mn-cs"/>
+              </a:defRPr>
+            </a:lvl8pPr>
+            <a:lvl9pPr marL="3886200" indent="-228600" algn="l" defTabSz="914400" rtl="0" eaLnBrk="1" latinLnBrk="0" hangingPunct="1">
+              <a:lnSpc>
+                <a:spcPct val="90000"/>
+              </a:lnSpc>
+              <a:spcBef>
+                <a:spcPts val="500"/>
+              </a:spcBef>
+              <a:buFont typeface="Arial" panose="020B0604020202020204" pitchFamily="34" charset="0"/>
+              <a:buChar char="•"/>
+              <a:defRPr sz="1800" kern="1200">
+                <a:solidFill>
+                  <a:schemeClr val="tx1"/>
+                </a:solidFill>
+                <a:latin typeface="+mn-lt"/>
+                <a:ea typeface="+mn-ea"/>
+                <a:cs typeface="+mn-cs"/>
+              </a:defRPr>
+            </a:lvl9pPr>
+          </a:lstStyle>
+          <a:p>
+            <a:pPr>
+              <a:lnSpc>
+                <a:spcPct val="150000"/>
+              </a:lnSpc>
+            </a:pPr>
+            <a:r>
+              <a:rPr lang="en-US" sz="2400" dirty="0"/>
+              <a:t>Results</a:t>
+            </a:r>
+            <a:endParaRPr lang="en-KR" sz="2400" dirty="0"/>
+          </a:p>
+          <a:p>
+            <a:pPr lvl="1">
+              <a:lnSpc>
+                <a:spcPct val="150000"/>
+              </a:lnSpc>
+            </a:pPr>
+            <a:r>
+              <a:rPr lang="en-KR" sz="2000" dirty="0"/>
+              <a:t>Direction consistent, but statistically non-significant (Cohen’s d = 0.477, </a:t>
+            </a:r>
+            <a:r>
+              <a:rPr lang="en-KR" sz="2000" i="1" dirty="0"/>
+              <a:t>p</a:t>
+            </a:r>
+            <a:r>
+              <a:rPr lang="en-KR" sz="2000" dirty="0"/>
+              <a:t> = .254) </a:t>
+            </a:r>
+          </a:p>
+          <a:p>
+            <a:pPr lvl="1">
+              <a:lnSpc>
+                <a:spcPct val="150000"/>
+              </a:lnSpc>
+            </a:pPr>
+            <a:r>
+              <a:rPr lang="en-US" sz="2000" dirty="0"/>
+              <a:t>With larger sample size, effect may reach significance</a:t>
+            </a:r>
+            <a:endParaRPr lang="en-KR" sz="2000" dirty="0"/>
+          </a:p>
+        </p:txBody>
+      </p:sp>
+    </p:spTree>
+    <p:extLst>
+      <p:ext uri="{BB962C8B-B14F-4D97-AF65-F5344CB8AC3E}">
+        <p14:creationId xmlns:p14="http://schemas.microsoft.com/office/powerpoint/2010/main" val="474974608"/>
+      </p:ext>
+    </p:extLst>
+  </p:cSld>
+  <p:clrMapOvr>
+    <a:masterClrMapping/>
+  </p:clrMapOvr>
+</p:sld>
+</file>
+
+<file path=ppt/slides/slide22.xml><?xml version="1.0" encoding="utf-8"?>
+<p:sld xmlns:a="http://schemas.openxmlformats.org/drawingml/2006/main" xmlns:r="http://schemas.openxmlformats.org/officeDocument/2006/relationships" xmlns:p="http://schemas.openxmlformats.org/presentationml/2006/main">
+  <p:cSld>
+    <p:spTree>
+      <p:nvGrpSpPr>
+        <p:cNvPr id="1" name="">
+          <a:extLst>
+            <a:ext uri="{FF2B5EF4-FFF2-40B4-BE49-F238E27FC236}">
+              <a16:creationId xmlns:a16="http://schemas.microsoft.com/office/drawing/2014/main" id="{0012B5C5-E945-1918-82C3-318913CF4BA0}"/>
+            </a:ext>
+          </a:extLst>
+        </p:cNvPr>
+        <p:cNvGrpSpPr/>
+        <p:nvPr/>
+      </p:nvGrpSpPr>
+      <p:grpSpPr>
+        <a:xfrm>
+          <a:off x="0" y="0"/>
+          <a:ext cx="0" cy="0"/>
+          <a:chOff x="0" y="0"/>
+          <a:chExt cx="0" cy="0"/>
+        </a:xfrm>
+      </p:grpSpPr>
+      <p:pic>
+        <p:nvPicPr>
+          <p:cNvPr id="4" name="Picture 3">
+            <a:extLst>
+              <a:ext uri="{FF2B5EF4-FFF2-40B4-BE49-F238E27FC236}">
+                <a16:creationId xmlns:a16="http://schemas.microsoft.com/office/drawing/2014/main" id="{09592A67-A82D-3ACB-BAC4-FB47D25D76DD}"/>
+              </a:ext>
+            </a:extLst>
+          </p:cNvPr>
+          <p:cNvPicPr>
+            <a:picLocks noChangeAspect="1"/>
+          </p:cNvPicPr>
+          <p:nvPr/>
+        </p:nvPicPr>
+        <p:blipFill>
+          <a:blip r:embed="rId2"/>
+          <a:stretch>
+            <a:fillRect/>
+          </a:stretch>
+        </p:blipFill>
+        <p:spPr>
+          <a:xfrm>
+            <a:off x="3030062" y="2567781"/>
+            <a:ext cx="6131876" cy="1722437"/>
           </a:xfrm>
           <a:prstGeom prst="rect">
             <a:avLst/>
@@ -5756,10 +7492,10 @@
       </p:pic>
       <p:pic>
         <p:nvPicPr>
-          <p:cNvPr id="7" name="Picture 6">
-            <a:extLst>
-              <a:ext uri="{FF2B5EF4-FFF2-40B4-BE49-F238E27FC236}">
-                <a16:creationId xmlns:a16="http://schemas.microsoft.com/office/drawing/2014/main" id="{EBC4842A-D367-315E-5D52-225B56E6CEB7}"/>
+          <p:cNvPr id="7" name="Picture 6" descr="A chart of different colored boxes&#10;&#10;AI-generated content may be incorrect.">
+            <a:extLst>
+              <a:ext uri="{FF2B5EF4-FFF2-40B4-BE49-F238E27FC236}">
+                <a16:creationId xmlns:a16="http://schemas.microsoft.com/office/drawing/2014/main" id="{D1A98CF9-0A2A-63AA-9FB1-06B60E27CED8}"/>
               </a:ext>
             </a:extLst>
           </p:cNvPr>
@@ -5769,78 +7505,2062 @@
           <p:nvPr/>
         </p:nvPicPr>
         <p:blipFill>
-          <a:blip r:embed="rId5"/>
-          <a:srcRect t="54436"/>
+          <a:blip r:embed="rId3"/>
           <a:stretch>
             <a:fillRect/>
           </a:stretch>
         </p:blipFill>
         <p:spPr>
           <a:xfrm>
-            <a:off x="4170218" y="4966887"/>
-            <a:ext cx="7772400" cy="1325564"/>
+            <a:off x="2209800" y="365125"/>
+            <a:ext cx="7772400" cy="6206972"/>
           </a:xfrm>
           <a:prstGeom prst="rect">
             <a:avLst/>
           </a:prstGeom>
         </p:spPr>
       </p:pic>
-      <p:sp>
-        <p:nvSpPr>
-          <p:cNvPr id="8" name="Oval 7">
-            <a:extLst>
-              <a:ext uri="{FF2B5EF4-FFF2-40B4-BE49-F238E27FC236}">
-                <a16:creationId xmlns:a16="http://schemas.microsoft.com/office/drawing/2014/main" id="{8D355F19-34B9-E71E-537A-F2878444FBED}"/>
-              </a:ext>
-            </a:extLst>
-          </p:cNvPr>
-          <p:cNvSpPr/>
+    </p:spTree>
+    <p:extLst>
+      <p:ext uri="{BB962C8B-B14F-4D97-AF65-F5344CB8AC3E}">
+        <p14:creationId xmlns:p14="http://schemas.microsoft.com/office/powerpoint/2010/main" val="3239176187"/>
+      </p:ext>
+    </p:extLst>
+  </p:cSld>
+  <p:clrMapOvr>
+    <a:masterClrMapping/>
+  </p:clrMapOvr>
+</p:sld>
+</file>
+
+<file path=ppt/slides/slide23.xml><?xml version="1.0" encoding="utf-8"?>
+<p:sld xmlns:a="http://schemas.openxmlformats.org/drawingml/2006/main" xmlns:r="http://schemas.openxmlformats.org/officeDocument/2006/relationships" xmlns:p="http://schemas.openxmlformats.org/presentationml/2006/main">
+  <p:cSld>
+    <p:spTree>
+      <p:nvGrpSpPr>
+        <p:cNvPr id="1" name="">
+          <a:extLst>
+            <a:ext uri="{FF2B5EF4-FFF2-40B4-BE49-F238E27FC236}">
+              <a16:creationId xmlns:a16="http://schemas.microsoft.com/office/drawing/2014/main" id="{3028E5D7-A0A7-9A89-2510-57A7CFEF4EBF}"/>
+            </a:ext>
+          </a:extLst>
+        </p:cNvPr>
+        <p:cNvGrpSpPr/>
+        <p:nvPr/>
+      </p:nvGrpSpPr>
+      <p:grpSpPr>
+        <a:xfrm>
+          <a:off x="0" y="0"/>
+          <a:ext cx="0" cy="0"/>
+          <a:chOff x="0" y="0"/>
+          <a:chExt cx="0" cy="0"/>
+        </a:xfrm>
+      </p:grpSpPr>
+      <p:sp>
+        <p:nvSpPr>
+          <p:cNvPr id="2" name="Title 1">
+            <a:extLst>
+              <a:ext uri="{FF2B5EF4-FFF2-40B4-BE49-F238E27FC236}">
+                <a16:creationId xmlns:a16="http://schemas.microsoft.com/office/drawing/2014/main" id="{17684606-A2F1-D814-563D-E1D832C36182}"/>
+              </a:ext>
+            </a:extLst>
+          </p:cNvPr>
+          <p:cNvSpPr>
+            <a:spLocks noGrp="1"/>
+          </p:cNvSpPr>
+          <p:nvPr>
+            <p:ph type="title"/>
+          </p:nvPr>
+        </p:nvSpPr>
+        <p:spPr/>
+        <p:txBody>
+          <a:bodyPr/>
+          <a:lstStyle/>
+          <a:p>
+            <a:r>
+              <a:rPr lang="en-US" dirty="0"/>
+              <a:t>Results</a:t>
+            </a:r>
+            <a:endParaRPr lang="en-KR" dirty="0"/>
+          </a:p>
+        </p:txBody>
+      </p:sp>
+      <p:sp>
+        <p:nvSpPr>
+          <p:cNvPr id="4" name="Content Placeholder 2">
+            <a:extLst>
+              <a:ext uri="{FF2B5EF4-FFF2-40B4-BE49-F238E27FC236}">
+                <a16:creationId xmlns:a16="http://schemas.microsoft.com/office/drawing/2014/main" id="{3390FA2E-15EB-21BA-B1CB-6713D34FFF52}"/>
+              </a:ext>
+            </a:extLst>
+          </p:cNvPr>
+          <p:cNvSpPr txBox="1">
+            <a:spLocks/>
+          </p:cNvSpPr>
           <p:nvPr/>
         </p:nvSpPr>
         <p:spPr>
           <a:xfrm>
-            <a:off x="4228092" y="5068691"/>
-            <a:ext cx="682906" cy="366675"/>
+            <a:off x="497072" y="1690688"/>
+            <a:ext cx="11197856" cy="4351338"/>
           </a:xfrm>
-          <a:prstGeom prst="ellipse">
+          <a:prstGeom prst="rect">
+            <a:avLst/>
+          </a:prstGeom>
+        </p:spPr>
+        <p:txBody>
+          <a:bodyPr vert="horz" lIns="91440" tIns="45720" rIns="91440" bIns="45720" rtlCol="0">
+            <a:normAutofit/>
+          </a:bodyPr>
+          <a:lstStyle>
+            <a:lvl1pPr marL="228600" indent="-228600" algn="l" defTabSz="914400" rtl="0" eaLnBrk="1" latinLnBrk="0" hangingPunct="1">
+              <a:lnSpc>
+                <a:spcPct val="90000"/>
+              </a:lnSpc>
+              <a:spcBef>
+                <a:spcPts val="1000"/>
+              </a:spcBef>
+              <a:buFont typeface="Arial" panose="020B0604020202020204" pitchFamily="34" charset="0"/>
+              <a:buChar char="•"/>
+              <a:defRPr sz="2800" kern="1200">
+                <a:solidFill>
+                  <a:schemeClr val="tx1"/>
+                </a:solidFill>
+                <a:latin typeface="+mn-lt"/>
+                <a:ea typeface="+mn-ea"/>
+                <a:cs typeface="+mn-cs"/>
+              </a:defRPr>
+            </a:lvl1pPr>
+            <a:lvl2pPr marL="685800" indent="-228600" algn="l" defTabSz="914400" rtl="0" eaLnBrk="1" latinLnBrk="0" hangingPunct="1">
+              <a:lnSpc>
+                <a:spcPct val="90000"/>
+              </a:lnSpc>
+              <a:spcBef>
+                <a:spcPts val="500"/>
+              </a:spcBef>
+              <a:buFont typeface="Arial" panose="020B0604020202020204" pitchFamily="34" charset="0"/>
+              <a:buChar char="•"/>
+              <a:defRPr sz="2400" kern="1200">
+                <a:solidFill>
+                  <a:schemeClr val="tx1"/>
+                </a:solidFill>
+                <a:latin typeface="+mn-lt"/>
+                <a:ea typeface="+mn-ea"/>
+                <a:cs typeface="+mn-cs"/>
+              </a:defRPr>
+            </a:lvl2pPr>
+            <a:lvl3pPr marL="1143000" indent="-228600" algn="l" defTabSz="914400" rtl="0" eaLnBrk="1" latinLnBrk="0" hangingPunct="1">
+              <a:lnSpc>
+                <a:spcPct val="90000"/>
+              </a:lnSpc>
+              <a:spcBef>
+                <a:spcPts val="500"/>
+              </a:spcBef>
+              <a:buFont typeface="Arial" panose="020B0604020202020204" pitchFamily="34" charset="0"/>
+              <a:buChar char="•"/>
+              <a:defRPr sz="2000" kern="1200">
+                <a:solidFill>
+                  <a:schemeClr val="tx1"/>
+                </a:solidFill>
+                <a:latin typeface="+mn-lt"/>
+                <a:ea typeface="+mn-ea"/>
+                <a:cs typeface="+mn-cs"/>
+              </a:defRPr>
+            </a:lvl3pPr>
+            <a:lvl4pPr marL="1600200" indent="-228600" algn="l" defTabSz="914400" rtl="0" eaLnBrk="1" latinLnBrk="0" hangingPunct="1">
+              <a:lnSpc>
+                <a:spcPct val="90000"/>
+              </a:lnSpc>
+              <a:spcBef>
+                <a:spcPts val="500"/>
+              </a:spcBef>
+              <a:buFont typeface="Arial" panose="020B0604020202020204" pitchFamily="34" charset="0"/>
+              <a:buChar char="•"/>
+              <a:defRPr sz="1800" kern="1200">
+                <a:solidFill>
+                  <a:schemeClr val="tx1"/>
+                </a:solidFill>
+                <a:latin typeface="+mn-lt"/>
+                <a:ea typeface="+mn-ea"/>
+                <a:cs typeface="+mn-cs"/>
+              </a:defRPr>
+            </a:lvl4pPr>
+            <a:lvl5pPr marL="2057400" indent="-228600" algn="l" defTabSz="914400" rtl="0" eaLnBrk="1" latinLnBrk="0" hangingPunct="1">
+              <a:lnSpc>
+                <a:spcPct val="90000"/>
+              </a:lnSpc>
+              <a:spcBef>
+                <a:spcPts val="500"/>
+              </a:spcBef>
+              <a:buFont typeface="Arial" panose="020B0604020202020204" pitchFamily="34" charset="0"/>
+              <a:buChar char="•"/>
+              <a:defRPr sz="1800" kern="1200">
+                <a:solidFill>
+                  <a:schemeClr val="tx1"/>
+                </a:solidFill>
+                <a:latin typeface="+mn-lt"/>
+                <a:ea typeface="+mn-ea"/>
+                <a:cs typeface="+mn-cs"/>
+              </a:defRPr>
+            </a:lvl5pPr>
+            <a:lvl6pPr marL="2514600" indent="-228600" algn="l" defTabSz="914400" rtl="0" eaLnBrk="1" latinLnBrk="0" hangingPunct="1">
+              <a:lnSpc>
+                <a:spcPct val="90000"/>
+              </a:lnSpc>
+              <a:spcBef>
+                <a:spcPts val="500"/>
+              </a:spcBef>
+              <a:buFont typeface="Arial" panose="020B0604020202020204" pitchFamily="34" charset="0"/>
+              <a:buChar char="•"/>
+              <a:defRPr sz="1800" kern="1200">
+                <a:solidFill>
+                  <a:schemeClr val="tx1"/>
+                </a:solidFill>
+                <a:latin typeface="+mn-lt"/>
+                <a:ea typeface="+mn-ea"/>
+                <a:cs typeface="+mn-cs"/>
+              </a:defRPr>
+            </a:lvl6pPr>
+            <a:lvl7pPr marL="2971800" indent="-228600" algn="l" defTabSz="914400" rtl="0" eaLnBrk="1" latinLnBrk="0" hangingPunct="1">
+              <a:lnSpc>
+                <a:spcPct val="90000"/>
+              </a:lnSpc>
+              <a:spcBef>
+                <a:spcPts val="500"/>
+              </a:spcBef>
+              <a:buFont typeface="Arial" panose="020B0604020202020204" pitchFamily="34" charset="0"/>
+              <a:buChar char="•"/>
+              <a:defRPr sz="1800" kern="1200">
+                <a:solidFill>
+                  <a:schemeClr val="tx1"/>
+                </a:solidFill>
+                <a:latin typeface="+mn-lt"/>
+                <a:ea typeface="+mn-ea"/>
+                <a:cs typeface="+mn-cs"/>
+              </a:defRPr>
+            </a:lvl7pPr>
+            <a:lvl8pPr marL="3429000" indent="-228600" algn="l" defTabSz="914400" rtl="0" eaLnBrk="1" latinLnBrk="0" hangingPunct="1">
+              <a:lnSpc>
+                <a:spcPct val="90000"/>
+              </a:lnSpc>
+              <a:spcBef>
+                <a:spcPts val="500"/>
+              </a:spcBef>
+              <a:buFont typeface="Arial" panose="020B0604020202020204" pitchFamily="34" charset="0"/>
+              <a:buChar char="•"/>
+              <a:defRPr sz="1800" kern="1200">
+                <a:solidFill>
+                  <a:schemeClr val="tx1"/>
+                </a:solidFill>
+                <a:latin typeface="+mn-lt"/>
+                <a:ea typeface="+mn-ea"/>
+                <a:cs typeface="+mn-cs"/>
+              </a:defRPr>
+            </a:lvl8pPr>
+            <a:lvl9pPr marL="3886200" indent="-228600" algn="l" defTabSz="914400" rtl="0" eaLnBrk="1" latinLnBrk="0" hangingPunct="1">
+              <a:lnSpc>
+                <a:spcPct val="90000"/>
+              </a:lnSpc>
+              <a:spcBef>
+                <a:spcPts val="500"/>
+              </a:spcBef>
+              <a:buFont typeface="Arial" panose="020B0604020202020204" pitchFamily="34" charset="0"/>
+              <a:buChar char="•"/>
+              <a:defRPr sz="1800" kern="1200">
+                <a:solidFill>
+                  <a:schemeClr val="tx1"/>
+                </a:solidFill>
+                <a:latin typeface="+mn-lt"/>
+                <a:ea typeface="+mn-ea"/>
+                <a:cs typeface="+mn-cs"/>
+              </a:defRPr>
+            </a:lvl9pPr>
+          </a:lstStyle>
+          <a:p>
+            <a:pPr marL="0" indent="0">
+              <a:lnSpc>
+                <a:spcPct val="150000"/>
+              </a:lnSpc>
+              <a:buNone/>
+            </a:pPr>
+            <a:r>
+              <a:rPr lang="en-KR" sz="2400" dirty="0"/>
+              <a:t>2. Attention Narrowing: </a:t>
+            </a:r>
+            <a:r>
+              <a:rPr lang="en-US" sz="2400" dirty="0"/>
+              <a:t>Hate context reduces plausibility effect</a:t>
+            </a:r>
+            <a:endParaRPr lang="en-KR" sz="2400" dirty="0"/>
+          </a:p>
+        </p:txBody>
+      </p:sp>
+      <p:pic>
+        <p:nvPicPr>
+          <p:cNvPr id="5" name="Picture 4">
+            <a:extLst>
+              <a:ext uri="{FF2B5EF4-FFF2-40B4-BE49-F238E27FC236}">
+                <a16:creationId xmlns:a16="http://schemas.microsoft.com/office/drawing/2014/main" id="{946BA1C6-8275-C741-3F34-FC07976FC960}"/>
+              </a:ext>
+            </a:extLst>
+          </p:cNvPr>
+          <p:cNvPicPr>
+            <a:picLocks noChangeAspect="1"/>
+          </p:cNvPicPr>
+          <p:nvPr/>
+        </p:nvPicPr>
+        <p:blipFill>
+          <a:blip r:embed="rId2"/>
+          <a:stretch>
+            <a:fillRect/>
+          </a:stretch>
+        </p:blipFill>
+        <p:spPr>
+          <a:xfrm>
+            <a:off x="497072" y="3016251"/>
+            <a:ext cx="7778000" cy="2909887"/>
+          </a:xfrm>
+          <a:prstGeom prst="rect">
+            <a:avLst/>
+          </a:prstGeom>
+        </p:spPr>
+      </p:pic>
+      <p:sp>
+        <p:nvSpPr>
+          <p:cNvPr id="6" name="TextBox 5">
+            <a:extLst>
+              <a:ext uri="{FF2B5EF4-FFF2-40B4-BE49-F238E27FC236}">
+                <a16:creationId xmlns:a16="http://schemas.microsoft.com/office/drawing/2014/main" id="{DCAA32F9-CE13-CF8E-1F86-BF6F72773C80}"/>
+              </a:ext>
+            </a:extLst>
+          </p:cNvPr>
+          <p:cNvSpPr txBox="1"/>
+          <p:nvPr/>
+        </p:nvSpPr>
+        <p:spPr>
+          <a:xfrm>
+            <a:off x="8077715" y="2900363"/>
+            <a:ext cx="3814570" cy="2817887"/>
+          </a:xfrm>
+          <a:prstGeom prst="rect">
             <a:avLst/>
           </a:prstGeom>
           <a:noFill/>
-          <a:ln>
-            <a:solidFill>
-              <a:srgbClr val="C00000"/>
-            </a:solidFill>
-          </a:ln>
         </p:spPr>
-        <p:style>
-          <a:lnRef idx="2">
-            <a:schemeClr val="accent1">
-              <a:shade val="15000"/>
-            </a:schemeClr>
-          </a:lnRef>
-          <a:fillRef idx="1">
-            <a:schemeClr val="accent1"/>
-          </a:fillRef>
-          <a:effectRef idx="0">
-            <a:schemeClr val="accent1"/>
-          </a:effectRef>
-          <a:fontRef idx="minor">
-            <a:schemeClr val="lt1"/>
-          </a:fontRef>
-        </p:style>
-        <p:txBody>
-          <a:bodyPr rtlCol="0" anchor="ctr"/>
+        <p:txBody>
+          <a:bodyPr wrap="none" rtlCol="0">
+            <a:spAutoFit/>
+          </a:bodyPr>
           <a:lstStyle/>
           <a:p>
-            <a:pPr algn="ctr"/>
-            <a:endParaRPr lang="en-KR"/>
+            <a:pPr>
+              <a:lnSpc>
+                <a:spcPct val="150000"/>
+              </a:lnSpc>
+            </a:pPr>
+            <a:r>
+              <a:rPr lang="en-US" sz="2000" dirty="0"/>
+              <a:t>Main effect of Plausibility</a:t>
+            </a:r>
+          </a:p>
+          <a:p>
+            <a:pPr marL="285750" indent="-285750">
+              <a:lnSpc>
+                <a:spcPct val="150000"/>
+              </a:lnSpc>
+              <a:buFontTx/>
+              <a:buChar char="-"/>
+            </a:pPr>
+            <a:r>
+              <a:rPr lang="en-US" sz="2000" dirty="0"/>
+              <a:t>t(6) = 0.31, </a:t>
+            </a:r>
+            <a:r>
+              <a:rPr lang="en-US" sz="2000" i="1" dirty="0"/>
+              <a:t>p</a:t>
+            </a:r>
+            <a:r>
+              <a:rPr lang="en-US" sz="2000" dirty="0"/>
+              <a:t> = .599 </a:t>
+            </a:r>
+          </a:p>
+          <a:p>
+            <a:pPr>
+              <a:lnSpc>
+                <a:spcPct val="150000"/>
+              </a:lnSpc>
+            </a:pPr>
+            <a:r>
+              <a:rPr lang="en-US" sz="2000" dirty="0"/>
+              <a:t>Emotion × Plausibility interaction</a:t>
+            </a:r>
+          </a:p>
+          <a:p>
+            <a:pPr marL="285750" indent="-285750">
+              <a:lnSpc>
+                <a:spcPct val="150000"/>
+              </a:lnSpc>
+              <a:buFontTx/>
+              <a:buChar char="-"/>
+            </a:pPr>
+            <a:r>
+              <a:rPr lang="en-US" sz="2000" dirty="0"/>
+              <a:t>t(6) = 0.00, </a:t>
+            </a:r>
+            <a:r>
+              <a:rPr lang="en-US" sz="2000" i="1" dirty="0"/>
+              <a:t>p</a:t>
+            </a:r>
+            <a:r>
+              <a:rPr lang="en-US" sz="2000" dirty="0"/>
+              <a:t> = .995</a:t>
+            </a:r>
+          </a:p>
+          <a:p>
+            <a:pPr marL="285750" indent="-285750">
+              <a:lnSpc>
+                <a:spcPct val="150000"/>
+              </a:lnSpc>
+              <a:buFontTx/>
+              <a:buChar char="-"/>
+            </a:pPr>
+            <a:endParaRPr lang="en-US" sz="2000" dirty="0"/>
+          </a:p>
+          <a:p>
+            <a:pPr algn="ctr">
+              <a:lnSpc>
+                <a:spcPct val="150000"/>
+              </a:lnSpc>
+            </a:pPr>
+            <a:r>
+              <a:rPr lang="en-US" sz="2000" b="1" dirty="0"/>
+              <a:t>Hypothesis not supported</a:t>
+            </a:r>
           </a:p>
         </p:txBody>
       </p:sp>
     </p:spTree>
     <p:extLst>
       <p:ext uri="{BB962C8B-B14F-4D97-AF65-F5344CB8AC3E}">
-        <p14:creationId xmlns:p14="http://schemas.microsoft.com/office/powerpoint/2010/main" val="511144835"/>
+        <p14:creationId xmlns:p14="http://schemas.microsoft.com/office/powerpoint/2010/main" val="3666682741"/>
+      </p:ext>
+    </p:extLst>
+  </p:cSld>
+  <p:clrMapOvr>
+    <a:masterClrMapping/>
+  </p:clrMapOvr>
+</p:sld>
+</file>
+
+<file path=ppt/slides/slide24.xml><?xml version="1.0" encoding="utf-8"?>
+<p:sld xmlns:a="http://schemas.openxmlformats.org/drawingml/2006/main" xmlns:r="http://schemas.openxmlformats.org/officeDocument/2006/relationships" xmlns:p="http://schemas.openxmlformats.org/presentationml/2006/main">
+  <p:cSld>
+    <p:spTree>
+      <p:nvGrpSpPr>
+        <p:cNvPr id="1" name=""/>
+        <p:cNvGrpSpPr/>
+        <p:nvPr/>
+      </p:nvGrpSpPr>
+      <p:grpSpPr>
+        <a:xfrm>
+          <a:off x="0" y="0"/>
+          <a:ext cx="0" cy="0"/>
+          <a:chOff x="0" y="0"/>
+          <a:chExt cx="0" cy="0"/>
+        </a:xfrm>
+      </p:grpSpPr>
+      <p:pic>
+        <p:nvPicPr>
+          <p:cNvPr id="5" name="Picture 4" descr="A graph of a person with a red line&#10;&#10;AI-generated content may be incorrect.">
+            <a:extLst>
+              <a:ext uri="{FF2B5EF4-FFF2-40B4-BE49-F238E27FC236}">
+                <a16:creationId xmlns:a16="http://schemas.microsoft.com/office/drawing/2014/main" id="{75F9E3BF-EC92-39AE-018C-C7BC88938E4D}"/>
+              </a:ext>
+            </a:extLst>
+          </p:cNvPr>
+          <p:cNvPicPr>
+            <a:picLocks noChangeAspect="1"/>
+          </p:cNvPicPr>
+          <p:nvPr/>
+        </p:nvPicPr>
+        <p:blipFill>
+          <a:blip r:embed="rId2"/>
+          <a:stretch>
+            <a:fillRect/>
+          </a:stretch>
+        </p:blipFill>
+        <p:spPr>
+          <a:xfrm>
+            <a:off x="1772154" y="643906"/>
+            <a:ext cx="8647692" cy="5020914"/>
+          </a:xfrm>
+          <a:prstGeom prst="rect">
+            <a:avLst/>
+          </a:prstGeom>
+        </p:spPr>
+      </p:pic>
+      <p:sp>
+        <p:nvSpPr>
+          <p:cNvPr id="6" name="TextBox 5">
+            <a:extLst>
+              <a:ext uri="{FF2B5EF4-FFF2-40B4-BE49-F238E27FC236}">
+                <a16:creationId xmlns:a16="http://schemas.microsoft.com/office/drawing/2014/main" id="{5B1AFFCD-5078-004A-C604-B937F254D47D}"/>
+              </a:ext>
+            </a:extLst>
+          </p:cNvPr>
+          <p:cNvSpPr txBox="1"/>
+          <p:nvPr/>
+        </p:nvSpPr>
+        <p:spPr>
+          <a:xfrm>
+            <a:off x="2894258" y="6214094"/>
+            <a:ext cx="6403484" cy="369332"/>
+          </a:xfrm>
+          <a:prstGeom prst="rect">
+            <a:avLst/>
+          </a:prstGeom>
+          <a:noFill/>
+        </p:spPr>
+        <p:txBody>
+          <a:bodyPr wrap="none" rtlCol="0">
+            <a:spAutoFit/>
+          </a:bodyPr>
+          <a:lstStyle/>
+          <a:p>
+            <a:r>
+              <a:rPr lang="en-US" dirty="0"/>
+              <a:t>Marginal difference in modifier RT, but not in other components</a:t>
+            </a:r>
+            <a:endParaRPr lang="en-KR" dirty="0"/>
+          </a:p>
+        </p:txBody>
+      </p:sp>
+    </p:spTree>
+    <p:extLst>
+      <p:ext uri="{BB962C8B-B14F-4D97-AF65-F5344CB8AC3E}">
+        <p14:creationId xmlns:p14="http://schemas.microsoft.com/office/powerpoint/2010/main" val="645609443"/>
+      </p:ext>
+    </p:extLst>
+  </p:cSld>
+  <p:clrMapOvr>
+    <a:masterClrMapping/>
+  </p:clrMapOvr>
+</p:sld>
+</file>
+
+<file path=ppt/slides/slide25.xml><?xml version="1.0" encoding="utf-8"?>
+<p:sld xmlns:a="http://schemas.openxmlformats.org/drawingml/2006/main" xmlns:r="http://schemas.openxmlformats.org/officeDocument/2006/relationships" xmlns:p="http://schemas.openxmlformats.org/presentationml/2006/main">
+  <p:cSld>
+    <p:spTree>
+      <p:nvGrpSpPr>
+        <p:cNvPr id="1" name=""/>
+        <p:cNvGrpSpPr/>
+        <p:nvPr/>
+      </p:nvGrpSpPr>
+      <p:grpSpPr>
+        <a:xfrm>
+          <a:off x="0" y="0"/>
+          <a:ext cx="0" cy="0"/>
+          <a:chOff x="0" y="0"/>
+          <a:chExt cx="0" cy="0"/>
+        </a:xfrm>
+      </p:grpSpPr>
+      <p:pic>
+        <p:nvPicPr>
+          <p:cNvPr id="7" name="Picture 6" descr="A graph with green and orange lines&#10;&#10;AI-generated content may be incorrect.">
+            <a:extLst>
+              <a:ext uri="{FF2B5EF4-FFF2-40B4-BE49-F238E27FC236}">
+                <a16:creationId xmlns:a16="http://schemas.microsoft.com/office/drawing/2014/main" id="{F5F8D3A8-0F50-BCAC-ECA1-8078841B7A92}"/>
+              </a:ext>
+            </a:extLst>
+          </p:cNvPr>
+          <p:cNvPicPr>
+            <a:picLocks noChangeAspect="1"/>
+          </p:cNvPicPr>
+          <p:nvPr/>
+        </p:nvPicPr>
+        <p:blipFill>
+          <a:blip r:embed="rId2"/>
+          <a:stretch>
+            <a:fillRect/>
+          </a:stretch>
+        </p:blipFill>
+        <p:spPr>
+          <a:xfrm>
+            <a:off x="1776141" y="667706"/>
+            <a:ext cx="8639717" cy="5016284"/>
+          </a:xfrm>
+          <a:prstGeom prst="rect">
+            <a:avLst/>
+          </a:prstGeom>
+        </p:spPr>
+      </p:pic>
+      <p:sp>
+        <p:nvSpPr>
+          <p:cNvPr id="8" name="TextBox 7">
+            <a:extLst>
+              <a:ext uri="{FF2B5EF4-FFF2-40B4-BE49-F238E27FC236}">
+                <a16:creationId xmlns:a16="http://schemas.microsoft.com/office/drawing/2014/main" id="{1E848F45-A45C-6045-49FF-655AFD428826}"/>
+              </a:ext>
+            </a:extLst>
+          </p:cNvPr>
+          <p:cNvSpPr txBox="1"/>
+          <p:nvPr/>
+        </p:nvSpPr>
+        <p:spPr>
+          <a:xfrm>
+            <a:off x="2549996" y="6190294"/>
+            <a:ext cx="7092006" cy="369332"/>
+          </a:xfrm>
+          <a:prstGeom prst="rect">
+            <a:avLst/>
+          </a:prstGeom>
+          <a:noFill/>
+        </p:spPr>
+        <p:txBody>
+          <a:bodyPr wrap="none" rtlCol="0">
+            <a:spAutoFit/>
+          </a:bodyPr>
+          <a:lstStyle/>
+          <a:p>
+            <a:r>
+              <a:rPr lang="en-US" dirty="0"/>
+              <a:t>No difference, including plausibility effect (Fact component) observed</a:t>
+            </a:r>
+            <a:endParaRPr lang="en-KR" dirty="0"/>
+          </a:p>
+        </p:txBody>
+      </p:sp>
+    </p:spTree>
+    <p:extLst>
+      <p:ext uri="{BB962C8B-B14F-4D97-AF65-F5344CB8AC3E}">
+        <p14:creationId xmlns:p14="http://schemas.microsoft.com/office/powerpoint/2010/main" val="2850132927"/>
+      </p:ext>
+    </p:extLst>
+  </p:cSld>
+  <p:clrMapOvr>
+    <a:masterClrMapping/>
+  </p:clrMapOvr>
+</p:sld>
+</file>
+
+<file path=ppt/slides/slide26.xml><?xml version="1.0" encoding="utf-8"?>
+<p:sld xmlns:a="http://schemas.openxmlformats.org/drawingml/2006/main" xmlns:r="http://schemas.openxmlformats.org/officeDocument/2006/relationships" xmlns:p="http://schemas.openxmlformats.org/presentationml/2006/main">
+  <p:cSld>
+    <p:spTree>
+      <p:nvGrpSpPr>
+        <p:cNvPr id="1" name="">
+          <a:extLst>
+            <a:ext uri="{FF2B5EF4-FFF2-40B4-BE49-F238E27FC236}">
+              <a16:creationId xmlns:a16="http://schemas.microsoft.com/office/drawing/2014/main" id="{651B31F1-ADC2-C014-0620-3394FB7150D4}"/>
+            </a:ext>
+          </a:extLst>
+        </p:cNvPr>
+        <p:cNvGrpSpPr/>
+        <p:nvPr/>
+      </p:nvGrpSpPr>
+      <p:grpSpPr>
+        <a:xfrm>
+          <a:off x="0" y="0"/>
+          <a:ext cx="0" cy="0"/>
+          <a:chOff x="0" y="0"/>
+          <a:chExt cx="0" cy="0"/>
+        </a:xfrm>
+      </p:grpSpPr>
+      <p:sp>
+        <p:nvSpPr>
+          <p:cNvPr id="2" name="Title 1">
+            <a:extLst>
+              <a:ext uri="{FF2B5EF4-FFF2-40B4-BE49-F238E27FC236}">
+                <a16:creationId xmlns:a16="http://schemas.microsoft.com/office/drawing/2014/main" id="{18DA2B79-291D-57CD-63ED-F5B04FAEC0A4}"/>
+              </a:ext>
+            </a:extLst>
+          </p:cNvPr>
+          <p:cNvSpPr>
+            <a:spLocks noGrp="1"/>
+          </p:cNvSpPr>
+          <p:nvPr>
+            <p:ph type="title"/>
+          </p:nvPr>
+        </p:nvSpPr>
+        <p:spPr/>
+        <p:txBody>
+          <a:bodyPr/>
+          <a:lstStyle/>
+          <a:p>
+            <a:r>
+              <a:rPr lang="en-US" dirty="0"/>
+              <a:t>Results</a:t>
+            </a:r>
+            <a:endParaRPr lang="en-KR" dirty="0"/>
+          </a:p>
+        </p:txBody>
+      </p:sp>
+      <p:sp>
+        <p:nvSpPr>
+          <p:cNvPr id="3" name="Content Placeholder 2">
+            <a:extLst>
+              <a:ext uri="{FF2B5EF4-FFF2-40B4-BE49-F238E27FC236}">
+                <a16:creationId xmlns:a16="http://schemas.microsoft.com/office/drawing/2014/main" id="{169969CE-BB12-87CE-3CC6-D35319A72CA2}"/>
+              </a:ext>
+            </a:extLst>
+          </p:cNvPr>
+          <p:cNvSpPr>
+            <a:spLocks noGrp="1"/>
+          </p:cNvSpPr>
+          <p:nvPr>
+            <p:ph idx="1"/>
+          </p:nvPr>
+        </p:nvSpPr>
+        <p:spPr>
+          <a:xfrm>
+            <a:off x="497072" y="1727270"/>
+            <a:ext cx="11197856" cy="1325563"/>
+          </a:xfrm>
+        </p:spPr>
+        <p:txBody>
+          <a:bodyPr>
+            <a:normAutofit/>
+          </a:bodyPr>
+          <a:lstStyle/>
+          <a:p>
+            <a:pPr marL="0" indent="0">
+              <a:lnSpc>
+                <a:spcPct val="150000"/>
+              </a:lnSpc>
+              <a:buNone/>
+            </a:pPr>
+            <a:r>
+              <a:rPr lang="en-KR" sz="2400" dirty="0"/>
+              <a:t>3. </a:t>
+            </a:r>
+            <a:r>
+              <a:rPr lang="en-US" sz="2400" dirty="0"/>
+              <a:t>Plausibility Judgement</a:t>
+            </a:r>
+            <a:r>
+              <a:rPr lang="en-KR" sz="2400" dirty="0"/>
+              <a:t>: </a:t>
+            </a:r>
+            <a:r>
+              <a:rPr lang="en-US" sz="2400" dirty="0"/>
+              <a:t>Hate context → Plausibility discrimination</a:t>
+            </a:r>
+          </a:p>
+          <a:p>
+            <a:pPr marL="457200" lvl="1" indent="0">
+              <a:lnSpc>
+                <a:spcPct val="150000"/>
+              </a:lnSpc>
+              <a:buNone/>
+            </a:pPr>
+            <a:endParaRPr lang="en-KR" sz="2400" dirty="0"/>
+          </a:p>
+        </p:txBody>
+      </p:sp>
+      <p:pic>
+        <p:nvPicPr>
+          <p:cNvPr id="5" name="Picture 4">
+            <a:extLst>
+              <a:ext uri="{FF2B5EF4-FFF2-40B4-BE49-F238E27FC236}">
+                <a16:creationId xmlns:a16="http://schemas.microsoft.com/office/drawing/2014/main" id="{068A9D36-36E6-537F-DD1F-270CAD27A0F6}"/>
+              </a:ext>
+            </a:extLst>
+          </p:cNvPr>
+          <p:cNvPicPr>
+            <a:picLocks noChangeAspect="1"/>
+          </p:cNvPicPr>
+          <p:nvPr/>
+        </p:nvPicPr>
+        <p:blipFill>
+          <a:blip r:embed="rId2"/>
+          <a:stretch>
+            <a:fillRect/>
+          </a:stretch>
+        </p:blipFill>
+        <p:spPr>
+          <a:xfrm>
+            <a:off x="3012066" y="2535075"/>
+            <a:ext cx="6167868" cy="2406973"/>
+          </a:xfrm>
+          <a:prstGeom prst="rect">
+            <a:avLst/>
+          </a:prstGeom>
+        </p:spPr>
+      </p:pic>
+      <p:sp>
+        <p:nvSpPr>
+          <p:cNvPr id="6" name="Content Placeholder 2">
+            <a:extLst>
+              <a:ext uri="{FF2B5EF4-FFF2-40B4-BE49-F238E27FC236}">
+                <a16:creationId xmlns:a16="http://schemas.microsoft.com/office/drawing/2014/main" id="{6AE1488A-98AD-6186-93DE-70C50B417FCF}"/>
+              </a:ext>
+            </a:extLst>
+          </p:cNvPr>
+          <p:cNvSpPr txBox="1">
+            <a:spLocks/>
+          </p:cNvSpPr>
+          <p:nvPr/>
+        </p:nvSpPr>
+        <p:spPr>
+          <a:xfrm>
+            <a:off x="497072" y="4821959"/>
+            <a:ext cx="11197856" cy="1855787"/>
+          </a:xfrm>
+          <a:prstGeom prst="rect">
+            <a:avLst/>
+          </a:prstGeom>
+        </p:spPr>
+        <p:txBody>
+          <a:bodyPr vert="horz" lIns="91440" tIns="45720" rIns="91440" bIns="45720" rtlCol="0">
+            <a:normAutofit lnSpcReduction="10000"/>
+          </a:bodyPr>
+          <a:lstStyle>
+            <a:lvl1pPr marL="228600" indent="-228600" algn="l" defTabSz="914400" rtl="0" eaLnBrk="1" latinLnBrk="0" hangingPunct="1">
+              <a:lnSpc>
+                <a:spcPct val="90000"/>
+              </a:lnSpc>
+              <a:spcBef>
+                <a:spcPts val="1000"/>
+              </a:spcBef>
+              <a:buFont typeface="Arial" panose="020B0604020202020204" pitchFamily="34" charset="0"/>
+              <a:buChar char="•"/>
+              <a:defRPr sz="2800" kern="1200">
+                <a:solidFill>
+                  <a:schemeClr val="tx1"/>
+                </a:solidFill>
+                <a:latin typeface="+mn-lt"/>
+                <a:ea typeface="+mn-ea"/>
+                <a:cs typeface="+mn-cs"/>
+              </a:defRPr>
+            </a:lvl1pPr>
+            <a:lvl2pPr marL="685800" indent="-228600" algn="l" defTabSz="914400" rtl="0" eaLnBrk="1" latinLnBrk="0" hangingPunct="1">
+              <a:lnSpc>
+                <a:spcPct val="90000"/>
+              </a:lnSpc>
+              <a:spcBef>
+                <a:spcPts val="500"/>
+              </a:spcBef>
+              <a:buFont typeface="Arial" panose="020B0604020202020204" pitchFamily="34" charset="0"/>
+              <a:buChar char="•"/>
+              <a:defRPr sz="2400" kern="1200">
+                <a:solidFill>
+                  <a:schemeClr val="tx1"/>
+                </a:solidFill>
+                <a:latin typeface="+mn-lt"/>
+                <a:ea typeface="+mn-ea"/>
+                <a:cs typeface="+mn-cs"/>
+              </a:defRPr>
+            </a:lvl2pPr>
+            <a:lvl3pPr marL="1143000" indent="-228600" algn="l" defTabSz="914400" rtl="0" eaLnBrk="1" latinLnBrk="0" hangingPunct="1">
+              <a:lnSpc>
+                <a:spcPct val="90000"/>
+              </a:lnSpc>
+              <a:spcBef>
+                <a:spcPts val="500"/>
+              </a:spcBef>
+              <a:buFont typeface="Arial" panose="020B0604020202020204" pitchFamily="34" charset="0"/>
+              <a:buChar char="•"/>
+              <a:defRPr sz="2000" kern="1200">
+                <a:solidFill>
+                  <a:schemeClr val="tx1"/>
+                </a:solidFill>
+                <a:latin typeface="+mn-lt"/>
+                <a:ea typeface="+mn-ea"/>
+                <a:cs typeface="+mn-cs"/>
+              </a:defRPr>
+            </a:lvl3pPr>
+            <a:lvl4pPr marL="1600200" indent="-228600" algn="l" defTabSz="914400" rtl="0" eaLnBrk="1" latinLnBrk="0" hangingPunct="1">
+              <a:lnSpc>
+                <a:spcPct val="90000"/>
+              </a:lnSpc>
+              <a:spcBef>
+                <a:spcPts val="500"/>
+              </a:spcBef>
+              <a:buFont typeface="Arial" panose="020B0604020202020204" pitchFamily="34" charset="0"/>
+              <a:buChar char="•"/>
+              <a:defRPr sz="1800" kern="1200">
+                <a:solidFill>
+                  <a:schemeClr val="tx1"/>
+                </a:solidFill>
+                <a:latin typeface="+mn-lt"/>
+                <a:ea typeface="+mn-ea"/>
+                <a:cs typeface="+mn-cs"/>
+              </a:defRPr>
+            </a:lvl4pPr>
+            <a:lvl5pPr marL="2057400" indent="-228600" algn="l" defTabSz="914400" rtl="0" eaLnBrk="1" latinLnBrk="0" hangingPunct="1">
+              <a:lnSpc>
+                <a:spcPct val="90000"/>
+              </a:lnSpc>
+              <a:spcBef>
+                <a:spcPts val="500"/>
+              </a:spcBef>
+              <a:buFont typeface="Arial" panose="020B0604020202020204" pitchFamily="34" charset="0"/>
+              <a:buChar char="•"/>
+              <a:defRPr sz="1800" kern="1200">
+                <a:solidFill>
+                  <a:schemeClr val="tx1"/>
+                </a:solidFill>
+                <a:latin typeface="+mn-lt"/>
+                <a:ea typeface="+mn-ea"/>
+                <a:cs typeface="+mn-cs"/>
+              </a:defRPr>
+            </a:lvl5pPr>
+            <a:lvl6pPr marL="2514600" indent="-228600" algn="l" defTabSz="914400" rtl="0" eaLnBrk="1" latinLnBrk="0" hangingPunct="1">
+              <a:lnSpc>
+                <a:spcPct val="90000"/>
+              </a:lnSpc>
+              <a:spcBef>
+                <a:spcPts val="500"/>
+              </a:spcBef>
+              <a:buFont typeface="Arial" panose="020B0604020202020204" pitchFamily="34" charset="0"/>
+              <a:buChar char="•"/>
+              <a:defRPr sz="1800" kern="1200">
+                <a:solidFill>
+                  <a:schemeClr val="tx1"/>
+                </a:solidFill>
+                <a:latin typeface="+mn-lt"/>
+                <a:ea typeface="+mn-ea"/>
+                <a:cs typeface="+mn-cs"/>
+              </a:defRPr>
+            </a:lvl6pPr>
+            <a:lvl7pPr marL="2971800" indent="-228600" algn="l" defTabSz="914400" rtl="0" eaLnBrk="1" latinLnBrk="0" hangingPunct="1">
+              <a:lnSpc>
+                <a:spcPct val="90000"/>
+              </a:lnSpc>
+              <a:spcBef>
+                <a:spcPts val="500"/>
+              </a:spcBef>
+              <a:buFont typeface="Arial" panose="020B0604020202020204" pitchFamily="34" charset="0"/>
+              <a:buChar char="•"/>
+              <a:defRPr sz="1800" kern="1200">
+                <a:solidFill>
+                  <a:schemeClr val="tx1"/>
+                </a:solidFill>
+                <a:latin typeface="+mn-lt"/>
+                <a:ea typeface="+mn-ea"/>
+                <a:cs typeface="+mn-cs"/>
+              </a:defRPr>
+            </a:lvl7pPr>
+            <a:lvl8pPr marL="3429000" indent="-228600" algn="l" defTabSz="914400" rtl="0" eaLnBrk="1" latinLnBrk="0" hangingPunct="1">
+              <a:lnSpc>
+                <a:spcPct val="90000"/>
+              </a:lnSpc>
+              <a:spcBef>
+                <a:spcPts val="500"/>
+              </a:spcBef>
+              <a:buFont typeface="Arial" panose="020B0604020202020204" pitchFamily="34" charset="0"/>
+              <a:buChar char="•"/>
+              <a:defRPr sz="1800" kern="1200">
+                <a:solidFill>
+                  <a:schemeClr val="tx1"/>
+                </a:solidFill>
+                <a:latin typeface="+mn-lt"/>
+                <a:ea typeface="+mn-ea"/>
+                <a:cs typeface="+mn-cs"/>
+              </a:defRPr>
+            </a:lvl8pPr>
+            <a:lvl9pPr marL="3886200" indent="-228600" algn="l" defTabSz="914400" rtl="0" eaLnBrk="1" latinLnBrk="0" hangingPunct="1">
+              <a:lnSpc>
+                <a:spcPct val="90000"/>
+              </a:lnSpc>
+              <a:spcBef>
+                <a:spcPts val="500"/>
+              </a:spcBef>
+              <a:buFont typeface="Arial" panose="020B0604020202020204" pitchFamily="34" charset="0"/>
+              <a:buChar char="•"/>
+              <a:defRPr sz="1800" kern="1200">
+                <a:solidFill>
+                  <a:schemeClr val="tx1"/>
+                </a:solidFill>
+                <a:latin typeface="+mn-lt"/>
+                <a:ea typeface="+mn-ea"/>
+                <a:cs typeface="+mn-cs"/>
+              </a:defRPr>
+            </a:lvl9pPr>
+          </a:lstStyle>
+          <a:p>
+            <a:pPr>
+              <a:lnSpc>
+                <a:spcPct val="150000"/>
+              </a:lnSpc>
+            </a:pPr>
+            <a:r>
+              <a:rPr lang="en-US" sz="2000" dirty="0"/>
+              <a:t>Results</a:t>
+            </a:r>
+            <a:endParaRPr lang="en-KR" sz="2000" dirty="0"/>
+          </a:p>
+          <a:p>
+            <a:pPr lvl="1">
+              <a:lnSpc>
+                <a:spcPct val="150000"/>
+              </a:lnSpc>
+            </a:pPr>
+            <a:r>
+              <a:rPr lang="en-US" sz="1800" dirty="0"/>
+              <a:t>Main effect of Emotion: t(6) = 1.37, </a:t>
+            </a:r>
+            <a:r>
+              <a:rPr lang="en-US" sz="1800" i="1" dirty="0"/>
+              <a:t>p</a:t>
+            </a:r>
+            <a:r>
+              <a:rPr lang="en-US" sz="1800" dirty="0"/>
+              <a:t> = .218 </a:t>
+            </a:r>
+          </a:p>
+          <a:p>
+            <a:pPr lvl="1">
+              <a:lnSpc>
+                <a:spcPct val="150000"/>
+              </a:lnSpc>
+            </a:pPr>
+            <a:r>
+              <a:rPr lang="en-US" sz="1800" dirty="0"/>
+              <a:t>Main effect of Plausibility: t(6) = 2.43, </a:t>
+            </a:r>
+            <a:r>
+              <a:rPr lang="en-US" sz="1800" i="1" dirty="0"/>
+              <a:t>p</a:t>
+            </a:r>
+            <a:r>
+              <a:rPr lang="en-US" sz="1800" dirty="0"/>
+              <a:t> = .052 </a:t>
+            </a:r>
+          </a:p>
+          <a:p>
+            <a:pPr lvl="1">
+              <a:lnSpc>
+                <a:spcPct val="150000"/>
+              </a:lnSpc>
+            </a:pPr>
+            <a:r>
+              <a:rPr lang="en-US" sz="1800" dirty="0"/>
+              <a:t>Emotion × Plausibility interaction: t(6) = 18.84, </a:t>
+            </a:r>
+            <a:r>
+              <a:rPr lang="en-US" sz="1800" i="1" dirty="0"/>
+              <a:t>p</a:t>
+            </a:r>
+            <a:r>
+              <a:rPr lang="en-US" sz="1800" dirty="0"/>
+              <a:t> = .002</a:t>
+            </a:r>
+            <a:endParaRPr lang="en-KR" sz="1800" dirty="0"/>
+          </a:p>
+        </p:txBody>
+      </p:sp>
+    </p:spTree>
+    <p:extLst>
+      <p:ext uri="{BB962C8B-B14F-4D97-AF65-F5344CB8AC3E}">
+        <p14:creationId xmlns:p14="http://schemas.microsoft.com/office/powerpoint/2010/main" val="446374383"/>
+      </p:ext>
+    </p:extLst>
+  </p:cSld>
+  <p:clrMapOvr>
+    <a:masterClrMapping/>
+  </p:clrMapOvr>
+</p:sld>
+</file>
+
+<file path=ppt/slides/slide27.xml><?xml version="1.0" encoding="utf-8"?>
+<p:sld xmlns:a="http://schemas.openxmlformats.org/drawingml/2006/main" xmlns:r="http://schemas.openxmlformats.org/officeDocument/2006/relationships" xmlns:p="http://schemas.openxmlformats.org/presentationml/2006/main">
+  <p:cSld>
+    <p:spTree>
+      <p:nvGrpSpPr>
+        <p:cNvPr id="1" name="">
+          <a:extLst>
+            <a:ext uri="{FF2B5EF4-FFF2-40B4-BE49-F238E27FC236}">
+              <a16:creationId xmlns:a16="http://schemas.microsoft.com/office/drawing/2014/main" id="{B645CA4D-F376-A64D-4B6F-B853EF808E11}"/>
+            </a:ext>
+          </a:extLst>
+        </p:cNvPr>
+        <p:cNvGrpSpPr/>
+        <p:nvPr/>
+      </p:nvGrpSpPr>
+      <p:grpSpPr>
+        <a:xfrm>
+          <a:off x="0" y="0"/>
+          <a:ext cx="0" cy="0"/>
+          <a:chOff x="0" y="0"/>
+          <a:chExt cx="0" cy="0"/>
+        </a:xfrm>
+      </p:grpSpPr>
+      <p:sp>
+        <p:nvSpPr>
+          <p:cNvPr id="2" name="Title 1">
+            <a:extLst>
+              <a:ext uri="{FF2B5EF4-FFF2-40B4-BE49-F238E27FC236}">
+                <a16:creationId xmlns:a16="http://schemas.microsoft.com/office/drawing/2014/main" id="{B8F78552-E8C7-81B8-5A5C-9A585C2D8393}"/>
+              </a:ext>
+            </a:extLst>
+          </p:cNvPr>
+          <p:cNvSpPr>
+            <a:spLocks noGrp="1"/>
+          </p:cNvSpPr>
+          <p:nvPr>
+            <p:ph type="title"/>
+          </p:nvPr>
+        </p:nvSpPr>
+        <p:spPr/>
+        <p:txBody>
+          <a:bodyPr/>
+          <a:lstStyle/>
+          <a:p>
+            <a:r>
+              <a:rPr lang="en-US" dirty="0"/>
+              <a:t>Results</a:t>
+            </a:r>
+            <a:endParaRPr lang="en-KR" dirty="0"/>
+          </a:p>
+        </p:txBody>
+      </p:sp>
+      <p:sp>
+        <p:nvSpPr>
+          <p:cNvPr id="3" name="Content Placeholder 2">
+            <a:extLst>
+              <a:ext uri="{FF2B5EF4-FFF2-40B4-BE49-F238E27FC236}">
+                <a16:creationId xmlns:a16="http://schemas.microsoft.com/office/drawing/2014/main" id="{62F35BAF-FD12-2A3B-B51E-F24FA003FB35}"/>
+              </a:ext>
+            </a:extLst>
+          </p:cNvPr>
+          <p:cNvSpPr>
+            <a:spLocks noGrp="1"/>
+          </p:cNvSpPr>
+          <p:nvPr>
+            <p:ph idx="1"/>
+          </p:nvPr>
+        </p:nvSpPr>
+        <p:spPr>
+          <a:xfrm>
+            <a:off x="497072" y="1462723"/>
+            <a:ext cx="11197856" cy="4351338"/>
+          </a:xfrm>
+        </p:spPr>
+        <p:txBody>
+          <a:bodyPr>
+            <a:normAutofit/>
+          </a:bodyPr>
+          <a:lstStyle/>
+          <a:p>
+            <a:pPr marL="0" indent="0">
+              <a:lnSpc>
+                <a:spcPct val="150000"/>
+              </a:lnSpc>
+              <a:buNone/>
+            </a:pPr>
+            <a:r>
+              <a:rPr lang="en-KR" sz="2400" dirty="0"/>
+              <a:t>4. Reproduction Bias: </a:t>
+            </a:r>
+            <a:r>
+              <a:rPr lang="en-US" sz="2400" dirty="0"/>
+              <a:t>Hate context → negative descriptors, fewer facts</a:t>
+            </a:r>
+            <a:endParaRPr lang="en-KR" sz="2400" dirty="0"/>
+          </a:p>
+        </p:txBody>
+      </p:sp>
+      <p:pic>
+        <p:nvPicPr>
+          <p:cNvPr id="5" name="Picture 4" descr="A graph with green and orange bars&#10;&#10;AI-generated content may be incorrect.">
+            <a:extLst>
+              <a:ext uri="{FF2B5EF4-FFF2-40B4-BE49-F238E27FC236}">
+                <a16:creationId xmlns:a16="http://schemas.microsoft.com/office/drawing/2014/main" id="{73BB46AB-A920-68D9-3E83-F1AF9CC0FAD1}"/>
+              </a:ext>
+            </a:extLst>
+          </p:cNvPr>
+          <p:cNvPicPr>
+            <a:picLocks noChangeAspect="1"/>
+          </p:cNvPicPr>
+          <p:nvPr/>
+        </p:nvPicPr>
+        <p:blipFill>
+          <a:blip r:embed="rId2"/>
+          <a:stretch>
+            <a:fillRect/>
+          </a:stretch>
+        </p:blipFill>
+        <p:spPr>
+          <a:xfrm>
+            <a:off x="497072" y="2788286"/>
+            <a:ext cx="8122463" cy="3443924"/>
+          </a:xfrm>
+          <a:prstGeom prst="rect">
+            <a:avLst/>
+          </a:prstGeom>
+        </p:spPr>
+      </p:pic>
+      <p:sp>
+        <p:nvSpPr>
+          <p:cNvPr id="6" name="TextBox 5">
+            <a:extLst>
+              <a:ext uri="{FF2B5EF4-FFF2-40B4-BE49-F238E27FC236}">
+                <a16:creationId xmlns:a16="http://schemas.microsoft.com/office/drawing/2014/main" id="{ABCF6C17-B039-B2D7-E890-8A1423B78CCF}"/>
+              </a:ext>
+            </a:extLst>
+          </p:cNvPr>
+          <p:cNvSpPr txBox="1"/>
+          <p:nvPr/>
+        </p:nvSpPr>
+        <p:spPr>
+          <a:xfrm>
+            <a:off x="8857150" y="2788286"/>
+            <a:ext cx="2904962" cy="3607206"/>
+          </a:xfrm>
+          <a:prstGeom prst="rect">
+            <a:avLst/>
+          </a:prstGeom>
+          <a:noFill/>
+        </p:spPr>
+        <p:txBody>
+          <a:bodyPr wrap="none" rtlCol="0">
+            <a:spAutoFit/>
+          </a:bodyPr>
+          <a:lstStyle/>
+          <a:p>
+            <a:pPr>
+              <a:lnSpc>
+                <a:spcPct val="150000"/>
+              </a:lnSpc>
+            </a:pPr>
+            <a:r>
+              <a:rPr lang="en-KR" dirty="0"/>
+              <a:t>Using  negative expression*</a:t>
+            </a:r>
+          </a:p>
+          <a:p>
+            <a:pPr>
+              <a:lnSpc>
+                <a:spcPct val="150000"/>
+              </a:lnSpc>
+            </a:pPr>
+            <a:r>
+              <a:rPr lang="en-KR" dirty="0"/>
+              <a:t>→ Less factual details</a:t>
+            </a:r>
+          </a:p>
+          <a:p>
+            <a:pPr>
+              <a:lnSpc>
+                <a:spcPct val="150000"/>
+              </a:lnSpc>
+            </a:pPr>
+            <a:r>
+              <a:rPr lang="en-KR" dirty="0"/>
+              <a:t>→ More false information**</a:t>
+            </a:r>
+          </a:p>
+          <a:p>
+            <a:pPr>
+              <a:lnSpc>
+                <a:spcPct val="150000"/>
+              </a:lnSpc>
+            </a:pPr>
+            <a:endParaRPr lang="en-KR" sz="1600" dirty="0"/>
+          </a:p>
+          <a:p>
+            <a:pPr>
+              <a:lnSpc>
+                <a:spcPct val="150000"/>
+              </a:lnSpc>
+            </a:pPr>
+            <a:r>
+              <a:rPr lang="en-KR" sz="1600" dirty="0"/>
+              <a:t>e.g. </a:t>
+            </a:r>
+          </a:p>
+          <a:p>
+            <a:pPr>
+              <a:lnSpc>
+                <a:spcPct val="150000"/>
+              </a:lnSpc>
+            </a:pPr>
+            <a:r>
+              <a:rPr lang="ko-KR" altLang="en-US" sz="1600" dirty="0"/>
+              <a:t>* 천박한</a:t>
+            </a:r>
+            <a:r>
+              <a:rPr lang="en-US" altLang="ko-KR" sz="1600" dirty="0"/>
+              <a:t>,</a:t>
+            </a:r>
+            <a:r>
+              <a:rPr lang="ko-KR" altLang="en-US" sz="1600" dirty="0"/>
+              <a:t> 무지한</a:t>
+            </a:r>
+            <a:r>
+              <a:rPr lang="en-US" altLang="ko-KR" sz="1600" dirty="0"/>
+              <a:t>,</a:t>
+            </a:r>
+            <a:r>
+              <a:rPr lang="ko-KR" altLang="en-US" sz="1600" dirty="0"/>
+              <a:t> 수준 낮은</a:t>
+            </a:r>
+            <a:endParaRPr lang="en-US" altLang="ko-KR" sz="1600" dirty="0"/>
+          </a:p>
+          <a:p>
+            <a:pPr>
+              <a:lnSpc>
+                <a:spcPct val="150000"/>
+              </a:lnSpc>
+            </a:pPr>
+            <a:r>
+              <a:rPr lang="en-US" altLang="ko-KR" sz="1600" dirty="0"/>
+              <a:t>    </a:t>
+            </a:r>
+            <a:r>
+              <a:rPr lang="en-US" altLang="ko-KR" sz="1400" dirty="0"/>
+              <a:t>(Crude, Ignorant, Low-class)</a:t>
+            </a:r>
+          </a:p>
+          <a:p>
+            <a:pPr>
+              <a:lnSpc>
+                <a:spcPct val="150000"/>
+              </a:lnSpc>
+            </a:pPr>
+            <a:r>
+              <a:rPr lang="ko-KR" altLang="en-US" sz="1600" dirty="0"/>
+              <a:t>** 금속을 씹어먹는다</a:t>
+            </a:r>
+            <a:endParaRPr lang="en-US" altLang="ko-KR" sz="1600" dirty="0"/>
+          </a:p>
+          <a:p>
+            <a:pPr>
+              <a:lnSpc>
+                <a:spcPct val="150000"/>
+              </a:lnSpc>
+            </a:pPr>
+            <a:r>
+              <a:rPr lang="ko-KR" altLang="en-US" sz="1600" dirty="0"/>
+              <a:t>      </a:t>
+            </a:r>
+            <a:r>
+              <a:rPr lang="en-US" altLang="ko-KR" sz="1400" dirty="0"/>
+              <a:t>(Bites metal)</a:t>
+            </a:r>
+            <a:endParaRPr lang="en-KR" sz="1600" dirty="0"/>
+          </a:p>
+        </p:txBody>
+      </p:sp>
+    </p:spTree>
+    <p:extLst>
+      <p:ext uri="{BB962C8B-B14F-4D97-AF65-F5344CB8AC3E}">
+        <p14:creationId xmlns:p14="http://schemas.microsoft.com/office/powerpoint/2010/main" val="1935000825"/>
+      </p:ext>
+    </p:extLst>
+  </p:cSld>
+  <p:clrMapOvr>
+    <a:masterClrMapping/>
+  </p:clrMapOvr>
+</p:sld>
+</file>
+
+<file path=ppt/slides/slide28.xml><?xml version="1.0" encoding="utf-8"?>
+<p:sld xmlns:a="http://schemas.openxmlformats.org/drawingml/2006/main" xmlns:r="http://schemas.openxmlformats.org/officeDocument/2006/relationships" xmlns:p="http://schemas.openxmlformats.org/presentationml/2006/main">
+  <p:cSld>
+    <p:spTree>
+      <p:nvGrpSpPr>
+        <p:cNvPr id="1" name="">
+          <a:extLst>
+            <a:ext uri="{FF2B5EF4-FFF2-40B4-BE49-F238E27FC236}">
+              <a16:creationId xmlns:a16="http://schemas.microsoft.com/office/drawing/2014/main" id="{D3735F4D-1FA1-1674-439D-EA90800EE97D}"/>
+            </a:ext>
+          </a:extLst>
+        </p:cNvPr>
+        <p:cNvGrpSpPr/>
+        <p:nvPr/>
+      </p:nvGrpSpPr>
+      <p:grpSpPr>
+        <a:xfrm>
+          <a:off x="0" y="0"/>
+          <a:ext cx="0" cy="0"/>
+          <a:chOff x="0" y="0"/>
+          <a:chExt cx="0" cy="0"/>
+        </a:xfrm>
+      </p:grpSpPr>
+      <p:sp>
+        <p:nvSpPr>
+          <p:cNvPr id="2" name="Title 1">
+            <a:extLst>
+              <a:ext uri="{FF2B5EF4-FFF2-40B4-BE49-F238E27FC236}">
+                <a16:creationId xmlns:a16="http://schemas.microsoft.com/office/drawing/2014/main" id="{1297C69E-0B32-3207-95F6-DF3F6E1B7955}"/>
+              </a:ext>
+            </a:extLst>
+          </p:cNvPr>
+          <p:cNvSpPr>
+            <a:spLocks noGrp="1"/>
+          </p:cNvSpPr>
+          <p:nvPr>
+            <p:ph type="title"/>
+          </p:nvPr>
+        </p:nvSpPr>
+        <p:spPr/>
+        <p:txBody>
+          <a:bodyPr/>
+          <a:lstStyle/>
+          <a:p>
+            <a:r>
+              <a:rPr lang="en-US" dirty="0"/>
+              <a:t>Results</a:t>
+            </a:r>
+            <a:endParaRPr lang="en-KR" dirty="0"/>
+          </a:p>
+        </p:txBody>
+      </p:sp>
+      <p:sp>
+        <p:nvSpPr>
+          <p:cNvPr id="3" name="Content Placeholder 2">
+            <a:extLst>
+              <a:ext uri="{FF2B5EF4-FFF2-40B4-BE49-F238E27FC236}">
+                <a16:creationId xmlns:a16="http://schemas.microsoft.com/office/drawing/2014/main" id="{8DD05622-C9C8-E134-6B62-9882903C7BF3}"/>
+              </a:ext>
+            </a:extLst>
+          </p:cNvPr>
+          <p:cNvSpPr>
+            <a:spLocks noGrp="1"/>
+          </p:cNvSpPr>
+          <p:nvPr>
+            <p:ph idx="1"/>
+          </p:nvPr>
+        </p:nvSpPr>
+        <p:spPr>
+          <a:xfrm>
+            <a:off x="497072" y="1462723"/>
+            <a:ext cx="11197856" cy="4351338"/>
+          </a:xfrm>
+        </p:spPr>
+        <p:txBody>
+          <a:bodyPr>
+            <a:normAutofit/>
+          </a:bodyPr>
+          <a:lstStyle/>
+          <a:p>
+            <a:pPr marL="0" indent="0">
+              <a:lnSpc>
+                <a:spcPct val="150000"/>
+              </a:lnSpc>
+              <a:buNone/>
+            </a:pPr>
+            <a:r>
+              <a:rPr lang="en-KR" sz="2400" dirty="0"/>
+              <a:t>5. H3 x H4: </a:t>
+            </a:r>
+            <a:r>
+              <a:rPr lang="en-US" sz="2400" dirty="0"/>
+              <a:t>Impaired plausibility discrimination → Fact Recall </a:t>
+            </a:r>
+            <a:endParaRPr lang="en-KR" sz="2400" dirty="0"/>
+          </a:p>
+        </p:txBody>
+      </p:sp>
+      <p:sp>
+        <p:nvSpPr>
+          <p:cNvPr id="6" name="TextBox 5">
+            <a:extLst>
+              <a:ext uri="{FF2B5EF4-FFF2-40B4-BE49-F238E27FC236}">
+                <a16:creationId xmlns:a16="http://schemas.microsoft.com/office/drawing/2014/main" id="{40FFA6B9-CF82-781E-F290-ED67A43467CA}"/>
+              </a:ext>
+            </a:extLst>
+          </p:cNvPr>
+          <p:cNvSpPr txBox="1"/>
+          <p:nvPr/>
+        </p:nvSpPr>
+        <p:spPr>
+          <a:xfrm>
+            <a:off x="8432759" y="2332020"/>
+            <a:ext cx="3159776" cy="4027128"/>
+          </a:xfrm>
+          <a:prstGeom prst="rect">
+            <a:avLst/>
+          </a:prstGeom>
+          <a:noFill/>
+        </p:spPr>
+        <p:txBody>
+          <a:bodyPr wrap="none" rtlCol="0">
+            <a:spAutoFit/>
+          </a:bodyPr>
+          <a:lstStyle/>
+          <a:p>
+            <a:pPr>
+              <a:lnSpc>
+                <a:spcPct val="150000"/>
+              </a:lnSpc>
+            </a:pPr>
+            <a:r>
+              <a:rPr lang="en-KR" dirty="0"/>
+              <a:t>Better evaluating plausibility </a:t>
+            </a:r>
+          </a:p>
+          <a:p>
+            <a:pPr>
+              <a:lnSpc>
+                <a:spcPct val="150000"/>
+              </a:lnSpc>
+            </a:pPr>
+            <a:r>
+              <a:rPr lang="en-KR" dirty="0"/>
+              <a:t>in Neutral Condition</a:t>
+            </a:r>
+          </a:p>
+          <a:p>
+            <a:pPr>
+              <a:lnSpc>
+                <a:spcPct val="150000"/>
+              </a:lnSpc>
+            </a:pPr>
+            <a:r>
+              <a:rPr lang="en-KR" b="1" dirty="0"/>
+              <a:t>→ More fact recalls</a:t>
+            </a:r>
+          </a:p>
+          <a:p>
+            <a:pPr>
+              <a:lnSpc>
+                <a:spcPct val="150000"/>
+              </a:lnSpc>
+            </a:pPr>
+            <a:r>
+              <a:rPr lang="en-KR" sz="1600" dirty="0"/>
+              <a:t>(r = 0.719, </a:t>
+            </a:r>
+            <a:r>
+              <a:rPr lang="en-KR" sz="1600" i="1" dirty="0"/>
+              <a:t>p</a:t>
+            </a:r>
+            <a:r>
+              <a:rPr lang="en-KR" sz="1600" dirty="0"/>
+              <a:t>&lt;.069)</a:t>
+            </a:r>
+          </a:p>
+          <a:p>
+            <a:pPr>
+              <a:lnSpc>
+                <a:spcPct val="150000"/>
+              </a:lnSpc>
+            </a:pPr>
+            <a:endParaRPr lang="en-KR" sz="1600" dirty="0"/>
+          </a:p>
+          <a:p>
+            <a:pPr marL="0" marR="0" lvl="0" indent="0" algn="l" defTabSz="914400" rtl="0" eaLnBrk="1" fontAlgn="auto" latinLnBrk="0" hangingPunct="1">
+              <a:lnSpc>
+                <a:spcPct val="150000"/>
+              </a:lnSpc>
+              <a:spcBef>
+                <a:spcPts val="0"/>
+              </a:spcBef>
+              <a:spcAft>
+                <a:spcPts val="0"/>
+              </a:spcAft>
+              <a:buClrTx/>
+              <a:buSzTx/>
+              <a:buFontTx/>
+              <a:buNone/>
+              <a:tabLst/>
+              <a:defRPr/>
+            </a:pPr>
+            <a:r>
+              <a:rPr kumimoji="0" lang="en-KR" sz="1800" b="0" i="0" u="none" strike="noStrike" kern="1200" cap="none" spc="0" normalizeH="0" baseline="0" noProof="0" dirty="0">
+                <a:ln>
+                  <a:noFill/>
+                </a:ln>
+                <a:solidFill>
+                  <a:prstClr val="black"/>
+                </a:solidFill>
+                <a:effectLst/>
+                <a:uLnTx/>
+                <a:uFillTx/>
+                <a:latin typeface="Aptos" panose="02110004020202020204"/>
+                <a:ea typeface="+mn-ea"/>
+                <a:cs typeface="+mn-cs"/>
+              </a:rPr>
+              <a:t>Worse evaluating plausibility </a:t>
+            </a:r>
+          </a:p>
+          <a:p>
+            <a:pPr marL="0" marR="0" lvl="0" indent="0" algn="l" defTabSz="914400" rtl="0" eaLnBrk="1" fontAlgn="auto" latinLnBrk="0" hangingPunct="1">
+              <a:lnSpc>
+                <a:spcPct val="150000"/>
+              </a:lnSpc>
+              <a:spcBef>
+                <a:spcPts val="0"/>
+              </a:spcBef>
+              <a:spcAft>
+                <a:spcPts val="0"/>
+              </a:spcAft>
+              <a:buClrTx/>
+              <a:buSzTx/>
+              <a:buFontTx/>
+              <a:buNone/>
+              <a:tabLst/>
+              <a:defRPr/>
+            </a:pPr>
+            <a:r>
+              <a:rPr kumimoji="0" lang="en-KR" sz="1800" b="0" i="0" u="none" strike="noStrike" kern="1200" cap="none" spc="0" normalizeH="0" baseline="0" noProof="0" dirty="0">
+                <a:ln>
+                  <a:noFill/>
+                </a:ln>
+                <a:solidFill>
+                  <a:prstClr val="black"/>
+                </a:solidFill>
+                <a:effectLst/>
+                <a:uLnTx/>
+                <a:uFillTx/>
+                <a:latin typeface="Aptos" panose="02110004020202020204"/>
+                <a:ea typeface="+mn-ea"/>
+                <a:cs typeface="+mn-cs"/>
+              </a:rPr>
+              <a:t>in Hate Modifier Condition</a:t>
+            </a:r>
+          </a:p>
+          <a:p>
+            <a:pPr marL="0" marR="0" lvl="0" indent="0" algn="l" defTabSz="914400" rtl="0" eaLnBrk="1" fontAlgn="auto" latinLnBrk="0" hangingPunct="1">
+              <a:lnSpc>
+                <a:spcPct val="150000"/>
+              </a:lnSpc>
+              <a:spcBef>
+                <a:spcPts val="0"/>
+              </a:spcBef>
+              <a:spcAft>
+                <a:spcPts val="0"/>
+              </a:spcAft>
+              <a:buClrTx/>
+              <a:buSzTx/>
+              <a:buFontTx/>
+              <a:buNone/>
+              <a:tabLst/>
+              <a:defRPr/>
+            </a:pPr>
+            <a:r>
+              <a:rPr kumimoji="0" lang="en-KR" sz="1800" b="1" i="0" u="none" strike="noStrike" kern="1200" cap="none" spc="0" normalizeH="0" baseline="0" noProof="0" dirty="0">
+                <a:ln>
+                  <a:noFill/>
+                </a:ln>
+                <a:solidFill>
+                  <a:prstClr val="black"/>
+                </a:solidFill>
+                <a:effectLst/>
+                <a:uLnTx/>
+                <a:uFillTx/>
+                <a:latin typeface="Aptos" panose="02110004020202020204"/>
+                <a:ea typeface="+mn-ea"/>
+                <a:cs typeface="+mn-cs"/>
+              </a:rPr>
+              <a:t>→ Marginally less fact recalls</a:t>
+            </a:r>
+          </a:p>
+          <a:p>
+            <a:pPr marL="0" marR="0" lvl="0" indent="0" algn="l" defTabSz="914400" rtl="0" eaLnBrk="1" fontAlgn="auto" latinLnBrk="0" hangingPunct="1">
+              <a:lnSpc>
+                <a:spcPct val="150000"/>
+              </a:lnSpc>
+              <a:spcBef>
+                <a:spcPts val="0"/>
+              </a:spcBef>
+              <a:spcAft>
+                <a:spcPts val="0"/>
+              </a:spcAft>
+              <a:buClrTx/>
+              <a:buSzTx/>
+              <a:buFontTx/>
+              <a:buNone/>
+              <a:tabLst/>
+              <a:defRPr/>
+            </a:pPr>
+            <a:r>
+              <a:rPr kumimoji="0" lang="en-KR" sz="1600" b="0" i="0" u="none" strike="noStrike" kern="1200" cap="none" spc="0" normalizeH="0" baseline="0" noProof="0" dirty="0">
+                <a:ln>
+                  <a:noFill/>
+                </a:ln>
+                <a:solidFill>
+                  <a:prstClr val="black"/>
+                </a:solidFill>
+                <a:effectLst/>
+                <a:uLnTx/>
+                <a:uFillTx/>
+                <a:latin typeface="Aptos" panose="02110004020202020204"/>
+                <a:ea typeface="+mn-ea"/>
+                <a:cs typeface="+mn-cs"/>
+              </a:rPr>
+              <a:t>(r = 0.533, </a:t>
+            </a:r>
+            <a:r>
+              <a:rPr kumimoji="0" lang="en-KR" sz="1600" b="0" i="1" u="none" strike="noStrike" kern="1200" cap="none" spc="0" normalizeH="0" baseline="0" noProof="0" dirty="0">
+                <a:ln>
+                  <a:noFill/>
+                </a:ln>
+                <a:solidFill>
+                  <a:prstClr val="black"/>
+                </a:solidFill>
+                <a:effectLst/>
+                <a:uLnTx/>
+                <a:uFillTx/>
+                <a:latin typeface="Aptos" panose="02110004020202020204"/>
+                <a:ea typeface="+mn-ea"/>
+                <a:cs typeface="+mn-cs"/>
+              </a:rPr>
+              <a:t>p</a:t>
+            </a:r>
+            <a:r>
+              <a:rPr kumimoji="0" lang="en-KR" sz="1600" b="0" i="0" u="none" strike="noStrike" kern="1200" cap="none" spc="0" normalizeH="0" baseline="0" noProof="0" dirty="0">
+                <a:ln>
+                  <a:noFill/>
+                </a:ln>
+                <a:solidFill>
+                  <a:prstClr val="black"/>
+                </a:solidFill>
+                <a:effectLst/>
+                <a:uLnTx/>
+                <a:uFillTx/>
+                <a:latin typeface="Aptos" panose="02110004020202020204"/>
+                <a:ea typeface="+mn-ea"/>
+                <a:cs typeface="+mn-cs"/>
+              </a:rPr>
+              <a:t>&lt;.217)</a:t>
+            </a:r>
+          </a:p>
+          <a:p>
+            <a:pPr>
+              <a:lnSpc>
+                <a:spcPct val="150000"/>
+              </a:lnSpc>
+            </a:pPr>
+            <a:endParaRPr lang="en-KR" sz="1600" dirty="0"/>
+          </a:p>
+        </p:txBody>
+      </p:sp>
+      <p:pic>
+        <p:nvPicPr>
+          <p:cNvPr id="7" name="Picture 6" descr="A collage of graphs&#10;&#10;AI-generated content may be incorrect.">
+            <a:extLst>
+              <a:ext uri="{FF2B5EF4-FFF2-40B4-BE49-F238E27FC236}">
+                <a16:creationId xmlns:a16="http://schemas.microsoft.com/office/drawing/2014/main" id="{AB2CE8B6-013A-AC9D-FB0A-F6DCE5E1F43A}"/>
+              </a:ext>
+            </a:extLst>
+          </p:cNvPr>
+          <p:cNvPicPr>
+            <a:picLocks noChangeAspect="1"/>
+          </p:cNvPicPr>
+          <p:nvPr/>
+        </p:nvPicPr>
+        <p:blipFill>
+          <a:blip r:embed="rId2"/>
+          <a:srcRect r="31199" b="51957"/>
+          <a:stretch>
+            <a:fillRect/>
+          </a:stretch>
+        </p:blipFill>
+        <p:spPr>
+          <a:xfrm>
+            <a:off x="714240" y="2461155"/>
+            <a:ext cx="7718519" cy="3551308"/>
+          </a:xfrm>
+          <a:prstGeom prst="rect">
+            <a:avLst/>
+          </a:prstGeom>
+        </p:spPr>
+      </p:pic>
+      <p:sp>
+        <p:nvSpPr>
+          <p:cNvPr id="4" name="TextBox 3">
+            <a:extLst>
+              <a:ext uri="{FF2B5EF4-FFF2-40B4-BE49-F238E27FC236}">
+                <a16:creationId xmlns:a16="http://schemas.microsoft.com/office/drawing/2014/main" id="{0DB5B1CE-DCB1-DBE0-2737-CA6FB17EA7E8}"/>
+              </a:ext>
+            </a:extLst>
+          </p:cNvPr>
+          <p:cNvSpPr txBox="1"/>
+          <p:nvPr/>
+        </p:nvSpPr>
+        <p:spPr>
+          <a:xfrm>
+            <a:off x="4290281" y="6322765"/>
+            <a:ext cx="3611438" cy="369332"/>
+          </a:xfrm>
+          <a:prstGeom prst="rect">
+            <a:avLst/>
+          </a:prstGeom>
+          <a:noFill/>
+        </p:spPr>
+        <p:txBody>
+          <a:bodyPr wrap="none" rtlCol="0">
+            <a:spAutoFit/>
+          </a:bodyPr>
+          <a:lstStyle/>
+          <a:p>
+            <a:r>
+              <a:rPr lang="en-KR" dirty="0"/>
+              <a:t>Processing &amp; Production Interacts!</a:t>
+            </a:r>
+          </a:p>
+        </p:txBody>
+      </p:sp>
+    </p:spTree>
+    <p:extLst>
+      <p:ext uri="{BB962C8B-B14F-4D97-AF65-F5344CB8AC3E}">
+        <p14:creationId xmlns:p14="http://schemas.microsoft.com/office/powerpoint/2010/main" val="2146731958"/>
+      </p:ext>
+    </p:extLst>
+  </p:cSld>
+  <p:clrMapOvr>
+    <a:masterClrMapping/>
+  </p:clrMapOvr>
+</p:sld>
+</file>
+
+<file path=ppt/slides/slide29.xml><?xml version="1.0" encoding="utf-8"?>
+<p:sld xmlns:a="http://schemas.openxmlformats.org/drawingml/2006/main" xmlns:r="http://schemas.openxmlformats.org/officeDocument/2006/relationships" xmlns:p="http://schemas.openxmlformats.org/presentationml/2006/main">
+  <p:cSld>
+    <p:spTree>
+      <p:nvGrpSpPr>
+        <p:cNvPr id="1" name=""/>
+        <p:cNvGrpSpPr/>
+        <p:nvPr/>
+      </p:nvGrpSpPr>
+      <p:grpSpPr>
+        <a:xfrm>
+          <a:off x="0" y="0"/>
+          <a:ext cx="0" cy="0"/>
+          <a:chOff x="0" y="0"/>
+          <a:chExt cx="0" cy="0"/>
+        </a:xfrm>
+      </p:grpSpPr>
+      <p:sp>
+        <p:nvSpPr>
+          <p:cNvPr id="2" name="Title 1">
+            <a:extLst>
+              <a:ext uri="{FF2B5EF4-FFF2-40B4-BE49-F238E27FC236}">
+                <a16:creationId xmlns:a16="http://schemas.microsoft.com/office/drawing/2014/main" id="{76696AF1-084A-234E-93F0-C23DD889B621}"/>
+              </a:ext>
+            </a:extLst>
+          </p:cNvPr>
+          <p:cNvSpPr>
+            <a:spLocks noGrp="1"/>
+          </p:cNvSpPr>
+          <p:nvPr>
+            <p:ph type="title"/>
+          </p:nvPr>
+        </p:nvSpPr>
+        <p:spPr/>
+        <p:txBody>
+          <a:bodyPr/>
+          <a:lstStyle/>
+          <a:p>
+            <a:r>
+              <a:rPr lang="en-US" dirty="0"/>
+              <a:t>Conclusions</a:t>
+            </a:r>
+            <a:endParaRPr lang="en-KR" dirty="0"/>
+          </a:p>
+        </p:txBody>
+      </p:sp>
+      <p:sp>
+        <p:nvSpPr>
+          <p:cNvPr id="3" name="Content Placeholder 2">
+            <a:extLst>
+              <a:ext uri="{FF2B5EF4-FFF2-40B4-BE49-F238E27FC236}">
+                <a16:creationId xmlns:a16="http://schemas.microsoft.com/office/drawing/2014/main" id="{207A7CE9-88EA-3B8A-0C1F-653E2D223011}"/>
+              </a:ext>
+            </a:extLst>
+          </p:cNvPr>
+          <p:cNvSpPr>
+            <a:spLocks noGrp="1"/>
+          </p:cNvSpPr>
+          <p:nvPr>
+            <p:ph idx="1"/>
+          </p:nvPr>
+        </p:nvSpPr>
+        <p:spPr>
+          <a:xfrm>
+            <a:off x="838200" y="1825625"/>
+            <a:ext cx="10515600" cy="4667250"/>
+          </a:xfrm>
+        </p:spPr>
+        <p:txBody>
+          <a:bodyPr>
+            <a:normAutofit/>
+          </a:bodyPr>
+          <a:lstStyle/>
+          <a:p>
+            <a:pPr>
+              <a:lnSpc>
+                <a:spcPct val="150000"/>
+              </a:lnSpc>
+            </a:pPr>
+            <a:r>
+              <a:rPr lang="en-US" sz="2000" dirty="0"/>
+              <a:t>Attention Narrowing of Hate Modifiers</a:t>
+            </a:r>
+          </a:p>
+          <a:p>
+            <a:pPr lvl="1">
+              <a:lnSpc>
+                <a:spcPct val="150000"/>
+              </a:lnSpc>
+            </a:pPr>
+            <a:r>
+              <a:rPr lang="en-US" sz="1600" dirty="0"/>
+              <a:t>H1: Hate modifiers </a:t>
+            </a:r>
+            <a:r>
+              <a:rPr lang="en-US" sz="1600" u="sng" dirty="0"/>
+              <a:t>elicited</a:t>
+            </a:r>
+            <a:r>
+              <a:rPr lang="en-US" sz="1600" b="1" u="sng" dirty="0"/>
+              <a:t> </a:t>
+            </a:r>
+            <a:r>
+              <a:rPr lang="en-US" sz="1600" u="sng" dirty="0"/>
+              <a:t>marginally longer reading times </a:t>
+            </a:r>
+            <a:r>
+              <a:rPr lang="en-US" sz="1600" dirty="0"/>
+              <a:t>(↑) than neutral modifiers. </a:t>
+            </a:r>
+          </a:p>
+          <a:p>
+            <a:pPr lvl="1">
+              <a:lnSpc>
+                <a:spcPct val="150000"/>
+              </a:lnSpc>
+            </a:pPr>
+            <a:r>
+              <a:rPr lang="en-KR" sz="1600" dirty="0"/>
+              <a:t>H2: No plausibility effect and hate-modifier’s interaction in SPR</a:t>
+            </a:r>
+          </a:p>
+          <a:p>
+            <a:pPr>
+              <a:lnSpc>
+                <a:spcPct val="150000"/>
+              </a:lnSpc>
+            </a:pPr>
+            <a:r>
+              <a:rPr lang="en-US" sz="2000" dirty="0"/>
+              <a:t>Plausibility Impairment</a:t>
+            </a:r>
+          </a:p>
+          <a:p>
+            <a:pPr lvl="1">
+              <a:lnSpc>
+                <a:spcPct val="150000"/>
+              </a:lnSpc>
+            </a:pPr>
+            <a:r>
+              <a:rPr lang="en-KR" sz="1600" dirty="0"/>
+              <a:t>H3:</a:t>
+            </a:r>
+            <a:r>
+              <a:rPr lang="ko-KR" altLang="en-US" sz="1600" dirty="0"/>
+              <a:t> </a:t>
+            </a:r>
+            <a:r>
+              <a:rPr lang="en-US" altLang="ko-KR" sz="1600" dirty="0"/>
+              <a:t>Hate-modifier sentence </a:t>
+            </a:r>
+            <a:r>
+              <a:rPr lang="en-US" sz="1600" u="sng" dirty="0"/>
+              <a:t>impaired plausibility discriminability</a:t>
+            </a:r>
+            <a:r>
+              <a:rPr lang="en-US" sz="1600" dirty="0"/>
+              <a:t> in Plausibility Judgement Test.</a:t>
+            </a:r>
+          </a:p>
+          <a:p>
+            <a:pPr>
+              <a:lnSpc>
+                <a:spcPct val="150000"/>
+              </a:lnSpc>
+            </a:pPr>
+            <a:r>
+              <a:rPr lang="en-US" sz="2000" dirty="0"/>
+              <a:t>Influence on Reproduction</a:t>
+            </a:r>
+            <a:endParaRPr lang="en-KR" sz="2000" dirty="0"/>
+          </a:p>
+          <a:p>
+            <a:pPr lvl="1">
+              <a:lnSpc>
+                <a:spcPct val="150000"/>
+              </a:lnSpc>
+            </a:pPr>
+            <a:r>
+              <a:rPr lang="en-KR" sz="1600" dirty="0"/>
+              <a:t>H4: </a:t>
+            </a:r>
+            <a:r>
+              <a:rPr lang="en-KR" sz="1600" u="sng" dirty="0"/>
+              <a:t>Usage of Negative expression</a:t>
+            </a:r>
+            <a:r>
+              <a:rPr lang="en-KR" sz="1600" b="1" dirty="0"/>
+              <a:t> </a:t>
+            </a:r>
+            <a:r>
+              <a:rPr lang="en-KR" sz="1600" dirty="0"/>
+              <a:t>was relevant to </a:t>
+            </a:r>
+            <a:r>
+              <a:rPr lang="en-KR" sz="1600" u="sng" dirty="0"/>
+              <a:t>fewer fact recall</a:t>
+            </a:r>
+            <a:r>
+              <a:rPr lang="en-KR" sz="1600" dirty="0"/>
+              <a:t> and </a:t>
+            </a:r>
+            <a:r>
+              <a:rPr lang="en-KR" sz="1600" u="sng" dirty="0"/>
+              <a:t>more implausible information</a:t>
+            </a:r>
+            <a:r>
+              <a:rPr lang="en-KR" sz="1600" b="1" dirty="0"/>
+              <a:t> </a:t>
+            </a:r>
+            <a:r>
+              <a:rPr lang="en-KR" sz="1600" dirty="0"/>
+              <a:t>in Free Description Task.</a:t>
+            </a:r>
+          </a:p>
+          <a:p>
+            <a:pPr lvl="1">
+              <a:lnSpc>
+                <a:spcPct val="150000"/>
+              </a:lnSpc>
+            </a:pPr>
+            <a:r>
+              <a:rPr lang="en-KR" sz="1600" dirty="0"/>
+              <a:t>H3 x H4: </a:t>
+            </a:r>
+            <a:r>
+              <a:rPr lang="en-KR" sz="1600" u="sng" dirty="0"/>
+              <a:t>Impaired plausibility discriminability</a:t>
+            </a:r>
+            <a:r>
+              <a:rPr lang="en-KR" sz="1600" b="1" dirty="0"/>
+              <a:t> </a:t>
+            </a:r>
+            <a:r>
+              <a:rPr lang="en-KR" sz="1600" dirty="0"/>
+              <a:t>was correlated to </a:t>
+            </a:r>
+            <a:r>
+              <a:rPr lang="en-KR" sz="1600" u="sng" dirty="0"/>
+              <a:t>fact recall</a:t>
+            </a:r>
+            <a:r>
+              <a:rPr lang="en-KR" sz="1600" b="1" dirty="0"/>
+              <a:t>.</a:t>
+            </a:r>
+          </a:p>
+        </p:txBody>
+      </p:sp>
+    </p:spTree>
+    <p:extLst>
+      <p:ext uri="{BB962C8B-B14F-4D97-AF65-F5344CB8AC3E}">
+        <p14:creationId xmlns:p14="http://schemas.microsoft.com/office/powerpoint/2010/main" val="672687170"/>
       </p:ext>
     </p:extLst>
   </p:cSld>
@@ -5890,7 +9610,7 @@
           <a:p>
             <a:r>
               <a:rPr lang="en-KR" dirty="0"/>
-              <a:t>Background (I)</a:t>
+              <a:t>Background: Ding et al.(2016)</a:t>
             </a:r>
           </a:p>
         </p:txBody>
@@ -5927,22 +9647,12 @@
               <a:lnSpc>
                 <a:spcPct val="150000"/>
               </a:lnSpc>
+              <a:buFontTx/>
+              <a:buChar char="-"/>
             </a:pPr>
             <a:r>
-              <a:rPr lang="en-KR" sz="2400" dirty="0"/>
-              <a:t>Traditionally, emotion and cognition were considered as </a:t>
-            </a:r>
-            <a:r>
-              <a:rPr lang="en-KR" sz="2400" dirty="0">
-                <a:solidFill>
-                  <a:srgbClr val="FF0000"/>
-                </a:solidFill>
-              </a:rPr>
-              <a:t>separate</a:t>
-            </a:r>
-            <a:r>
-              <a:rPr lang="en-KR" sz="2400" dirty="0"/>
-              <a:t> systems</a:t>
+              <a:rPr lang="en-US" altLang="ko-KR" dirty="0"/>
+              <a:t>How do emotional verbs affect semantic integration? </a:t>
             </a:r>
           </a:p>
           <a:p>
@@ -5950,22 +9660,12 @@
               <a:lnSpc>
                 <a:spcPct val="150000"/>
               </a:lnSpc>
+              <a:buFontTx/>
+              <a:buChar char="-"/>
             </a:pPr>
             <a:r>
-              <a:rPr lang="en-KR" sz="2400" dirty="0"/>
-              <a:t>However, in neuroscience, their </a:t>
-            </a:r>
-            <a:r>
-              <a:rPr lang="en-KR" sz="2400" dirty="0">
-                <a:solidFill>
-                  <a:srgbClr val="0070C0"/>
-                </a:solidFill>
-              </a:rPr>
-              <a:t>interaction &amp; integration </a:t>
-            </a:r>
-            <a:r>
-              <a:rPr lang="en-KR" sz="2400" dirty="0"/>
-              <a:t>were considered</a:t>
+              <a:rPr lang="en-US" altLang="ko-KR" dirty="0"/>
+              <a:t>Method:</a:t>
             </a:r>
           </a:p>
           <a:p>
@@ -5973,10 +9673,12 @@
               <a:lnSpc>
                 <a:spcPct val="150000"/>
               </a:lnSpc>
+              <a:buFontTx/>
+              <a:buChar char="-"/>
             </a:pPr>
             <a:r>
-              <a:rPr lang="en-KR" sz="2000" dirty="0"/>
-              <a:t>Cognition ⇔ Emotion</a:t>
+              <a:rPr lang="en-US" altLang="ko-KR" dirty="0"/>
+              <a:t>ERP study (N400, P600) </a:t>
             </a:r>
           </a:p>
           <a:p>
@@ -5984,10 +9686,12 @@
               <a:lnSpc>
                 <a:spcPct val="150000"/>
               </a:lnSpc>
+              <a:buFontTx/>
+              <a:buChar char="-"/>
             </a:pPr>
             <a:r>
-              <a:rPr lang="en-US" sz="2400" dirty="0"/>
-              <a:t>Such a relationship is also considered in language</a:t>
+              <a:rPr lang="en-US" altLang="ko-KR" dirty="0"/>
+              <a:t>Finding: Attention Narrowing Effect</a:t>
             </a:r>
           </a:p>
           <a:p>
@@ -5995,38 +9699,26 @@
               <a:lnSpc>
                 <a:spcPct val="150000"/>
               </a:lnSpc>
+              <a:buFontTx/>
+              <a:buChar char="-"/>
             </a:pPr>
             <a:r>
-              <a:rPr lang="en-KR" sz="2000" dirty="0">
-                <a:solidFill>
-                  <a:schemeClr val="bg1">
-                    <a:lumMod val="50000"/>
-                  </a:schemeClr>
-                </a:solidFill>
-              </a:rPr>
-              <a:t>Besides the controversy on relationship between cognition and language…</a:t>
-            </a:r>
-            <a:endParaRPr lang="en-US" sz="2400" dirty="0"/>
-          </a:p>
-          <a:p>
-            <a:pPr>
+              <a:rPr lang="en-US" altLang="ko-KR" dirty="0"/>
+              <a:t>Emotional verbs captures cognitive resources</a:t>
+            </a:r>
+          </a:p>
+          <a:p>
+            <a:pPr lvl="1">
               <a:lnSpc>
                 <a:spcPct val="150000"/>
               </a:lnSpc>
+              <a:buFontTx/>
+              <a:buChar char="-"/>
             </a:pPr>
             <a:r>
-              <a:rPr lang="en-US" sz="2400" dirty="0"/>
-              <a:t>How </a:t>
-            </a:r>
-            <a:r>
-              <a:rPr lang="en-US" sz="2400" b="1" dirty="0"/>
-              <a:t>emotional words </a:t>
-            </a:r>
-            <a:r>
-              <a:rPr lang="en-US" sz="2400" dirty="0"/>
-              <a:t>are processed and influence other processing.</a:t>
-            </a:r>
-            <a:endParaRPr lang="en-KR" sz="2400" dirty="0"/>
+              <a:rPr lang="en-US" altLang="ko-KR" dirty="0"/>
+              <a:t>Negative verbs impaired semantic reprocess of subsequent information</a:t>
+            </a:r>
           </a:p>
         </p:txBody>
       </p:sp>
@@ -6034,6 +9726,607 @@
     <p:extLst>
       <p:ext uri="{BB962C8B-B14F-4D97-AF65-F5344CB8AC3E}">
         <p14:creationId xmlns:p14="http://schemas.microsoft.com/office/powerpoint/2010/main" val="4240093712"/>
+      </p:ext>
+    </p:extLst>
+  </p:cSld>
+  <p:clrMapOvr>
+    <a:masterClrMapping/>
+  </p:clrMapOvr>
+</p:sld>
+</file>
+
+<file path=ppt/slides/slide30.xml><?xml version="1.0" encoding="utf-8"?>
+<p:sld xmlns:a="http://schemas.openxmlformats.org/drawingml/2006/main" xmlns:r="http://schemas.openxmlformats.org/officeDocument/2006/relationships" xmlns:p="http://schemas.openxmlformats.org/presentationml/2006/main">
+  <p:cSld>
+    <p:spTree>
+      <p:nvGrpSpPr>
+        <p:cNvPr id="1" name="">
+          <a:extLst>
+            <a:ext uri="{FF2B5EF4-FFF2-40B4-BE49-F238E27FC236}">
+              <a16:creationId xmlns:a16="http://schemas.microsoft.com/office/drawing/2014/main" id="{189A7A24-EF66-8FFC-5F4D-B4F214702319}"/>
+            </a:ext>
+          </a:extLst>
+        </p:cNvPr>
+        <p:cNvGrpSpPr/>
+        <p:nvPr/>
+      </p:nvGrpSpPr>
+      <p:grpSpPr>
+        <a:xfrm>
+          <a:off x="0" y="0"/>
+          <a:ext cx="0" cy="0"/>
+          <a:chOff x="0" y="0"/>
+          <a:chExt cx="0" cy="0"/>
+        </a:xfrm>
+      </p:grpSpPr>
+      <p:sp>
+        <p:nvSpPr>
+          <p:cNvPr id="2" name="Title 1">
+            <a:extLst>
+              <a:ext uri="{FF2B5EF4-FFF2-40B4-BE49-F238E27FC236}">
+                <a16:creationId xmlns:a16="http://schemas.microsoft.com/office/drawing/2014/main" id="{B70ED1EE-6B1F-5729-3490-E2E727D03DE0}"/>
+              </a:ext>
+            </a:extLst>
+          </p:cNvPr>
+          <p:cNvSpPr>
+            <a:spLocks noGrp="1"/>
+          </p:cNvSpPr>
+          <p:nvPr>
+            <p:ph type="ctrTitle"/>
+          </p:nvPr>
+        </p:nvSpPr>
+        <p:spPr>
+          <a:xfrm>
+            <a:off x="1524000" y="3045618"/>
+            <a:ext cx="9144000" cy="766763"/>
+          </a:xfrm>
+        </p:spPr>
+        <p:txBody>
+          <a:bodyPr>
+            <a:noAutofit/>
+          </a:bodyPr>
+          <a:lstStyle/>
+          <a:p>
+            <a:r>
+              <a:rPr lang="en-US" sz="5400" dirty="0"/>
+              <a:t>Conclusion</a:t>
+            </a:r>
+            <a:endParaRPr lang="en-KR" sz="5400" dirty="0"/>
+          </a:p>
+        </p:txBody>
+      </p:sp>
+    </p:spTree>
+    <p:extLst>
+      <p:ext uri="{BB962C8B-B14F-4D97-AF65-F5344CB8AC3E}">
+        <p14:creationId xmlns:p14="http://schemas.microsoft.com/office/powerpoint/2010/main" val="2542592683"/>
+      </p:ext>
+    </p:extLst>
+  </p:cSld>
+  <p:clrMapOvr>
+    <a:masterClrMapping/>
+  </p:clrMapOvr>
+</p:sld>
+</file>
+
+<file path=ppt/slides/slide31.xml><?xml version="1.0" encoding="utf-8"?>
+<p:sld xmlns:a="http://schemas.openxmlformats.org/drawingml/2006/main" xmlns:r="http://schemas.openxmlformats.org/officeDocument/2006/relationships" xmlns:p="http://schemas.openxmlformats.org/presentationml/2006/main">
+  <p:cSld>
+    <p:spTree>
+      <p:nvGrpSpPr>
+        <p:cNvPr id="1" name="">
+          <a:extLst>
+            <a:ext uri="{FF2B5EF4-FFF2-40B4-BE49-F238E27FC236}">
+              <a16:creationId xmlns:a16="http://schemas.microsoft.com/office/drawing/2014/main" id="{3F772B64-F12E-0F6B-6F0E-AA4DBFC005F1}"/>
+            </a:ext>
+          </a:extLst>
+        </p:cNvPr>
+        <p:cNvGrpSpPr/>
+        <p:nvPr/>
+      </p:nvGrpSpPr>
+      <p:grpSpPr>
+        <a:xfrm>
+          <a:off x="0" y="0"/>
+          <a:ext cx="0" cy="0"/>
+          <a:chOff x="0" y="0"/>
+          <a:chExt cx="0" cy="0"/>
+        </a:xfrm>
+      </p:grpSpPr>
+      <p:sp>
+        <p:nvSpPr>
+          <p:cNvPr id="2" name="Title 1">
+            <a:extLst>
+              <a:ext uri="{FF2B5EF4-FFF2-40B4-BE49-F238E27FC236}">
+                <a16:creationId xmlns:a16="http://schemas.microsoft.com/office/drawing/2014/main" id="{E159903A-12A9-C5A8-89CD-AE28C5F72C23}"/>
+              </a:ext>
+            </a:extLst>
+          </p:cNvPr>
+          <p:cNvSpPr>
+            <a:spLocks noGrp="1"/>
+          </p:cNvSpPr>
+          <p:nvPr>
+            <p:ph type="title"/>
+          </p:nvPr>
+        </p:nvSpPr>
+        <p:spPr/>
+        <p:txBody>
+          <a:bodyPr/>
+          <a:lstStyle/>
+          <a:p>
+            <a:r>
+              <a:rPr lang="en-US" dirty="0"/>
+              <a:t>Discussion &amp; Limitations</a:t>
+            </a:r>
+            <a:endParaRPr lang="en-KR" dirty="0"/>
+          </a:p>
+        </p:txBody>
+      </p:sp>
+      <p:sp>
+        <p:nvSpPr>
+          <p:cNvPr id="3" name="Content Placeholder 2">
+            <a:extLst>
+              <a:ext uri="{FF2B5EF4-FFF2-40B4-BE49-F238E27FC236}">
+                <a16:creationId xmlns:a16="http://schemas.microsoft.com/office/drawing/2014/main" id="{5F77C19E-B214-4659-A358-91ED542B3BC6}"/>
+              </a:ext>
+            </a:extLst>
+          </p:cNvPr>
+          <p:cNvSpPr>
+            <a:spLocks noGrp="1"/>
+          </p:cNvSpPr>
+          <p:nvPr>
+            <p:ph idx="1"/>
+          </p:nvPr>
+        </p:nvSpPr>
+        <p:spPr>
+          <a:xfrm>
+            <a:off x="387458" y="1460499"/>
+            <a:ext cx="11417084" cy="5032376"/>
+          </a:xfrm>
+        </p:spPr>
+        <p:txBody>
+          <a:bodyPr>
+            <a:normAutofit fontScale="92500" lnSpcReduction="10000"/>
+          </a:bodyPr>
+          <a:lstStyle/>
+          <a:p>
+            <a:pPr>
+              <a:lnSpc>
+                <a:spcPct val="150000"/>
+              </a:lnSpc>
+            </a:pPr>
+            <a:r>
+              <a:rPr lang="en-US" sz="2400" dirty="0"/>
+              <a:t>Discussion</a:t>
+            </a:r>
+          </a:p>
+          <a:p>
+            <a:pPr lvl="1">
+              <a:lnSpc>
+                <a:spcPct val="150000"/>
+              </a:lnSpc>
+            </a:pPr>
+            <a:r>
+              <a:rPr lang="en-US" sz="2000" dirty="0"/>
+              <a:t>First preliminary Study on the effect of hate speech on perception, reproduction and their interaction</a:t>
+            </a:r>
+          </a:p>
+          <a:p>
+            <a:pPr lvl="1">
+              <a:lnSpc>
+                <a:spcPct val="150000"/>
+              </a:lnSpc>
+            </a:pPr>
+            <a:r>
+              <a:rPr lang="en-US" sz="2000" dirty="0"/>
+              <a:t>A few significant results besides small N (N=7)</a:t>
+            </a:r>
+          </a:p>
+          <a:p>
+            <a:pPr>
+              <a:lnSpc>
+                <a:spcPct val="150000"/>
+              </a:lnSpc>
+            </a:pPr>
+            <a:r>
+              <a:rPr lang="en-US" sz="2400" dirty="0"/>
+              <a:t>Limitations</a:t>
+            </a:r>
+          </a:p>
+          <a:p>
+            <a:pPr lvl="1">
+              <a:lnSpc>
+                <a:spcPct val="150000"/>
+              </a:lnSpc>
+            </a:pPr>
+            <a:r>
+              <a:rPr lang="en-US" sz="2000" dirty="0"/>
+              <a:t>No significant difference in RT </a:t>
+            </a:r>
+          </a:p>
+          <a:p>
+            <a:pPr lvl="1">
+              <a:lnSpc>
+                <a:spcPct val="150000"/>
+              </a:lnSpc>
+            </a:pPr>
+            <a:r>
+              <a:rPr lang="en-US" sz="2000" dirty="0"/>
+              <a:t>Attenuated effects due to mixed hate-modifier &amp; neutral modifiers</a:t>
+            </a:r>
+          </a:p>
+          <a:p>
+            <a:pPr lvl="1">
+              <a:lnSpc>
+                <a:spcPct val="150000"/>
+              </a:lnSpc>
+            </a:pPr>
+            <a:r>
+              <a:rPr lang="en-US" sz="2000" dirty="0"/>
+              <a:t>Feedbacks: Excessive cognitive burden (76 consecutive SPR) &amp; Vague term of ‘plausibility</a:t>
+            </a:r>
+            <a:r>
+              <a:rPr lang="en-US" sz="1700" dirty="0"/>
+              <a:t>(</a:t>
+            </a:r>
+            <a:r>
+              <a:rPr lang="ko-KR" altLang="en-US" sz="1700" dirty="0"/>
+              <a:t>그럴듯함</a:t>
+            </a:r>
+            <a:r>
+              <a:rPr lang="en-US" altLang="ko-KR" sz="1700" dirty="0"/>
+              <a:t>)</a:t>
+            </a:r>
+            <a:r>
+              <a:rPr lang="en-US" sz="2000" dirty="0"/>
+              <a:t>’</a:t>
+            </a:r>
+          </a:p>
+          <a:p>
+            <a:pPr>
+              <a:lnSpc>
+                <a:spcPct val="150000"/>
+              </a:lnSpc>
+            </a:pPr>
+            <a:r>
+              <a:rPr lang="en-US" sz="2400" dirty="0"/>
+              <a:t>Future Directions</a:t>
+            </a:r>
+          </a:p>
+          <a:p>
+            <a:pPr lvl="1">
+              <a:lnSpc>
+                <a:spcPct val="150000"/>
+              </a:lnSpc>
+            </a:pPr>
+            <a:r>
+              <a:rPr lang="en-US" sz="2000" dirty="0"/>
+              <a:t>Between Subject or Block design (Hate-modifier condition ⇔ Neutral condition)</a:t>
+            </a:r>
+          </a:p>
+          <a:p>
+            <a:pPr lvl="1">
+              <a:lnSpc>
+                <a:spcPct val="150000"/>
+              </a:lnSpc>
+            </a:pPr>
+            <a:r>
+              <a:rPr lang="en-US" sz="2000" dirty="0"/>
+              <a:t>Neurological Evidence</a:t>
+            </a:r>
+            <a:r>
+              <a:rPr lang="ko-KR" altLang="en-US" sz="2000" dirty="0"/>
+              <a:t> </a:t>
+            </a:r>
+            <a:r>
+              <a:rPr lang="en-US" altLang="ko-KR" sz="2000" dirty="0"/>
+              <a:t>with EEG</a:t>
+            </a:r>
+            <a:endParaRPr lang="en-US" sz="2000" dirty="0"/>
+          </a:p>
+        </p:txBody>
+      </p:sp>
+    </p:spTree>
+    <p:extLst>
+      <p:ext uri="{BB962C8B-B14F-4D97-AF65-F5344CB8AC3E}">
+        <p14:creationId xmlns:p14="http://schemas.microsoft.com/office/powerpoint/2010/main" val="912724044"/>
+      </p:ext>
+    </p:extLst>
+  </p:cSld>
+  <p:clrMapOvr>
+    <a:masterClrMapping/>
+  </p:clrMapOvr>
+</p:sld>
+</file>
+
+<file path=ppt/slides/slide32.xml><?xml version="1.0" encoding="utf-8"?>
+<p:sld xmlns:a="http://schemas.openxmlformats.org/drawingml/2006/main" xmlns:r="http://schemas.openxmlformats.org/officeDocument/2006/relationships" xmlns:p="http://schemas.openxmlformats.org/presentationml/2006/main">
+  <p:cSld>
+    <p:spTree>
+      <p:nvGrpSpPr>
+        <p:cNvPr id="1" name="">
+          <a:extLst>
+            <a:ext uri="{FF2B5EF4-FFF2-40B4-BE49-F238E27FC236}">
+              <a16:creationId xmlns:a16="http://schemas.microsoft.com/office/drawing/2014/main" id="{3A81695C-354A-909C-0F51-1CE9E8AE7BEB}"/>
+            </a:ext>
+          </a:extLst>
+        </p:cNvPr>
+        <p:cNvGrpSpPr/>
+        <p:nvPr/>
+      </p:nvGrpSpPr>
+      <p:grpSpPr>
+        <a:xfrm>
+          <a:off x="0" y="0"/>
+          <a:ext cx="0" cy="0"/>
+          <a:chOff x="0" y="0"/>
+          <a:chExt cx="0" cy="0"/>
+        </a:xfrm>
+      </p:grpSpPr>
+      <p:sp>
+        <p:nvSpPr>
+          <p:cNvPr id="2" name="Title 1">
+            <a:extLst>
+              <a:ext uri="{FF2B5EF4-FFF2-40B4-BE49-F238E27FC236}">
+                <a16:creationId xmlns:a16="http://schemas.microsoft.com/office/drawing/2014/main" id="{ECA39549-27DB-FAD6-6064-D1C2EA4DD1C9}"/>
+              </a:ext>
+            </a:extLst>
+          </p:cNvPr>
+          <p:cNvSpPr>
+            <a:spLocks noGrp="1"/>
+          </p:cNvSpPr>
+          <p:nvPr>
+            <p:ph type="title"/>
+          </p:nvPr>
+        </p:nvSpPr>
+        <p:spPr/>
+        <p:txBody>
+          <a:bodyPr/>
+          <a:lstStyle/>
+          <a:p>
+            <a:r>
+              <a:rPr lang="en-US" dirty="0"/>
+              <a:t>References</a:t>
+            </a:r>
+            <a:endParaRPr lang="en-KR" dirty="0"/>
+          </a:p>
+        </p:txBody>
+      </p:sp>
+      <p:sp>
+        <p:nvSpPr>
+          <p:cNvPr id="3" name="Content Placeholder 2">
+            <a:extLst>
+              <a:ext uri="{FF2B5EF4-FFF2-40B4-BE49-F238E27FC236}">
+                <a16:creationId xmlns:a16="http://schemas.microsoft.com/office/drawing/2014/main" id="{3C7A2AB0-069F-36E5-104C-21DCB0ECD4F1}"/>
+              </a:ext>
+            </a:extLst>
+          </p:cNvPr>
+          <p:cNvSpPr>
+            <a:spLocks noGrp="1"/>
+          </p:cNvSpPr>
+          <p:nvPr>
+            <p:ph idx="1"/>
+          </p:nvPr>
+        </p:nvSpPr>
+        <p:spPr>
+          <a:xfrm>
+            <a:off x="838200" y="1690688"/>
+            <a:ext cx="10219660" cy="5032376"/>
+          </a:xfrm>
+        </p:spPr>
+        <p:txBody>
+          <a:bodyPr>
+            <a:normAutofit/>
+          </a:bodyPr>
+          <a:lstStyle/>
+          <a:p>
+            <a:pPr marL="226800" indent="-457200">
+              <a:lnSpc>
+                <a:spcPct val="150000"/>
+              </a:lnSpc>
+              <a:buNone/>
+            </a:pPr>
+            <a:r>
+              <a:rPr lang="en-US" sz="1600" dirty="0"/>
+              <a:t>Ding, J., Wang, L. &amp; Yang, Y. The dynamic influence of emotional words on sentence comprehension: An ERP study. </a:t>
+            </a:r>
+            <a:r>
+              <a:rPr lang="en-US" sz="1600" dirty="0" err="1"/>
+              <a:t>Cogn</a:t>
+            </a:r>
+            <a:r>
+              <a:rPr lang="en-US" sz="1600" dirty="0"/>
+              <a:t> Affect </a:t>
+            </a:r>
+            <a:r>
+              <a:rPr lang="en-US" sz="1600" dirty="0" err="1"/>
+              <a:t>Behav</a:t>
+            </a:r>
+            <a:r>
+              <a:rPr lang="en-US" sz="1600" dirty="0"/>
+              <a:t> </a:t>
+            </a:r>
+            <a:r>
+              <a:rPr lang="en-US" sz="1600" dirty="0" err="1"/>
+              <a:t>Neurosci</a:t>
+            </a:r>
+            <a:r>
+              <a:rPr lang="en-US" sz="1600" dirty="0"/>
+              <a:t> 16, 433–446 (2016). https://</a:t>
+            </a:r>
+            <a:r>
+              <a:rPr lang="en-US" sz="1600" dirty="0" err="1"/>
+              <a:t>doi.org</a:t>
+            </a:r>
+            <a:r>
+              <a:rPr lang="en-US" sz="1600" dirty="0"/>
+              <a:t>/10.3758/s13415-016-0403-x</a:t>
+            </a:r>
+          </a:p>
+          <a:p>
+            <a:pPr marL="226800" indent="-457200">
+              <a:lnSpc>
+                <a:spcPct val="150000"/>
+              </a:lnSpc>
+              <a:buNone/>
+            </a:pPr>
+            <a:r>
+              <a:rPr lang="en-US" sz="1600" dirty="0"/>
+              <a:t>Fleck, A. (October 21, 2024). 2 in 3 People Often Encounter Hate Speech Online [Digital image]. Retrieved December 04, 2025, from </a:t>
+            </a:r>
+            <a:r>
+              <a:rPr lang="en-US" sz="1600" dirty="0">
+                <a:hlinkClick r:id="rId3"/>
+              </a:rPr>
+              <a:t>https://www.statista.com/chart/33299/online-hate-speech-encounters/?srsltid=AfmBOoq5N_UdLnoHiBfv71NcIi37TDOQ83Vk8B2FAm6jYur9aXhPGec7</a:t>
+            </a:r>
+            <a:endParaRPr lang="en-US" sz="1600" dirty="0"/>
+          </a:p>
+          <a:p>
+            <a:pPr marL="226800" indent="-457200">
+              <a:lnSpc>
+                <a:spcPct val="150000"/>
+              </a:lnSpc>
+              <a:buNone/>
+            </a:pPr>
+            <a:r>
+              <a:rPr lang="en-US" sz="1600" dirty="0"/>
+              <a:t>Kensinger, E. A., </a:t>
+            </a:r>
+            <a:r>
+              <a:rPr lang="en-US" sz="1600" dirty="0" err="1"/>
+              <a:t>Garoff</a:t>
+            </a:r>
+            <a:r>
+              <a:rPr lang="en-US" sz="1600" dirty="0"/>
+              <a:t>-Eaton, R. J., &amp; Schacter, D. L. (2007). Effects of emotion on memory specificity: Memory trade-offs elicited by negative visually arousing stimuli. </a:t>
+            </a:r>
+            <a:r>
+              <a:rPr lang="en-US" sz="1600" i="1" dirty="0"/>
+              <a:t>Journal of Memory and Language, 56</a:t>
+            </a:r>
+            <a:r>
+              <a:rPr lang="en-US" sz="1600" dirty="0"/>
+              <a:t>(4), 575–591. https://</a:t>
+            </a:r>
+            <a:r>
+              <a:rPr lang="en-US" sz="1600" dirty="0" err="1"/>
+              <a:t>doi.org</a:t>
+            </a:r>
+            <a:r>
+              <a:rPr lang="en-US" sz="1600" dirty="0"/>
+              <a:t>/10.1016/j.jml.2006.05.004</a:t>
+            </a:r>
+          </a:p>
+          <a:p>
+            <a:pPr marL="226800" indent="-457200">
+              <a:lnSpc>
+                <a:spcPct val="150000"/>
+              </a:lnSpc>
+              <a:buNone/>
+            </a:pPr>
+            <a:r>
+              <a:rPr lang="en-US" sz="1600" dirty="0"/>
+              <a:t>Soral W, </a:t>
+            </a:r>
+            <a:r>
+              <a:rPr lang="en-US" sz="1600" dirty="0" err="1"/>
+              <a:t>Bilewicz</a:t>
+            </a:r>
+            <a:r>
+              <a:rPr lang="en-US" sz="1600" dirty="0"/>
+              <a:t> M, </a:t>
+            </a:r>
+            <a:r>
+              <a:rPr lang="en-US" sz="1600" dirty="0" err="1"/>
+              <a:t>Winiewski</a:t>
+            </a:r>
+            <a:r>
+              <a:rPr lang="en-US" sz="1600" dirty="0"/>
+              <a:t> M. Exposure to hate speech increases prejudice through desensitization. Aggressive Behavior. 2018; 44: 136–146. https://</a:t>
+            </a:r>
+            <a:r>
+              <a:rPr lang="en-US" sz="1600" dirty="0" err="1"/>
+              <a:t>doi.org</a:t>
+            </a:r>
+            <a:r>
+              <a:rPr lang="en-US" sz="1600" dirty="0"/>
+              <a:t>/10.1002/ab.21737</a:t>
+            </a:r>
+          </a:p>
+        </p:txBody>
+      </p:sp>
+    </p:spTree>
+    <p:extLst>
+      <p:ext uri="{BB962C8B-B14F-4D97-AF65-F5344CB8AC3E}">
+        <p14:creationId xmlns:p14="http://schemas.microsoft.com/office/powerpoint/2010/main" val="4061808272"/>
+      </p:ext>
+    </p:extLst>
+  </p:cSld>
+  <p:clrMapOvr>
+    <a:masterClrMapping/>
+  </p:clrMapOvr>
+</p:sld>
+</file>
+
+<file path=ppt/slides/slide33.xml><?xml version="1.0" encoding="utf-8"?>
+<p:sld xmlns:a="http://schemas.openxmlformats.org/drawingml/2006/main" xmlns:r="http://schemas.openxmlformats.org/officeDocument/2006/relationships" xmlns:p="http://schemas.openxmlformats.org/presentationml/2006/main">
+  <p:cSld>
+    <p:spTree>
+      <p:nvGrpSpPr>
+        <p:cNvPr id="1" name="">
+          <a:extLst>
+            <a:ext uri="{FF2B5EF4-FFF2-40B4-BE49-F238E27FC236}">
+              <a16:creationId xmlns:a16="http://schemas.microsoft.com/office/drawing/2014/main" id="{4AF1F872-35DC-74E3-A703-CAA7789E76FD}"/>
+            </a:ext>
+          </a:extLst>
+        </p:cNvPr>
+        <p:cNvGrpSpPr/>
+        <p:nvPr/>
+      </p:nvGrpSpPr>
+      <p:grpSpPr>
+        <a:xfrm>
+          <a:off x="0" y="0"/>
+          <a:ext cx="0" cy="0"/>
+          <a:chOff x="0" y="0"/>
+          <a:chExt cx="0" cy="0"/>
+        </a:xfrm>
+      </p:grpSpPr>
+      <p:sp>
+        <p:nvSpPr>
+          <p:cNvPr id="2" name="Title 1">
+            <a:extLst>
+              <a:ext uri="{FF2B5EF4-FFF2-40B4-BE49-F238E27FC236}">
+                <a16:creationId xmlns:a16="http://schemas.microsoft.com/office/drawing/2014/main" id="{92257A6B-A111-86BE-C016-25E237DFA76D}"/>
+              </a:ext>
+            </a:extLst>
+          </p:cNvPr>
+          <p:cNvSpPr>
+            <a:spLocks noGrp="1"/>
+          </p:cNvSpPr>
+          <p:nvPr>
+            <p:ph type="ctrTitle"/>
+          </p:nvPr>
+        </p:nvSpPr>
+        <p:spPr>
+          <a:xfrm>
+            <a:off x="1524000" y="3045618"/>
+            <a:ext cx="9144000" cy="766763"/>
+          </a:xfrm>
+        </p:spPr>
+        <p:txBody>
+          <a:bodyPr>
+            <a:noAutofit/>
+          </a:bodyPr>
+          <a:lstStyle/>
+          <a:p>
+            <a:r>
+              <a:rPr lang="en-KR" sz="5400" dirty="0"/>
+              <a:t>Questions?</a:t>
+            </a:r>
+          </a:p>
+        </p:txBody>
+      </p:sp>
+    </p:spTree>
+    <p:extLst>
+      <p:ext uri="{BB962C8B-B14F-4D97-AF65-F5344CB8AC3E}">
+        <p14:creationId xmlns:p14="http://schemas.microsoft.com/office/powerpoint/2010/main" val="3662857441"/>
       </p:ext>
     </p:extLst>
   </p:cSld>
@@ -6083,179 +10376,73 @@
           <a:p>
             <a:r>
               <a:rPr lang="en-KR" dirty="0"/>
-              <a:t>Background (II)</a:t>
-            </a:r>
-          </a:p>
-        </p:txBody>
-      </p:sp>
-      <p:sp>
-        <p:nvSpPr>
-          <p:cNvPr id="3" name="Content Placeholder 2">
-            <a:extLst>
-              <a:ext uri="{FF2B5EF4-FFF2-40B4-BE49-F238E27FC236}">
-                <a16:creationId xmlns:a16="http://schemas.microsoft.com/office/drawing/2014/main" id="{24EA1A9E-B63F-4713-A172-F5AA00E4711A}"/>
-              </a:ext>
-            </a:extLst>
-          </p:cNvPr>
-          <p:cNvSpPr>
-            <a:spLocks noGrp="1"/>
-          </p:cNvSpPr>
-          <p:nvPr>
-            <p:ph idx="1"/>
-          </p:nvPr>
-        </p:nvSpPr>
+              <a:t>Background: Hate Speech</a:t>
+            </a:r>
+          </a:p>
+        </p:txBody>
+      </p:sp>
+      <p:pic>
+        <p:nvPicPr>
+          <p:cNvPr id="8" name="Picture 7" descr="A screenshot of a social media post&#10;&#10;AI-generated content may be incorrect.">
+            <a:extLst>
+              <a:ext uri="{FF2B5EF4-FFF2-40B4-BE49-F238E27FC236}">
+                <a16:creationId xmlns:a16="http://schemas.microsoft.com/office/drawing/2014/main" id="{845743A4-858A-E55B-218A-7867F83AE360}"/>
+              </a:ext>
+            </a:extLst>
+          </p:cNvPr>
+          <p:cNvPicPr>
+            <a:picLocks noChangeAspect="1"/>
+          </p:cNvPicPr>
+          <p:nvPr/>
+        </p:nvPicPr>
+        <p:blipFill>
+          <a:blip r:embed="rId2"/>
+          <a:stretch>
+            <a:fillRect/>
+          </a:stretch>
+        </p:blipFill>
         <p:spPr>
           <a:xfrm>
-            <a:off x="838200" y="1825625"/>
-            <a:ext cx="11006470" cy="4351338"/>
+            <a:off x="3651584" y="1518318"/>
+            <a:ext cx="4888832" cy="4888832"/>
           </a:xfrm>
+          <a:prstGeom prst="rect">
+            <a:avLst/>
+          </a:prstGeom>
         </p:spPr>
-        <p:txBody>
-          <a:bodyPr>
-            <a:normAutofit/>
+      </p:pic>
+      <p:sp>
+        <p:nvSpPr>
+          <p:cNvPr id="9" name="TextBox 8">
+            <a:extLst>
+              <a:ext uri="{FF2B5EF4-FFF2-40B4-BE49-F238E27FC236}">
+                <a16:creationId xmlns:a16="http://schemas.microsoft.com/office/drawing/2014/main" id="{6D4DADFA-0D93-0B00-4F29-91E4D35ED496}"/>
+              </a:ext>
+            </a:extLst>
+          </p:cNvPr>
+          <p:cNvSpPr txBox="1"/>
+          <p:nvPr/>
+        </p:nvSpPr>
+        <p:spPr>
+          <a:xfrm>
+            <a:off x="5364870" y="6402943"/>
+            <a:ext cx="1462260" cy="369332"/>
+          </a:xfrm>
+          <a:prstGeom prst="rect">
+            <a:avLst/>
+          </a:prstGeom>
+          <a:noFill/>
+        </p:spPr>
+        <p:txBody>
+          <a:bodyPr wrap="none" rtlCol="0">
+            <a:spAutoFit/>
           </a:bodyPr>
           <a:lstStyle/>
           <a:p>
-            <a:pPr>
-              <a:lnSpc>
-                <a:spcPct val="150000"/>
-              </a:lnSpc>
-            </a:pPr>
-            <a:r>
-              <a:rPr lang="en-US" sz="2400" dirty="0"/>
-              <a:t>Language processing includes </a:t>
-            </a:r>
-            <a:r>
-              <a:rPr lang="en-US" sz="2400" b="1" dirty="0"/>
-              <a:t>semantic integration </a:t>
-            </a:r>
-            <a:r>
-              <a:rPr lang="en-US" sz="2400" dirty="0"/>
-              <a:t>&amp; </a:t>
-            </a:r>
-            <a:r>
-              <a:rPr lang="en-US" sz="2400" b="1" dirty="0"/>
-              <a:t>emotional information</a:t>
-            </a:r>
-            <a:r>
-              <a:rPr lang="en-US" sz="2400" dirty="0"/>
-              <a:t>.</a:t>
-            </a:r>
-          </a:p>
-          <a:p>
-            <a:pPr>
-              <a:lnSpc>
-                <a:spcPct val="150000"/>
-              </a:lnSpc>
-            </a:pPr>
-            <a:r>
-              <a:rPr lang="en-US" sz="2400" dirty="0"/>
-              <a:t>ERP studies show effects of emotional words on comprehension</a:t>
-            </a:r>
-          </a:p>
-          <a:p>
-            <a:pPr lvl="1">
-              <a:lnSpc>
-                <a:spcPct val="150000"/>
-              </a:lnSpc>
-            </a:pPr>
-            <a:r>
-              <a:rPr lang="en-US" sz="2000" dirty="0"/>
-              <a:t>capture </a:t>
-            </a:r>
-            <a:r>
-              <a:rPr lang="en-US" sz="2000" b="1" dirty="0"/>
-              <a:t>attentional resources </a:t>
-            </a:r>
-            <a:r>
-              <a:rPr lang="en-US" sz="2000" dirty="0"/>
-              <a:t>(early P1/N1, P2)</a:t>
-            </a:r>
-          </a:p>
-          <a:p>
-            <a:pPr lvl="1">
-              <a:lnSpc>
-                <a:spcPct val="150000"/>
-              </a:lnSpc>
-            </a:pPr>
-            <a:r>
-              <a:rPr lang="en-US" sz="2000" dirty="0"/>
-              <a:t>influence </a:t>
-            </a:r>
-            <a:r>
-              <a:rPr lang="en-US" sz="2000" b="1" dirty="0"/>
-              <a:t>semantic integration </a:t>
-            </a:r>
-            <a:r>
-              <a:rPr lang="en-US" sz="2000" dirty="0"/>
-              <a:t>(N400) &amp; differs by its </a:t>
-            </a:r>
-            <a:r>
-              <a:rPr lang="en-US" sz="2000" b="1" dirty="0"/>
-              <a:t>valence </a:t>
-            </a:r>
-            <a:r>
-              <a:rPr lang="en-US" sz="2000" dirty="0"/>
-              <a:t>(positive, negative)</a:t>
-            </a:r>
-          </a:p>
-          <a:p>
-            <a:pPr lvl="1">
-              <a:lnSpc>
-                <a:spcPct val="150000"/>
-              </a:lnSpc>
-            </a:pPr>
-            <a:r>
-              <a:rPr lang="en-US" sz="2000" dirty="0"/>
-              <a:t>affect </a:t>
-            </a:r>
-            <a:r>
-              <a:rPr lang="en-US" sz="2000" b="1" dirty="0"/>
-              <a:t>reanalysis</a:t>
-            </a:r>
-            <a:r>
-              <a:rPr lang="en-US" sz="2000" dirty="0"/>
-              <a:t> (P600)</a:t>
-            </a:r>
-          </a:p>
-          <a:p>
-            <a:pPr>
-              <a:lnSpc>
-                <a:spcPct val="150000"/>
-              </a:lnSpc>
-            </a:pPr>
-            <a:r>
-              <a:rPr lang="en-US" sz="2400" b="1" dirty="0"/>
-              <a:t>Research question:</a:t>
-            </a:r>
-            <a:r>
-              <a:rPr lang="en-US" sz="2400" dirty="0"/>
-              <a:t> How do </a:t>
-            </a:r>
-            <a:r>
-              <a:rPr lang="en-US" sz="2400" b="1" dirty="0"/>
-              <a:t>emotional verbs </a:t>
-            </a:r>
-            <a:r>
-              <a:rPr lang="en-US" sz="2400" dirty="0"/>
-              <a:t>influence the semantic integration of following </a:t>
-            </a:r>
-            <a:r>
-              <a:rPr lang="en-US" sz="2400" b="1" dirty="0"/>
-              <a:t>neutral nouns</a:t>
-            </a:r>
-            <a:r>
-              <a:rPr lang="en-US" sz="2400" dirty="0"/>
-              <a:t>?</a:t>
-            </a:r>
-          </a:p>
-          <a:p>
-            <a:pPr>
-              <a:lnSpc>
-                <a:spcPct val="150000"/>
-              </a:lnSpc>
-            </a:pPr>
-            <a:endParaRPr lang="en-KR" sz="2400" dirty="0"/>
+            <a:r>
+              <a:rPr lang="en-KR" dirty="0"/>
+              <a:t>Fleck. (2024)</a:t>
+            </a:r>
           </a:p>
         </p:txBody>
       </p:sp>
@@ -6273,6 +10460,356 @@
 </file>
 
 <file path=ppt/slides/slide5.xml><?xml version="1.0" encoding="utf-8"?>
+<p:sld xmlns:a="http://schemas.openxmlformats.org/drawingml/2006/main" xmlns:r="http://schemas.openxmlformats.org/officeDocument/2006/relationships" xmlns:p="http://schemas.openxmlformats.org/presentationml/2006/main">
+  <p:cSld>
+    <p:spTree>
+      <p:nvGrpSpPr>
+        <p:cNvPr id="1" name="">
+          <a:extLst>
+            <a:ext uri="{FF2B5EF4-FFF2-40B4-BE49-F238E27FC236}">
+              <a16:creationId xmlns:a16="http://schemas.microsoft.com/office/drawing/2014/main" id="{C11C2D78-E5DF-5B02-F237-018DA9A92053}"/>
+            </a:ext>
+          </a:extLst>
+        </p:cNvPr>
+        <p:cNvGrpSpPr/>
+        <p:nvPr/>
+      </p:nvGrpSpPr>
+      <p:grpSpPr>
+        <a:xfrm>
+          <a:off x="0" y="0"/>
+          <a:ext cx="0" cy="0"/>
+          <a:chOff x="0" y="0"/>
+          <a:chExt cx="0" cy="0"/>
+        </a:xfrm>
+      </p:grpSpPr>
+      <p:sp>
+        <p:nvSpPr>
+          <p:cNvPr id="2" name="Title 1">
+            <a:extLst>
+              <a:ext uri="{FF2B5EF4-FFF2-40B4-BE49-F238E27FC236}">
+                <a16:creationId xmlns:a16="http://schemas.microsoft.com/office/drawing/2014/main" id="{03BDDF5D-E043-3D13-7FD1-0277A138FEE1}"/>
+              </a:ext>
+            </a:extLst>
+          </p:cNvPr>
+          <p:cNvSpPr>
+            <a:spLocks noGrp="1"/>
+          </p:cNvSpPr>
+          <p:nvPr>
+            <p:ph type="title"/>
+          </p:nvPr>
+        </p:nvSpPr>
+        <p:spPr/>
+        <p:txBody>
+          <a:bodyPr/>
+          <a:lstStyle/>
+          <a:p>
+            <a:r>
+              <a:rPr lang="en-KR" dirty="0"/>
+              <a:t>Background: Hate Speech</a:t>
+            </a:r>
+          </a:p>
+        </p:txBody>
+      </p:sp>
+      <p:pic>
+        <p:nvPicPr>
+          <p:cNvPr id="7" name="Picture 6" descr="A yellow face with black text&#10;&#10;AI-generated content may be incorrect.">
+            <a:extLst>
+              <a:ext uri="{FF2B5EF4-FFF2-40B4-BE49-F238E27FC236}">
+                <a16:creationId xmlns:a16="http://schemas.microsoft.com/office/drawing/2014/main" id="{93A6DE20-B859-48FD-A660-71E3004F4078}"/>
+              </a:ext>
+            </a:extLst>
+          </p:cNvPr>
+          <p:cNvPicPr>
+            <a:picLocks noChangeAspect="1"/>
+          </p:cNvPicPr>
+          <p:nvPr/>
+        </p:nvPicPr>
+        <p:blipFill>
+          <a:blip r:embed="rId2"/>
+          <a:srcRect l="18868" t="19033" r="19033" b="26304"/>
+          <a:stretch>
+            <a:fillRect/>
+          </a:stretch>
+        </p:blipFill>
+        <p:spPr>
+          <a:xfrm>
+            <a:off x="838200" y="2586036"/>
+            <a:ext cx="2465061" cy="2336800"/>
+          </a:xfrm>
+          <a:prstGeom prst="rect">
+            <a:avLst/>
+          </a:prstGeom>
+        </p:spPr>
+      </p:pic>
+      <p:pic>
+        <p:nvPicPr>
+          <p:cNvPr id="9" name="Picture 8" descr="A cellphone with a pink and blue bubble&#10;&#10;AI-generated content may be incorrect.">
+            <a:extLst>
+              <a:ext uri="{FF2B5EF4-FFF2-40B4-BE49-F238E27FC236}">
+                <a16:creationId xmlns:a16="http://schemas.microsoft.com/office/drawing/2014/main" id="{34AF5CDD-BBCE-B48D-1C28-0A3C8F76FD89}"/>
+              </a:ext>
+            </a:extLst>
+          </p:cNvPr>
+          <p:cNvPicPr>
+            <a:picLocks noChangeAspect="1"/>
+          </p:cNvPicPr>
+          <p:nvPr/>
+        </p:nvPicPr>
+        <p:blipFill>
+          <a:blip r:embed="rId3"/>
+          <a:stretch>
+            <a:fillRect/>
+          </a:stretch>
+        </p:blipFill>
+        <p:spPr>
+          <a:xfrm>
+            <a:off x="8558539" y="2113754"/>
+            <a:ext cx="3281363" cy="3281363"/>
+          </a:xfrm>
+          <a:prstGeom prst="rect">
+            <a:avLst/>
+          </a:prstGeom>
+        </p:spPr>
+      </p:pic>
+      <p:pic>
+        <p:nvPicPr>
+          <p:cNvPr id="11" name="Picture 10" descr="A cartoon of hands holding megaphones&#10;&#10;AI-generated content may be incorrect.">
+            <a:extLst>
+              <a:ext uri="{FF2B5EF4-FFF2-40B4-BE49-F238E27FC236}">
+                <a16:creationId xmlns:a16="http://schemas.microsoft.com/office/drawing/2014/main" id="{7643EA75-1F11-F25F-30A8-22828A763DFA}"/>
+              </a:ext>
+            </a:extLst>
+          </p:cNvPr>
+          <p:cNvPicPr>
+            <a:picLocks noChangeAspect="1"/>
+          </p:cNvPicPr>
+          <p:nvPr/>
+        </p:nvPicPr>
+        <p:blipFill>
+          <a:blip r:embed="rId4"/>
+          <a:stretch>
+            <a:fillRect/>
+          </a:stretch>
+        </p:blipFill>
+        <p:spPr>
+          <a:xfrm>
+            <a:off x="4375150" y="2198685"/>
+            <a:ext cx="3111500" cy="3111500"/>
+          </a:xfrm>
+          <a:prstGeom prst="rect">
+            <a:avLst/>
+          </a:prstGeom>
+        </p:spPr>
+      </p:pic>
+    </p:spTree>
+    <p:extLst>
+      <p:ext uri="{BB962C8B-B14F-4D97-AF65-F5344CB8AC3E}">
+        <p14:creationId xmlns:p14="http://schemas.microsoft.com/office/powerpoint/2010/main" val="3617064498"/>
+      </p:ext>
+    </p:extLst>
+  </p:cSld>
+  <p:clrMapOvr>
+    <a:masterClrMapping/>
+  </p:clrMapOvr>
+</p:sld>
+</file>
+
+<file path=ppt/slides/slide6.xml><?xml version="1.0" encoding="utf-8"?>
+<p:sld xmlns:a="http://schemas.openxmlformats.org/drawingml/2006/main" xmlns:r="http://schemas.openxmlformats.org/officeDocument/2006/relationships" xmlns:p="http://schemas.openxmlformats.org/presentationml/2006/main">
+  <p:cSld>
+    <p:spTree>
+      <p:nvGrpSpPr>
+        <p:cNvPr id="1" name="">
+          <a:extLst>
+            <a:ext uri="{FF2B5EF4-FFF2-40B4-BE49-F238E27FC236}">
+              <a16:creationId xmlns:a16="http://schemas.microsoft.com/office/drawing/2014/main" id="{906F978F-1089-9ABD-26C5-4E7E01AB370C}"/>
+            </a:ext>
+          </a:extLst>
+        </p:cNvPr>
+        <p:cNvGrpSpPr/>
+        <p:nvPr/>
+      </p:nvGrpSpPr>
+      <p:grpSpPr>
+        <a:xfrm>
+          <a:off x="0" y="0"/>
+          <a:ext cx="0" cy="0"/>
+          <a:chOff x="0" y="0"/>
+          <a:chExt cx="0" cy="0"/>
+        </a:xfrm>
+      </p:grpSpPr>
+      <p:sp>
+        <p:nvSpPr>
+          <p:cNvPr id="2" name="Title 1">
+            <a:extLst>
+              <a:ext uri="{FF2B5EF4-FFF2-40B4-BE49-F238E27FC236}">
+                <a16:creationId xmlns:a16="http://schemas.microsoft.com/office/drawing/2014/main" id="{A76BF1AE-9270-5D06-60D5-1FCC306125AE}"/>
+              </a:ext>
+            </a:extLst>
+          </p:cNvPr>
+          <p:cNvSpPr>
+            <a:spLocks noGrp="1"/>
+          </p:cNvSpPr>
+          <p:nvPr>
+            <p:ph type="title"/>
+          </p:nvPr>
+        </p:nvSpPr>
+        <p:spPr/>
+        <p:txBody>
+          <a:bodyPr/>
+          <a:lstStyle/>
+          <a:p>
+            <a:r>
+              <a:rPr lang="en-KR" dirty="0"/>
+              <a:t>Background: Research Gap</a:t>
+            </a:r>
+          </a:p>
+        </p:txBody>
+      </p:sp>
+      <p:sp>
+        <p:nvSpPr>
+          <p:cNvPr id="6" name="Content Placeholder 2">
+            <a:extLst>
+              <a:ext uri="{FF2B5EF4-FFF2-40B4-BE49-F238E27FC236}">
+                <a16:creationId xmlns:a16="http://schemas.microsoft.com/office/drawing/2014/main" id="{DAF060C3-EB13-030A-734B-9865B0054DF6}"/>
+              </a:ext>
+            </a:extLst>
+          </p:cNvPr>
+          <p:cNvSpPr>
+            <a:spLocks noGrp="1"/>
+          </p:cNvSpPr>
+          <p:nvPr>
+            <p:ph idx="1"/>
+          </p:nvPr>
+        </p:nvSpPr>
+        <p:spPr>
+          <a:xfrm>
+            <a:off x="838200" y="1825625"/>
+            <a:ext cx="10515600" cy="4667250"/>
+          </a:xfrm>
+        </p:spPr>
+        <p:txBody>
+          <a:bodyPr>
+            <a:normAutofit/>
+          </a:bodyPr>
+          <a:lstStyle/>
+          <a:p>
+            <a:pPr marL="514350" indent="-514350">
+              <a:lnSpc>
+                <a:spcPct val="150000"/>
+              </a:lnSpc>
+              <a:buAutoNum type="arabicPeriod"/>
+            </a:pPr>
+            <a:r>
+              <a:rPr lang="en-US" sz="2400" dirty="0"/>
+              <a:t>Hate speech is </a:t>
+            </a:r>
+            <a:r>
+              <a:rPr lang="en-US" sz="2400" b="1" dirty="0"/>
+              <a:t>limitedly covered </a:t>
+            </a:r>
+            <a:r>
+              <a:rPr lang="en-US" sz="2400" dirty="0"/>
+              <a:t>in previous literature</a:t>
+            </a:r>
+          </a:p>
+          <a:p>
+            <a:pPr lvl="1">
+              <a:lnSpc>
+                <a:spcPct val="150000"/>
+              </a:lnSpc>
+              <a:buFontTx/>
+              <a:buChar char="-"/>
+            </a:pPr>
+            <a:r>
+              <a:rPr lang="en-US" sz="2000" dirty="0"/>
+              <a:t>Soral(2017): Exposure to hate speech enhances prejudice by desensitization</a:t>
+            </a:r>
+          </a:p>
+          <a:p>
+            <a:pPr marL="514350" indent="-514350">
+              <a:lnSpc>
+                <a:spcPct val="150000"/>
+              </a:lnSpc>
+              <a:buAutoNum type="arabicPeriod"/>
+            </a:pPr>
+            <a:r>
+              <a:rPr lang="en-US" sz="2400" dirty="0"/>
+              <a:t>It’s </a:t>
+            </a:r>
+            <a:r>
+              <a:rPr lang="en-US" sz="2400" b="1" dirty="0"/>
+              <a:t>impact on processing and memorization </a:t>
+            </a:r>
+            <a:r>
+              <a:rPr lang="en-US" sz="2400" dirty="0"/>
+              <a:t>is not fully investigated</a:t>
+            </a:r>
+          </a:p>
+          <a:p>
+            <a:pPr lvl="1">
+              <a:lnSpc>
+                <a:spcPct val="150000"/>
+              </a:lnSpc>
+              <a:buFontTx/>
+              <a:buChar char="-"/>
+            </a:pPr>
+            <a:r>
+              <a:rPr lang="en-US" sz="2000" dirty="0"/>
+              <a:t>Kensinger(2006): Emotional words enhance main memory, impair others.</a:t>
+            </a:r>
+          </a:p>
+          <a:p>
+            <a:pPr marL="514350" indent="-514350">
+              <a:lnSpc>
+                <a:spcPct val="150000"/>
+              </a:lnSpc>
+              <a:buAutoNum type="arabicPeriod"/>
+            </a:pPr>
+            <a:r>
+              <a:rPr lang="en-US" sz="2400" dirty="0"/>
+              <a:t>The relationship between its exposure and </a:t>
+            </a:r>
+            <a:r>
+              <a:rPr lang="en-US" sz="2400" b="1" dirty="0"/>
+              <a:t>reproduction </a:t>
+            </a:r>
+            <a:r>
+              <a:rPr lang="en-US" sz="2400" dirty="0"/>
+              <a:t>is not suggested</a:t>
+            </a:r>
+          </a:p>
+          <a:p>
+            <a:pPr marL="514350" indent="-514350">
+              <a:lnSpc>
+                <a:spcPct val="150000"/>
+              </a:lnSpc>
+              <a:buAutoNum type="arabicPeriod"/>
+            </a:pPr>
+            <a:r>
+              <a:rPr lang="en-US" sz="2400" b="1" dirty="0"/>
+              <a:t>Neurological evidences </a:t>
+            </a:r>
+            <a:r>
+              <a:rPr lang="en-US" sz="2400" dirty="0"/>
+              <a:t>for above effects are not fully provided.</a:t>
+            </a:r>
+          </a:p>
+        </p:txBody>
+      </p:sp>
+    </p:spTree>
+    <p:extLst>
+      <p:ext uri="{BB962C8B-B14F-4D97-AF65-F5344CB8AC3E}">
+        <p14:creationId xmlns:p14="http://schemas.microsoft.com/office/powerpoint/2010/main" val="759946734"/>
+      </p:ext>
+    </p:extLst>
+  </p:cSld>
+  <p:clrMapOvr>
+    <a:masterClrMapping/>
+  </p:clrMapOvr>
+</p:sld>
+</file>
+
+<file path=ppt/slides/slide7.xml><?xml version="1.0" encoding="utf-8"?>
 <p:sld xmlns:a="http://schemas.openxmlformats.org/drawingml/2006/main" xmlns:r="http://schemas.openxmlformats.org/officeDocument/2006/relationships" xmlns:p="http://schemas.openxmlformats.org/presentationml/2006/main">
   <p:cSld>
     <p:spTree>
@@ -6352,12 +10889,8 @@
               </a:lnSpc>
             </a:pPr>
             <a:r>
-              <a:rPr lang="en-US" sz="2400" b="1" dirty="0"/>
-              <a:t>Research question:</a:t>
-            </a:r>
-            <a:r>
-              <a:rPr lang="en-US" sz="2400" dirty="0"/>
-              <a:t> How do emotional verbs influence the semantic integration of following neutral nouns?</a:t>
+              <a:rPr lang="en-US" dirty="0"/>
+              <a:t>How does hate speech influence processing &amp; reproduction?</a:t>
             </a:r>
           </a:p>
           <a:p>
@@ -6367,43 +10900,27 @@
               </a:lnSpc>
             </a:pPr>
             <a:r>
-              <a:rPr lang="en-US" sz="2000" dirty="0"/>
-              <a:t>Inconsistent views on effects of </a:t>
-            </a:r>
-            <a:r>
-              <a:rPr lang="en-US" sz="2000" b="1" dirty="0"/>
-              <a:t>emotional context </a:t>
-            </a:r>
-            <a:r>
-              <a:rPr lang="en-US" sz="2000" dirty="0"/>
-              <a:t>or</a:t>
-            </a:r>
-            <a:r>
-              <a:rPr lang="en-US" sz="2000" b="1" dirty="0"/>
-              <a:t> words </a:t>
-            </a:r>
-            <a:r>
-              <a:rPr lang="en-US" sz="2000" dirty="0"/>
-              <a:t>on analysis of </a:t>
-            </a:r>
-            <a:r>
-              <a:rPr lang="en-US" sz="2000" b="1" dirty="0"/>
-              <a:t>neutral information</a:t>
-            </a:r>
-            <a:r>
-              <a:rPr lang="en-US" sz="2000" dirty="0"/>
-              <a:t>.</a:t>
-            </a:r>
-          </a:p>
-          <a:p>
-            <a:pPr>
+              <a:rPr lang="en-US" dirty="0"/>
+              <a:t>RQ1: Does hate speech captures attention resources?</a:t>
+            </a:r>
+          </a:p>
+          <a:p>
+            <a:pPr lvl="1">
               <a:lnSpc>
                 <a:spcPct val="150000"/>
               </a:lnSpc>
             </a:pPr>
             <a:r>
-              <a:rPr lang="en-US" sz="2400" dirty="0"/>
-              <a:t>Related to two main theories on their effects</a:t>
+              <a:rPr lang="en-US" dirty="0"/>
+              <a:t>RQ</a:t>
+            </a:r>
+            <a:r>
+              <a:rPr lang="en-US" altLang="ko-KR" dirty="0"/>
+              <a:t>2</a:t>
+            </a:r>
+            <a:r>
+              <a:rPr lang="en-US" dirty="0"/>
+              <a:t>: Does hate speech impair semantic processing?</a:t>
             </a:r>
           </a:p>
           <a:p>
@@ -6413,21 +10930,22 @@
               </a:lnSpc>
             </a:pPr>
             <a:r>
-              <a:rPr lang="en-KR" sz="2000" dirty="0"/>
-              <a:t>Priority-binding theory: </a:t>
-            </a:r>
-            <a:r>
-              <a:rPr lang="en-KR" sz="2000" dirty="0">
-                <a:solidFill>
-                  <a:srgbClr val="0070C0"/>
-                </a:solidFill>
-              </a:rPr>
-              <a:t>enhancement</a:t>
-            </a:r>
-            <a:r>
-              <a:rPr lang="en-KR" sz="2000" dirty="0"/>
-              <a:t> effect</a:t>
-            </a:r>
+              <a:rPr lang="en-KR" dirty="0"/>
+              <a:t>RQ</a:t>
+            </a:r>
+            <a:r>
+              <a:rPr lang="en-US" altLang="ko-KR" dirty="0"/>
+              <a:t>3</a:t>
+            </a:r>
+            <a:r>
+              <a:rPr lang="en-KR" dirty="0"/>
+              <a:t>: </a:t>
+            </a:r>
+            <a:r>
+              <a:rPr lang="en-US" dirty="0"/>
+              <a:t>Does hate speech impair retention of relevant memory?</a:t>
+            </a:r>
+            <a:endParaRPr lang="en-KR" dirty="0"/>
           </a:p>
           <a:p>
             <a:pPr lvl="1">
@@ -6436,21 +10954,22 @@
               </a:lnSpc>
             </a:pPr>
             <a:r>
-              <a:rPr lang="en-KR" sz="2000" dirty="0"/>
-              <a:t>Attention narrowing theory: </a:t>
-            </a:r>
-            <a:r>
-              <a:rPr lang="en-KR" sz="2000" dirty="0">
-                <a:solidFill>
-                  <a:srgbClr val="C00000"/>
-                </a:solidFill>
-              </a:rPr>
-              <a:t>impairment</a:t>
-            </a:r>
-            <a:r>
-              <a:rPr lang="en-KR" sz="2000" dirty="0"/>
-              <a:t> effect</a:t>
-            </a:r>
+              <a:rPr lang="en-KR" dirty="0"/>
+              <a:t>RQ</a:t>
+            </a:r>
+            <a:r>
+              <a:rPr lang="en-US" altLang="ko-KR" dirty="0"/>
+              <a:t>4</a:t>
+            </a:r>
+            <a:r>
+              <a:rPr lang="en-KR" dirty="0"/>
+              <a:t>: </a:t>
+            </a:r>
+            <a:r>
+              <a:rPr lang="en-US" dirty="0"/>
+              <a:t>Does hate speech bias content reproduction?</a:t>
+            </a:r>
+            <a:endParaRPr lang="en-KR" dirty="0"/>
           </a:p>
           <a:p>
             <a:pPr lvl="1">
@@ -6458,7 +10977,7 @@
                 <a:spcPct val="150000"/>
               </a:lnSpc>
             </a:pPr>
-            <a:endParaRPr lang="en-KR" sz="2000" dirty="0"/>
+            <a:endParaRPr lang="en-KR" dirty="0"/>
           </a:p>
         </p:txBody>
       </p:sp>
@@ -6475,7 +10994,7 @@
 </p:sld>
 </file>
 
-<file path=ppt/slides/slide6.xml><?xml version="1.0" encoding="utf-8"?>
+<file path=ppt/slides/slide8.xml><?xml version="1.0" encoding="utf-8"?>
 <p:sld xmlns:a="http://schemas.openxmlformats.org/drawingml/2006/main" xmlns:r="http://schemas.openxmlformats.org/officeDocument/2006/relationships" xmlns:p="http://schemas.openxmlformats.org/presentationml/2006/main">
   <p:cSld>
     <p:spTree>
@@ -6483,7 +11002,7 @@
         <p:cNvPr id="1" name="">
           <a:extLst>
             <a:ext uri="{FF2B5EF4-FFF2-40B4-BE49-F238E27FC236}">
-              <a16:creationId xmlns:a16="http://schemas.microsoft.com/office/drawing/2014/main" id="{B3F5A154-D9A0-B9DC-4ED6-B58EAF39C5C5}"/>
+              <a16:creationId xmlns:a16="http://schemas.microsoft.com/office/drawing/2014/main" id="{738A3828-CD91-6D7F-E279-AC0B1D8FE61F}"/>
             </a:ext>
           </a:extLst>
         </p:cNvPr>
@@ -6503,881 +11022,41 @@
           <p:cNvPr id="2" name="Title 1">
             <a:extLst>
               <a:ext uri="{FF2B5EF4-FFF2-40B4-BE49-F238E27FC236}">
-                <a16:creationId xmlns:a16="http://schemas.microsoft.com/office/drawing/2014/main" id="{05A048A5-BA56-C64B-71BE-0278D47EF01A}"/>
-              </a:ext>
-            </a:extLst>
-          </p:cNvPr>
-          <p:cNvSpPr>
-            <a:spLocks noGrp="1"/>
-          </p:cNvSpPr>
-          <p:nvPr>
-            <p:ph type="title"/>
-          </p:nvPr>
-        </p:nvSpPr>
-        <p:spPr/>
-        <p:txBody>
-          <a:bodyPr/>
-          <a:lstStyle/>
-          <a:p>
-            <a:r>
-              <a:rPr lang="en-US" dirty="0"/>
-              <a:t>Predictions (I)</a:t>
-            </a:r>
-            <a:endParaRPr lang="en-KR" dirty="0"/>
-          </a:p>
-        </p:txBody>
-      </p:sp>
-      <p:sp>
-        <p:nvSpPr>
-          <p:cNvPr id="3" name="Content Placeholder 2">
-            <a:extLst>
-              <a:ext uri="{FF2B5EF4-FFF2-40B4-BE49-F238E27FC236}">
-                <a16:creationId xmlns:a16="http://schemas.microsoft.com/office/drawing/2014/main" id="{98403CFF-46F9-8967-B0D6-A5D91CD7EE01}"/>
-              </a:ext>
-            </a:extLst>
-          </p:cNvPr>
-          <p:cNvSpPr>
-            <a:spLocks noGrp="1"/>
-          </p:cNvSpPr>
-          <p:nvPr>
-            <p:ph idx="1"/>
+                <a16:creationId xmlns:a16="http://schemas.microsoft.com/office/drawing/2014/main" id="{26CD0F31-F837-3532-A004-B50D340AD3A8}"/>
+              </a:ext>
+            </a:extLst>
+          </p:cNvPr>
+          <p:cNvSpPr>
+            <a:spLocks noGrp="1"/>
+          </p:cNvSpPr>
+          <p:nvPr>
+            <p:ph type="ctrTitle"/>
           </p:nvPr>
         </p:nvSpPr>
         <p:spPr>
           <a:xfrm>
-            <a:off x="838200" y="1825624"/>
-            <a:ext cx="10515600" cy="4667251"/>
+            <a:off x="1524000" y="3045618"/>
+            <a:ext cx="9144000" cy="766763"/>
           </a:xfrm>
         </p:spPr>
         <p:txBody>
           <a:bodyPr>
-            <a:normAutofit/>
+            <a:noAutofit/>
           </a:bodyPr>
           <a:lstStyle/>
           <a:p>
-            <a:pPr>
-              <a:lnSpc>
-                <a:spcPct val="150000"/>
-              </a:lnSpc>
-            </a:pPr>
-            <a:r>
-              <a:rPr lang="en-US" sz="2400" b="1" dirty="0"/>
-              <a:t>Variables: </a:t>
-            </a:r>
-            <a:r>
-              <a:rPr lang="en-US" sz="2400" dirty="0"/>
-              <a:t>Noun’s congruity, Verb’s Emotionality, Semantic integration</a:t>
-            </a:r>
-          </a:p>
-          <a:p>
-            <a:pPr>
-              <a:lnSpc>
-                <a:spcPct val="150000"/>
-              </a:lnSpc>
-            </a:pPr>
-            <a:r>
-              <a:rPr lang="en-US" sz="2400" b="1" dirty="0"/>
-              <a:t>Predictions:</a:t>
-            </a:r>
-          </a:p>
-          <a:p>
-            <a:pPr lvl="1">
-              <a:lnSpc>
-                <a:spcPct val="150000"/>
-              </a:lnSpc>
-            </a:pPr>
-            <a:r>
-              <a:rPr lang="en-US" sz="2000" b="1" dirty="0"/>
-              <a:t>Neutral context(verbs):</a:t>
-            </a:r>
-            <a:r>
-              <a:rPr lang="en-US" sz="2000" dirty="0"/>
-              <a:t> Incongruent nouns expected to elicit N400 (integration difficulty) and P600 (reanalysis).</a:t>
-            </a:r>
-          </a:p>
-          <a:p>
-            <a:pPr lvl="1">
-              <a:lnSpc>
-                <a:spcPct val="150000"/>
-              </a:lnSpc>
-            </a:pPr>
-            <a:r>
-              <a:rPr lang="en-US" sz="2000" b="1" dirty="0"/>
-              <a:t>Negative context(verbs):</a:t>
-            </a:r>
-            <a:endParaRPr lang="en-US" sz="2000" dirty="0"/>
-          </a:p>
-          <a:p>
-            <a:pPr lvl="2">
-              <a:lnSpc>
-                <a:spcPct val="150000"/>
-              </a:lnSpc>
-            </a:pPr>
-            <a:r>
-              <a:rPr lang="en-US" sz="1600" b="1" dirty="0"/>
-              <a:t>Attention-narrowing hypothesis:</a:t>
-            </a:r>
-            <a:r>
-              <a:rPr lang="en-US" sz="1600" dirty="0"/>
-              <a:t> Negative verbs capture attention, leaving fewer resources for nouns → reduced N400, diminished P600.</a:t>
-            </a:r>
-          </a:p>
-          <a:p>
-            <a:pPr lvl="2">
-              <a:lnSpc>
-                <a:spcPct val="150000"/>
-              </a:lnSpc>
-            </a:pPr>
-            <a:r>
-              <a:rPr lang="en-US" sz="1600" b="1" dirty="0"/>
-              <a:t>Priority-binding hypothesis:</a:t>
-            </a:r>
-            <a:r>
-              <a:rPr lang="en-US" sz="1600" dirty="0"/>
-              <a:t> Emotional verbs enhance processing of following words → amplified N400/P600.</a:t>
-            </a:r>
+            <a:r>
+              <a:rPr lang="en-US" sz="5400" dirty="0"/>
+              <a:t>Experimental Design</a:t>
+            </a:r>
+            <a:endParaRPr lang="en-KR" sz="5400" dirty="0"/>
           </a:p>
         </p:txBody>
       </p:sp>
     </p:spTree>
     <p:extLst>
       <p:ext uri="{BB962C8B-B14F-4D97-AF65-F5344CB8AC3E}">
-        <p14:creationId xmlns:p14="http://schemas.microsoft.com/office/powerpoint/2010/main" val="1097891359"/>
-      </p:ext>
-    </p:extLst>
-  </p:cSld>
-  <p:clrMapOvr>
-    <a:masterClrMapping/>
-  </p:clrMapOvr>
-</p:sld>
-</file>
-
-<file path=ppt/slides/slide7.xml><?xml version="1.0" encoding="utf-8"?>
-<p:sld xmlns:a="http://schemas.openxmlformats.org/drawingml/2006/main" xmlns:r="http://schemas.openxmlformats.org/officeDocument/2006/relationships" xmlns:p="http://schemas.openxmlformats.org/presentationml/2006/main">
-  <p:cSld>
-    <p:spTree>
-      <p:nvGrpSpPr>
-        <p:cNvPr id="1" name=""/>
-        <p:cNvGrpSpPr/>
-        <p:nvPr/>
-      </p:nvGrpSpPr>
-      <p:grpSpPr>
-        <a:xfrm>
-          <a:off x="0" y="0"/>
-          <a:ext cx="0" cy="0"/>
-          <a:chOff x="0" y="0"/>
-          <a:chExt cx="0" cy="0"/>
-        </a:xfrm>
-      </p:grpSpPr>
-      <p:sp>
-        <p:nvSpPr>
-          <p:cNvPr id="2" name="Title 1">
-            <a:extLst>
-              <a:ext uri="{FF2B5EF4-FFF2-40B4-BE49-F238E27FC236}">
-                <a16:creationId xmlns:a16="http://schemas.microsoft.com/office/drawing/2014/main" id="{326B3016-14E1-3609-C367-18690D47CDE6}"/>
-              </a:ext>
-            </a:extLst>
-          </p:cNvPr>
-          <p:cNvSpPr>
-            <a:spLocks noGrp="1"/>
-          </p:cNvSpPr>
-          <p:nvPr>
-            <p:ph type="title"/>
-          </p:nvPr>
-        </p:nvSpPr>
-        <p:spPr/>
-        <p:txBody>
-          <a:bodyPr/>
-          <a:lstStyle/>
-          <a:p>
-            <a:r>
-              <a:rPr lang="en-US" dirty="0"/>
-              <a:t>Method (I)</a:t>
-            </a:r>
-            <a:endParaRPr lang="en-KR" dirty="0"/>
-          </a:p>
-        </p:txBody>
-      </p:sp>
-      <p:sp>
-        <p:nvSpPr>
-          <p:cNvPr id="3" name="Content Placeholder 2">
-            <a:extLst>
-              <a:ext uri="{FF2B5EF4-FFF2-40B4-BE49-F238E27FC236}">
-                <a16:creationId xmlns:a16="http://schemas.microsoft.com/office/drawing/2014/main" id="{B304B712-DF7B-BCD0-0C4C-F33B44F31548}"/>
-              </a:ext>
-            </a:extLst>
-          </p:cNvPr>
-          <p:cNvSpPr>
-            <a:spLocks noGrp="1"/>
-          </p:cNvSpPr>
-          <p:nvPr>
-            <p:ph idx="1"/>
-          </p:nvPr>
-        </p:nvSpPr>
-        <p:spPr>
-          <a:xfrm>
-            <a:off x="838199" y="1825624"/>
-            <a:ext cx="11027735" cy="5032375"/>
-          </a:xfrm>
-        </p:spPr>
-        <p:txBody>
-          <a:bodyPr>
-            <a:normAutofit/>
-          </a:bodyPr>
-          <a:lstStyle/>
-          <a:p>
-            <a:pPr>
-              <a:lnSpc>
-                <a:spcPct val="150000"/>
-              </a:lnSpc>
-            </a:pPr>
-            <a:r>
-              <a:rPr lang="en-US" sz="2400" b="1" dirty="0"/>
-              <a:t>Participants:</a:t>
-            </a:r>
-            <a:r>
-              <a:rPr lang="en-US" sz="2400" dirty="0"/>
-              <a:t> 30 Chinese university students (final analysis: 26).</a:t>
-            </a:r>
-          </a:p>
-          <a:p>
-            <a:pPr>
-              <a:lnSpc>
-                <a:spcPct val="150000"/>
-              </a:lnSpc>
-            </a:pPr>
-            <a:r>
-              <a:rPr lang="en-US" sz="2400" b="1" dirty="0"/>
-              <a:t>Design:</a:t>
-            </a:r>
-            <a:r>
-              <a:rPr lang="en-US" sz="2400" dirty="0"/>
-              <a:t> 2 × 2 factorial design </a:t>
-            </a:r>
-          </a:p>
-          <a:p>
-            <a:pPr lvl="1">
-              <a:lnSpc>
-                <a:spcPct val="150000"/>
-              </a:lnSpc>
-            </a:pPr>
-            <a:r>
-              <a:rPr lang="en-US" sz="2000" dirty="0"/>
-              <a:t>Verb: Negative vs. Neutral </a:t>
-            </a:r>
-          </a:p>
-          <a:p>
-            <a:pPr lvl="1">
-              <a:lnSpc>
-                <a:spcPct val="150000"/>
-              </a:lnSpc>
-            </a:pPr>
-            <a:r>
-              <a:rPr lang="en-US" sz="2000" dirty="0"/>
-              <a:t>Noun: Congruent vs. Incongruent</a:t>
-            </a:r>
-          </a:p>
-          <a:p>
-            <a:pPr>
-              <a:lnSpc>
-                <a:spcPct val="150000"/>
-              </a:lnSpc>
-            </a:pPr>
-            <a:r>
-              <a:rPr lang="en-US" sz="2400" b="1" dirty="0"/>
-              <a:t>Stimuli:</a:t>
-            </a:r>
-            <a:r>
-              <a:rPr lang="en-US" sz="2400" dirty="0"/>
-              <a:t> Chinese sentences structured ‘context + critical verb + critical noun’.</a:t>
-            </a:r>
-          </a:p>
-        </p:txBody>
-      </p:sp>
-      <p:graphicFrame>
-        <p:nvGraphicFramePr>
-          <p:cNvPr id="4" name="Table 3">
-            <a:extLst>
-              <a:ext uri="{FF2B5EF4-FFF2-40B4-BE49-F238E27FC236}">
-                <a16:creationId xmlns:a16="http://schemas.microsoft.com/office/drawing/2014/main" id="{5188900C-E58C-ED34-4A70-979C9753F43D}"/>
-              </a:ext>
-            </a:extLst>
-          </p:cNvPr>
-          <p:cNvGraphicFramePr>
-            <a:graphicFrameLocks noGrp="1"/>
-          </p:cNvGraphicFramePr>
-          <p:nvPr>
-            <p:extLst>
-              <p:ext uri="{D42A27DB-BD31-4B8C-83A1-F6EECF244321}">
-                <p14:modId xmlns:p14="http://schemas.microsoft.com/office/powerpoint/2010/main" val="2212454322"/>
-              </p:ext>
-            </p:extLst>
-          </p:nvPr>
-        </p:nvGraphicFramePr>
-        <p:xfrm>
-          <a:off x="838200" y="5079015"/>
-          <a:ext cx="10515600" cy="1413860"/>
-        </p:xfrm>
-        <a:graphic>
-          <a:graphicData uri="http://schemas.openxmlformats.org/drawingml/2006/table">
-            <a:tbl>
-              <a:tblPr firstRow="1" bandRow="1">
-                <a:tableStyleId>{5C22544A-7EE6-4342-B048-85BDC9FD1C3A}</a:tableStyleId>
-              </a:tblPr>
-              <a:tblGrid>
-                <a:gridCol w="5257800">
-                  <a:extLst>
-                    <a:ext uri="{9D8B030D-6E8A-4147-A177-3AD203B41FA5}">
-                      <a16:colId xmlns:a16="http://schemas.microsoft.com/office/drawing/2014/main" val="1215717008"/>
-                    </a:ext>
-                  </a:extLst>
-                </a:gridCol>
-                <a:gridCol w="5257800">
-                  <a:extLst>
-                    <a:ext uri="{9D8B030D-6E8A-4147-A177-3AD203B41FA5}">
-                      <a16:colId xmlns:a16="http://schemas.microsoft.com/office/drawing/2014/main" val="2092315622"/>
-                    </a:ext>
-                  </a:extLst>
-                </a:gridCol>
-              </a:tblGrid>
-              <a:tr h="706930">
-                <a:tc>
-                  <a:txBody>
-                    <a:bodyPr/>
-                    <a:lstStyle/>
-                    <a:p>
-                      <a:pPr algn="ctr"/>
-                      <a:r>
-                        <a:rPr lang="en-US" sz="2000" b="0" dirty="0">
-                          <a:solidFill>
-                            <a:srgbClr val="C00000"/>
-                          </a:solidFill>
-                        </a:rPr>
-                        <a:t>Negative</a:t>
-                      </a:r>
-                      <a:r>
-                        <a:rPr lang="en-US" sz="2000" b="0" dirty="0">
-                          <a:solidFill>
-                            <a:schemeClr val="tx1"/>
-                          </a:solidFill>
-                        </a:rPr>
-                        <a:t>–congruent: steal steel</a:t>
-                      </a:r>
-                    </a:p>
-                  </a:txBody>
-                  <a:tcPr anchor="ctr">
-                    <a:lnL w="12700" cap="flat" cmpd="sng" algn="ctr">
-                      <a:noFill/>
-                      <a:prstDash val="solid"/>
-                      <a:round/>
-                      <a:headEnd type="none" w="med" len="med"/>
-                      <a:tailEnd type="none" w="med" len="med"/>
-                    </a:lnL>
-                    <a:lnR w="12700" cap="flat" cmpd="sng" algn="ctr">
-                      <a:solidFill>
-                        <a:schemeClr val="tx1"/>
-                      </a:solidFill>
-                      <a:prstDash val="solid"/>
-                      <a:round/>
-                      <a:headEnd type="none" w="med" len="med"/>
-                      <a:tailEnd type="none" w="med" len="med"/>
-                    </a:lnR>
-                    <a:lnT w="12700" cap="flat" cmpd="sng" algn="ctr">
-                      <a:noFill/>
-                      <a:prstDash val="solid"/>
-                      <a:round/>
-                      <a:headEnd type="none" w="med" len="med"/>
-                      <a:tailEnd type="none" w="med" len="med"/>
-                    </a:lnT>
-                    <a:lnB w="12700" cap="flat" cmpd="sng" algn="ctr">
-                      <a:solidFill>
-                        <a:schemeClr val="tx1"/>
-                      </a:solidFill>
-                      <a:prstDash val="solid"/>
-                      <a:round/>
-                      <a:headEnd type="none" w="med" len="med"/>
-                      <a:tailEnd type="none" w="med" len="med"/>
-                    </a:lnB>
-                    <a:solidFill>
-                      <a:schemeClr val="bg1">
-                        <a:lumMod val="95000"/>
-                      </a:schemeClr>
-                    </a:solidFill>
-                  </a:tcPr>
-                </a:tc>
-                <a:tc>
-                  <a:txBody>
-                    <a:bodyPr/>
-                    <a:lstStyle/>
-                    <a:p>
-                      <a:pPr algn="ctr"/>
-                      <a:r>
-                        <a:rPr lang="en-US" sz="2000" b="0" dirty="0">
-                          <a:solidFill>
-                            <a:srgbClr val="C00000"/>
-                          </a:solidFill>
-                        </a:rPr>
-                        <a:t>Negative</a:t>
-                      </a:r>
-                      <a:r>
-                        <a:rPr lang="en-US" sz="2000" b="0" dirty="0">
-                          <a:solidFill>
-                            <a:schemeClr val="tx1"/>
-                          </a:solidFill>
-                        </a:rPr>
-                        <a:t>–</a:t>
-                      </a:r>
-                      <a:r>
-                        <a:rPr lang="en-US" sz="2000" b="0" dirty="0">
-                          <a:solidFill>
-                            <a:srgbClr val="C00000"/>
-                          </a:solidFill>
-                        </a:rPr>
-                        <a:t>incongruent</a:t>
-                      </a:r>
-                      <a:r>
-                        <a:rPr lang="en-US" sz="2000" b="0" dirty="0">
-                          <a:solidFill>
-                            <a:schemeClr val="tx1"/>
-                          </a:solidFill>
-                        </a:rPr>
-                        <a:t>: steal tomatoes</a:t>
-                      </a:r>
-                    </a:p>
-                  </a:txBody>
-                  <a:tcPr anchor="ctr">
-                    <a:lnL w="12700" cap="flat" cmpd="sng" algn="ctr">
-                      <a:solidFill>
-                        <a:schemeClr val="tx1"/>
-                      </a:solidFill>
-                      <a:prstDash val="solid"/>
-                      <a:round/>
-                      <a:headEnd type="none" w="med" len="med"/>
-                      <a:tailEnd type="none" w="med" len="med"/>
-                    </a:lnL>
-                    <a:lnR w="12700" cap="flat" cmpd="sng" algn="ctr">
-                      <a:noFill/>
-                      <a:prstDash val="solid"/>
-                      <a:round/>
-                      <a:headEnd type="none" w="med" len="med"/>
-                      <a:tailEnd type="none" w="med" len="med"/>
-                    </a:lnR>
-                    <a:lnT w="12700" cap="flat" cmpd="sng" algn="ctr">
-                      <a:noFill/>
-                      <a:prstDash val="solid"/>
-                      <a:round/>
-                      <a:headEnd type="none" w="med" len="med"/>
-                      <a:tailEnd type="none" w="med" len="med"/>
-                    </a:lnT>
-                    <a:lnB w="12700" cap="flat" cmpd="sng" algn="ctr">
-                      <a:solidFill>
-                        <a:schemeClr val="tx1"/>
-                      </a:solidFill>
-                      <a:prstDash val="solid"/>
-                      <a:round/>
-                      <a:headEnd type="none" w="med" len="med"/>
-                      <a:tailEnd type="none" w="med" len="med"/>
-                    </a:lnB>
-                    <a:solidFill>
-                      <a:schemeClr val="bg1">
-                        <a:lumMod val="95000"/>
-                      </a:schemeClr>
-                    </a:solidFill>
-                  </a:tcPr>
-                </a:tc>
-                <a:extLst>
-                  <a:ext uri="{0D108BD9-81ED-4DB2-BD59-A6C34878D82A}">
-                    <a16:rowId xmlns:a16="http://schemas.microsoft.com/office/drawing/2014/main" val="2422079192"/>
-                  </a:ext>
-                </a:extLst>
-              </a:tr>
-              <a:tr h="706930">
-                <a:tc>
-                  <a:txBody>
-                    <a:bodyPr/>
-                    <a:lstStyle/>
-                    <a:p>
-                      <a:pPr marL="0" marR="0" lvl="0" indent="0" algn="ctr" defTabSz="914400" rtl="0" eaLnBrk="1" fontAlgn="auto" latinLnBrk="0" hangingPunct="1">
-                        <a:lnSpc>
-                          <a:spcPct val="100000"/>
-                        </a:lnSpc>
-                        <a:spcBef>
-                          <a:spcPts val="0"/>
-                        </a:spcBef>
-                        <a:spcAft>
-                          <a:spcPts val="0"/>
-                        </a:spcAft>
-                        <a:buClrTx/>
-                        <a:buSzTx/>
-                        <a:buFontTx/>
-                        <a:buNone/>
-                        <a:tabLst/>
-                        <a:defRPr/>
-                      </a:pPr>
-                      <a:r>
-                        <a:rPr lang="en-US" sz="2000" dirty="0"/>
-                        <a:t>Neutral–congruent: unload steel</a:t>
-                      </a:r>
-                    </a:p>
-                  </a:txBody>
-                  <a:tcPr anchor="ctr">
-                    <a:lnL w="12700" cap="flat" cmpd="sng" algn="ctr">
-                      <a:noFill/>
-                      <a:prstDash val="solid"/>
-                      <a:round/>
-                      <a:headEnd type="none" w="med" len="med"/>
-                      <a:tailEnd type="none" w="med" len="med"/>
-                    </a:lnL>
-                    <a:lnR w="12700" cap="flat" cmpd="sng" algn="ctr">
-                      <a:solidFill>
-                        <a:schemeClr val="tx1"/>
-                      </a:solidFill>
-                      <a:prstDash val="solid"/>
-                      <a:round/>
-                      <a:headEnd type="none" w="med" len="med"/>
-                      <a:tailEnd type="none" w="med" len="med"/>
-                    </a:lnR>
-                    <a:lnT w="12700" cap="flat" cmpd="sng" algn="ctr">
-                      <a:solidFill>
-                        <a:schemeClr val="tx1"/>
-                      </a:solidFill>
-                      <a:prstDash val="solid"/>
-                      <a:round/>
-                      <a:headEnd type="none" w="med" len="med"/>
-                      <a:tailEnd type="none" w="med" len="med"/>
-                    </a:lnT>
-                    <a:lnB w="12700" cap="flat" cmpd="sng" algn="ctr">
-                      <a:noFill/>
-                      <a:prstDash val="solid"/>
-                      <a:round/>
-                      <a:headEnd type="none" w="med" len="med"/>
-                      <a:tailEnd type="none" w="med" len="med"/>
-                    </a:lnB>
-                    <a:solidFill>
-                      <a:schemeClr val="bg1">
-                        <a:lumMod val="95000"/>
-                      </a:schemeClr>
-                    </a:solidFill>
-                  </a:tcPr>
-                </a:tc>
-                <a:tc>
-                  <a:txBody>
-                    <a:bodyPr/>
-                    <a:lstStyle/>
-                    <a:p>
-                      <a:pPr marL="0" marR="0" lvl="0" indent="0" algn="ctr" defTabSz="914400" rtl="0" eaLnBrk="1" fontAlgn="auto" latinLnBrk="0" hangingPunct="1">
-                        <a:lnSpc>
-                          <a:spcPct val="100000"/>
-                        </a:lnSpc>
-                        <a:spcBef>
-                          <a:spcPts val="0"/>
-                        </a:spcBef>
-                        <a:spcAft>
-                          <a:spcPts val="0"/>
-                        </a:spcAft>
-                        <a:buClrTx/>
-                        <a:buSzTx/>
-                        <a:buFontTx/>
-                        <a:buNone/>
-                        <a:tabLst/>
-                        <a:defRPr/>
-                      </a:pPr>
-                      <a:r>
-                        <a:rPr lang="en-US" sz="2000" dirty="0"/>
-                        <a:t>Neutral–</a:t>
-                      </a:r>
-                      <a:r>
-                        <a:rPr lang="en-US" sz="2000" dirty="0">
-                          <a:solidFill>
-                            <a:srgbClr val="C00000"/>
-                          </a:solidFill>
-                        </a:rPr>
-                        <a:t>incongruent</a:t>
-                      </a:r>
-                      <a:r>
-                        <a:rPr lang="en-US" sz="2000" dirty="0"/>
-                        <a:t>: unload tomatoes</a:t>
-                      </a:r>
-                    </a:p>
-                  </a:txBody>
-                  <a:tcPr anchor="ctr">
-                    <a:lnL w="12700" cap="flat" cmpd="sng" algn="ctr">
-                      <a:solidFill>
-                        <a:schemeClr val="tx1"/>
-                      </a:solidFill>
-                      <a:prstDash val="solid"/>
-                      <a:round/>
-                      <a:headEnd type="none" w="med" len="med"/>
-                      <a:tailEnd type="none" w="med" len="med"/>
-                    </a:lnL>
-                    <a:lnR w="12700" cap="flat" cmpd="sng" algn="ctr">
-                      <a:noFill/>
-                      <a:prstDash val="solid"/>
-                      <a:round/>
-                      <a:headEnd type="none" w="med" len="med"/>
-                      <a:tailEnd type="none" w="med" len="med"/>
-                    </a:lnR>
-                    <a:lnT w="12700" cap="flat" cmpd="sng" algn="ctr">
-                      <a:solidFill>
-                        <a:schemeClr val="tx1"/>
-                      </a:solidFill>
-                      <a:prstDash val="solid"/>
-                      <a:round/>
-                      <a:headEnd type="none" w="med" len="med"/>
-                      <a:tailEnd type="none" w="med" len="med"/>
-                    </a:lnT>
-                    <a:lnB w="12700" cap="flat" cmpd="sng" algn="ctr">
-                      <a:noFill/>
-                      <a:prstDash val="solid"/>
-                      <a:round/>
-                      <a:headEnd type="none" w="med" len="med"/>
-                      <a:tailEnd type="none" w="med" len="med"/>
-                    </a:lnB>
-                    <a:solidFill>
-                      <a:schemeClr val="bg1">
-                        <a:lumMod val="95000"/>
-                      </a:schemeClr>
-                    </a:solidFill>
-                  </a:tcPr>
-                </a:tc>
-                <a:extLst>
-                  <a:ext uri="{0D108BD9-81ED-4DB2-BD59-A6C34878D82A}">
-                    <a16:rowId xmlns:a16="http://schemas.microsoft.com/office/drawing/2014/main" val="2402086451"/>
-                  </a:ext>
-                </a:extLst>
-              </a:tr>
-            </a:tbl>
-          </a:graphicData>
-        </a:graphic>
-      </p:graphicFrame>
-    </p:spTree>
-    <p:extLst>
-      <p:ext uri="{BB962C8B-B14F-4D97-AF65-F5344CB8AC3E}">
-        <p14:creationId xmlns:p14="http://schemas.microsoft.com/office/powerpoint/2010/main" val="3674602559"/>
-      </p:ext>
-    </p:extLst>
-  </p:cSld>
-  <p:clrMapOvr>
-    <a:masterClrMapping/>
-  </p:clrMapOvr>
-</p:sld>
-</file>
-
-<file path=ppt/slides/slide8.xml><?xml version="1.0" encoding="utf-8"?>
-<p:sld xmlns:a="http://schemas.openxmlformats.org/drawingml/2006/main" xmlns:r="http://schemas.openxmlformats.org/officeDocument/2006/relationships" xmlns:p="http://schemas.openxmlformats.org/presentationml/2006/main">
-  <p:cSld>
-    <p:spTree>
-      <p:nvGrpSpPr>
-        <p:cNvPr id="1" name=""/>
-        <p:cNvGrpSpPr/>
-        <p:nvPr/>
-      </p:nvGrpSpPr>
-      <p:grpSpPr>
-        <a:xfrm>
-          <a:off x="0" y="0"/>
-          <a:ext cx="0" cy="0"/>
-          <a:chOff x="0" y="0"/>
-          <a:chExt cx="0" cy="0"/>
-        </a:xfrm>
-      </p:grpSpPr>
-      <p:sp>
-        <p:nvSpPr>
-          <p:cNvPr id="3" name="Content Placeholder 2">
-            <a:extLst>
-              <a:ext uri="{FF2B5EF4-FFF2-40B4-BE49-F238E27FC236}">
-                <a16:creationId xmlns:a16="http://schemas.microsoft.com/office/drawing/2014/main" id="{AA6DAC36-D6AB-CC9E-8FC5-C4B53144C77D}"/>
-              </a:ext>
-            </a:extLst>
-          </p:cNvPr>
-          <p:cNvSpPr>
-            <a:spLocks noGrp="1"/>
-          </p:cNvSpPr>
-          <p:nvPr>
-            <p:ph idx="1"/>
-          </p:nvPr>
-        </p:nvSpPr>
-        <p:spPr>
-          <a:xfrm>
-            <a:off x="838200" y="1825625"/>
-            <a:ext cx="10515600" cy="4851622"/>
-          </a:xfrm>
-        </p:spPr>
-        <p:txBody>
-          <a:bodyPr>
-            <a:normAutofit/>
-          </a:bodyPr>
-          <a:lstStyle/>
-          <a:p>
-            <a:pPr>
-              <a:lnSpc>
-                <a:spcPct val="150000"/>
-              </a:lnSpc>
-            </a:pPr>
-            <a:r>
-              <a:rPr lang="en-US" sz="2400" dirty="0"/>
-              <a:t>Procedure: </a:t>
-            </a:r>
-          </a:p>
-          <a:p>
-            <a:pPr lvl="1">
-              <a:lnSpc>
-                <a:spcPct val="150000"/>
-              </a:lnSpc>
-            </a:pPr>
-            <a:r>
-              <a:rPr lang="en-US" sz="2000" dirty="0"/>
-              <a:t>Participants read sentences word-by-word while EEG was recorded. </a:t>
-            </a:r>
-          </a:p>
-          <a:p>
-            <a:pPr lvl="1">
-              <a:lnSpc>
-                <a:spcPct val="150000"/>
-              </a:lnSpc>
-            </a:pPr>
-            <a:r>
-              <a:rPr lang="en-US" sz="2000" dirty="0"/>
-              <a:t>Post-experiment comprehension test </a:t>
-            </a:r>
-            <a:r>
-              <a:rPr lang="en-US" sz="2000" b="1" dirty="0"/>
-              <a:t>ensured attention</a:t>
-            </a:r>
-            <a:r>
-              <a:rPr lang="en-US" sz="2000" dirty="0"/>
-              <a:t>.</a:t>
-            </a:r>
-          </a:p>
-          <a:p>
-            <a:pPr>
-              <a:lnSpc>
-                <a:spcPct val="150000"/>
-              </a:lnSpc>
-            </a:pPr>
-            <a:r>
-              <a:rPr lang="en-US" sz="2400" dirty="0"/>
-              <a:t>EEG Recording</a:t>
-            </a:r>
-            <a:r>
-              <a:rPr lang="en-US" sz="2400" b="1" dirty="0"/>
-              <a:t>:</a:t>
-            </a:r>
-            <a:r>
-              <a:rPr lang="en-US" sz="2400" dirty="0"/>
-              <a:t> 64 electrodes, components analyzed: N1, P2, N400, P600.</a:t>
-            </a:r>
-          </a:p>
-          <a:p>
-            <a:pPr>
-              <a:lnSpc>
-                <a:spcPct val="150000"/>
-              </a:lnSpc>
-            </a:pPr>
-            <a:r>
-              <a:rPr lang="en-US" sz="2400" dirty="0"/>
-              <a:t>Controlled variables: </a:t>
-            </a:r>
-          </a:p>
-          <a:p>
-            <a:pPr lvl="1">
-              <a:lnSpc>
-                <a:spcPct val="150000"/>
-              </a:lnSpc>
-            </a:pPr>
-            <a:r>
-              <a:rPr lang="en-US" sz="2000" b="1" dirty="0"/>
-              <a:t>Emotional valence</a:t>
-            </a:r>
-            <a:r>
-              <a:rPr lang="ko-KR" altLang="en-US" sz="2000" b="1" dirty="0"/>
-              <a:t> </a:t>
-            </a:r>
-            <a:r>
-              <a:rPr lang="en-US" altLang="ko-KR" sz="2000" b="1" dirty="0"/>
-              <a:t>bias</a:t>
-            </a:r>
-            <a:r>
-              <a:rPr lang="en-US" sz="2000" dirty="0"/>
-              <a:t>: included corresponding positive verbs as filter</a:t>
-            </a:r>
-          </a:p>
-          <a:p>
-            <a:pPr lvl="1">
-              <a:lnSpc>
-                <a:spcPct val="150000"/>
-              </a:lnSpc>
-            </a:pPr>
-            <a:r>
-              <a:rPr lang="en-US" sz="2000" b="1" dirty="0"/>
-              <a:t>Word frequency </a:t>
-            </a:r>
-            <a:r>
-              <a:rPr lang="en-US" sz="2000" dirty="0"/>
-              <a:t>(via SUBTLEX corpus) &amp; </a:t>
-            </a:r>
-            <a:r>
-              <a:rPr lang="en-US" sz="2000" b="1" dirty="0"/>
-              <a:t>Number of strokes</a:t>
-            </a:r>
-          </a:p>
-          <a:p>
-            <a:pPr lvl="1">
-              <a:lnSpc>
-                <a:spcPct val="150000"/>
-              </a:lnSpc>
-            </a:pPr>
-            <a:r>
-              <a:rPr lang="en-US" sz="2000" b="1" dirty="0"/>
-              <a:t>Sentence order</a:t>
-            </a:r>
-            <a:r>
-              <a:rPr lang="en-US" sz="2000" dirty="0"/>
-              <a:t>: Pseudo-randomized order without three consecutive same conditions</a:t>
-            </a:r>
-          </a:p>
-          <a:p>
-            <a:pPr>
-              <a:lnSpc>
-                <a:spcPct val="150000"/>
-              </a:lnSpc>
-            </a:pPr>
-            <a:endParaRPr lang="en-KR" sz="2400" dirty="0"/>
-          </a:p>
-        </p:txBody>
-      </p:sp>
-      <p:sp>
-        <p:nvSpPr>
-          <p:cNvPr id="2" name="Title 1">
-            <a:extLst>
-              <a:ext uri="{FF2B5EF4-FFF2-40B4-BE49-F238E27FC236}">
-                <a16:creationId xmlns:a16="http://schemas.microsoft.com/office/drawing/2014/main" id="{41C28E70-DD73-D38E-6809-753718B5FB5D}"/>
-              </a:ext>
-            </a:extLst>
-          </p:cNvPr>
-          <p:cNvSpPr>
-            <a:spLocks noGrp="1"/>
-          </p:cNvSpPr>
-          <p:nvPr>
-            <p:ph type="title"/>
-          </p:nvPr>
-        </p:nvSpPr>
-        <p:spPr/>
-        <p:txBody>
-          <a:bodyPr/>
-          <a:lstStyle/>
-          <a:p>
-            <a:r>
-              <a:rPr lang="en-US" dirty="0"/>
-              <a:t>Method (II)</a:t>
-            </a:r>
-            <a:endParaRPr lang="en-KR" dirty="0"/>
-          </a:p>
-        </p:txBody>
-      </p:sp>
-    </p:spTree>
-    <p:extLst>
-      <p:ext uri="{BB962C8B-B14F-4D97-AF65-F5344CB8AC3E}">
-        <p14:creationId xmlns:p14="http://schemas.microsoft.com/office/powerpoint/2010/main" val="1148157868"/>
+        <p14:creationId xmlns:p14="http://schemas.microsoft.com/office/powerpoint/2010/main" val="97390045"/>
       </p:ext>
     </p:extLst>
   </p:cSld>
@@ -7395,7 +11074,7 @@
         <p:cNvPr id="1" name="">
           <a:extLst>
             <a:ext uri="{FF2B5EF4-FFF2-40B4-BE49-F238E27FC236}">
-              <a16:creationId xmlns:a16="http://schemas.microsoft.com/office/drawing/2014/main" id="{8CF6DB58-A933-DBFC-2001-4060DD1834CE}"/>
+              <a16:creationId xmlns:a16="http://schemas.microsoft.com/office/drawing/2014/main" id="{AB81E1A9-5CDF-AB97-6721-B11261CF04A1}"/>
             </a:ext>
           </a:extLst>
         </p:cNvPr>
@@ -7415,7 +11094,7 @@
           <p:cNvPr id="2" name="Title 1">
             <a:extLst>
               <a:ext uri="{FF2B5EF4-FFF2-40B4-BE49-F238E27FC236}">
-                <a16:creationId xmlns:a16="http://schemas.microsoft.com/office/drawing/2014/main" id="{7F0EBDB8-4117-92FC-411C-46EBCC8B84E8}"/>
+                <a16:creationId xmlns:a16="http://schemas.microsoft.com/office/drawing/2014/main" id="{707B68A1-BAC4-73DF-5B31-7D9CA563B9EB}"/>
               </a:ext>
             </a:extLst>
           </p:cNvPr>
@@ -7433,77 +11112,188 @@
           <a:p>
             <a:r>
               <a:rPr lang="en-US" dirty="0"/>
-              <a:t>Method (III)</a:t>
+              <a:t>Experimental Design: Four-stage Design</a:t>
             </a:r>
             <a:endParaRPr lang="en-KR" dirty="0"/>
           </a:p>
         </p:txBody>
       </p:sp>
-      <p:pic>
-        <p:nvPicPr>
-          <p:cNvPr id="6" name="Picture 5">
-            <a:extLst>
-              <a:ext uri="{FF2B5EF4-FFF2-40B4-BE49-F238E27FC236}">
-                <a16:creationId xmlns:a16="http://schemas.microsoft.com/office/drawing/2014/main" id="{A37F895F-8638-59F7-63EA-362BAC3AB18F}"/>
-              </a:ext>
-            </a:extLst>
-          </p:cNvPr>
-          <p:cNvPicPr>
-            <a:picLocks noChangeAspect="1"/>
-          </p:cNvPicPr>
-          <p:nvPr/>
-        </p:nvPicPr>
-        <p:blipFill>
-          <a:blip r:embed="rId2"/>
-          <a:stretch>
-            <a:fillRect/>
-          </a:stretch>
-        </p:blipFill>
+      <p:sp>
+        <p:nvSpPr>
+          <p:cNvPr id="3" name="Content Placeholder 2">
+            <a:extLst>
+              <a:ext uri="{FF2B5EF4-FFF2-40B4-BE49-F238E27FC236}">
+                <a16:creationId xmlns:a16="http://schemas.microsoft.com/office/drawing/2014/main" id="{4291F5C1-FA30-8163-C498-AD06484D67FA}"/>
+              </a:ext>
+            </a:extLst>
+          </p:cNvPr>
+          <p:cNvSpPr>
+            <a:spLocks noGrp="1"/>
+          </p:cNvSpPr>
+          <p:nvPr>
+            <p:ph idx="1"/>
+          </p:nvPr>
+        </p:nvSpPr>
         <p:spPr>
           <a:xfrm>
-            <a:off x="1195477" y="1690688"/>
-            <a:ext cx="9801046" cy="4070202"/>
+            <a:off x="582132" y="1603376"/>
+            <a:ext cx="11027735" cy="5076824"/>
           </a:xfrm>
-          <a:prstGeom prst="rect">
-            <a:avLst/>
-          </a:prstGeom>
         </p:spPr>
-      </p:pic>
-      <p:sp>
-        <p:nvSpPr>
-          <p:cNvPr id="7" name="TextBox 6">
-            <a:extLst>
-              <a:ext uri="{FF2B5EF4-FFF2-40B4-BE49-F238E27FC236}">
-                <a16:creationId xmlns:a16="http://schemas.microsoft.com/office/drawing/2014/main" id="{7255BFDD-C1DA-13BA-DA03-08897B398204}"/>
-              </a:ext>
-            </a:extLst>
-          </p:cNvPr>
-          <p:cNvSpPr txBox="1"/>
-          <p:nvPr/>
-        </p:nvSpPr>
-        <p:spPr>
-          <a:xfrm>
-            <a:off x="1195477" y="5760890"/>
-            <a:ext cx="7255897" cy="400110"/>
-          </a:xfrm>
-          <a:prstGeom prst="rect">
-            <a:avLst/>
-          </a:prstGeom>
-          <a:noFill/>
-        </p:spPr>
-        <p:txBody>
-          <a:bodyPr wrap="none" rtlCol="0">
-            <a:spAutoFit/>
+        <p:txBody>
+          <a:bodyPr>
+            <a:normAutofit fontScale="92500" lnSpcReduction="10000"/>
           </a:bodyPr>
           <a:lstStyle/>
           <a:p>
-            <a:pPr marL="285750" indent="-285750">
-              <a:buFont typeface="Arial" panose="020B0604020202020204" pitchFamily="34" charset="0"/>
-              <a:buChar char="•"/>
+            <a:pPr>
+              <a:lnSpc>
+                <a:spcPct val="150000"/>
+              </a:lnSpc>
             </a:pPr>
             <a:r>
-              <a:rPr lang="en-KR" sz="2000" dirty="0"/>
-              <a:t>Each measured by participants, except frequency and strokes</a:t>
+              <a:rPr lang="en-US" sz="2400" b="1" dirty="0"/>
+              <a:t>Background Reading</a:t>
+            </a:r>
+            <a:r>
+              <a:rPr lang="en-US" sz="2400" dirty="0"/>
+              <a:t>: Background passage about “Talen tribe</a:t>
+            </a:r>
+            <a:r>
+              <a:rPr lang="en-US" sz="1900" dirty="0"/>
+              <a:t>(</a:t>
+            </a:r>
+            <a:r>
+              <a:rPr lang="ko-KR" altLang="en-US" sz="1900" dirty="0" err="1"/>
+              <a:t>탈렌족</a:t>
+            </a:r>
+            <a:r>
+              <a:rPr lang="en-US" altLang="ko-KR" sz="1900" dirty="0"/>
+              <a:t>)</a:t>
+            </a:r>
+            <a:r>
+              <a:rPr lang="en-US" sz="2400" dirty="0"/>
+              <a:t>”</a:t>
+            </a:r>
+          </a:p>
+          <a:p>
+            <a:pPr>
+              <a:lnSpc>
+                <a:spcPct val="150000"/>
+              </a:lnSpc>
+            </a:pPr>
+            <a:r>
+              <a:rPr lang="en-US" sz="2400" b="1" dirty="0"/>
+              <a:t>Self-Paced Reading</a:t>
+            </a:r>
+            <a:r>
+              <a:rPr lang="en-US" sz="2400" dirty="0"/>
+              <a:t>: word-by-word with spacebar press</a:t>
+            </a:r>
+          </a:p>
+          <a:p>
+            <a:pPr lvl="1">
+              <a:lnSpc>
+                <a:spcPct val="150000"/>
+              </a:lnSpc>
+            </a:pPr>
+            <a:r>
+              <a:rPr lang="en-US" sz="2000" dirty="0"/>
+              <a:t>RT recorded for each word</a:t>
+            </a:r>
+          </a:p>
+          <a:p>
+            <a:pPr>
+              <a:lnSpc>
+                <a:spcPct val="150000"/>
+              </a:lnSpc>
+            </a:pPr>
+            <a:r>
+              <a:rPr lang="en-US" sz="2400" b="1" dirty="0"/>
+              <a:t>Plausibility Judgement Test</a:t>
+            </a:r>
+            <a:r>
+              <a:rPr lang="en-US" sz="2400" dirty="0"/>
+              <a:t>: Evaluate plausibility of stimuli sentences </a:t>
+            </a:r>
+            <a:r>
+              <a:rPr lang="en-US" sz="1800" dirty="0"/>
+              <a:t>(1-5 Likert Scale)</a:t>
+            </a:r>
+            <a:endParaRPr lang="en-US" sz="2400" dirty="0"/>
+          </a:p>
+          <a:p>
+            <a:pPr lvl="1">
+              <a:lnSpc>
+                <a:spcPct val="150000"/>
+              </a:lnSpc>
+            </a:pPr>
+            <a:r>
+              <a:rPr lang="en-US" sz="2000" dirty="0"/>
+              <a:t>Metrics: Judgement accuracy</a:t>
+            </a:r>
+          </a:p>
+          <a:p>
+            <a:pPr>
+              <a:lnSpc>
+                <a:spcPct val="150000"/>
+              </a:lnSpc>
+            </a:pPr>
+            <a:r>
+              <a:rPr lang="en-US" sz="2400" b="1" dirty="0"/>
+              <a:t>Free Description Task</a:t>
+            </a:r>
+            <a:r>
+              <a:rPr lang="en-US" sz="2400" dirty="0"/>
+              <a:t>: Describe the “Talen tribe” in your own words</a:t>
+            </a:r>
+          </a:p>
+          <a:p>
+            <a:pPr lvl="1">
+              <a:lnSpc>
+                <a:spcPct val="150000"/>
+              </a:lnSpc>
+            </a:pPr>
+            <a:r>
+              <a:rPr lang="en-US" sz="2000" dirty="0"/>
+              <a:t>Metrics: Emotional valence, Factual details, Wrong information</a:t>
+            </a:r>
+          </a:p>
+          <a:p>
+            <a:pPr>
+              <a:lnSpc>
+                <a:spcPct val="150000"/>
+              </a:lnSpc>
+            </a:pPr>
+            <a:r>
+              <a:rPr lang="en-US" sz="2400" b="1" dirty="0"/>
+              <a:t>Manipulation Check</a:t>
+            </a:r>
+            <a:r>
+              <a:rPr lang="en-US" sz="2400" dirty="0"/>
+              <a:t>: Negativity rating for all modifiers </a:t>
+            </a:r>
+            <a:r>
+              <a:rPr lang="en-US" sz="1800" dirty="0"/>
+              <a:t>(1-7 Likert Scale)</a:t>
+            </a:r>
+          </a:p>
+          <a:p>
+            <a:pPr marL="0" indent="0" algn="ctr">
+              <a:lnSpc>
+                <a:spcPct val="150000"/>
+              </a:lnSpc>
+              <a:buNone/>
+            </a:pPr>
+            <a:r>
+              <a:rPr lang="en-US" sz="1800" dirty="0">
+                <a:hlinkClick r:id="rId3"/>
+              </a:rPr>
+              <a:t>https://haba6030.github.io/Linguistics_Experiment/</a:t>
+            </a:r>
+            <a:r>
+              <a:rPr lang="en-US" sz="1800" dirty="0"/>
+              <a:t> </a:t>
             </a:r>
           </a:p>
         </p:txBody>
@@ -7511,7 +11301,7 @@
     </p:spTree>
     <p:extLst>
       <p:ext uri="{BB962C8B-B14F-4D97-AF65-F5344CB8AC3E}">
-        <p14:creationId xmlns:p14="http://schemas.microsoft.com/office/powerpoint/2010/main" val="2707586375"/>
+        <p14:creationId xmlns:p14="http://schemas.microsoft.com/office/powerpoint/2010/main" val="4125229"/>
       </p:ext>
     </p:extLst>
   </p:cSld>
